--- a/presentation/presentation.pptx
+++ b/presentation/presentation.pptx
@@ -6,10 +6,10 @@
     <p:sldMasterId id="2147483751" r:id="rId2"/>
   </p:sldMasterIdLst>
   <p:notesMasterIdLst>
-    <p:notesMasterId r:id="rId32"/>
+    <p:notesMasterId r:id="rId59"/>
   </p:notesMasterIdLst>
   <p:handoutMasterIdLst>
-    <p:handoutMasterId r:id="rId33"/>
+    <p:handoutMasterId r:id="rId60"/>
   </p:handoutMasterIdLst>
   <p:sldIdLst>
     <p:sldId id="256" r:id="rId3"/>
@@ -40,7 +40,34 @@
     <p:sldId id="285" r:id="rId28"/>
     <p:sldId id="286" r:id="rId29"/>
     <p:sldId id="287" r:id="rId30"/>
-    <p:sldId id="288" r:id="rId31"/>
+    <p:sldId id="289" r:id="rId31"/>
+    <p:sldId id="290" r:id="rId32"/>
+    <p:sldId id="291" r:id="rId33"/>
+    <p:sldId id="288" r:id="rId34"/>
+    <p:sldId id="292" r:id="rId35"/>
+    <p:sldId id="293" r:id="rId36"/>
+    <p:sldId id="294" r:id="rId37"/>
+    <p:sldId id="295" r:id="rId38"/>
+    <p:sldId id="296" r:id="rId39"/>
+    <p:sldId id="297" r:id="rId40"/>
+    <p:sldId id="298" r:id="rId41"/>
+    <p:sldId id="299" r:id="rId42"/>
+    <p:sldId id="302" r:id="rId43"/>
+    <p:sldId id="303" r:id="rId44"/>
+    <p:sldId id="304" r:id="rId45"/>
+    <p:sldId id="306" r:id="rId46"/>
+    <p:sldId id="307" r:id="rId47"/>
+    <p:sldId id="308" r:id="rId48"/>
+    <p:sldId id="305" r:id="rId49"/>
+    <p:sldId id="312" r:id="rId50"/>
+    <p:sldId id="309" r:id="rId51"/>
+    <p:sldId id="310" r:id="rId52"/>
+    <p:sldId id="311" r:id="rId53"/>
+    <p:sldId id="313" r:id="rId54"/>
+    <p:sldId id="314" r:id="rId55"/>
+    <p:sldId id="315" r:id="rId56"/>
+    <p:sldId id="316" r:id="rId57"/>
+    <p:sldId id="317" r:id="rId58"/>
   </p:sldIdLst>
   <p:sldSz cx="9144000" cy="5143500" type="screen16x9"/>
   <p:notesSz cx="6858000" cy="9144000"/>
@@ -172,7 +199,34 @@
             <p14:sldId id="285"/>
             <p14:sldId id="286"/>
             <p14:sldId id="287"/>
+            <p14:sldId id="289"/>
+            <p14:sldId id="290"/>
+            <p14:sldId id="291"/>
             <p14:sldId id="288"/>
+            <p14:sldId id="292"/>
+            <p14:sldId id="293"/>
+            <p14:sldId id="294"/>
+            <p14:sldId id="295"/>
+            <p14:sldId id="296"/>
+            <p14:sldId id="297"/>
+            <p14:sldId id="298"/>
+            <p14:sldId id="299"/>
+            <p14:sldId id="302"/>
+            <p14:sldId id="303"/>
+            <p14:sldId id="304"/>
+            <p14:sldId id="306"/>
+            <p14:sldId id="307"/>
+            <p14:sldId id="308"/>
+            <p14:sldId id="305"/>
+            <p14:sldId id="312"/>
+            <p14:sldId id="309"/>
+            <p14:sldId id="310"/>
+            <p14:sldId id="311"/>
+            <p14:sldId id="313"/>
+            <p14:sldId id="314"/>
+            <p14:sldId id="315"/>
+            <p14:sldId id="316"/>
+            <p14:sldId id="317"/>
           </p14:sldIdLst>
         </p14:section>
       </p14:sectionLst>
@@ -305,7 +359,7 @@
           </a:lstStyle>
           <a:p>
             <a:fld id="{9A5B6E0F-1DB3-5A43-B8F9-5E1E696749DF}" type="datetimeFigureOut">
-              <a:t>10/20/2019</a:t>
+              <a:t>10/21/2019</a:t>
             </a:fld>
             <a:endParaRPr lang="en-US"/>
           </a:p>
@@ -468,7 +522,7 @@
           </a:lstStyle>
           <a:p>
             <a:fld id="{C61BC211-ACBD-CB48-B939-364088D2CD6D}" type="datetimeFigureOut">
-              <a:t>10/20/2019</a:t>
+              <a:t>10/21/2019</a:t>
             </a:fld>
             <a:endParaRPr lang="en-US"/>
           </a:p>
@@ -779,7 +833,7 @@
           <a:lstStyle/>
           <a:p>
             <a:r>
-              <a:rPr lang="en-US" sz="1200" b="0" i="0" kern="1200" dirty="0" smtClean="0">
+              <a:rPr lang="en-US" sz="1200" b="0" i="0" kern="1200" dirty="0">
                 <a:solidFill>
                   <a:schemeClr val="tx1"/>
                 </a:solidFill>
@@ -791,7 +845,7 @@
               <a:t>RL works faster, since not non-deterministic</a:t>
             </a:r>
             <a:r>
-              <a:rPr lang="en-US" sz="1200" b="0" i="0" kern="1200" baseline="0" dirty="0" smtClean="0">
+              <a:rPr lang="en-US" sz="1200" b="0" i="0" kern="1200" baseline="0" dirty="0">
                 <a:solidFill>
                   <a:schemeClr val="tx1"/>
                 </a:solidFill>
@@ -805,7 +859,7 @@
           </a:p>
           <a:p>
             <a:r>
-              <a:rPr lang="en-US" sz="1200" b="0" i="0" kern="1200" dirty="0" smtClean="0">
+              <a:rPr lang="en-US" sz="1200" b="0" i="0" kern="1200" dirty="0">
                 <a:solidFill>
                   <a:schemeClr val="tx1"/>
                 </a:solidFill>
@@ -819,7 +873,7 @@
           </a:p>
           <a:p>
             <a:r>
-              <a:rPr lang="en-US" sz="1200" b="0" i="0" kern="1200" dirty="0" smtClean="0">
+              <a:rPr lang="en-US" sz="1200" b="0" i="0" kern="1200" dirty="0">
                 <a:solidFill>
                   <a:schemeClr val="tx1"/>
                 </a:solidFill>
@@ -1169,10 +1223,9 @@
           <a:lstStyle/>
           <a:p>
             <a:r>
-              <a:rPr lang="en-US" dirty="0" smtClean="0"/>
+              <a:rPr lang="en-US" dirty="0"/>
               <a:t>putting all of the operations of a huge LSTM on a single GPU will exceed the device’s memory limit. </a:t>
             </a:r>
-            <a:endParaRPr lang="en-US" dirty="0"/>
           </a:p>
         </p:txBody>
       </p:sp>
@@ -1203,6 +1256,365 @@
     <p:extLst>
       <p:ext uri="{BB962C8B-B14F-4D97-AF65-F5344CB8AC3E}">
         <p14:creationId xmlns:p14="http://schemas.microsoft.com/office/powerpoint/2010/main" val="1687994097"/>
+      </p:ext>
+    </p:extLst>
+  </p:cSld>
+  <p:clrMapOvr>
+    <a:masterClrMapping/>
+  </p:clrMapOvr>
+</p:notes>
+</file>
+
+<file path=ppt/notesSlides/notesSlide6.xml><?xml version="1.0" encoding="utf-8"?>
+<p:notes xmlns:a="http://schemas.openxmlformats.org/drawingml/2006/main" xmlns:r="http://schemas.openxmlformats.org/officeDocument/2006/relationships" xmlns:p="http://schemas.openxmlformats.org/presentationml/2006/main">
+  <p:cSld>
+    <p:spTree>
+      <p:nvGrpSpPr>
+        <p:cNvPr id="1" name=""/>
+        <p:cNvGrpSpPr/>
+        <p:nvPr/>
+      </p:nvGrpSpPr>
+      <p:grpSpPr>
+        <a:xfrm>
+          <a:off x="0" y="0"/>
+          <a:ext cx="0" cy="0"/>
+          <a:chOff x="0" y="0"/>
+          <a:chExt cx="0" cy="0"/>
+        </a:xfrm>
+      </p:grpSpPr>
+      <p:sp>
+        <p:nvSpPr>
+          <p:cNvPr id="2" name="Slide Image Placeholder 1"/>
+          <p:cNvSpPr>
+            <a:spLocks noGrp="1" noRot="1" noChangeAspect="1"/>
+          </p:cNvSpPr>
+          <p:nvPr>
+            <p:ph type="sldImg"/>
+          </p:nvPr>
+        </p:nvSpPr>
+        <p:spPr/>
+      </p:sp>
+      <p:sp>
+        <p:nvSpPr>
+          <p:cNvPr id="3" name="Notes Placeholder 2"/>
+          <p:cNvSpPr>
+            <a:spLocks noGrp="1"/>
+          </p:cNvSpPr>
+          <p:nvPr>
+            <p:ph type="body" idx="1"/>
+          </p:nvPr>
+        </p:nvSpPr>
+        <p:spPr/>
+        <p:txBody>
+          <a:bodyPr/>
+          <a:lstStyle/>
+          <a:p>
+            <a:r>
+              <a:rPr lang="en-US" dirty="0"/>
+              <a:t>The grid structure of this model introduces tremendous potential for parallel executions because each LSTM cell can start as soon as its input and previous states are available</a:t>
+            </a:r>
+          </a:p>
+          <a:p>
+            <a:endParaRPr lang="en-US" dirty="0"/>
+          </a:p>
+          <a:p>
+            <a:r>
+              <a:rPr lang="en-US" dirty="0"/>
+              <a:t>its large number of hidden states due to the source and target sentences necessitates </a:t>
+            </a:r>
+            <a:r>
+              <a:rPr lang="en-US" dirty="0" err="1"/>
+              <a:t>modeparallelism</a:t>
+            </a:r>
+            <a:endParaRPr lang="en-US" dirty="0"/>
+          </a:p>
+        </p:txBody>
+      </p:sp>
+      <p:sp>
+        <p:nvSpPr>
+          <p:cNvPr id="4" name="Slide Number Placeholder 3"/>
+          <p:cNvSpPr>
+            <a:spLocks noGrp="1"/>
+          </p:cNvSpPr>
+          <p:nvPr>
+            <p:ph type="sldNum" sz="quarter" idx="5"/>
+          </p:nvPr>
+        </p:nvSpPr>
+        <p:spPr/>
+        <p:txBody>
+          <a:bodyPr/>
+          <a:lstStyle/>
+          <a:p>
+            <a:fld id="{D904D311-73F7-5D42-B843-E8305C73070F}" type="slidenum">
+              <a:rPr lang="en-US" smtClean="0"/>
+              <a:t>30</a:t>
+            </a:fld>
+            <a:endParaRPr lang="en-US"/>
+          </a:p>
+        </p:txBody>
+      </p:sp>
+    </p:spTree>
+    <p:extLst>
+      <p:ext uri="{BB962C8B-B14F-4D97-AF65-F5344CB8AC3E}">
+        <p14:creationId xmlns:p14="http://schemas.microsoft.com/office/powerpoint/2010/main" val="456832567"/>
+      </p:ext>
+    </p:extLst>
+  </p:cSld>
+  <p:clrMapOvr>
+    <a:masterClrMapping/>
+  </p:clrMapOvr>
+</p:notes>
+</file>
+
+<file path=ppt/notesSlides/notesSlide7.xml><?xml version="1.0" encoding="utf-8"?>
+<p:notes xmlns:a="http://schemas.openxmlformats.org/drawingml/2006/main" xmlns:r="http://schemas.openxmlformats.org/officeDocument/2006/relationships" xmlns:p="http://schemas.openxmlformats.org/presentationml/2006/main">
+  <p:cSld>
+    <p:spTree>
+      <p:nvGrpSpPr>
+        <p:cNvPr id="1" name=""/>
+        <p:cNvGrpSpPr/>
+        <p:nvPr/>
+      </p:nvGrpSpPr>
+      <p:grpSpPr>
+        <a:xfrm>
+          <a:off x="0" y="0"/>
+          <a:ext cx="0" cy="0"/>
+          <a:chOff x="0" y="0"/>
+          <a:chExt cx="0" cy="0"/>
+        </a:xfrm>
+      </p:grpSpPr>
+      <p:sp>
+        <p:nvSpPr>
+          <p:cNvPr id="2" name="Slide Image Placeholder 1"/>
+          <p:cNvSpPr>
+            <a:spLocks noGrp="1" noRot="1" noChangeAspect="1"/>
+          </p:cNvSpPr>
+          <p:nvPr>
+            <p:ph type="sldImg"/>
+          </p:nvPr>
+        </p:nvSpPr>
+        <p:spPr/>
+      </p:sp>
+      <p:sp>
+        <p:nvSpPr>
+          <p:cNvPr id="3" name="Notes Placeholder 2"/>
+          <p:cNvSpPr>
+            <a:spLocks noGrp="1"/>
+          </p:cNvSpPr>
+          <p:nvPr>
+            <p:ph type="body" idx="1"/>
+          </p:nvPr>
+        </p:nvSpPr>
+        <p:spPr/>
+        <p:txBody>
+          <a:bodyPr/>
+          <a:lstStyle/>
+          <a:p>
+            <a:r>
+              <a:rPr lang="en-US" dirty="0"/>
+              <a:t>Interestingly, if we do not take into account the time for back-propagation, then expert-designed placement makes sense because the workload is more balanced (whilst still less balanced than ours).</a:t>
+            </a:r>
+          </a:p>
+        </p:txBody>
+      </p:sp>
+      <p:sp>
+        <p:nvSpPr>
+          <p:cNvPr id="4" name="Slide Number Placeholder 3"/>
+          <p:cNvSpPr>
+            <a:spLocks noGrp="1"/>
+          </p:cNvSpPr>
+          <p:nvPr>
+            <p:ph type="sldNum" sz="quarter" idx="5"/>
+          </p:nvPr>
+        </p:nvSpPr>
+        <p:spPr/>
+        <p:txBody>
+          <a:bodyPr/>
+          <a:lstStyle/>
+          <a:p>
+            <a:fld id="{D904D311-73F7-5D42-B843-E8305C73070F}" type="slidenum">
+              <a:rPr lang="en-US" smtClean="0"/>
+              <a:t>38</a:t>
+            </a:fld>
+            <a:endParaRPr lang="en-US"/>
+          </a:p>
+        </p:txBody>
+      </p:sp>
+    </p:spTree>
+    <p:extLst>
+      <p:ext uri="{BB962C8B-B14F-4D97-AF65-F5344CB8AC3E}">
+        <p14:creationId xmlns:p14="http://schemas.microsoft.com/office/powerpoint/2010/main" val="992122168"/>
+      </p:ext>
+    </p:extLst>
+  </p:cSld>
+  <p:clrMapOvr>
+    <a:masterClrMapping/>
+  </p:clrMapOvr>
+</p:notes>
+</file>
+
+<file path=ppt/notesSlides/notesSlide8.xml><?xml version="1.0" encoding="utf-8"?>
+<p:notes xmlns:a="http://schemas.openxmlformats.org/drawingml/2006/main" xmlns:r="http://schemas.openxmlformats.org/officeDocument/2006/relationships" xmlns:p="http://schemas.openxmlformats.org/presentationml/2006/main">
+  <p:cSld>
+    <p:spTree>
+      <p:nvGrpSpPr>
+        <p:cNvPr id="1" name=""/>
+        <p:cNvGrpSpPr/>
+        <p:nvPr/>
+      </p:nvGrpSpPr>
+      <p:grpSpPr>
+        <a:xfrm>
+          <a:off x="0" y="0"/>
+          <a:ext cx="0" cy="0"/>
+          <a:chOff x="0" y="0"/>
+          <a:chExt cx="0" cy="0"/>
+        </a:xfrm>
+      </p:grpSpPr>
+      <p:sp>
+        <p:nvSpPr>
+          <p:cNvPr id="2" name="Slide Image Placeholder 1"/>
+          <p:cNvSpPr>
+            <a:spLocks noGrp="1" noRot="1" noChangeAspect="1"/>
+          </p:cNvSpPr>
+          <p:nvPr>
+            <p:ph type="sldImg"/>
+          </p:nvPr>
+        </p:nvSpPr>
+        <p:spPr/>
+      </p:sp>
+      <p:sp>
+        <p:nvSpPr>
+          <p:cNvPr id="3" name="Notes Placeholder 2"/>
+          <p:cNvSpPr>
+            <a:spLocks noGrp="1"/>
+          </p:cNvSpPr>
+          <p:nvPr>
+            <p:ph type="body" idx="1"/>
+          </p:nvPr>
+        </p:nvSpPr>
+        <p:spPr/>
+        <p:txBody>
+          <a:bodyPr/>
+          <a:lstStyle/>
+          <a:p>
+            <a:endParaRPr lang="en-US" dirty="0"/>
+          </a:p>
+        </p:txBody>
+      </p:sp>
+      <p:sp>
+        <p:nvSpPr>
+          <p:cNvPr id="4" name="Slide Number Placeholder 3"/>
+          <p:cNvSpPr>
+            <a:spLocks noGrp="1"/>
+          </p:cNvSpPr>
+          <p:nvPr>
+            <p:ph type="sldNum" sz="quarter" idx="5"/>
+          </p:nvPr>
+        </p:nvSpPr>
+        <p:spPr/>
+        <p:txBody>
+          <a:bodyPr/>
+          <a:lstStyle/>
+          <a:p>
+            <a:fld id="{D904D311-73F7-5D42-B843-E8305C73070F}" type="slidenum">
+              <a:rPr lang="en-US" smtClean="0"/>
+              <a:t>47</a:t>
+            </a:fld>
+            <a:endParaRPr lang="en-US"/>
+          </a:p>
+        </p:txBody>
+      </p:sp>
+    </p:spTree>
+    <p:extLst>
+      <p:ext uri="{BB962C8B-B14F-4D97-AF65-F5344CB8AC3E}">
+        <p14:creationId xmlns:p14="http://schemas.microsoft.com/office/powerpoint/2010/main" val="1711825162"/>
+      </p:ext>
+    </p:extLst>
+  </p:cSld>
+  <p:clrMapOvr>
+    <a:masterClrMapping/>
+  </p:clrMapOvr>
+</p:notes>
+</file>
+
+<file path=ppt/notesSlides/notesSlide9.xml><?xml version="1.0" encoding="utf-8"?>
+<p:notes xmlns:a="http://schemas.openxmlformats.org/drawingml/2006/main" xmlns:r="http://schemas.openxmlformats.org/officeDocument/2006/relationships" xmlns:p="http://schemas.openxmlformats.org/presentationml/2006/main">
+  <p:cSld>
+    <p:spTree>
+      <p:nvGrpSpPr>
+        <p:cNvPr id="1" name=""/>
+        <p:cNvGrpSpPr/>
+        <p:nvPr/>
+      </p:nvGrpSpPr>
+      <p:grpSpPr>
+        <a:xfrm>
+          <a:off x="0" y="0"/>
+          <a:ext cx="0" cy="0"/>
+          <a:chOff x="0" y="0"/>
+          <a:chExt cx="0" cy="0"/>
+        </a:xfrm>
+      </p:grpSpPr>
+      <p:sp>
+        <p:nvSpPr>
+          <p:cNvPr id="2" name="Slide Image Placeholder 1"/>
+          <p:cNvSpPr>
+            <a:spLocks noGrp="1" noRot="1" noChangeAspect="1"/>
+          </p:cNvSpPr>
+          <p:nvPr>
+            <p:ph type="sldImg"/>
+          </p:nvPr>
+        </p:nvSpPr>
+        <p:spPr/>
+      </p:sp>
+      <p:sp>
+        <p:nvSpPr>
+          <p:cNvPr id="3" name="Notes Placeholder 2"/>
+          <p:cNvSpPr>
+            <a:spLocks noGrp="1"/>
+          </p:cNvSpPr>
+          <p:nvPr>
+            <p:ph type="body" idx="1"/>
+          </p:nvPr>
+        </p:nvSpPr>
+        <p:spPr/>
+        <p:txBody>
+          <a:bodyPr/>
+          <a:lstStyle/>
+          <a:p>
+            <a:r>
+              <a:rPr lang="en-US" dirty="0"/>
+              <a:t>ML frameworks will suffer from huge performance penalties when relying on page-migration for training DNNs. </a:t>
+            </a:r>
+          </a:p>
+        </p:txBody>
+      </p:sp>
+      <p:sp>
+        <p:nvSpPr>
+          <p:cNvPr id="4" name="Slide Number Placeholder 3"/>
+          <p:cNvSpPr>
+            <a:spLocks noGrp="1"/>
+          </p:cNvSpPr>
+          <p:nvPr>
+            <p:ph type="sldNum" sz="quarter" idx="5"/>
+          </p:nvPr>
+        </p:nvSpPr>
+        <p:spPr/>
+        <p:txBody>
+          <a:bodyPr/>
+          <a:lstStyle/>
+          <a:p>
+            <a:fld id="{D904D311-73F7-5D42-B843-E8305C73070F}" type="slidenum">
+              <a:rPr lang="en-US" smtClean="0"/>
+              <a:t>49</a:t>
+            </a:fld>
+            <a:endParaRPr lang="en-US"/>
+          </a:p>
+        </p:txBody>
+      </p:sp>
+    </p:spTree>
+    <p:extLst>
+      <p:ext uri="{BB962C8B-B14F-4D97-AF65-F5344CB8AC3E}">
+        <p14:creationId xmlns:p14="http://schemas.microsoft.com/office/powerpoint/2010/main" val="3649075859"/>
       </p:ext>
     </p:extLst>
   </p:cSld>
@@ -1242,13 +1654,6 @@
   <p:transition spd="slow">
     <p:fade/>
   </p:transition>
-  <p:timing>
-    <p:tnLst>
-      <p:par>
-        <p:cTn id="1" dur="indefinite" restart="never" nodeType="tmRoot"/>
-      </p:par>
-    </p:tnLst>
-  </p:timing>
 </p:sldLayout>
 </file>
 
@@ -1354,39 +1759,30 @@
           <a:p>
             <a:pPr lvl="0"/>
             <a:r>
-              <a:rPr lang="en-US" dirty="0" smtClean="0"/>
+              <a:rPr lang="en-US" dirty="0"/>
               <a:t>Click to edit Master text styles</a:t>
             </a:r>
           </a:p>
           <a:p>
             <a:pPr lvl="1"/>
             <a:r>
-              <a:rPr lang="en-US" dirty="0" smtClean="0"/>
-              <a:t>	Second </a:t>
-            </a:r>
-            <a:r>
-              <a:rPr lang="en-US" dirty="0" smtClean="0"/>
-              <a:t>level</a:t>
+              <a:rPr lang="en-US" dirty="0"/>
+              <a:t>	Second level</a:t>
             </a:r>
           </a:p>
           <a:p>
             <a:pPr lvl="3"/>
             <a:r>
-              <a:rPr lang="en-US" dirty="0" smtClean="0"/>
+              <a:rPr lang="en-US" dirty="0"/>
               <a:t>Third level</a:t>
             </a:r>
           </a:p>
           <a:p>
             <a:pPr lvl="4"/>
             <a:r>
-              <a:rPr lang="en-US" dirty="0" smtClean="0"/>
-              <a:t>	Fifth </a:t>
-            </a:r>
-            <a:r>
-              <a:rPr lang="en-US" dirty="0" smtClean="0"/>
-              <a:t>level</a:t>
-            </a:r>
-            <a:endParaRPr lang="en-US" dirty="0"/>
+              <a:rPr lang="en-US" dirty="0"/>
+              <a:t>	Fifth level</a:t>
+            </a:r>
           </a:p>
         </p:txBody>
       </p:sp>
@@ -1431,13 +1827,6 @@
   <p:clrMapOvr>
     <a:masterClrMapping/>
   </p:clrMapOvr>
-  <p:timing>
-    <p:tnLst>
-      <p:par>
-        <p:cTn id="1" dur="indefinite" restart="never" nodeType="tmRoot"/>
-      </p:par>
-    </p:tnLst>
-  </p:timing>
 </p:sldLayout>
 </file>
 
@@ -1542,17 +1931,16 @@
           <a:p>
             <a:pPr lvl="0"/>
             <a:r>
-              <a:rPr lang="en-US" dirty="0" smtClean="0"/>
+              <a:rPr lang="en-US" dirty="0"/>
               <a:t>BIG WORD BIG PHRASE</a:t>
             </a:r>
             <a:br>
-              <a:rPr lang="en-US" dirty="0" smtClean="0"/>
+              <a:rPr lang="en-US" dirty="0"/>
             </a:br>
             <a:r>
-              <a:rPr lang="en-US" dirty="0" smtClean="0"/>
+              <a:rPr lang="en-US" dirty="0"/>
               <a:t>SLIDE</a:t>
             </a:r>
-            <a:endParaRPr lang="en-US" dirty="0"/>
           </a:p>
         </p:txBody>
       </p:sp>
@@ -1640,17 +2028,16 @@
           <a:p>
             <a:pPr lvl="0"/>
             <a:r>
-              <a:rPr lang="en-US" dirty="0" smtClean="0"/>
+              <a:rPr lang="en-US" dirty="0"/>
               <a:t>UNIT NAME HERE</a:t>
             </a:r>
           </a:p>
           <a:p>
             <a:pPr lvl="0"/>
             <a:r>
-              <a:rPr lang="en-US" dirty="0" smtClean="0"/>
+              <a:rPr lang="en-US" dirty="0"/>
               <a:t>LINE 2 AS NEEDED</a:t>
             </a:r>
-            <a:endParaRPr lang="en-US" dirty="0"/>
           </a:p>
         </p:txBody>
       </p:sp>
@@ -1848,17 +2235,16 @@
           <a:p>
             <a:pPr lvl="0"/>
             <a:r>
-              <a:rPr lang="en-US" dirty="0" smtClean="0"/>
+              <a:rPr lang="en-US" dirty="0"/>
               <a:t>UNIT NAME HERE</a:t>
             </a:r>
           </a:p>
           <a:p>
             <a:pPr lvl="0"/>
             <a:r>
-              <a:rPr lang="en-US" dirty="0" smtClean="0"/>
+              <a:rPr lang="en-US" dirty="0"/>
               <a:t>LINE 2 AS NEEDED</a:t>
             </a:r>
-            <a:endParaRPr lang="en-US" dirty="0"/>
           </a:p>
         </p:txBody>
       </p:sp>
@@ -1946,24 +2332,23 @@
           <a:p>
             <a:pPr lvl="0"/>
             <a:r>
-              <a:rPr lang="en-US" dirty="0" smtClean="0"/>
+              <a:rPr lang="en-US" dirty="0"/>
               <a:t>BIG WORD</a:t>
             </a:r>
           </a:p>
           <a:p>
             <a:pPr lvl="0"/>
             <a:r>
-              <a:rPr lang="en-US" dirty="0" smtClean="0"/>
+              <a:rPr lang="en-US" dirty="0"/>
               <a:t>BIG PHRASE</a:t>
             </a:r>
             <a:br>
-              <a:rPr lang="en-US" dirty="0" smtClean="0"/>
+              <a:rPr lang="en-US" dirty="0"/>
             </a:br>
             <a:r>
-              <a:rPr lang="en-US" dirty="0" smtClean="0"/>
+              <a:rPr lang="en-US" dirty="0"/>
               <a:t>SLIDE</a:t>
             </a:r>
-            <a:endParaRPr lang="en-US" dirty="0"/>
           </a:p>
         </p:txBody>
       </p:sp>
@@ -2008,13 +2393,6 @@
   <p:clrMapOvr>
     <a:masterClrMapping/>
   </p:clrMapOvr>
-  <p:timing>
-    <p:tnLst>
-      <p:par>
-        <p:cTn id="1" dur="indefinite" restart="never" nodeType="tmRoot"/>
-      </p:par>
-    </p:tnLst>
-  </p:timing>
 </p:sldLayout>
 </file>
 
@@ -2122,17 +2500,16 @@
           <a:p>
             <a:pPr lvl="0"/>
             <a:r>
-              <a:rPr lang="en-US" dirty="0" smtClean="0"/>
+              <a:rPr lang="en-US" dirty="0"/>
               <a:t>UNIT NAME HERE</a:t>
             </a:r>
           </a:p>
           <a:p>
             <a:pPr lvl="0"/>
             <a:r>
-              <a:rPr lang="en-US" dirty="0" smtClean="0"/>
+              <a:rPr lang="en-US" dirty="0"/>
               <a:t>LINE 2 AS NEEDED</a:t>
             </a:r>
-            <a:endParaRPr lang="en-US" dirty="0"/>
           </a:p>
         </p:txBody>
       </p:sp>
@@ -2224,7 +2601,7 @@
               </a:lnSpc>
             </a:pPr>
             <a:r>
-              <a:rPr lang="en-US" sz="2400" dirty="0" smtClean="0">
+              <a:rPr lang="en-US" sz="2400" dirty="0">
                 <a:solidFill>
                   <a:schemeClr val="tx1">
                     <a:lumMod val="75000"/>
@@ -2236,7 +2613,7 @@
               <a:t>– </a:t>
             </a:r>
             <a:r>
-              <a:rPr lang="en-US" sz="2400" dirty="0" err="1" smtClean="0">
+              <a:rPr lang="en-US" sz="2400" dirty="0" err="1">
                 <a:solidFill>
                   <a:schemeClr val="tx1">
                     <a:lumMod val="75000"/>
@@ -2248,7 +2625,7 @@
               <a:t>Firstandlast</a:t>
             </a:r>
             <a:r>
-              <a:rPr lang="en-US" sz="2400" dirty="0" smtClean="0">
+              <a:rPr lang="en-US" sz="2400" dirty="0">
                 <a:solidFill>
                   <a:schemeClr val="tx1">
                     <a:lumMod val="75000"/>
@@ -2267,7 +2644,7 @@
               </a:lnSpc>
             </a:pPr>
             <a:r>
-              <a:rPr lang="en-US" sz="1800" dirty="0" smtClean="0">
+              <a:rPr lang="en-US" sz="1800" dirty="0">
                 <a:solidFill>
                   <a:schemeClr val="tx1">
                     <a:lumMod val="60000"/>
@@ -2321,7 +2698,7 @@
           <a:p>
             <a:pPr lvl="0"/>
             <a:r>
-              <a:rPr lang="en-US" sz="6500" b="0" dirty="0" smtClean="0">
+              <a:rPr lang="en-US" sz="6500" b="0" dirty="0">
                 <a:solidFill>
                   <a:srgbClr val="BB0032"/>
                 </a:solidFill>
@@ -2331,7 +2708,7 @@
               <a:t>“Notable quotes</a:t>
             </a:r>
             <a:br>
-              <a:rPr lang="en-US" sz="6500" b="0" dirty="0" smtClean="0">
+              <a:rPr lang="en-US" sz="6500" b="0" dirty="0">
                 <a:solidFill>
                   <a:srgbClr val="BB0032"/>
                 </a:solidFill>
@@ -2340,7 +2717,7 @@
               </a:rPr>
             </a:br>
             <a:r>
-              <a:rPr lang="en-US" sz="6500" b="0" dirty="0" smtClean="0">
+              <a:rPr lang="en-US" sz="6500" b="0" dirty="0">
                 <a:solidFill>
                   <a:srgbClr val="BB0032"/>
                 </a:solidFill>
@@ -2350,7 +2727,7 @@
               <a:t>goes right here,</a:t>
             </a:r>
             <a:br>
-              <a:rPr lang="en-US" sz="6500" b="0" dirty="0" smtClean="0">
+              <a:rPr lang="en-US" sz="6500" b="0" dirty="0">
                 <a:solidFill>
                   <a:srgbClr val="BB0032"/>
                 </a:solidFill>
@@ -2359,7 +2736,7 @@
               </a:rPr>
             </a:br>
             <a:r>
-              <a:rPr lang="en-US" sz="6500" b="0" dirty="0" smtClean="0">
+              <a:rPr lang="en-US" sz="6500" b="0" dirty="0">
                 <a:solidFill>
                   <a:srgbClr val="BB0032"/>
                 </a:solidFill>
@@ -2467,10 +2844,9 @@
           </a:lstStyle>
           <a:p>
             <a:r>
-              <a:rPr lang="en-US" dirty="0" smtClean="0"/>
+              <a:rPr lang="en-US" dirty="0"/>
               <a:t>Full slide picture</a:t>
             </a:r>
-            <a:endParaRPr lang="en-US" dirty="0"/>
           </a:p>
         </p:txBody>
       </p:sp>
@@ -2558,17 +2934,16 @@
           <a:p>
             <a:pPr lvl="0"/>
             <a:r>
-              <a:rPr lang="en-US" dirty="0" smtClean="0"/>
+              <a:rPr lang="en-US" dirty="0"/>
               <a:t>UNIT NAME HERE</a:t>
             </a:r>
           </a:p>
           <a:p>
             <a:pPr lvl="0"/>
             <a:r>
-              <a:rPr lang="en-US" dirty="0" smtClean="0"/>
+              <a:rPr lang="en-US" dirty="0"/>
               <a:t>LINE 2 AS NEEDED</a:t>
             </a:r>
-            <a:endParaRPr lang="en-US" dirty="0"/>
           </a:p>
         </p:txBody>
       </p:sp>
@@ -2670,31 +3045,30 @@
           <a:p>
             <a:pPr lvl="0"/>
             <a:r>
-              <a:rPr lang="en-US" dirty="0" smtClean="0"/>
+              <a:rPr lang="en-US" dirty="0"/>
               <a:t>Click to edit Master text styles</a:t>
             </a:r>
           </a:p>
           <a:p>
             <a:pPr lvl="1"/>
             <a:r>
-              <a:rPr lang="en-US" dirty="0" smtClean="0"/>
+              <a:rPr lang="en-US" dirty="0"/>
               <a:t>Second level</a:t>
             </a:r>
           </a:p>
           <a:p>
             <a:pPr lvl="2"/>
             <a:r>
-              <a:rPr lang="en-US" dirty="0" smtClean="0"/>
+              <a:rPr lang="en-US" dirty="0"/>
               <a:t>Third level</a:t>
             </a:r>
           </a:p>
           <a:p>
             <a:pPr lvl="2"/>
             <a:r>
-              <a:rPr lang="en-US" dirty="0" smtClean="0"/>
+              <a:rPr lang="en-US" dirty="0"/>
               <a:t>Fifth level</a:t>
             </a:r>
-            <a:endParaRPr lang="en-US" dirty="0"/>
           </a:p>
         </p:txBody>
       </p:sp>
@@ -2791,10 +3165,9 @@
           </a:lstStyle>
           <a:p>
             <a:r>
-              <a:rPr lang="en-US" dirty="0" smtClean="0"/>
+              <a:rPr lang="en-US" dirty="0"/>
               <a:t>½ slide picture</a:t>
             </a:r>
-            <a:endParaRPr lang="en-US" dirty="0"/>
           </a:p>
         </p:txBody>
       </p:sp>
@@ -2876,31 +3249,30 @@
           <a:p>
             <a:pPr lvl="0"/>
             <a:r>
-              <a:rPr lang="en-US" dirty="0" smtClean="0"/>
+              <a:rPr lang="en-US" dirty="0"/>
               <a:t>Click to edit Master text styles</a:t>
             </a:r>
           </a:p>
           <a:p>
             <a:pPr lvl="1"/>
             <a:r>
-              <a:rPr lang="en-US" dirty="0" smtClean="0"/>
+              <a:rPr lang="en-US" dirty="0"/>
               <a:t>Second level</a:t>
             </a:r>
           </a:p>
           <a:p>
             <a:pPr lvl="2"/>
             <a:r>
-              <a:rPr lang="en-US" dirty="0" smtClean="0"/>
+              <a:rPr lang="en-US" dirty="0"/>
               <a:t>Third level</a:t>
             </a:r>
           </a:p>
           <a:p>
             <a:pPr lvl="4"/>
             <a:r>
-              <a:rPr lang="en-US" dirty="0" smtClean="0"/>
+              <a:rPr lang="en-US" dirty="0"/>
               <a:t>Fifth level</a:t>
             </a:r>
-            <a:endParaRPr lang="en-US" dirty="0"/>
           </a:p>
         </p:txBody>
       </p:sp>
@@ -2988,17 +3360,16 @@
           <a:p>
             <a:pPr lvl="0"/>
             <a:r>
-              <a:rPr lang="en-US" dirty="0" smtClean="0"/>
+              <a:rPr lang="en-US" dirty="0"/>
               <a:t>UNIT NAME HERE</a:t>
             </a:r>
           </a:p>
           <a:p>
             <a:pPr lvl="0"/>
             <a:r>
-              <a:rPr lang="en-US" dirty="0" smtClean="0"/>
+              <a:rPr lang="en-US" dirty="0"/>
               <a:t>LINE 2 AS NEEDED</a:t>
             </a:r>
-            <a:endParaRPr lang="en-US" dirty="0"/>
           </a:p>
         </p:txBody>
       </p:sp>
@@ -3086,10 +3457,9 @@
           <a:p>
             <a:pPr lvl="0"/>
             <a:r>
-              <a:rPr lang="en-US" dirty="0" smtClean="0"/>
+              <a:rPr lang="en-US" dirty="0"/>
               <a:t>TOPIC TITLE HERE</a:t>
             </a:r>
-            <a:endParaRPr lang="en-US" dirty="0"/>
           </a:p>
         </p:txBody>
       </p:sp>
@@ -3134,13 +3504,6 @@
   <p:clrMapOvr>
     <a:masterClrMapping/>
   </p:clrMapOvr>
-  <p:timing>
-    <p:tnLst>
-      <p:par>
-        <p:cTn id="1" dur="indefinite" restart="never" nodeType="tmRoot"/>
-      </p:par>
-    </p:tnLst>
-  </p:timing>
 </p:sldLayout>
 </file>
 
@@ -3245,17 +3608,16 @@
           <a:p>
             <a:pPr lvl="0"/>
             <a:r>
-              <a:rPr lang="en-US" dirty="0" smtClean="0"/>
+              <a:rPr lang="en-US" dirty="0"/>
               <a:t>UNIT NAME HERE</a:t>
             </a:r>
           </a:p>
           <a:p>
             <a:pPr lvl="0"/>
             <a:r>
-              <a:rPr lang="en-US" dirty="0" smtClean="0"/>
+              <a:rPr lang="en-US" dirty="0"/>
               <a:t>LINE 2 AS NEEDED</a:t>
             </a:r>
-            <a:endParaRPr lang="en-US" dirty="0"/>
           </a:p>
         </p:txBody>
       </p:sp>
@@ -3343,10 +3705,9 @@
           <a:p>
             <a:pPr lvl="0"/>
             <a:r>
-              <a:rPr lang="en-US" dirty="0" smtClean="0"/>
+              <a:rPr lang="en-US" dirty="0"/>
               <a:t>TOPIC TITLE HERE</a:t>
             </a:r>
-            <a:endParaRPr lang="en-US" dirty="0"/>
           </a:p>
         </p:txBody>
       </p:sp>
@@ -3435,27 +3796,26 @@
           </a:lstStyle>
           <a:p>
             <a:pPr lvl="0"/>
-            <a:endParaRPr lang="en-US" dirty="0" smtClean="0"/>
+            <a:endParaRPr lang="en-US" dirty="0"/>
           </a:p>
           <a:p>
             <a:pPr lvl="0"/>
-            <a:endParaRPr lang="en-US" dirty="0" smtClean="0"/>
+            <a:endParaRPr lang="en-US" dirty="0"/>
           </a:p>
           <a:p>
             <a:pPr lvl="0"/>
-            <a:endParaRPr lang="en-US" dirty="0" smtClean="0"/>
+            <a:endParaRPr lang="en-US" dirty="0"/>
           </a:p>
           <a:p>
             <a:pPr lvl="0"/>
-            <a:endParaRPr lang="en-US" dirty="0" smtClean="0"/>
+            <a:endParaRPr lang="en-US" dirty="0"/>
           </a:p>
           <a:p>
             <a:pPr lvl="0"/>
             <a:r>
-              <a:rPr lang="en-US" dirty="0" smtClean="0"/>
+              <a:rPr lang="en-US" dirty="0"/>
               <a:t>chart/graph/table</a:t>
             </a:r>
-            <a:endParaRPr lang="en-US" dirty="0"/>
           </a:p>
         </p:txBody>
       </p:sp>
@@ -3503,13 +3863,6 @@
   <p:transition spd="slow">
     <p:fade/>
   </p:transition>
-  <p:timing>
-    <p:tnLst>
-      <p:par>
-        <p:cTn id="1" dur="indefinite" restart="never" nodeType="tmRoot"/>
-      </p:par>
-    </p:tnLst>
-  </p:timing>
 </p:sldLayout>
 </file>
 
@@ -3574,7 +3927,7 @@
             <a:fld id="{0F0D8E7B-AF3B-B444-8E74-E549FC814F53}" type="datetimeFigureOut">
               <a:rPr lang="en-US" smtClean="0"/>
               <a:pPr/>
-              <a:t>10/20/2019</a:t>
+              <a:t>10/21/2019</a:t>
             </a:fld>
             <a:endParaRPr lang="en-US" dirty="0"/>
           </a:p>
@@ -4532,12 +4885,8 @@
           </a:lstStyle>
           <a:p>
             <a:r>
-              <a:rPr lang="en-US" sz="3200" dirty="0" smtClean="0"/>
-              <a:t>Device Placement with Reinforcement </a:t>
-            </a:r>
-            <a:r>
               <a:rPr lang="en-US" sz="3200" dirty="0"/>
-              <a:t>Learning</a:t>
+              <a:t>Device Placement with Reinforcement Learning</a:t>
             </a:r>
           </a:p>
         </p:txBody>
@@ -4803,13 +5152,6 @@
   <p:transition spd="slow">
     <p:fade/>
   </p:transition>
-  <p:timing>
-    <p:tnLst>
-      <p:par>
-        <p:cTn id="1" dur="indefinite" restart="never" nodeType="tmRoot"/>
-      </p:par>
-    </p:tnLst>
-  </p:timing>
 </p:sld>
 </file>
 
@@ -4865,10 +5207,9 @@
           <a:lstStyle/>
           <a:p>
             <a:r>
-              <a:rPr lang="en-US" dirty="0" smtClean="0"/>
+              <a:rPr lang="en-US" dirty="0"/>
               <a:t>Reinforcement Learning?</a:t>
             </a:r>
-            <a:endParaRPr lang="en-US" dirty="0"/>
           </a:p>
         </p:txBody>
       </p:sp>
@@ -4901,13 +5242,6 @@
   <p:clrMapOvr>
     <a:masterClrMapping/>
   </p:clrMapOvr>
-  <p:timing>
-    <p:tnLst>
-      <p:par>
-        <p:cTn id="1" dur="indefinite" restart="never" nodeType="tmRoot"/>
-      </p:par>
-    </p:tnLst>
-  </p:timing>
 </p:sld>
 </file>
 
@@ -4943,11 +5277,11 @@
           <a:bodyPr/>
           <a:lstStyle/>
           <a:p>
-            <a:endParaRPr lang="en-US" dirty="0" smtClean="0"/>
-          </a:p>
-          <a:p>
-            <a:r>
-              <a:rPr lang="en-US" dirty="0" smtClean="0"/>
+            <a:endParaRPr lang="en-US" dirty="0"/>
+          </a:p>
+          <a:p>
+            <a:r>
+              <a:rPr lang="en-US" dirty="0"/>
               <a:t>What?</a:t>
             </a:r>
           </a:p>
@@ -4957,7 +5291,7 @@
               <a:buChar char="•"/>
             </a:pPr>
             <a:r>
-              <a:rPr lang="en-US" sz="2400" dirty="0" smtClean="0"/>
+              <a:rPr lang="en-US" sz="2400" dirty="0"/>
               <a:t>Agents (Problem)</a:t>
             </a:r>
           </a:p>
@@ -4967,15 +5301,15 @@
               <a:buChar char="•"/>
             </a:pPr>
             <a:r>
-              <a:rPr lang="en-US" sz="2400" dirty="0" smtClean="0"/>
+              <a:rPr lang="en-US" sz="2400" dirty="0"/>
               <a:t>E</a:t>
             </a:r>
             <a:r>
-              <a:rPr lang="en-US" altLang="zh-CN" sz="2400" dirty="0" smtClean="0"/>
+              <a:rPr lang="en-US" altLang="zh-CN" sz="2400" dirty="0"/>
               <a:t>xploration (Ac</a:t>
             </a:r>
             <a:r>
-              <a:rPr lang="en-US" sz="2400" dirty="0" smtClean="0"/>
+              <a:rPr lang="en-US" sz="2400" dirty="0"/>
               <a:t>tions)</a:t>
             </a:r>
           </a:p>
@@ -4985,12 +5319,8 @@
               <a:buChar char="•"/>
             </a:pPr>
             <a:r>
-              <a:rPr lang="en-US" sz="2400" dirty="0" smtClean="0"/>
-              <a:t>An </a:t>
-            </a:r>
-            <a:r>
               <a:rPr lang="en-US" sz="2400" dirty="0"/>
-              <a:t>environment (Markov decision process)</a:t>
+              <a:t>An environment (Markov decision process)</a:t>
             </a:r>
           </a:p>
           <a:p>
@@ -4999,10 +5329,9 @@
               <a:buChar char="•"/>
             </a:pPr>
             <a:r>
-              <a:rPr lang="en-US" sz="2400" dirty="0" smtClean="0"/>
+              <a:rPr lang="en-US" sz="2400" dirty="0"/>
               <a:t>Cumulative reward (Feedback)</a:t>
             </a:r>
-            <a:endParaRPr lang="en-US" sz="2400" dirty="0"/>
           </a:p>
         </p:txBody>
       </p:sp>
@@ -5023,13 +5352,8 @@
           <a:p>
             <a:r>
               <a:rPr lang="en-US" dirty="0"/>
-              <a:t>Reinforcement Learning</a:t>
-            </a:r>
-            <a:r>
-              <a:rPr lang="en-US" dirty="0" smtClean="0"/>
-              <a:t>?</a:t>
-            </a:r>
-            <a:endParaRPr lang="en-US" dirty="0"/>
+              <a:t>Reinforcement Learning?</a:t>
+            </a:r>
           </a:p>
         </p:txBody>
       </p:sp>
@@ -5084,13 +5408,6 @@
   <p:clrMapOvr>
     <a:masterClrMapping/>
   </p:clrMapOvr>
-  <p:timing>
-    <p:tnLst>
-      <p:par>
-        <p:cTn id="1" dur="indefinite" restart="never" nodeType="tmRoot"/>
-      </p:par>
-    </p:tnLst>
-  </p:timing>
 </p:sld>
 </file>
 
@@ -5127,37 +5444,36 @@
           <a:lstStyle/>
           <a:p>
             <a:r>
-              <a:rPr lang="en-US" dirty="0" smtClean="0"/>
+              <a:rPr lang="en-US" dirty="0"/>
               <a:t>Why?</a:t>
             </a:r>
           </a:p>
           <a:p>
             <a:pPr lvl="1"/>
             <a:r>
-              <a:rPr lang="en-US" sz="2000" dirty="0" smtClean="0"/>
+              <a:rPr lang="en-US" sz="2000" dirty="0"/>
               <a:t>A good strategy;</a:t>
             </a:r>
           </a:p>
           <a:p>
             <a:pPr lvl="1"/>
             <a:r>
-              <a:rPr lang="en-US" sz="2000" dirty="0" smtClean="0"/>
+              <a:rPr lang="en-US" sz="2000" dirty="0"/>
               <a:t>A good policy-finder.</a:t>
             </a:r>
-            <a:endParaRPr lang="en-US" sz="2000" dirty="0" smtClean="0"/>
           </a:p>
           <a:p>
             <a:pPr algn="ctr"/>
-            <a:endParaRPr lang="en-US" sz="2000" i="1" dirty="0" smtClean="0"/>
+            <a:endParaRPr lang="en-US" sz="2000" i="1" dirty="0"/>
           </a:p>
           <a:p>
             <a:pPr algn="ctr"/>
             <a:r>
-              <a:rPr lang="en-US" sz="2000" i="1" dirty="0" smtClean="0"/>
+              <a:rPr lang="en-US" sz="2000" i="1" dirty="0"/>
               <a:t>Isn’t reinforcement learning just genetic algorithm</a:t>
             </a:r>
             <a:r>
-              <a:rPr lang="en-US" sz="1800" i="1" dirty="0" smtClean="0"/>
+              <a:rPr lang="en-US" sz="1800" i="1" dirty="0"/>
               <a:t>?</a:t>
             </a:r>
           </a:p>
@@ -5167,7 +5483,7 @@
               <a:buChar char="•"/>
             </a:pPr>
             <a:r>
-              <a:rPr lang="en-US" sz="1800" dirty="0" smtClean="0"/>
+              <a:rPr lang="en-US" sz="1800" dirty="0"/>
               <a:t>Mutation and evolution;</a:t>
             </a:r>
           </a:p>
@@ -5177,10 +5493,9 @@
               <a:buChar char="•"/>
             </a:pPr>
             <a:r>
-              <a:rPr lang="en-US" sz="1800" dirty="0" smtClean="0"/>
+              <a:rPr lang="en-US" sz="1800" dirty="0"/>
               <a:t>(Kind of) metaheuristics optimization;</a:t>
             </a:r>
-            <a:endParaRPr lang="en-US" sz="1800" dirty="0" smtClean="0"/>
           </a:p>
           <a:p>
             <a:pPr marL="285750" indent="-285750">
@@ -5188,7 +5503,7 @@
               <a:buChar char="•"/>
             </a:pPr>
             <a:r>
-              <a:rPr lang="en-US" sz="1800" dirty="0" smtClean="0"/>
+              <a:rPr lang="en-US" sz="1800" dirty="0"/>
               <a:t>Search and memory;</a:t>
             </a:r>
           </a:p>
@@ -5197,10 +5512,10 @@
               <a:buFont typeface="Arial" panose="020B0604020202020204" pitchFamily="34" charset="0"/>
               <a:buChar char="•"/>
             </a:pPr>
-            <a:endParaRPr lang="en-US" sz="1800" dirty="0" smtClean="0"/>
-          </a:p>
-          <a:p>
-            <a:endParaRPr lang="en-US" sz="1800" dirty="0" smtClean="0"/>
+            <a:endParaRPr lang="en-US" sz="1800" dirty="0"/>
+          </a:p>
+          <a:p>
+            <a:endParaRPr lang="en-US" sz="1800" dirty="0"/>
           </a:p>
           <a:p>
             <a:endParaRPr lang="en-US" dirty="0"/>
@@ -5263,13 +5578,6 @@
   <p:clrMapOvr>
     <a:masterClrMapping/>
   </p:clrMapOvr>
-  <p:timing>
-    <p:tnLst>
-      <p:par>
-        <p:cTn id="1" dur="indefinite" restart="never" nodeType="tmRoot"/>
-      </p:par>
-    </p:tnLst>
-  </p:timing>
 </p:sld>
 </file>
 
@@ -5306,11 +5614,11 @@
           <a:lstStyle/>
           <a:p>
             <a:r>
-              <a:rPr lang="en-US" dirty="0" smtClean="0"/>
+              <a:rPr lang="en-US" dirty="0"/>
               <a:t>W</a:t>
             </a:r>
             <a:r>
-              <a:rPr lang="en-US" altLang="zh-CN" dirty="0" smtClean="0"/>
+              <a:rPr lang="en-US" altLang="zh-CN" dirty="0"/>
               <a:t>here?</a:t>
             </a:r>
             <a:endParaRPr lang="en-US" dirty="0"/>
@@ -5444,10 +5752,9 @@
           <a:lstStyle/>
           <a:p>
             <a:r>
-              <a:rPr lang="en-US" dirty="0" smtClean="0"/>
+              <a:rPr lang="en-US" dirty="0"/>
               <a:t>Real-time strategy game</a:t>
             </a:r>
-            <a:endParaRPr lang="en-US" dirty="0"/>
           </a:p>
         </p:txBody>
       </p:sp>
@@ -5475,10 +5782,9 @@
           <a:p>
             <a:pPr algn="ctr"/>
             <a:r>
-              <a:rPr lang="en-US" dirty="0" smtClean="0"/>
+              <a:rPr lang="en-US" dirty="0"/>
               <a:t>Atari game</a:t>
             </a:r>
-            <a:endParaRPr lang="en-US" dirty="0"/>
           </a:p>
         </p:txBody>
       </p:sp>
@@ -5492,13 +5798,6 @@
   <p:clrMapOvr>
     <a:masterClrMapping/>
   </p:clrMapOvr>
-  <p:timing>
-    <p:tnLst>
-      <p:par>
-        <p:cTn id="1" dur="indefinite" restart="never" nodeType="tmRoot"/>
-      </p:par>
-    </p:tnLst>
-  </p:timing>
 </p:sld>
 </file>
 
@@ -5554,10 +5853,9 @@
           <a:lstStyle/>
           <a:p>
             <a:r>
-              <a:rPr lang="en-US" dirty="0" smtClean="0"/>
+              <a:rPr lang="en-US" dirty="0"/>
               <a:t>Model description</a:t>
             </a:r>
-            <a:endParaRPr lang="en-US" dirty="0"/>
           </a:p>
         </p:txBody>
       </p:sp>
@@ -5590,13 +5888,6 @@
   <p:clrMapOvr>
     <a:masterClrMapping/>
   </p:clrMapOvr>
-  <p:timing>
-    <p:tnLst>
-      <p:par>
-        <p:cTn id="1" dur="indefinite" restart="never" nodeType="tmRoot"/>
-      </p:par>
-    </p:tnLst>
-  </p:timing>
 </p:sld>
 </file>
 
@@ -5617,8 +5908,8 @@
           <a:chExt cx="0" cy="0"/>
         </a:xfrm>
       </p:grpSpPr>
-      <mc:AlternateContent xmlns:mc="http://schemas.openxmlformats.org/markup-compatibility/2006">
-        <mc:Choice xmlns:a14="http://schemas.microsoft.com/office/drawing/2010/main" Requires="a14">
+      <mc:AlternateContent xmlns:mc="http://schemas.openxmlformats.org/markup-compatibility/2006" xmlns:a14="http://schemas.microsoft.com/office/drawing/2010/main">
+        <mc:Choice Requires="a14">
           <p:sp>
             <p:nvSpPr>
               <p:cNvPr id="2" name="Content Placeholder 1"/>
@@ -5635,7 +5926,7 @@
               <a:lstStyle/>
               <a:p>
                 <a:r>
-                  <a:rPr lang="en-US" sz="1600" dirty="0" smtClean="0">
+                  <a:rPr lang="en-US" sz="1600" dirty="0">
                     <a:solidFill>
                       <a:schemeClr val="accent4"/>
                     </a:solidFill>
@@ -5678,14 +5969,14 @@
                     </m:d>
                   </m:oMath>
                 </a14:m>
-                <a:endParaRPr lang="en-US" sz="1600" b="0" dirty="0" smtClean="0">
+                <a:endParaRPr lang="en-US" sz="1600" b="0" dirty="0">
                   <a:solidFill>
                     <a:schemeClr val="accent4"/>
                   </a:solidFill>
                 </a:endParaRPr>
               </a:p>
               <a:p>
-                <a:endParaRPr lang="en-US" sz="1600" dirty="0" smtClean="0">
+                <a:endParaRPr lang="en-US" sz="1600" dirty="0">
                   <a:solidFill>
                     <a:schemeClr val="accent4"/>
                   </a:solidFill>
@@ -5693,7 +5984,7 @@
               </a:p>
               <a:p>
                 <a:r>
-                  <a:rPr lang="en-US" sz="1600" dirty="0" smtClean="0">
+                  <a:rPr lang="en-US" sz="1600" dirty="0">
                     <a:solidFill>
                       <a:schemeClr val="accent4"/>
                     </a:solidFill>
@@ -5709,6 +6000,7 @@
                         <a:solidFill>
                           <a:schemeClr val="accent4"/>
                         </a:solidFill>
+                        <a:latin typeface="Cambria Math" panose="02040503050406030204" pitchFamily="18" charset="0"/>
                       </a:rPr>
                       <m:t>𝑀</m:t>
                     </m:r>
@@ -5720,23 +6012,7 @@
                       <a:schemeClr val="accent4"/>
                     </a:solidFill>
                   </a:rPr>
-                  <a:t> </a:t>
-                </a:r>
-                <a:r>
-                  <a:rPr lang="en-US" sz="1600" dirty="0">
-                    <a:solidFill>
-                      <a:schemeClr val="accent4"/>
-                    </a:solidFill>
-                  </a:rPr>
-                  <a:t>operations</a:t>
-                </a:r>
-                <a:r>
-                  <a:rPr lang="en-US" sz="1600" dirty="0" smtClean="0">
-                    <a:solidFill>
-                      <a:schemeClr val="accent4"/>
-                    </a:solidFill>
-                  </a:rPr>
-                  <a:t>: </a:t>
+                  <a:t> operations: </a:t>
                 </a:r>
                 <a14:m>
                   <m:oMath xmlns:m="http://schemas.openxmlformats.org/officeDocument/2006/math">
@@ -5896,7 +6172,7 @@
                     </m:r>
                   </m:oMath>
                 </a14:m>
-                <a:endParaRPr lang="en-US" sz="1600" b="0" i="0" dirty="0" smtClean="0">
+                <a:endParaRPr lang="en-US" sz="1600" b="0" i="0" dirty="0">
                   <a:solidFill>
                     <a:schemeClr val="accent4"/>
                   </a:solidFill>
@@ -5911,6 +6187,7 @@
                         <a:solidFill>
                           <a:schemeClr val="accent4"/>
                         </a:solidFill>
+                        <a:latin typeface="Cambria Math" panose="02040503050406030204" pitchFamily="18" charset="0"/>
                       </a:rPr>
                       <m:t>𝐷</m:t>
                     </m:r>
@@ -5922,33 +6199,17 @@
                       <a:schemeClr val="accent4"/>
                     </a:solidFill>
                   </a:rPr>
-                  <a:t> available </a:t>
-                </a:r>
-                <a:r>
-                  <a:rPr lang="en-US" sz="1600" dirty="0" smtClean="0">
-                    <a:solidFill>
-                      <a:schemeClr val="accent4"/>
-                    </a:solidFill>
-                  </a:rPr>
-                  <a:t>devices;</a:t>
+                  <a:t> available devices;</a:t>
                 </a:r>
               </a:p>
               <a:p>
-                <a:r>
-                  <a:rPr lang="en-US" sz="1600" dirty="0" smtClean="0">
-                    <a:solidFill>
-                      <a:schemeClr val="accent4"/>
-                    </a:solidFill>
-                  </a:rPr>
-                  <a:t>P is a placement</a:t>
-                </a:r>
                 <a:r>
                   <a:rPr lang="en-US" sz="1600" dirty="0">
                     <a:solidFill>
                       <a:schemeClr val="accent4"/>
                     </a:solidFill>
                   </a:rPr>
-                  <a:t>: an assignment of an operation </a:t>
+                  <a:t>P is a placement: an assignment of an operation </a:t>
                 </a:r>
                 <a14:m>
                   <m:oMath xmlns:m="http://schemas.openxmlformats.org/officeDocument/2006/math">
@@ -6084,7 +6345,7 @@
                     </m:r>
                   </m:oMath>
                 </a14:m>
-                <a:endParaRPr lang="en-US" sz="1600" dirty="0" smtClean="0">
+                <a:endParaRPr lang="en-US" sz="1600" dirty="0">
                   <a:solidFill>
                     <a:schemeClr val="accent4"/>
                   </a:solidFill>
@@ -6132,7 +6393,7 @@
                   </m:oMath>
                 </a14:m>
                 <a:r>
-                  <a:rPr lang="en-US" sz="1600" dirty="0" smtClean="0">
+                  <a:rPr lang="en-US" sz="1600" dirty="0">
                     <a:solidFill>
                       <a:schemeClr val="accent4"/>
                     </a:solidFill>
@@ -6140,7 +6401,7 @@
                   <a:t> is the complete execution time of a </a:t>
                 </a:r>
                 <a:r>
-                  <a:rPr lang="en-US" sz="1600" dirty="0" err="1" smtClean="0">
+                  <a:rPr lang="en-US" sz="1600" dirty="0" err="1">
                     <a:solidFill>
                       <a:schemeClr val="accent4"/>
                     </a:solidFill>
@@ -6148,7 +6409,7 @@
                   <a:t>TensorFlow</a:t>
                 </a:r>
                 <a:r>
-                  <a:rPr lang="en-US" sz="1600" dirty="0" smtClean="0">
+                  <a:rPr lang="en-US" sz="1600" dirty="0">
                     <a:solidFill>
                       <a:schemeClr val="accent4"/>
                     </a:solidFill>
@@ -6169,7 +6430,7 @@
                   </m:oMath>
                 </a14:m>
                 <a:r>
-                  <a:rPr lang="en-US" sz="1600" dirty="0" smtClean="0">
+                  <a:rPr lang="en-US" sz="1600" dirty="0">
                     <a:solidFill>
                       <a:schemeClr val="accent4"/>
                     </a:solidFill>
@@ -6186,7 +6447,7 @@
               </a:p>
               <a:p>
                 <a:r>
-                  <a:rPr lang="en-US" sz="2000" dirty="0" smtClean="0">
+                  <a:rPr lang="en-US" sz="2000" dirty="0">
                     <a:solidFill>
                       <a:schemeClr val="accent4"/>
                     </a:solidFill>
@@ -6199,15 +6460,7 @@
                       <a:srgbClr val="C00000"/>
                     </a:solidFill>
                   </a:rPr>
-                  <a:t>under </a:t>
-                </a:r>
-                <a:r>
-                  <a:rPr lang="en-US" sz="2000" dirty="0" smtClean="0">
-                    <a:solidFill>
-                      <a:srgbClr val="C00000"/>
-                    </a:solidFill>
-                  </a:rPr>
-                  <a:t>different placement </a:t>
+                  <a:t>under different placement </a:t>
                 </a:r>
                 <a14:m>
                   <m:oMath xmlns:m="http://schemas.openxmlformats.org/officeDocument/2006/math">
@@ -6223,7 +6476,7 @@
                   </m:oMath>
                 </a14:m>
                 <a:r>
-                  <a:rPr lang="en-US" sz="2000" dirty="0" smtClean="0">
+                  <a:rPr lang="en-US" sz="2000" dirty="0">
                     <a:solidFill>
                       <a:srgbClr val="C00000"/>
                     </a:solidFill>
@@ -6234,7 +6487,7 @@
             </p:txBody>
           </p:sp>
         </mc:Choice>
-        <mc:Fallback>
+        <mc:Fallback xmlns="">
           <p:sp>
             <p:nvSpPr>
               <p:cNvPr id="2" name="Content Placeholder 1"/>
@@ -6284,10 +6537,9 @@
           <a:lstStyle/>
           <a:p>
             <a:r>
-              <a:rPr lang="en-US" dirty="0" smtClean="0"/>
+              <a:rPr lang="en-US" dirty="0"/>
               <a:t>Question description</a:t>
             </a:r>
-            <a:endParaRPr lang="en-US" dirty="0"/>
           </a:p>
         </p:txBody>
       </p:sp>
@@ -6301,13 +6553,6 @@
   <p:clrMapOvr>
     <a:masterClrMapping/>
   </p:clrMapOvr>
-  <p:timing>
-    <p:tnLst>
-      <p:par>
-        <p:cTn id="1" dur="indefinite" restart="never" nodeType="tmRoot"/>
-      </p:par>
-    </p:tnLst>
-  </p:timing>
 </p:sld>
 </file>
 
@@ -6328,8 +6573,8 @@
           <a:chExt cx="0" cy="0"/>
         </a:xfrm>
       </p:grpSpPr>
-      <mc:AlternateContent xmlns:mc="http://schemas.openxmlformats.org/markup-compatibility/2006">
-        <mc:Choice xmlns:a14="http://schemas.microsoft.com/office/drawing/2010/main" Requires="a14">
+      <mc:AlternateContent xmlns:mc="http://schemas.openxmlformats.org/markup-compatibility/2006" xmlns:a14="http://schemas.microsoft.com/office/drawing/2010/main">
+        <mc:Choice Requires="a14">
           <p:sp>
             <p:nvSpPr>
               <p:cNvPr id="2" name="Content Placeholder 1"/>
@@ -6349,7 +6594,7 @@
                   <a:buFont typeface="+mj-lt"/>
                   <a:buAutoNum type="arabicPeriod"/>
                 </a:pPr>
-                <a:endParaRPr lang="en-US" sz="2400" dirty="0" smtClean="0"/>
+                <a:endParaRPr lang="en-US" sz="2400" dirty="0"/>
               </a:p>
               <a:p>
                 <a:pPr marL="514350" indent="-514350">
@@ -6357,7 +6602,7 @@
                   <a:buAutoNum type="arabicPeriod"/>
                 </a:pPr>
                 <a:r>
-                  <a:rPr lang="en-US" sz="2400" dirty="0" smtClean="0"/>
+                  <a:rPr lang="en-US" sz="2400" dirty="0"/>
                   <a:t>Bad placements sampled in the beginning is noisy: will lead to bad learning signals.</a:t>
                 </a:r>
               </a:p>
@@ -6367,7 +6612,7 @@
                   <a:buAutoNum type="arabicPeriod"/>
                 </a:pPr>
                 <a:r>
-                  <a:rPr lang="en-US" sz="2400" dirty="0" smtClean="0"/>
+                  <a:rPr lang="en-US" sz="2400" dirty="0"/>
                   <a:t>Near converged, different placement is hard to distinguish.</a:t>
                 </a:r>
               </a:p>
@@ -6380,11 +6625,12 @@
               </a:p>
               <a:p>
                 <a:r>
-                  <a:rPr lang="en-US" sz="2400" dirty="0" smtClean="0"/>
+                  <a:rPr lang="en-US" sz="2400" dirty="0"/>
                   <a:t>Empirically change a more robust optimization target:</a:t>
                 </a:r>
               </a:p>
               <a:p>
+                <a:pPr/>
                 <a14:m>
                   <m:oMathPara xmlns:m="http://schemas.openxmlformats.org/officeDocument/2006/math">
                     <m:oMathParaPr>
@@ -6461,7 +6707,7 @@
             </p:txBody>
           </p:sp>
         </mc:Choice>
-        <mc:Fallback>
+        <mc:Fallback xmlns="">
           <p:sp>
             <p:nvSpPr>
               <p:cNvPr id="2" name="Content Placeholder 1"/>
@@ -6511,10 +6757,9 @@
           <a:lstStyle/>
           <a:p>
             <a:r>
-              <a:rPr lang="en-US" dirty="0" smtClean="0"/>
+              <a:rPr lang="en-US" dirty="0"/>
               <a:t>Why can’t we just do the math, based on r(P)?</a:t>
             </a:r>
-            <a:endParaRPr lang="en-US" dirty="0"/>
           </a:p>
         </p:txBody>
       </p:sp>
@@ -6528,13 +6773,6 @@
   <p:clrMapOvr>
     <a:masterClrMapping/>
   </p:clrMapOvr>
-  <p:timing>
-    <p:tnLst>
-      <p:par>
-        <p:cTn id="1" dur="indefinite" restart="never" nodeType="tmRoot"/>
-      </p:par>
-    </p:tnLst>
-  </p:timing>
 </p:sld>
 </file>
 
@@ -6555,8 +6793,8 @@
           <a:chExt cx="0" cy="0"/>
         </a:xfrm>
       </p:grpSpPr>
-      <mc:AlternateContent xmlns:mc="http://schemas.openxmlformats.org/markup-compatibility/2006">
-        <mc:Choice xmlns:a14="http://schemas.microsoft.com/office/drawing/2010/main" Requires="a14">
+      <mc:AlternateContent xmlns:mc="http://schemas.openxmlformats.org/markup-compatibility/2006" xmlns:a14="http://schemas.microsoft.com/office/drawing/2010/main">
+        <mc:Choice Requires="a14">
           <p:sp>
             <p:nvSpPr>
               <p:cNvPr id="2" name="Content Placeholder 1"/>
@@ -6573,7 +6811,7 @@
               <a:lstStyle/>
               <a:p>
                 <a:r>
-                  <a:rPr lang="en-US" b="0" dirty="0" smtClean="0">
+                  <a:rPr lang="en-US" b="0" dirty="0">
                     <a:solidFill>
                       <a:schemeClr val="accent3"/>
                     </a:solidFill>
@@ -6620,7 +6858,7 @@
                   </m:oMath>
                 </a14:m>
                 <a:r>
-                  <a:rPr lang="en-US" b="0" dirty="0" smtClean="0">
+                  <a:rPr lang="en-US" b="0" dirty="0">
                     <a:solidFill>
                       <a:schemeClr val="accent3"/>
                     </a:solidFill>
@@ -6666,7 +6904,7 @@
                     </m:sSub>
                   </m:oMath>
                 </a14:m>
-                <a:endParaRPr lang="en-US" b="0" dirty="0" smtClean="0">
+                <a:endParaRPr lang="en-US" b="0" dirty="0">
                   <a:solidFill>
                     <a:schemeClr val="accent3"/>
                   </a:solidFill>
@@ -6674,6 +6912,7 @@
                 </a:endParaRPr>
               </a:p>
               <a:p>
+                <a:pPr/>
                 <a14:m>
                   <m:oMathPara xmlns:m="http://schemas.openxmlformats.org/officeDocument/2006/math">
                     <m:oMathParaPr>
@@ -6941,35 +7180,34 @@
                     </m:oMath>
                   </m:oMathPara>
                 </a14:m>
-                <a:endParaRPr lang="en-US" dirty="0" smtClean="0">
+                <a:endParaRPr lang="en-US" dirty="0">
                   <a:solidFill>
                     <a:schemeClr val="accent3"/>
                   </a:solidFill>
                 </a:endParaRPr>
               </a:p>
               <a:p>
-                <a:endParaRPr lang="en-US" dirty="0" smtClean="0"/>
+                <a:endParaRPr lang="en-US" dirty="0"/>
               </a:p>
               <a:p>
                 <a:r>
-                  <a:rPr lang="en-US" dirty="0" smtClean="0"/>
+                  <a:rPr lang="en-US" dirty="0"/>
                   <a:t>Basically: next state is only determined by current state and the action.</a:t>
                 </a:r>
               </a:p>
               <a:p>
-                <a:endParaRPr lang="en-US" dirty="0" smtClean="0"/>
+                <a:endParaRPr lang="en-US" dirty="0"/>
               </a:p>
               <a:p>
                 <a:r>
-                  <a:rPr lang="en-US" sz="2000" i="1" dirty="0" smtClean="0"/>
+                  <a:rPr lang="en-US" sz="2000" i="1" dirty="0"/>
                   <a:t>Remember dynamic programming?</a:t>
                 </a:r>
-                <a:endParaRPr lang="en-US" sz="2000" i="1" dirty="0"/>
               </a:p>
             </p:txBody>
           </p:sp>
         </mc:Choice>
-        <mc:Fallback>
+        <mc:Fallback xmlns="">
           <p:sp>
             <p:nvSpPr>
               <p:cNvPr id="2" name="Content Placeholder 1"/>
@@ -7019,10 +7257,9 @@
           <a:lstStyle/>
           <a:p>
             <a:r>
-              <a:rPr lang="en-US" dirty="0" smtClean="0"/>
+              <a:rPr lang="en-US" dirty="0"/>
               <a:t>Markov assumption</a:t>
             </a:r>
-            <a:endParaRPr lang="en-US" dirty="0"/>
           </a:p>
         </p:txBody>
       </p:sp>
@@ -7108,13 +7345,6 @@
   <p:clrMapOvr>
     <a:masterClrMapping/>
   </p:clrMapOvr>
-  <p:timing>
-    <p:tnLst>
-      <p:par>
-        <p:cTn id="1" dur="indefinite" restart="never" nodeType="tmRoot"/>
-      </p:par>
-    </p:tnLst>
-  </p:timing>
 </p:sld>
 </file>
 
@@ -7135,8 +7365,8 @@
           <a:chExt cx="0" cy="0"/>
         </a:xfrm>
       </p:grpSpPr>
-      <mc:AlternateContent xmlns:mc="http://schemas.openxmlformats.org/markup-compatibility/2006">
-        <mc:Choice xmlns:a14="http://schemas.microsoft.com/office/drawing/2010/main" Requires="a14">
+      <mc:AlternateContent xmlns:mc="http://schemas.openxmlformats.org/markup-compatibility/2006" xmlns:a14="http://schemas.microsoft.com/office/drawing/2010/main">
+        <mc:Choice Requires="a14">
           <p:sp>
             <p:nvSpPr>
               <p:cNvPr id="2" name="Content Placeholder 1"/>
@@ -7153,7 +7383,7 @@
               <a:lstStyle/>
               <a:p>
                 <a:r>
-                  <a:rPr lang="en-US" b="0" dirty="0" smtClean="0">
+                  <a:rPr lang="en-US" b="0" dirty="0">
                     <a:solidFill>
                       <a:schemeClr val="accent3"/>
                     </a:solidFill>
@@ -7205,7 +7435,7 @@
                   </m:oMath>
                 </a14:m>
                 <a:r>
-                  <a:rPr lang="en-US" b="0" dirty="0" smtClean="0">
+                  <a:rPr lang="en-US" b="0" dirty="0">
                     <a:solidFill>
                       <a:schemeClr val="accent3"/>
                     </a:solidFill>
@@ -7227,7 +7457,7 @@
                   </m:oMath>
                 </a14:m>
                 <a:r>
-                  <a:rPr lang="en-US" b="0" dirty="0" smtClean="0">
+                  <a:rPr lang="en-US" b="0" dirty="0">
                     <a:solidFill>
                       <a:schemeClr val="accent3"/>
                     </a:solidFill>
@@ -7238,7 +7468,7 @@
               </a:p>
               <a:p>
                 <a:r>
-                  <a:rPr lang="en-US" dirty="0" smtClean="0">
+                  <a:rPr lang="en-US" dirty="0">
                     <a:solidFill>
                       <a:schemeClr val="accent3"/>
                     </a:solidFill>
@@ -7246,7 +7476,7 @@
                   </a:rPr>
                   <a:t>Our goal is to find:</a:t>
                 </a:r>
-                <a:endParaRPr lang="en-US" b="0" dirty="0" smtClean="0">
+                <a:endParaRPr lang="en-US" b="0" dirty="0">
                   <a:solidFill>
                     <a:schemeClr val="accent3"/>
                   </a:solidFill>
@@ -7254,6 +7484,7 @@
                 </a:endParaRPr>
               </a:p>
               <a:p>
+                <a:pPr/>
                 <a14:m>
                   <m:oMathPara xmlns:m="http://schemas.openxmlformats.org/officeDocument/2006/math">
                     <m:oMathParaPr>
@@ -7423,18 +7654,18 @@
                     </m:oMath>
                   </m:oMathPara>
                 </a14:m>
-                <a:endParaRPr lang="en-US" dirty="0" smtClean="0">
+                <a:endParaRPr lang="en-US" dirty="0">
                   <a:solidFill>
                     <a:schemeClr val="accent3"/>
                   </a:solidFill>
                 </a:endParaRPr>
               </a:p>
               <a:p>
-                <a:endParaRPr lang="en-US" dirty="0" smtClean="0"/>
+                <a:endParaRPr lang="en-US" dirty="0"/>
               </a:p>
               <a:p>
                 <a:r>
-                  <a:rPr lang="en-US" dirty="0" smtClean="0"/>
+                  <a:rPr lang="en-US" dirty="0"/>
                   <a:t>Basically: Find the best parameters for our </a:t>
                 </a:r>
                 <a14:m>
@@ -7447,7 +7678,7 @@
                     </m:r>
                   </m:oMath>
                 </a14:m>
-                <a:endParaRPr lang="en-US" dirty="0" smtClean="0"/>
+                <a:endParaRPr lang="en-US" dirty="0"/>
               </a:p>
               <a:p>
                 <a:endParaRPr lang="en-US" dirty="0"/>
@@ -7458,7 +7689,7 @@
             </p:txBody>
           </p:sp>
         </mc:Choice>
-        <mc:Fallback>
+        <mc:Fallback xmlns="">
           <p:sp>
             <p:nvSpPr>
               <p:cNvPr id="2" name="Content Placeholder 1"/>
@@ -7508,10 +7739,9 @@
           <a:lstStyle/>
           <a:p>
             <a:r>
-              <a:rPr lang="en-US" dirty="0" smtClean="0"/>
+              <a:rPr lang="en-US" dirty="0"/>
               <a:t>What do we want?</a:t>
             </a:r>
-            <a:endParaRPr lang="en-US" dirty="0"/>
           </a:p>
         </p:txBody>
       </p:sp>
@@ -7556,13 +7786,6 @@
   <p:clrMapOvr>
     <a:masterClrMapping/>
   </p:clrMapOvr>
-  <p:timing>
-    <p:tnLst>
-      <p:par>
-        <p:cTn id="1" dur="indefinite" restart="never" nodeType="tmRoot"/>
-      </p:par>
-    </p:tnLst>
-  </p:timing>
 </p:sld>
 </file>
 
@@ -7583,8 +7806,8 @@
           <a:chExt cx="0" cy="0"/>
         </a:xfrm>
       </p:grpSpPr>
-      <mc:AlternateContent xmlns:mc="http://schemas.openxmlformats.org/markup-compatibility/2006">
-        <mc:Choice xmlns:a14="http://schemas.microsoft.com/office/drawing/2010/main" Requires="a14">
+      <mc:AlternateContent xmlns:mc="http://schemas.openxmlformats.org/markup-compatibility/2006" xmlns:a14="http://schemas.microsoft.com/office/drawing/2010/main">
+        <mc:Choice Requires="a14">
           <p:sp>
             <p:nvSpPr>
               <p:cNvPr id="2" name="Content Placeholder 1"/>
@@ -7601,7 +7824,7 @@
               <a:lstStyle/>
               <a:p>
                 <a:r>
-                  <a:rPr lang="en-US" dirty="0" smtClean="0">
+                  <a:rPr lang="en-US" dirty="0">
                     <a:solidFill>
                       <a:schemeClr val="accent3"/>
                     </a:solidFill>
@@ -7610,7 +7833,7 @@
                   <a:t>We will need to assign a reward for our </a:t>
                 </a:r>
                 <a:r>
-                  <a:rPr lang="en-US" i="1" dirty="0" smtClean="0">
+                  <a:rPr lang="en-US" i="1" dirty="0">
                     <a:solidFill>
                       <a:srgbClr val="C00000"/>
                     </a:solidFill>
@@ -7628,6 +7851,7 @@
                 </a:endParaRPr>
               </a:p>
               <a:p>
+                <a:pPr/>
                 <a14:m>
                   <m:oMathPara xmlns:m="http://schemas.openxmlformats.org/officeDocument/2006/math">
                     <m:oMathParaPr>
@@ -7860,7 +8084,7 @@
                     </m:oMath>
                   </m:oMathPara>
                 </a14:m>
-                <a:endParaRPr lang="en-US" i="1" dirty="0" smtClean="0">
+                <a:endParaRPr lang="en-US" i="1" dirty="0">
                   <a:solidFill>
                     <a:schemeClr val="accent5"/>
                   </a:solidFill>
@@ -7876,11 +8100,11 @@
                 </a:endParaRPr>
               </a:p>
               <a:p>
-                <a:endParaRPr lang="en-US" dirty="0" smtClean="0"/>
+                <a:endParaRPr lang="en-US" dirty="0"/>
               </a:p>
               <a:p>
                 <a:r>
-                  <a:rPr lang="en-US" dirty="0" smtClean="0"/>
+                  <a:rPr lang="en-US" dirty="0"/>
                   <a:t>Basically: Find the best parameters for our </a:t>
                 </a:r>
                 <a14:m>
@@ -7894,15 +8118,14 @@
                   </m:oMath>
                 </a14:m>
                 <a:r>
-                  <a:rPr lang="en-US" dirty="0" smtClean="0"/>
+                  <a:rPr lang="en-US" dirty="0"/>
                   <a:t> with shortest time.</a:t>
                 </a:r>
-                <a:endParaRPr lang="en-US" dirty="0"/>
               </a:p>
             </p:txBody>
           </p:sp>
         </mc:Choice>
-        <mc:Fallback>
+        <mc:Fallback xmlns="">
           <p:sp>
             <p:nvSpPr>
               <p:cNvPr id="2" name="Content Placeholder 1"/>
@@ -7952,10 +8175,9 @@
           <a:lstStyle/>
           <a:p>
             <a:r>
-              <a:rPr lang="en-US" dirty="0" smtClean="0"/>
+              <a:rPr lang="en-US" dirty="0"/>
               <a:t>What is my reward?</a:t>
             </a:r>
-            <a:endParaRPr lang="en-US" dirty="0"/>
           </a:p>
         </p:txBody>
       </p:sp>
@@ -8295,13 +8517,6 @@
   <p:clrMapOvr>
     <a:masterClrMapping/>
   </p:clrMapOvr>
-  <p:timing>
-    <p:tnLst>
-      <p:par>
-        <p:cTn id="1" dur="indefinite" restart="never" nodeType="tmRoot"/>
-      </p:par>
-    </p:tnLst>
-  </p:timing>
 </p:sld>
 </file>
 
@@ -8322,8 +8537,8 @@
           <a:chExt cx="0" cy="0"/>
         </a:xfrm>
       </p:grpSpPr>
-      <mc:AlternateContent xmlns:mc="http://schemas.openxmlformats.org/markup-compatibility/2006">
-        <mc:Choice xmlns:a14="http://schemas.microsoft.com/office/drawing/2010/main" Requires="a14">
+      <mc:AlternateContent xmlns:mc="http://schemas.openxmlformats.org/markup-compatibility/2006" xmlns:a14="http://schemas.microsoft.com/office/drawing/2010/main">
+        <mc:Choice Requires="a14">
           <p:sp>
             <p:nvSpPr>
               <p:cNvPr id="2" name="Content Placeholder 1"/>
@@ -8339,6 +8554,7 @@
               <a:bodyPr/>
               <a:lstStyle/>
               <a:p>
+                <a:pPr/>
                 <a14:m>
                   <m:oMathPara xmlns:m="http://schemas.openxmlformats.org/officeDocument/2006/math">
                     <m:oMathParaPr>
@@ -8584,7 +8800,7 @@
                   <a:buAutoNum type="arabicPeriod"/>
                 </a:pPr>
                 <a:r>
-                  <a:rPr lang="en-US" sz="2000" dirty="0" smtClean="0"/>
+                  <a:rPr lang="en-US" sz="2000" dirty="0"/>
                   <a:t>Why there’s an E? </a:t>
                 </a:r>
               </a:p>
@@ -8592,11 +8808,7 @@
                 <a:pPr lvl="1"/>
                 <a:r>
                   <a:rPr lang="en-US" sz="2000" dirty="0"/>
-                  <a:t>	</a:t>
-                </a:r>
-                <a:r>
-                  <a:rPr lang="en-US" sz="2000" dirty="0" smtClean="0"/>
-                  <a:t>R(P) is a stochastic process;</a:t>
+                  <a:t>	R(P) is a stochastic process;</a:t>
                 </a:r>
               </a:p>
               <a:p>
@@ -8605,7 +8817,7 @@
                   <a:buAutoNum type="arabicPeriod"/>
                 </a:pPr>
                 <a:r>
-                  <a:rPr lang="en-US" sz="2000" dirty="0" smtClean="0"/>
+                  <a:rPr lang="en-US" sz="2000" dirty="0"/>
                   <a:t>What is </a:t>
                 </a:r>
                 <a14:m>
@@ -8661,21 +8873,16 @@
                   </m:oMath>
                 </a14:m>
                 <a:r>
-                  <a:rPr lang="en-US" sz="2000" dirty="0" smtClean="0"/>
+                  <a:rPr lang="en-US" sz="2000" dirty="0"/>
                   <a:t>?</a:t>
                 </a:r>
               </a:p>
               <a:p>
                 <a:pPr lvl="1"/>
                 <a:r>
-                  <a:rPr lang="en-US" sz="2000" dirty="0" smtClean="0"/>
-                  <a:t>	It is </a:t>
+                  <a:rPr lang="en-US" sz="2000" dirty="0"/>
+                  <a:t>	It is defined by an attentional sequence-to-sequence model</a:t>
                 </a:r>
-                <a:r>
-                  <a:rPr lang="en-US" sz="2000" dirty="0"/>
-                  <a:t>defined by an attentional sequence-to-sequence model</a:t>
-                </a:r>
-                <a:endParaRPr lang="en-US" sz="2000" dirty="0" smtClean="0"/>
               </a:p>
               <a:p>
                 <a:pPr marL="457200" indent="-457200">
@@ -8683,59 +8890,75 @@
                   <a:buAutoNum type="arabicPeriod"/>
                 </a:pPr>
                 <a:r>
-                  <a:rPr lang="en-US" sz="2000" dirty="0" smtClean="0"/>
-                  <a:t>What </a:t>
-                </a:r>
-                <a:r>
                   <a:rPr lang="en-US" sz="2000" dirty="0"/>
-                  <a:t>is </a:t>
+                  <a:t>What is </a:t>
                 </a:r>
                 <a14:m>
                   <m:oMath xmlns:m="http://schemas.openxmlformats.org/officeDocument/2006/math">
                     <m:r>
-                      <a:rPr lang="en-US" sz="2000"/>
+                      <a:rPr lang="en-US" sz="2000">
+                        <a:latin typeface="Cambria Math" panose="02040503050406030204" pitchFamily="18" charset="0"/>
+                      </a:rPr>
                       <m:t>𝑃</m:t>
                     </m:r>
                     <m:r>
-                      <a:rPr lang="en-US" sz="2000"/>
+                      <a:rPr lang="en-US" sz="2000">
+                        <a:latin typeface="Cambria Math" panose="02040503050406030204" pitchFamily="18" charset="0"/>
+                      </a:rPr>
                       <m:t>∼</m:t>
                     </m:r>
                     <m:r>
-                      <a:rPr lang="el-GR" sz="2000"/>
+                      <a:rPr lang="el-GR" sz="2000">
+                        <a:latin typeface="Cambria Math" panose="02040503050406030204" pitchFamily="18" charset="0"/>
+                      </a:rPr>
                       <m:t>𝜋</m:t>
                     </m:r>
                     <m:r>
-                      <a:rPr lang="el-GR" sz="2000"/>
+                      <a:rPr lang="el-GR" sz="2000">
+                        <a:latin typeface="Cambria Math" panose="02040503050406030204" pitchFamily="18" charset="0"/>
+                      </a:rPr>
                       <m:t>(</m:t>
                     </m:r>
                     <m:r>
-                      <a:rPr lang="en-US" sz="2000"/>
+                      <a:rPr lang="en-US" sz="2000">
+                        <a:latin typeface="Cambria Math" panose="02040503050406030204" pitchFamily="18" charset="0"/>
+                      </a:rPr>
                       <m:t>𝑃</m:t>
                     </m:r>
                     <m:r>
-                      <a:rPr lang="en-US" sz="2000"/>
+                      <a:rPr lang="en-US" sz="2000">
+                        <a:latin typeface="Cambria Math" panose="02040503050406030204" pitchFamily="18" charset="0"/>
+                      </a:rPr>
                       <m:t> |</m:t>
                     </m:r>
                     <m:r>
-                      <a:rPr lang="en-US" sz="2000"/>
+                      <a:rPr lang="en-US" sz="2000">
+                        <a:latin typeface="Cambria Math" panose="02040503050406030204" pitchFamily="18" charset="0"/>
+                      </a:rPr>
                       <m:t>𝐺</m:t>
                     </m:r>
                     <m:r>
-                      <a:rPr lang="en-US" sz="2000"/>
+                      <a:rPr lang="en-US" sz="2000">
+                        <a:latin typeface="Cambria Math" panose="02040503050406030204" pitchFamily="18" charset="0"/>
+                      </a:rPr>
                       <m:t>;</m:t>
                     </m:r>
                     <m:r>
-                      <a:rPr lang="el-GR" sz="2000"/>
+                      <a:rPr lang="el-GR" sz="2000">
+                        <a:latin typeface="Cambria Math" panose="02040503050406030204" pitchFamily="18" charset="0"/>
+                      </a:rPr>
                       <m:t>𝜃</m:t>
                     </m:r>
                     <m:r>
-                      <a:rPr lang="el-GR" sz="2000"/>
+                      <a:rPr lang="el-GR" sz="2000">
+                        <a:latin typeface="Cambria Math" panose="02040503050406030204" pitchFamily="18" charset="0"/>
+                      </a:rPr>
                       <m:t>)</m:t>
                     </m:r>
                   </m:oMath>
                 </a14:m>
                 <a:r>
-                  <a:rPr lang="en-US" sz="2000" dirty="0" smtClean="0"/>
+                  <a:rPr lang="en-US" sz="2000" dirty="0"/>
                   <a:t>?</a:t>
                 </a:r>
               </a:p>
@@ -8743,11 +8966,7 @@
                 <a:pPr lvl="1"/>
                 <a:r>
                   <a:rPr lang="en-US" sz="2000" dirty="0"/>
-                  <a:t>	</a:t>
-                </a:r>
-                <a:r>
-                  <a:rPr lang="en-US" sz="2000" dirty="0" smtClean="0"/>
-                  <a:t>P follows the distribution of policy we gave, which is also pre-determined by </a:t>
+                  <a:t>	P follows the distribution of policy we gave, which is also pre-determined by </a:t>
                 </a:r>
                 <a14:m>
                   <m:oMath xmlns:m="http://schemas.openxmlformats.org/officeDocument/2006/math">
@@ -8765,16 +8984,16 @@
                     </m:r>
                   </m:oMath>
                 </a14:m>
-                <a:endParaRPr lang="en-US" sz="2000" b="0" dirty="0" smtClean="0"/>
+                <a:endParaRPr lang="en-US" sz="2000" b="0" dirty="0"/>
               </a:p>
               <a:p>
                 <a:pPr lvl="1"/>
-                <a:endParaRPr lang="en-US" sz="2000" dirty="0" smtClean="0"/>
+                <a:endParaRPr lang="en-US" sz="2000" dirty="0"/>
               </a:p>
             </p:txBody>
           </p:sp>
         </mc:Choice>
-        <mc:Fallback>
+        <mc:Fallback xmlns="">
           <p:sp>
             <p:nvSpPr>
               <p:cNvPr id="2" name="Content Placeholder 1"/>
@@ -8824,10 +9043,9 @@
           <a:lstStyle/>
           <a:p>
             <a:r>
-              <a:rPr lang="en-US" dirty="0" smtClean="0"/>
+              <a:rPr lang="en-US" dirty="0"/>
               <a:t>What the heck does this mean!</a:t>
             </a:r>
-            <a:endParaRPr lang="en-US" dirty="0"/>
           </a:p>
         </p:txBody>
       </p:sp>
@@ -8841,13 +9059,6 @@
   <p:clrMapOvr>
     <a:masterClrMapping/>
   </p:clrMapOvr>
-  <p:timing>
-    <p:tnLst>
-      <p:par>
-        <p:cTn id="1" dur="indefinite" restart="never" nodeType="tmRoot"/>
-      </p:par>
-    </p:tnLst>
-  </p:timing>
 </p:sld>
 </file>
 
@@ -8868,8 +9079,8 @@
           <a:chExt cx="0" cy="0"/>
         </a:xfrm>
       </p:grpSpPr>
-      <mc:AlternateContent xmlns:mc="http://schemas.openxmlformats.org/markup-compatibility/2006">
-        <mc:Choice xmlns:a14="http://schemas.microsoft.com/office/drawing/2010/main" Requires="a14">
+      <mc:AlternateContent xmlns:mc="http://schemas.openxmlformats.org/markup-compatibility/2006" xmlns:a14="http://schemas.microsoft.com/office/drawing/2010/main">
+        <mc:Choice Requires="a14">
           <p:sp>
             <p:nvSpPr>
               <p:cNvPr id="2" name="Content Placeholder 1"/>
@@ -8885,6 +9096,7 @@
               <a:bodyPr/>
               <a:lstStyle/>
               <a:p>
+                <a:pPr/>
                 <a14:m>
                   <m:oMathPara xmlns:m="http://schemas.openxmlformats.org/officeDocument/2006/math">
                     <m:oMathParaPr>
@@ -9178,7 +9390,7 @@
                     </m:oMath>
                   </m:oMathPara>
                 </a14:m>
-                <a:endParaRPr lang="en-US" dirty="0" smtClean="0"/>
+                <a:endParaRPr lang="en-US" dirty="0"/>
               </a:p>
               <a:p>
                 <a:pPr marL="342900" lvl="1" indent="-342900">
@@ -9186,7 +9398,7 @@
                   <a:buChar char="•"/>
                 </a:pPr>
                 <a:r>
-                  <a:rPr lang="en-US" sz="2000" dirty="0" smtClean="0">
+                  <a:rPr lang="en-US" sz="2000" dirty="0">
                     <a:solidFill>
                       <a:schemeClr val="accent4"/>
                     </a:solidFill>
@@ -9200,14 +9412,14 @@
                   <a:buChar char="•"/>
                 </a:pPr>
                 <a:r>
-                  <a:rPr lang="en-US" sz="2000" dirty="0" smtClean="0">
+                  <a:rPr lang="en-US" sz="2000" dirty="0">
                     <a:solidFill>
                       <a:schemeClr val="accent4"/>
                     </a:solidFill>
                   </a:rPr>
                   <a:t>Explicit learning – not (or less) a black box.</a:t>
                 </a:r>
-                <a:endParaRPr lang="en-US" sz="2000" dirty="0" smtClean="0">
+                <a:endParaRPr lang="en-US" sz="2000" dirty="0">
                   <a:solidFill>
                     <a:schemeClr val="accent4"/>
                   </a:solidFill>
@@ -9215,6 +9427,7 @@
                 </a:endParaRPr>
               </a:p>
               <a:p>
+                <a:pPr/>
                 <a14:m>
                   <m:oMathPara xmlns:m="http://schemas.openxmlformats.org/officeDocument/2006/math">
                     <m:oMathParaPr>
@@ -9511,7 +9724,7 @@
                     </m:oMath>
                   </m:oMathPara>
                 </a14:m>
-                <a:endParaRPr lang="en-US" dirty="0" smtClean="0"/>
+                <a:endParaRPr lang="en-US" dirty="0"/>
               </a:p>
               <a:p>
                 <a:pPr marL="342900" indent="-342900">
@@ -9519,7 +9732,7 @@
                   <a:buChar char="•"/>
                 </a:pPr>
                 <a:r>
-                  <a:rPr lang="en-US" sz="2000" dirty="0" smtClean="0">
+                  <a:rPr lang="en-US" sz="2000" dirty="0">
                     <a:solidFill>
                       <a:schemeClr val="accent4"/>
                     </a:solidFill>
@@ -9533,7 +9746,7 @@
                   <a:buChar char="•"/>
                 </a:pPr>
                 <a:r>
-                  <a:rPr lang="en-US" sz="2000" dirty="0" smtClean="0">
+                  <a:rPr lang="en-US" sz="2000" dirty="0">
                     <a:solidFill>
                       <a:schemeClr val="accent4"/>
                     </a:solidFill>
@@ -9541,7 +9754,7 @@
                   <a:t>S</a:t>
                 </a:r>
                 <a:r>
-                  <a:rPr lang="en-US" altLang="zh-CN" sz="2000" dirty="0" smtClean="0">
+                  <a:rPr lang="en-US" altLang="zh-CN" sz="2000" dirty="0">
                     <a:solidFill>
                       <a:schemeClr val="accent4"/>
                     </a:solidFill>
@@ -9555,23 +9768,18 @@
                   <a:buChar char="•"/>
                 </a:pPr>
                 <a:r>
-                  <a:rPr lang="en-US" sz="2000" dirty="0" smtClean="0">
+                  <a:rPr lang="en-US" sz="2000" dirty="0">
                     <a:solidFill>
                       <a:schemeClr val="accent4"/>
                     </a:solidFill>
                   </a:rPr>
                   <a:t>Easier</a:t>
                 </a:r>
-                <a:endParaRPr lang="en-US" sz="2000" dirty="0">
-                  <a:solidFill>
-                    <a:schemeClr val="accent4"/>
-                  </a:solidFill>
-                </a:endParaRPr>
               </a:p>
             </p:txBody>
           </p:sp>
         </mc:Choice>
-        <mc:Fallback>
+        <mc:Fallback xmlns="">
           <p:sp>
             <p:nvSpPr>
               <p:cNvPr id="2" name="Content Placeholder 1"/>
@@ -9668,13 +9876,6 @@
   <p:clrMapOvr>
     <a:masterClrMapping/>
   </p:clrMapOvr>
-  <p:timing>
-    <p:tnLst>
-      <p:par>
-        <p:cTn id="1" dur="indefinite" restart="never" nodeType="tmRoot"/>
-      </p:par>
-    </p:tnLst>
-  </p:timing>
 </p:sld>
 </file>
 
@@ -9715,22 +9916,14 @@
               <a:buChar char="•"/>
             </a:pPr>
             <a:r>
-              <a:rPr lang="en-US" dirty="0" smtClean="0"/>
-              <a:t>Graphs </a:t>
-            </a:r>
-            <a:r>
-              <a:rPr lang="en-US" dirty="0"/>
-              <a:t>with large memory </a:t>
-            </a:r>
-            <a:r>
-              <a:rPr lang="en-US" dirty="0" smtClean="0"/>
-              <a:t>footprint: fail to execute.</a:t>
+              <a:rPr lang="en-US" dirty="0"/>
+              <a:t>Graphs with large memory footprint: fail to execute.</a:t>
             </a:r>
           </a:p>
           <a:p>
             <a:pPr lvl="1"/>
             <a:r>
-              <a:rPr lang="en-US" dirty="0" smtClean="0"/>
+              <a:rPr lang="en-US" dirty="0"/>
               <a:t>Instead, set a large failing signal, manually.</a:t>
             </a:r>
           </a:p>
@@ -9751,7 +9944,7 @@
           <a:p>
             <a:pPr lvl="1"/>
             <a:r>
-              <a:rPr lang="en-US" dirty="0" smtClean="0"/>
+              <a:rPr lang="en-US" dirty="0"/>
               <a:t>Instead, hard code the training process.</a:t>
             </a:r>
           </a:p>
@@ -9761,7 +9954,7 @@
               <a:buChar char="•"/>
             </a:pPr>
             <a:r>
-              <a:rPr lang="en-US" dirty="0" smtClean="0"/>
+              <a:rPr lang="en-US" dirty="0"/>
               <a:t>Initialize the baseline B with the failing signal results in more exploration.</a:t>
             </a:r>
           </a:p>
@@ -9786,10 +9979,9 @@
           <a:lstStyle/>
           <a:p>
             <a:r>
-              <a:rPr lang="en-US" dirty="0" smtClean="0"/>
+              <a:rPr lang="en-US" dirty="0"/>
               <a:t>Difficulties in practice</a:t>
             </a:r>
-            <a:endParaRPr lang="en-US" dirty="0"/>
           </a:p>
         </p:txBody>
       </p:sp>
@@ -9803,13 +9995,6 @@
   <p:clrMapOvr>
     <a:masterClrMapping/>
   </p:clrMapOvr>
-  <p:timing>
-    <p:tnLst>
-      <p:par>
-        <p:cTn id="1" dur="indefinite" restart="never" nodeType="tmRoot"/>
-      </p:par>
-    </p:tnLst>
-  </p:timing>
 </p:sld>
 </file>
 
@@ -9865,10 +10050,9 @@
           <a:lstStyle/>
           <a:p>
             <a:r>
-              <a:rPr lang="en-US" dirty="0" smtClean="0"/>
+              <a:rPr lang="en-US" dirty="0"/>
               <a:t>Architecture details</a:t>
             </a:r>
-            <a:endParaRPr lang="en-US" dirty="0"/>
           </a:p>
         </p:txBody>
       </p:sp>
@@ -9901,13 +10085,6 @@
   <p:clrMapOvr>
     <a:masterClrMapping/>
   </p:clrMapOvr>
-  <p:timing>
-    <p:tnLst>
-      <p:par>
-        <p:cTn id="1" dur="indefinite" restart="never" nodeType="tmRoot"/>
-      </p:par>
-    </p:tnLst>
-  </p:timing>
 </p:sld>
 </file>
 
@@ -9948,7 +10125,7 @@
               <a:buChar char="•"/>
             </a:pPr>
             <a:r>
-              <a:rPr lang="en-US" dirty="0" smtClean="0"/>
+              <a:rPr lang="en-US" dirty="0"/>
               <a:t>With LSTM;</a:t>
             </a:r>
           </a:p>
@@ -9958,7 +10135,7 @@
               <a:buChar char="•"/>
             </a:pPr>
             <a:r>
-              <a:rPr lang="en-US" dirty="0" smtClean="0"/>
+              <a:rPr lang="en-US" dirty="0"/>
               <a:t>And a content-based attention mechanism;</a:t>
             </a:r>
           </a:p>
@@ -9967,7 +10144,7 @@
               <a:buFont typeface="Arial" panose="020B0604020202020204" pitchFamily="34" charset="0"/>
               <a:buChar char="•"/>
             </a:pPr>
-            <a:endParaRPr lang="en-US" dirty="0" smtClean="0"/>
+            <a:endParaRPr lang="en-US" dirty="0"/>
           </a:p>
           <a:p>
             <a:endParaRPr lang="en-US" dirty="0"/>
@@ -10036,13 +10213,6 @@
   <p:clrMapOvr>
     <a:masterClrMapping/>
   </p:clrMapOvr>
-  <p:timing>
-    <p:tnLst>
-      <p:par>
-        <p:cTn id="1" dur="indefinite" restart="never" nodeType="tmRoot"/>
-      </p:par>
-    </p:tnLst>
-  </p:timing>
 </p:sld>
 </file>
 
@@ -10083,7 +10253,7 @@
               <a:buChar char="•"/>
             </a:pPr>
             <a:r>
-              <a:rPr lang="en-US" dirty="0" smtClean="0"/>
+              <a:rPr lang="en-US" dirty="0"/>
               <a:t>Sequence of operations</a:t>
             </a:r>
           </a:p>
@@ -10093,7 +10263,7 @@
               <a:buChar char="•"/>
             </a:pPr>
             <a:r>
-              <a:rPr lang="en-US" dirty="0" smtClean="0"/>
+              <a:rPr lang="en-US" dirty="0"/>
               <a:t>Embed the operations by concatenating</a:t>
             </a:r>
           </a:p>
@@ -10103,16 +10273,8 @@
               <a:buChar char="•"/>
             </a:pPr>
             <a:r>
-              <a:rPr lang="en-US" dirty="0" smtClean="0"/>
-              <a:t>Store </a:t>
-            </a:r>
-            <a:r>
-              <a:rPr lang="en-US" dirty="0"/>
-              <a:t>a </a:t>
-            </a:r>
-            <a:r>
-              <a:rPr lang="en-US" dirty="0" smtClean="0"/>
-              <a:t>tunable embedding vector</a:t>
+              <a:rPr lang="en-US" dirty="0"/>
+              <a:t>Store a tunable embedding vector</a:t>
             </a:r>
           </a:p>
           <a:p>
@@ -10121,18 +10283,18 @@
               <a:buChar char="•"/>
             </a:pPr>
             <a:r>
-              <a:rPr lang="en-US" dirty="0" smtClean="0"/>
+              <a:rPr lang="en-US" dirty="0"/>
               <a:t>Each graph’s operation has a computation type:</a:t>
             </a:r>
           </a:p>
           <a:p>
             <a:pPr marL="1234440" lvl="3"/>
             <a:r>
-              <a:rPr lang="en-US" dirty="0" err="1" smtClean="0"/>
+              <a:rPr lang="en-US" dirty="0" err="1"/>
               <a:t>MatMul</a:t>
             </a:r>
             <a:r>
-              <a:rPr lang="en-US" dirty="0" smtClean="0"/>
+              <a:rPr lang="en-US" dirty="0"/>
               <a:t> or conv2d</a:t>
             </a:r>
           </a:p>
@@ -10154,10 +10316,9 @@
           <a:lstStyle/>
           <a:p>
             <a:r>
-              <a:rPr lang="en-US" dirty="0" smtClean="0"/>
+              <a:rPr lang="en-US" dirty="0"/>
               <a:t>Encoder</a:t>
             </a:r>
-            <a:endParaRPr lang="en-US" dirty="0"/>
           </a:p>
         </p:txBody>
       </p:sp>
@@ -10171,13 +10332,6 @@
   <p:clrMapOvr>
     <a:masterClrMapping/>
   </p:clrMapOvr>
-  <p:timing>
-    <p:tnLst>
-      <p:par>
-        <p:cTn id="1" dur="indefinite" restart="never" nodeType="tmRoot"/>
-      </p:par>
-    </p:tnLst>
-  </p:timing>
 </p:sld>
 </file>
 
@@ -10218,7 +10372,7 @@
               <a:buChar char="•"/>
             </a:pPr>
             <a:r>
-              <a:rPr lang="en-US" dirty="0" smtClean="0"/>
+              <a:rPr lang="en-US" dirty="0"/>
               <a:t>Attentional LSTM</a:t>
             </a:r>
           </a:p>
@@ -10228,7 +10382,7 @@
               <a:buChar char="•"/>
             </a:pPr>
             <a:r>
-              <a:rPr lang="en-US" dirty="0" smtClean="0"/>
+              <a:rPr lang="en-US" dirty="0"/>
               <a:t>Same steps as operations in graph G</a:t>
             </a:r>
           </a:p>
@@ -10238,7 +10392,7 @@
               <a:buChar char="•"/>
             </a:pPr>
             <a:r>
-              <a:rPr lang="en-US" dirty="0" smtClean="0"/>
+              <a:rPr lang="en-US" dirty="0"/>
               <a:t>Each step outputs the device for the operation at the same encoder time step</a:t>
             </a:r>
           </a:p>
@@ -10267,10 +10421,9 @@
           <a:lstStyle/>
           <a:p>
             <a:r>
-              <a:rPr lang="en-US" dirty="0" smtClean="0"/>
+              <a:rPr lang="en-US" dirty="0"/>
               <a:t>Decoder</a:t>
             </a:r>
-            <a:endParaRPr lang="en-US" dirty="0"/>
           </a:p>
         </p:txBody>
       </p:sp>
@@ -10284,13 +10437,6 @@
   <p:clrMapOvr>
     <a:masterClrMapping/>
   </p:clrMapOvr>
-  <p:timing>
-    <p:tnLst>
-      <p:par>
-        <p:cTn id="1" dur="indefinite" restart="never" nodeType="tmRoot"/>
-      </p:par>
-    </p:tnLst>
-  </p:timing>
 </p:sld>
 </file>
 
@@ -10331,7 +10477,7 @@
               <a:buChar char="•"/>
             </a:pPr>
             <a:r>
-              <a:rPr lang="en-US" dirty="0" smtClean="0"/>
+              <a:rPr lang="en-US" dirty="0"/>
               <a:t>A lot of operations in a graph;</a:t>
             </a:r>
           </a:p>
@@ -10341,7 +10487,7 @@
               <a:buChar char="•"/>
             </a:pPr>
             <a:r>
-              <a:rPr lang="en-US" dirty="0" smtClean="0"/>
+              <a:rPr lang="en-US" dirty="0"/>
               <a:t>Vanishing and exploding gradient;</a:t>
             </a:r>
           </a:p>
@@ -10351,37 +10497,37 @@
               <a:buChar char="•"/>
             </a:pPr>
             <a:r>
-              <a:rPr lang="en-US" dirty="0" smtClean="0"/>
+              <a:rPr lang="en-US" dirty="0"/>
               <a:t>Large memory footprints;</a:t>
             </a:r>
           </a:p>
           <a:p>
-            <a:endParaRPr lang="en-US" dirty="0" smtClean="0"/>
-          </a:p>
-          <a:p>
-            <a:r>
-              <a:rPr lang="en-US" dirty="0" smtClean="0"/>
+            <a:endParaRPr lang="en-US" dirty="0"/>
+          </a:p>
+          <a:p>
+            <a:r>
+              <a:rPr lang="en-US" dirty="0"/>
               <a:t>Solution: manually forcing several operations located on same device.</a:t>
             </a:r>
           </a:p>
           <a:p>
             <a:r>
-              <a:rPr lang="en-US" dirty="0" smtClean="0"/>
+              <a:rPr lang="en-US" dirty="0"/>
               <a:t>With </a:t>
             </a:r>
             <a:r>
-              <a:rPr lang="en-US" dirty="0" err="1" smtClean="0"/>
+              <a:rPr lang="en-US" dirty="0" err="1"/>
               <a:t>collocate_with</a:t>
             </a:r>
             <a:r>
-              <a:rPr lang="en-US" dirty="0" smtClean="0"/>
+              <a:rPr lang="en-US" dirty="0"/>
               <a:t> feature of </a:t>
             </a:r>
             <a:r>
-              <a:rPr lang="en-US" dirty="0" err="1" smtClean="0"/>
+              <a:rPr lang="en-US" dirty="0" err="1"/>
               <a:t>TensorFlow</a:t>
             </a:r>
-            <a:endParaRPr lang="en-US" dirty="0" smtClean="0"/>
+            <a:endParaRPr lang="en-US" dirty="0"/>
           </a:p>
         </p:txBody>
       </p:sp>
@@ -10401,10 +10547,9 @@
           <a:lstStyle/>
           <a:p>
             <a:r>
-              <a:rPr lang="en-US" dirty="0" smtClean="0"/>
+              <a:rPr lang="en-US" dirty="0"/>
               <a:t>Co-locating operations</a:t>
             </a:r>
-            <a:endParaRPr lang="en-US" dirty="0"/>
           </a:p>
         </p:txBody>
       </p:sp>
@@ -10418,13 +10563,6 @@
   <p:clrMapOvr>
     <a:masterClrMapping/>
   </p:clrMapOvr>
-  <p:timing>
-    <p:tnLst>
-      <p:par>
-        <p:cTn id="1" dur="indefinite" restart="never" nodeType="tmRoot"/>
-      </p:par>
-    </p:tnLst>
-  </p:timing>
 </p:sld>
 </file>
 
@@ -10465,7 +10603,7 @@
               <a:buChar char="•"/>
             </a:pPr>
             <a:r>
-              <a:rPr lang="en-US" dirty="0" smtClean="0"/>
+              <a:rPr lang="en-US" dirty="0"/>
               <a:t>Asynchronous distributed</a:t>
             </a:r>
           </a:p>
@@ -10475,7 +10613,7 @@
               <a:buChar char="•"/>
             </a:pPr>
             <a:r>
-              <a:rPr lang="en-US" dirty="0" smtClean="0"/>
+              <a:rPr lang="en-US" dirty="0"/>
               <a:t>Several controllers;</a:t>
             </a:r>
           </a:p>
@@ -10485,7 +10623,7 @@
               <a:buChar char="•"/>
             </a:pPr>
             <a:r>
-              <a:rPr lang="en-US" dirty="0" smtClean="0"/>
+              <a:rPr lang="en-US" dirty="0"/>
               <a:t>Not storing input graph parameters on server to avoid latency;</a:t>
             </a:r>
           </a:p>
@@ -10495,8 +10633,28 @@
               <a:buChar char="•"/>
             </a:pPr>
             <a:r>
-              <a:rPr lang="en-US" dirty="0" smtClean="0"/>
+              <a:rPr lang="en-US" dirty="0"/>
               <a:t>Each controller control K workers.</a:t>
+            </a:r>
+          </a:p>
+          <a:p>
+            <a:pPr marL="342900" lvl="1" indent="-342900">
+              <a:buFont typeface="Arial" panose="020B0604020202020204" pitchFamily="34" charset="0"/>
+              <a:buChar char="•"/>
+            </a:pPr>
+            <a:r>
+              <a:rPr lang="en-US" altLang="zh-CN" dirty="0"/>
+              <a:t>20 controller; each with 4 – 8 workers</a:t>
+            </a:r>
+          </a:p>
+          <a:p>
+            <a:pPr marL="342900" lvl="1" indent="-342900">
+              <a:buFont typeface="Arial" panose="020B0604020202020204" pitchFamily="34" charset="0"/>
+              <a:buChar char="•"/>
+            </a:pPr>
+            <a:r>
+              <a:rPr lang="en-US" dirty="0"/>
+              <a:t>Takes 12 – 27 hours to find best placement</a:t>
             </a:r>
           </a:p>
         </p:txBody>
@@ -10517,10 +10675,9 @@
           <a:lstStyle/>
           <a:p>
             <a:r>
-              <a:rPr lang="en-US" dirty="0" smtClean="0"/>
+              <a:rPr lang="en-US" dirty="0"/>
               <a:t>Distributed training</a:t>
             </a:r>
-            <a:endParaRPr lang="en-US" dirty="0"/>
           </a:p>
         </p:txBody>
       </p:sp>
@@ -10558,13 +10715,6 @@
   <p:clrMapOvr>
     <a:masterClrMapping/>
   </p:clrMapOvr>
-  <p:timing>
-    <p:tnLst>
-      <p:par>
-        <p:cTn id="1" dur="indefinite" restart="never" nodeType="tmRoot"/>
-      </p:par>
-    </p:tnLst>
-  </p:timing>
 </p:sld>
 </file>
 
@@ -10587,12 +10737,18 @@
       </p:grpSpPr>
       <p:sp>
         <p:nvSpPr>
-          <p:cNvPr id="2" name="Content Placeholder 1"/>
+          <p:cNvPr id="2" name="Content Placeholder 1">
+            <a:extLst>
+              <a:ext uri="{FF2B5EF4-FFF2-40B4-BE49-F238E27FC236}">
+                <a16:creationId xmlns:a16="http://schemas.microsoft.com/office/drawing/2014/main" id="{B972D60F-EAF8-45A8-AA55-E9A5AE4C0E5D}"/>
+              </a:ext>
+            </a:extLst>
+          </p:cNvPr>
           <p:cNvSpPr>
             <a:spLocks noGrp="1"/>
           </p:cNvSpPr>
           <p:nvPr>
-            <p:ph idx="13"/>
+            <p:ph idx="15"/>
           </p:nvPr>
         </p:nvSpPr>
         <p:spPr/>
@@ -10606,7 +10762,41 @@
       </p:sp>
       <p:sp>
         <p:nvSpPr>
-          <p:cNvPr id="3" name="Title 2"/>
+          <p:cNvPr id="3" name="Content Placeholder 2">
+            <a:extLst>
+              <a:ext uri="{FF2B5EF4-FFF2-40B4-BE49-F238E27FC236}">
+                <a16:creationId xmlns:a16="http://schemas.microsoft.com/office/drawing/2014/main" id="{1B61FC6D-EC1B-4796-B8BE-AF825622A818}"/>
+              </a:ext>
+            </a:extLst>
+          </p:cNvPr>
+          <p:cNvSpPr>
+            <a:spLocks noGrp="1"/>
+          </p:cNvSpPr>
+          <p:nvPr>
+            <p:ph idx="16"/>
+          </p:nvPr>
+        </p:nvSpPr>
+        <p:spPr/>
+        <p:txBody>
+          <a:bodyPr/>
+          <a:lstStyle/>
+          <a:p>
+            <a:r>
+              <a:rPr lang="en-US" dirty="0"/>
+              <a:t>Experiments</a:t>
+            </a:r>
+          </a:p>
+        </p:txBody>
+      </p:sp>
+      <p:sp>
+        <p:nvSpPr>
+          <p:cNvPr id="4" name="Title 3">
+            <a:extLst>
+              <a:ext uri="{FF2B5EF4-FFF2-40B4-BE49-F238E27FC236}">
+                <a16:creationId xmlns:a16="http://schemas.microsoft.com/office/drawing/2014/main" id="{704055C9-109F-4D76-B2B0-E9C922665AC4}"/>
+              </a:ext>
+            </a:extLst>
+          </p:cNvPr>
           <p:cNvSpPr>
             <a:spLocks noGrp="1"/>
           </p:cNvSpPr>
@@ -10626,20 +10816,13 @@
     </p:spTree>
     <p:extLst>
       <p:ext uri="{BB962C8B-B14F-4D97-AF65-F5344CB8AC3E}">
-        <p14:creationId xmlns:p14="http://schemas.microsoft.com/office/powerpoint/2010/main" val="3875623851"/>
+        <p14:creationId xmlns:p14="http://schemas.microsoft.com/office/powerpoint/2010/main" val="3297844066"/>
       </p:ext>
     </p:extLst>
   </p:cSld>
   <p:clrMapOvr>
     <a:masterClrMapping/>
   </p:clrMapOvr>
-  <p:timing>
-    <p:tnLst>
-      <p:par>
-        <p:cTn id="1" dur="indefinite" restart="never" nodeType="tmRoot"/>
-      </p:par>
-    </p:tnLst>
-  </p:timing>
 </p:sld>
 </file>
 
@@ -10695,12 +10878,8 @@
           <a:lstStyle/>
           <a:p>
             <a:r>
-              <a:rPr lang="en-US" sz="7200" dirty="0" smtClean="0"/>
-              <a:t>Device </a:t>
-            </a:r>
-            <a:r>
               <a:rPr lang="en-US" sz="7200" dirty="0"/>
-              <a:t>placement?</a:t>
+              <a:t>Device placement?</a:t>
             </a:r>
           </a:p>
           <a:p>
@@ -10737,13 +10916,1572 @@
   <p:clrMapOvr>
     <a:masterClrMapping/>
   </p:clrMapOvr>
-  <p:timing>
-    <p:tnLst>
-      <p:par>
-        <p:cTn id="1" dur="indefinite" restart="never" nodeType="tmRoot"/>
-      </p:par>
-    </p:tnLst>
-  </p:timing>
+</p:sld>
+</file>
+
+<file path=ppt/slides/slide30.xml><?xml version="1.0" encoding="utf-8"?>
+<p:sld xmlns:a="http://schemas.openxmlformats.org/drawingml/2006/main" xmlns:r="http://schemas.openxmlformats.org/officeDocument/2006/relationships" xmlns:p="http://schemas.openxmlformats.org/presentationml/2006/main">
+  <p:cSld>
+    <p:spTree>
+      <p:nvGrpSpPr>
+        <p:cNvPr id="1" name=""/>
+        <p:cNvGrpSpPr/>
+        <p:nvPr/>
+      </p:nvGrpSpPr>
+      <p:grpSpPr>
+        <a:xfrm>
+          <a:off x="0" y="0"/>
+          <a:ext cx="0" cy="0"/>
+          <a:chOff x="0" y="0"/>
+          <a:chExt cx="0" cy="0"/>
+        </a:xfrm>
+      </p:grpSpPr>
+      <p:sp>
+        <p:nvSpPr>
+          <p:cNvPr id="2" name="Content Placeholder 1">
+            <a:extLst>
+              <a:ext uri="{FF2B5EF4-FFF2-40B4-BE49-F238E27FC236}">
+                <a16:creationId xmlns:a16="http://schemas.microsoft.com/office/drawing/2014/main" id="{397549EE-C7F5-4E25-AAA8-43B148608E37}"/>
+              </a:ext>
+            </a:extLst>
+          </p:cNvPr>
+          <p:cNvSpPr>
+            <a:spLocks noGrp="1"/>
+          </p:cNvSpPr>
+          <p:nvPr>
+            <p:ph idx="13"/>
+          </p:nvPr>
+        </p:nvSpPr>
+        <p:spPr/>
+        <p:txBody>
+          <a:bodyPr/>
+          <a:lstStyle/>
+          <a:p>
+            <a:r>
+              <a:rPr lang="en-US" dirty="0"/>
+              <a:t>Three established deep learning models:</a:t>
+            </a:r>
+          </a:p>
+          <a:p>
+            <a:pPr marL="342900" indent="-342900">
+              <a:buFont typeface="Arial" panose="020B0604020202020204" pitchFamily="34" charset="0"/>
+              <a:buChar char="•"/>
+            </a:pPr>
+            <a:r>
+              <a:rPr lang="en-US" sz="2000" dirty="0"/>
+              <a:t>Recurrent Neural Network Language Model (RNNLM) with 2 LSTM layers (size = 2048 and 1024): with Adam.</a:t>
+            </a:r>
+          </a:p>
+          <a:p>
+            <a:pPr marL="342900" indent="-342900">
+              <a:buFont typeface="Arial" panose="020B0604020202020204" pitchFamily="34" charset="0"/>
+              <a:buChar char="•"/>
+            </a:pPr>
+            <a:r>
+              <a:rPr lang="en-US" sz="2000" dirty="0"/>
+              <a:t>Neural Machine Translation with attention mechanism (NMT) (size = 2048 and 1024): with Adam.</a:t>
+            </a:r>
+          </a:p>
+          <a:p>
+            <a:pPr marL="342900" indent="-342900">
+              <a:buFont typeface="Arial" panose="020B0604020202020204" pitchFamily="34" charset="0"/>
+              <a:buChar char="•"/>
+            </a:pPr>
+            <a:r>
+              <a:rPr lang="en-US" sz="2000" dirty="0"/>
+              <a:t>Inception-V3 (299 × 299 × 3): with </a:t>
+            </a:r>
+            <a:r>
+              <a:rPr lang="en-US" sz="2000" dirty="0" err="1"/>
+              <a:t>RMSProp</a:t>
+            </a:r>
+            <a:endParaRPr lang="en-US" sz="2000" dirty="0"/>
+          </a:p>
+        </p:txBody>
+      </p:sp>
+      <p:sp>
+        <p:nvSpPr>
+          <p:cNvPr id="3" name="Title 2">
+            <a:extLst>
+              <a:ext uri="{FF2B5EF4-FFF2-40B4-BE49-F238E27FC236}">
+                <a16:creationId xmlns:a16="http://schemas.microsoft.com/office/drawing/2014/main" id="{F27EEA4C-42A0-4C6B-BA4C-B8369AAE8118}"/>
+              </a:ext>
+            </a:extLst>
+          </p:cNvPr>
+          <p:cNvSpPr>
+            <a:spLocks noGrp="1"/>
+          </p:cNvSpPr>
+          <p:nvPr>
+            <p:ph type="title"/>
+          </p:nvPr>
+        </p:nvSpPr>
+        <p:spPr/>
+        <p:txBody>
+          <a:bodyPr/>
+          <a:lstStyle/>
+          <a:p>
+            <a:r>
+              <a:rPr lang="en-US" dirty="0"/>
+              <a:t>Benchmark models</a:t>
+            </a:r>
+          </a:p>
+        </p:txBody>
+      </p:sp>
+      <p:pic>
+        <p:nvPicPr>
+          <p:cNvPr id="6" name="Content Placeholder 3">
+            <a:extLst>
+              <a:ext uri="{FF2B5EF4-FFF2-40B4-BE49-F238E27FC236}">
+                <a16:creationId xmlns:a16="http://schemas.microsoft.com/office/drawing/2014/main" id="{1CC144A1-87CF-43F5-8335-C0FDFE711BB7}"/>
+              </a:ext>
+            </a:extLst>
+          </p:cNvPr>
+          <p:cNvPicPr>
+            <a:picLocks noChangeAspect="1"/>
+          </p:cNvPicPr>
+          <p:nvPr/>
+        </p:nvPicPr>
+        <p:blipFill>
+          <a:blip r:embed="rId3"/>
+          <a:stretch>
+            <a:fillRect/>
+          </a:stretch>
+        </p:blipFill>
+        <p:spPr>
+          <a:xfrm>
+            <a:off x="3944611" y="3530421"/>
+            <a:ext cx="4169242" cy="1594122"/>
+          </a:xfrm>
+          <a:prstGeom prst="rect">
+            <a:avLst/>
+          </a:prstGeom>
+          <a:ln>
+            <a:solidFill>
+              <a:srgbClr val="FFFFFF"/>
+            </a:solidFill>
+          </a:ln>
+        </p:spPr>
+      </p:pic>
+      <p:sp>
+        <p:nvSpPr>
+          <p:cNvPr id="7" name="TextBox 6">
+            <a:extLst>
+              <a:ext uri="{FF2B5EF4-FFF2-40B4-BE49-F238E27FC236}">
+                <a16:creationId xmlns:a16="http://schemas.microsoft.com/office/drawing/2014/main" id="{8886EA59-7D66-4BBF-9B29-1C85C5086B28}"/>
+              </a:ext>
+            </a:extLst>
+          </p:cNvPr>
+          <p:cNvSpPr txBox="1"/>
+          <p:nvPr/>
+        </p:nvSpPr>
+        <p:spPr>
+          <a:xfrm>
+            <a:off x="1641975" y="4120656"/>
+            <a:ext cx="3165313" cy="369332"/>
+          </a:xfrm>
+          <a:prstGeom prst="rect">
+            <a:avLst/>
+          </a:prstGeom>
+          <a:noFill/>
+        </p:spPr>
+        <p:txBody>
+          <a:bodyPr wrap="square" rtlCol="0">
+            <a:spAutoFit/>
+          </a:bodyPr>
+          <a:lstStyle/>
+          <a:p>
+            <a:r>
+              <a:rPr lang="en-US" dirty="0"/>
+              <a:t>Co-location groups:</a:t>
+            </a:r>
+          </a:p>
+        </p:txBody>
+      </p:sp>
+    </p:spTree>
+    <p:extLst>
+      <p:ext uri="{BB962C8B-B14F-4D97-AF65-F5344CB8AC3E}">
+        <p14:creationId xmlns:p14="http://schemas.microsoft.com/office/powerpoint/2010/main" val="3384164766"/>
+      </p:ext>
+    </p:extLst>
+  </p:cSld>
+  <p:clrMapOvr>
+    <a:masterClrMapping/>
+  </p:clrMapOvr>
+</p:sld>
+</file>
+
+<file path=ppt/slides/slide31.xml><?xml version="1.0" encoding="utf-8"?>
+<p:sld xmlns:a="http://schemas.openxmlformats.org/drawingml/2006/main" xmlns:r="http://schemas.openxmlformats.org/officeDocument/2006/relationships" xmlns:p="http://schemas.openxmlformats.org/presentationml/2006/main">
+  <p:cSld>
+    <p:spTree>
+      <p:nvGrpSpPr>
+        <p:cNvPr id="1" name=""/>
+        <p:cNvGrpSpPr/>
+        <p:nvPr/>
+      </p:nvGrpSpPr>
+      <p:grpSpPr>
+        <a:xfrm>
+          <a:off x="0" y="0"/>
+          <a:ext cx="0" cy="0"/>
+          <a:chOff x="0" y="0"/>
+          <a:chExt cx="0" cy="0"/>
+        </a:xfrm>
+      </p:grpSpPr>
+      <p:sp>
+        <p:nvSpPr>
+          <p:cNvPr id="2" name="Content Placeholder 1">
+            <a:extLst>
+              <a:ext uri="{FF2B5EF4-FFF2-40B4-BE49-F238E27FC236}">
+                <a16:creationId xmlns:a16="http://schemas.microsoft.com/office/drawing/2014/main" id="{671B32F8-E097-4D9E-BB41-57B81CC8CF32}"/>
+              </a:ext>
+            </a:extLst>
+          </p:cNvPr>
+          <p:cNvSpPr>
+            <a:spLocks noGrp="1"/>
+          </p:cNvSpPr>
+          <p:nvPr>
+            <p:ph idx="13"/>
+          </p:nvPr>
+        </p:nvSpPr>
+        <p:spPr/>
+        <p:txBody>
+          <a:bodyPr/>
+          <a:lstStyle/>
+          <a:p>
+            <a:endParaRPr lang="en-US" dirty="0"/>
+          </a:p>
+          <a:p>
+            <a:endParaRPr lang="en-US" dirty="0"/>
+          </a:p>
+          <a:p>
+            <a:r>
+              <a:rPr lang="en-US" dirty="0"/>
+              <a:t>1 Intel Haswell 2300 CPU with 18 cores </a:t>
+            </a:r>
+          </a:p>
+          <a:p>
+            <a:r>
+              <a:rPr lang="en-US" dirty="0"/>
+              <a:t>OR</a:t>
+            </a:r>
+          </a:p>
+          <a:p>
+            <a:r>
+              <a:rPr lang="en-US" dirty="0"/>
+              <a:t>2 or 4 Nvidia Tesla K80 GPUs</a:t>
+            </a:r>
+          </a:p>
+          <a:p>
+            <a:endParaRPr lang="en-US" dirty="0"/>
+          </a:p>
+          <a:p>
+            <a:r>
+              <a:rPr lang="en-US" dirty="0"/>
+              <a:t>50 GB of RAM</a:t>
+            </a:r>
+          </a:p>
+        </p:txBody>
+      </p:sp>
+      <p:sp>
+        <p:nvSpPr>
+          <p:cNvPr id="3" name="Title 2">
+            <a:extLst>
+              <a:ext uri="{FF2B5EF4-FFF2-40B4-BE49-F238E27FC236}">
+                <a16:creationId xmlns:a16="http://schemas.microsoft.com/office/drawing/2014/main" id="{DCA1334E-9A67-48E2-9A28-802C9976669B}"/>
+              </a:ext>
+            </a:extLst>
+          </p:cNvPr>
+          <p:cNvSpPr>
+            <a:spLocks noGrp="1"/>
+          </p:cNvSpPr>
+          <p:nvPr>
+            <p:ph type="title"/>
+          </p:nvPr>
+        </p:nvSpPr>
+        <p:spPr/>
+        <p:txBody>
+          <a:bodyPr/>
+          <a:lstStyle/>
+          <a:p>
+            <a:r>
+              <a:rPr lang="en-US" dirty="0"/>
+              <a:t>Device</a:t>
+            </a:r>
+          </a:p>
+        </p:txBody>
+      </p:sp>
+    </p:spTree>
+    <p:extLst>
+      <p:ext uri="{BB962C8B-B14F-4D97-AF65-F5344CB8AC3E}">
+        <p14:creationId xmlns:p14="http://schemas.microsoft.com/office/powerpoint/2010/main" val="3845098630"/>
+      </p:ext>
+    </p:extLst>
+  </p:cSld>
+  <p:clrMapOvr>
+    <a:masterClrMapping/>
+  </p:clrMapOvr>
+</p:sld>
+</file>
+
+<file path=ppt/slides/slide32.xml><?xml version="1.0" encoding="utf-8"?>
+<p:sld xmlns:a="http://schemas.openxmlformats.org/drawingml/2006/main" xmlns:r="http://schemas.openxmlformats.org/officeDocument/2006/relationships" xmlns:p="http://schemas.openxmlformats.org/presentationml/2006/main">
+  <p:cSld>
+    <p:spTree>
+      <p:nvGrpSpPr>
+        <p:cNvPr id="1" name=""/>
+        <p:cNvGrpSpPr/>
+        <p:nvPr/>
+      </p:nvGrpSpPr>
+      <p:grpSpPr>
+        <a:xfrm>
+          <a:off x="0" y="0"/>
+          <a:ext cx="0" cy="0"/>
+          <a:chOff x="0" y="0"/>
+          <a:chExt cx="0" cy="0"/>
+        </a:xfrm>
+      </p:grpSpPr>
+      <p:sp>
+        <p:nvSpPr>
+          <p:cNvPr id="3" name="Title 2"/>
+          <p:cNvSpPr>
+            <a:spLocks noGrp="1"/>
+          </p:cNvSpPr>
+          <p:nvPr>
+            <p:ph type="title"/>
+          </p:nvPr>
+        </p:nvSpPr>
+        <p:spPr/>
+        <p:txBody>
+          <a:bodyPr/>
+          <a:lstStyle/>
+          <a:p>
+            <a:r>
+              <a:rPr lang="en-US" dirty="0"/>
+              <a:t>Baselines</a:t>
+            </a:r>
+          </a:p>
+        </p:txBody>
+      </p:sp>
+      <p:sp>
+        <p:nvSpPr>
+          <p:cNvPr id="5" name="Content Placeholder 4">
+            <a:extLst>
+              <a:ext uri="{FF2B5EF4-FFF2-40B4-BE49-F238E27FC236}">
+                <a16:creationId xmlns:a16="http://schemas.microsoft.com/office/drawing/2014/main" id="{5B5997E7-1673-481D-82E3-BEC7D411B9C2}"/>
+              </a:ext>
+            </a:extLst>
+          </p:cNvPr>
+          <p:cNvSpPr>
+            <a:spLocks noGrp="1"/>
+          </p:cNvSpPr>
+          <p:nvPr>
+            <p:ph idx="13"/>
+          </p:nvPr>
+        </p:nvSpPr>
+        <p:spPr/>
+        <p:txBody>
+          <a:bodyPr/>
+          <a:lstStyle/>
+          <a:p>
+            <a:r>
+              <a:rPr lang="en-US" dirty="0"/>
+              <a:t>Comparison with the trained placement:</a:t>
+            </a:r>
+          </a:p>
+          <a:p>
+            <a:pPr marL="342900" indent="-342900">
+              <a:buFont typeface="Arial" panose="020B0604020202020204" pitchFamily="34" charset="0"/>
+              <a:buChar char="•"/>
+            </a:pPr>
+            <a:r>
+              <a:rPr lang="en-US" dirty="0"/>
+              <a:t>Single-CPU;</a:t>
+            </a:r>
+          </a:p>
+          <a:p>
+            <a:pPr marL="342900" indent="-342900">
+              <a:buFont typeface="Arial" panose="020B0604020202020204" pitchFamily="34" charset="0"/>
+              <a:buChar char="•"/>
+            </a:pPr>
+            <a:r>
+              <a:rPr lang="en-US" dirty="0"/>
+              <a:t>Single-GPU;</a:t>
+            </a:r>
+          </a:p>
+          <a:p>
+            <a:pPr marL="342900" indent="-342900">
+              <a:buFont typeface="Arial" panose="020B0604020202020204" pitchFamily="34" charset="0"/>
+              <a:buChar char="•"/>
+            </a:pPr>
+            <a:r>
+              <a:rPr lang="en-US" dirty="0"/>
+              <a:t>Scotch static mapper;</a:t>
+            </a:r>
+          </a:p>
+          <a:p>
+            <a:pPr marL="342900" indent="-342900">
+              <a:buFont typeface="Arial" panose="020B0604020202020204" pitchFamily="34" charset="0"/>
+              <a:buChar char="•"/>
+            </a:pPr>
+            <a:r>
+              <a:rPr lang="en-US" dirty="0" err="1"/>
+              <a:t>MinCut</a:t>
+            </a:r>
+            <a:endParaRPr lang="en-US" dirty="0"/>
+          </a:p>
+          <a:p>
+            <a:pPr marL="342900" indent="-342900">
+              <a:buFont typeface="Arial" panose="020B0604020202020204" pitchFamily="34" charset="0"/>
+              <a:buChar char="•"/>
+            </a:pPr>
+            <a:r>
+              <a:rPr lang="en-US" dirty="0"/>
+              <a:t>Expert-design</a:t>
+            </a:r>
+          </a:p>
+        </p:txBody>
+      </p:sp>
+    </p:spTree>
+    <p:extLst>
+      <p:ext uri="{BB962C8B-B14F-4D97-AF65-F5344CB8AC3E}">
+        <p14:creationId xmlns:p14="http://schemas.microsoft.com/office/powerpoint/2010/main" val="3875623851"/>
+      </p:ext>
+    </p:extLst>
+  </p:cSld>
+  <p:clrMapOvr>
+    <a:masterClrMapping/>
+  </p:clrMapOvr>
+</p:sld>
+</file>
+
+<file path=ppt/slides/slide33.xml><?xml version="1.0" encoding="utf-8"?>
+<p:sld xmlns:a="http://schemas.openxmlformats.org/drawingml/2006/main" xmlns:r="http://schemas.openxmlformats.org/officeDocument/2006/relationships" xmlns:p="http://schemas.openxmlformats.org/presentationml/2006/main">
+  <p:cSld>
+    <p:spTree>
+      <p:nvGrpSpPr>
+        <p:cNvPr id="1" name=""/>
+        <p:cNvGrpSpPr/>
+        <p:nvPr/>
+      </p:nvGrpSpPr>
+      <p:grpSpPr>
+        <a:xfrm>
+          <a:off x="0" y="0"/>
+          <a:ext cx="0" cy="0"/>
+          <a:chOff x="0" y="0"/>
+          <a:chExt cx="0" cy="0"/>
+        </a:xfrm>
+      </p:grpSpPr>
+      <p:pic>
+        <p:nvPicPr>
+          <p:cNvPr id="5" name="Content Placeholder 4" descr="A screenshot of a cell phone&#10;&#10;Description automatically generated">
+            <a:extLst>
+              <a:ext uri="{FF2B5EF4-FFF2-40B4-BE49-F238E27FC236}">
+                <a16:creationId xmlns:a16="http://schemas.microsoft.com/office/drawing/2014/main" id="{83D05920-5F83-4713-8AFB-25F6BE83DADC}"/>
+              </a:ext>
+            </a:extLst>
+          </p:cNvPr>
+          <p:cNvPicPr>
+            <a:picLocks noGrp="1" noChangeAspect="1"/>
+          </p:cNvPicPr>
+          <p:nvPr>
+            <p:ph idx="13"/>
+          </p:nvPr>
+        </p:nvPicPr>
+        <p:blipFill>
+          <a:blip r:embed="rId2"/>
+          <a:stretch>
+            <a:fillRect/>
+          </a:stretch>
+        </p:blipFill>
+        <p:spPr>
+          <a:xfrm>
+            <a:off x="889397" y="1500704"/>
+            <a:ext cx="7459116" cy="1819529"/>
+          </a:xfrm>
+        </p:spPr>
+      </p:pic>
+      <p:sp>
+        <p:nvSpPr>
+          <p:cNvPr id="3" name="Title 2">
+            <a:extLst>
+              <a:ext uri="{FF2B5EF4-FFF2-40B4-BE49-F238E27FC236}">
+                <a16:creationId xmlns:a16="http://schemas.microsoft.com/office/drawing/2014/main" id="{245CBCB5-2745-4BFD-827E-90406D1A2FA5}"/>
+              </a:ext>
+            </a:extLst>
+          </p:cNvPr>
+          <p:cNvSpPr>
+            <a:spLocks noGrp="1"/>
+          </p:cNvSpPr>
+          <p:nvPr>
+            <p:ph type="title"/>
+          </p:nvPr>
+        </p:nvSpPr>
+        <p:spPr/>
+        <p:txBody>
+          <a:bodyPr/>
+          <a:lstStyle/>
+          <a:p>
+            <a:r>
+              <a:rPr lang="en-US" dirty="0"/>
+              <a:t>Single-Step Runtime Efficiency</a:t>
+            </a:r>
+          </a:p>
+        </p:txBody>
+      </p:sp>
+      <p:pic>
+        <p:nvPicPr>
+          <p:cNvPr id="7" name="Picture 6" descr="A picture containing drawing&#10;&#10;Description automatically generated">
+            <a:extLst>
+              <a:ext uri="{FF2B5EF4-FFF2-40B4-BE49-F238E27FC236}">
+                <a16:creationId xmlns:a16="http://schemas.microsoft.com/office/drawing/2014/main" id="{9E588944-0EDC-4152-A04B-BD86B9D35538}"/>
+              </a:ext>
+            </a:extLst>
+          </p:cNvPr>
+          <p:cNvPicPr>
+            <a:picLocks noChangeAspect="1"/>
+          </p:cNvPicPr>
+          <p:nvPr/>
+        </p:nvPicPr>
+        <p:blipFill>
+          <a:blip r:embed="rId3"/>
+          <a:stretch>
+            <a:fillRect/>
+          </a:stretch>
+        </p:blipFill>
+        <p:spPr>
+          <a:xfrm>
+            <a:off x="703633" y="3391851"/>
+            <a:ext cx="7830643" cy="1743318"/>
+          </a:xfrm>
+          <a:prstGeom prst="rect">
+            <a:avLst/>
+          </a:prstGeom>
+        </p:spPr>
+      </p:pic>
+    </p:spTree>
+    <p:extLst>
+      <p:ext uri="{BB962C8B-B14F-4D97-AF65-F5344CB8AC3E}">
+        <p14:creationId xmlns:p14="http://schemas.microsoft.com/office/powerpoint/2010/main" val="1141414237"/>
+      </p:ext>
+    </p:extLst>
+  </p:cSld>
+  <p:clrMapOvr>
+    <a:masterClrMapping/>
+  </p:clrMapOvr>
+</p:sld>
+</file>
+
+<file path=ppt/slides/slide34.xml><?xml version="1.0" encoding="utf-8"?>
+<p:sld xmlns:a="http://schemas.openxmlformats.org/drawingml/2006/main" xmlns:r="http://schemas.openxmlformats.org/officeDocument/2006/relationships" xmlns:p="http://schemas.openxmlformats.org/presentationml/2006/main">
+  <p:cSld>
+    <p:spTree>
+      <p:nvGrpSpPr>
+        <p:cNvPr id="1" name=""/>
+        <p:cNvGrpSpPr/>
+        <p:nvPr/>
+      </p:nvGrpSpPr>
+      <p:grpSpPr>
+        <a:xfrm>
+          <a:off x="0" y="0"/>
+          <a:ext cx="0" cy="0"/>
+          <a:chOff x="0" y="0"/>
+          <a:chExt cx="0" cy="0"/>
+        </a:xfrm>
+      </p:grpSpPr>
+      <p:sp>
+        <p:nvSpPr>
+          <p:cNvPr id="2" name="Content Placeholder 1">
+            <a:extLst>
+              <a:ext uri="{FF2B5EF4-FFF2-40B4-BE49-F238E27FC236}">
+                <a16:creationId xmlns:a16="http://schemas.microsoft.com/office/drawing/2014/main" id="{6EF4B47C-FF78-4056-89A3-08C6371B1508}"/>
+              </a:ext>
+            </a:extLst>
+          </p:cNvPr>
+          <p:cNvSpPr>
+            <a:spLocks noGrp="1"/>
+          </p:cNvSpPr>
+          <p:nvPr>
+            <p:ph idx="13"/>
+          </p:nvPr>
+        </p:nvSpPr>
+        <p:spPr/>
+        <p:txBody>
+          <a:bodyPr/>
+          <a:lstStyle/>
+          <a:p>
+            <a:pPr marL="342900" indent="-342900">
+              <a:buFont typeface="Arial" panose="020B0604020202020204" pitchFamily="34" charset="0"/>
+              <a:buChar char="•"/>
+            </a:pPr>
+            <a:r>
+              <a:rPr lang="en-US" sz="2000" dirty="0"/>
+              <a:t>RNNLM: </a:t>
+            </a:r>
+            <a:r>
+              <a:rPr lang="en-US" sz="2000" dirty="0">
+                <a:solidFill>
+                  <a:schemeClr val="accent5"/>
+                </a:solidFill>
+              </a:rPr>
+              <a:t>detects that it is possible to fit the whole RNNLM graph into one GPU, to </a:t>
+            </a:r>
+            <a:r>
+              <a:rPr lang="en-US" sz="2000" dirty="0">
+                <a:solidFill>
+                  <a:srgbClr val="C00000"/>
+                </a:solidFill>
+              </a:rPr>
+              <a:t>save communication latencies</a:t>
+            </a:r>
+            <a:r>
+              <a:rPr lang="en-US" sz="2000" dirty="0">
+                <a:solidFill>
+                  <a:schemeClr val="accent5"/>
+                </a:solidFill>
+              </a:rPr>
+              <a:t>. </a:t>
+            </a:r>
+          </a:p>
+          <a:p>
+            <a:pPr marL="342900" indent="-342900">
+              <a:buFont typeface="Arial" panose="020B0604020202020204" pitchFamily="34" charset="0"/>
+              <a:buChar char="•"/>
+            </a:pPr>
+            <a:r>
+              <a:rPr lang="en-US" sz="2000" dirty="0"/>
+              <a:t>Neural MT: </a:t>
+            </a:r>
+            <a:r>
+              <a:rPr lang="en-US" sz="2000" dirty="0">
+                <a:solidFill>
+                  <a:schemeClr val="accent5"/>
+                </a:solidFill>
+              </a:rPr>
+              <a:t>Learns to put the </a:t>
+            </a:r>
+            <a:r>
+              <a:rPr lang="en-US" sz="2000" dirty="0">
+                <a:solidFill>
+                  <a:srgbClr val="C00000"/>
+                </a:solidFill>
+              </a:rPr>
+              <a:t>less computational expensive</a:t>
+            </a:r>
+            <a:r>
+              <a:rPr lang="en-US" sz="2000" dirty="0">
+                <a:solidFill>
+                  <a:schemeClr val="accent5"/>
+                </a:solidFill>
+              </a:rPr>
+              <a:t> operations, such as embedding lookups, on the CPU</a:t>
+            </a:r>
+          </a:p>
+          <a:p>
+            <a:pPr marL="342900" indent="-342900">
+              <a:buFont typeface="Arial" panose="020B0604020202020204" pitchFamily="34" charset="0"/>
+              <a:buChar char="•"/>
+            </a:pPr>
+            <a:r>
+              <a:rPr lang="en-US" sz="2000" dirty="0"/>
+              <a:t>Inception-V3: </a:t>
+            </a:r>
+            <a:r>
+              <a:rPr lang="en-US" sz="2000" dirty="0">
+                <a:solidFill>
+                  <a:schemeClr val="accent5"/>
+                </a:solidFill>
+              </a:rPr>
+              <a:t>when only 2 GPUs available, the degree of freedom for model parallelism is limited. It thus places </a:t>
+            </a:r>
+            <a:r>
+              <a:rPr lang="en-US" sz="2000" dirty="0">
+                <a:solidFill>
+                  <a:srgbClr val="C00000"/>
+                </a:solidFill>
+              </a:rPr>
+              <a:t>all the operations on a single GPU </a:t>
+            </a:r>
+            <a:r>
+              <a:rPr lang="en-US" sz="2000" dirty="0">
+                <a:solidFill>
+                  <a:schemeClr val="accent5"/>
+                </a:solidFill>
+              </a:rPr>
+              <a:t>(although it </a:t>
+            </a:r>
+            <a:r>
+              <a:rPr lang="en-US" sz="2000" dirty="0">
+                <a:solidFill>
+                  <a:srgbClr val="C00000"/>
+                </a:solidFill>
+              </a:rPr>
+              <a:t>could use 2 GPUs</a:t>
+            </a:r>
+            <a:r>
+              <a:rPr lang="en-US" sz="2000" dirty="0">
+                <a:solidFill>
+                  <a:schemeClr val="accent5"/>
+                </a:solidFill>
+              </a:rPr>
+              <a:t>)</a:t>
+            </a:r>
+          </a:p>
+        </p:txBody>
+      </p:sp>
+      <p:sp>
+        <p:nvSpPr>
+          <p:cNvPr id="3" name="Title 2">
+            <a:extLst>
+              <a:ext uri="{FF2B5EF4-FFF2-40B4-BE49-F238E27FC236}">
+                <a16:creationId xmlns:a16="http://schemas.microsoft.com/office/drawing/2014/main" id="{9532D52A-5D13-4CA7-934B-B5740A3D1E6B}"/>
+              </a:ext>
+            </a:extLst>
+          </p:cNvPr>
+          <p:cNvSpPr>
+            <a:spLocks noGrp="1"/>
+          </p:cNvSpPr>
+          <p:nvPr>
+            <p:ph type="title"/>
+          </p:nvPr>
+        </p:nvSpPr>
+        <p:spPr/>
+        <p:txBody>
+          <a:bodyPr/>
+          <a:lstStyle/>
+          <a:p>
+            <a:r>
+              <a:rPr lang="en-US" dirty="0"/>
+              <a:t>For each model…</a:t>
+            </a:r>
+          </a:p>
+        </p:txBody>
+      </p:sp>
+    </p:spTree>
+    <p:extLst>
+      <p:ext uri="{BB962C8B-B14F-4D97-AF65-F5344CB8AC3E}">
+        <p14:creationId xmlns:p14="http://schemas.microsoft.com/office/powerpoint/2010/main" val="1510624820"/>
+      </p:ext>
+    </p:extLst>
+  </p:cSld>
+  <p:clrMapOvr>
+    <a:masterClrMapping/>
+  </p:clrMapOvr>
+</p:sld>
+</file>
+
+<file path=ppt/slides/slide35.xml><?xml version="1.0" encoding="utf-8"?>
+<p:sld xmlns:a="http://schemas.openxmlformats.org/drawingml/2006/main" xmlns:r="http://schemas.openxmlformats.org/officeDocument/2006/relationships" xmlns:p="http://schemas.openxmlformats.org/presentationml/2006/main">
+  <p:cSld>
+    <p:spTree>
+      <p:nvGrpSpPr>
+        <p:cNvPr id="1" name=""/>
+        <p:cNvGrpSpPr/>
+        <p:nvPr/>
+      </p:nvGrpSpPr>
+      <p:grpSpPr>
+        <a:xfrm>
+          <a:off x="0" y="0"/>
+          <a:ext cx="0" cy="0"/>
+          <a:chOff x="0" y="0"/>
+          <a:chExt cx="0" cy="0"/>
+        </a:xfrm>
+      </p:grpSpPr>
+      <p:sp>
+        <p:nvSpPr>
+          <p:cNvPr id="2" name="Content Placeholder 1">
+            <a:extLst>
+              <a:ext uri="{FF2B5EF4-FFF2-40B4-BE49-F238E27FC236}">
+                <a16:creationId xmlns:a16="http://schemas.microsoft.com/office/drawing/2014/main" id="{AA7436C1-1E09-4A2D-AF6C-D3939B2969BB}"/>
+              </a:ext>
+            </a:extLst>
+          </p:cNvPr>
+          <p:cNvSpPr>
+            <a:spLocks noGrp="1"/>
+          </p:cNvSpPr>
+          <p:nvPr>
+            <p:ph idx="13"/>
+          </p:nvPr>
+        </p:nvSpPr>
+        <p:spPr/>
+        <p:txBody>
+          <a:bodyPr/>
+          <a:lstStyle/>
+          <a:p>
+            <a:pPr marL="342900" indent="-342900">
+              <a:buFont typeface="Arial" panose="020B0604020202020204" pitchFamily="34" charset="0"/>
+              <a:buChar char="•"/>
+            </a:pPr>
+            <a:r>
+              <a:rPr lang="en-US" dirty="0"/>
+              <a:t>Not only the single-step-wise training performance.</a:t>
+            </a:r>
+          </a:p>
+          <a:p>
+            <a:pPr marL="342900" indent="-342900">
+              <a:buFont typeface="Arial" panose="020B0604020202020204" pitchFamily="34" charset="0"/>
+              <a:buChar char="•"/>
+            </a:pPr>
+            <a:r>
+              <a:rPr lang="en-US" dirty="0"/>
+              <a:t>But also the entire training process.</a:t>
+            </a:r>
+          </a:p>
+          <a:p>
+            <a:pPr marL="342900" indent="-342900">
+              <a:buFont typeface="Arial" panose="020B0604020202020204" pitchFamily="34" charset="0"/>
+              <a:buChar char="•"/>
+            </a:pPr>
+            <a:r>
+              <a:rPr lang="en-US" dirty="0"/>
+              <a:t>Strangely, the paper only presented NMT and Inception-V3</a:t>
+            </a:r>
+          </a:p>
+        </p:txBody>
+      </p:sp>
+      <p:sp>
+        <p:nvSpPr>
+          <p:cNvPr id="3" name="Title 2">
+            <a:extLst>
+              <a:ext uri="{FF2B5EF4-FFF2-40B4-BE49-F238E27FC236}">
+                <a16:creationId xmlns:a16="http://schemas.microsoft.com/office/drawing/2014/main" id="{6F09326A-9ED0-43F8-83B6-EC93A4EFF295}"/>
+              </a:ext>
+            </a:extLst>
+          </p:cNvPr>
+          <p:cNvSpPr>
+            <a:spLocks noGrp="1"/>
+          </p:cNvSpPr>
+          <p:nvPr>
+            <p:ph type="title"/>
+          </p:nvPr>
+        </p:nvSpPr>
+        <p:spPr/>
+        <p:txBody>
+          <a:bodyPr/>
+          <a:lstStyle/>
+          <a:p>
+            <a:r>
+              <a:rPr lang="en-US" dirty="0"/>
+              <a:t>End-to-End Runtime Efficiency</a:t>
+            </a:r>
+          </a:p>
+        </p:txBody>
+      </p:sp>
+      <p:pic>
+        <p:nvPicPr>
+          <p:cNvPr id="4" name="Picture 3" descr="A drawing of a cartoon character&#10;&#10;Description automatically generated">
+            <a:extLst>
+              <a:ext uri="{FF2B5EF4-FFF2-40B4-BE49-F238E27FC236}">
+                <a16:creationId xmlns:a16="http://schemas.microsoft.com/office/drawing/2014/main" id="{E81960C1-B634-4ADF-92A5-912503D914E8}"/>
+              </a:ext>
+            </a:extLst>
+          </p:cNvPr>
+          <p:cNvPicPr>
+            <a:picLocks noChangeAspect="1"/>
+          </p:cNvPicPr>
+          <p:nvPr/>
+        </p:nvPicPr>
+        <p:blipFill>
+          <a:blip r:embed="rId2"/>
+          <a:stretch>
+            <a:fillRect/>
+          </a:stretch>
+        </p:blipFill>
+        <p:spPr>
+          <a:xfrm>
+            <a:off x="1303376" y="3590070"/>
+            <a:ext cx="6537247" cy="1430503"/>
+          </a:xfrm>
+          <a:prstGeom prst="rect">
+            <a:avLst/>
+          </a:prstGeom>
+        </p:spPr>
+      </p:pic>
+    </p:spTree>
+    <p:extLst>
+      <p:ext uri="{BB962C8B-B14F-4D97-AF65-F5344CB8AC3E}">
+        <p14:creationId xmlns:p14="http://schemas.microsoft.com/office/powerpoint/2010/main" val="2384881596"/>
+      </p:ext>
+    </p:extLst>
+  </p:cSld>
+  <p:clrMapOvr>
+    <a:masterClrMapping/>
+  </p:clrMapOvr>
+</p:sld>
+</file>
+
+<file path=ppt/slides/slide36.xml><?xml version="1.0" encoding="utf-8"?>
+<p:sld xmlns:a="http://schemas.openxmlformats.org/drawingml/2006/main" xmlns:r="http://schemas.openxmlformats.org/officeDocument/2006/relationships" xmlns:p="http://schemas.openxmlformats.org/presentationml/2006/main">
+  <p:cSld>
+    <p:spTree>
+      <p:nvGrpSpPr>
+        <p:cNvPr id="1" name=""/>
+        <p:cNvGrpSpPr/>
+        <p:nvPr/>
+      </p:nvGrpSpPr>
+      <p:grpSpPr>
+        <a:xfrm>
+          <a:off x="0" y="0"/>
+          <a:ext cx="0" cy="0"/>
+          <a:chOff x="0" y="0"/>
+          <a:chExt cx="0" cy="0"/>
+        </a:xfrm>
+      </p:grpSpPr>
+      <p:pic>
+        <p:nvPicPr>
+          <p:cNvPr id="5" name="Content Placeholder 4" descr="A close up of a map&#10;&#10;Description automatically generated">
+            <a:extLst>
+              <a:ext uri="{FF2B5EF4-FFF2-40B4-BE49-F238E27FC236}">
+                <a16:creationId xmlns:a16="http://schemas.microsoft.com/office/drawing/2014/main" id="{75E33EFA-8DD7-457F-A90D-ABCE0242D091}"/>
+              </a:ext>
+            </a:extLst>
+          </p:cNvPr>
+          <p:cNvPicPr>
+            <a:picLocks noGrp="1" noChangeAspect="1"/>
+          </p:cNvPicPr>
+          <p:nvPr>
+            <p:ph idx="13"/>
+          </p:nvPr>
+        </p:nvPicPr>
+        <p:blipFill>
+          <a:blip r:embed="rId2"/>
+          <a:stretch>
+            <a:fillRect/>
+          </a:stretch>
+        </p:blipFill>
+        <p:spPr>
+          <a:xfrm>
+            <a:off x="4750472" y="1652948"/>
+            <a:ext cx="4286848" cy="3181794"/>
+          </a:xfrm>
+        </p:spPr>
+      </p:pic>
+      <p:sp>
+        <p:nvSpPr>
+          <p:cNvPr id="3" name="Title 2">
+            <a:extLst>
+              <a:ext uri="{FF2B5EF4-FFF2-40B4-BE49-F238E27FC236}">
+                <a16:creationId xmlns:a16="http://schemas.microsoft.com/office/drawing/2014/main" id="{6A0C0CE1-F571-4F13-BFBD-B3C5A6B22743}"/>
+              </a:ext>
+            </a:extLst>
+          </p:cNvPr>
+          <p:cNvSpPr>
+            <a:spLocks noGrp="1"/>
+          </p:cNvSpPr>
+          <p:nvPr>
+            <p:ph type="title"/>
+          </p:nvPr>
+        </p:nvSpPr>
+        <p:spPr/>
+        <p:txBody>
+          <a:bodyPr/>
+          <a:lstStyle/>
+          <a:p>
+            <a:r>
+              <a:rPr lang="en-US" dirty="0"/>
+              <a:t>NMT</a:t>
+            </a:r>
+          </a:p>
+        </p:txBody>
+      </p:sp>
+      <p:sp>
+        <p:nvSpPr>
+          <p:cNvPr id="6" name="Rectangle 5">
+            <a:extLst>
+              <a:ext uri="{FF2B5EF4-FFF2-40B4-BE49-F238E27FC236}">
+                <a16:creationId xmlns:a16="http://schemas.microsoft.com/office/drawing/2014/main" id="{854A09F2-376C-4C11-BA11-2554DD88B0C6}"/>
+              </a:ext>
+            </a:extLst>
+          </p:cNvPr>
+          <p:cNvSpPr/>
+          <p:nvPr/>
+        </p:nvSpPr>
+        <p:spPr>
+          <a:xfrm>
+            <a:off x="330879" y="2202418"/>
+            <a:ext cx="1531188" cy="369332"/>
+          </a:xfrm>
+          <a:prstGeom prst="rect">
+            <a:avLst/>
+          </a:prstGeom>
+        </p:spPr>
+        <p:txBody>
+          <a:bodyPr wrap="none">
+            <a:spAutoFit/>
+          </a:bodyPr>
+          <a:lstStyle/>
+          <a:p>
+            <a:r>
+              <a:rPr lang="en-US" dirty="0"/>
+              <a:t>229.57 hour</a:t>
+            </a:r>
+            <a:r>
+              <a:rPr lang="en-US" altLang="zh-CN" dirty="0"/>
+              <a:t>s</a:t>
+            </a:r>
+            <a:endParaRPr lang="en-US" dirty="0"/>
+          </a:p>
+        </p:txBody>
+      </p:sp>
+      <p:sp>
+        <p:nvSpPr>
+          <p:cNvPr id="7" name="Rectangle 6">
+            <a:extLst>
+              <a:ext uri="{FF2B5EF4-FFF2-40B4-BE49-F238E27FC236}">
+                <a16:creationId xmlns:a16="http://schemas.microsoft.com/office/drawing/2014/main" id="{6D372958-420B-43C6-8209-960E68FED2FB}"/>
+              </a:ext>
+            </a:extLst>
+          </p:cNvPr>
+          <p:cNvSpPr/>
+          <p:nvPr/>
+        </p:nvSpPr>
+        <p:spPr>
+          <a:xfrm>
+            <a:off x="330879" y="1652948"/>
+            <a:ext cx="2967479" cy="369332"/>
+          </a:xfrm>
+          <a:prstGeom prst="rect">
+            <a:avLst/>
+          </a:prstGeom>
+        </p:spPr>
+        <p:txBody>
+          <a:bodyPr wrap="none">
+            <a:spAutoFit/>
+          </a:bodyPr>
+          <a:lstStyle/>
+          <a:p>
+            <a:r>
+              <a:rPr lang="en-US" dirty="0"/>
+              <a:t>expert-designed placement</a:t>
+            </a:r>
+          </a:p>
+        </p:txBody>
+      </p:sp>
+      <p:sp>
+        <p:nvSpPr>
+          <p:cNvPr id="8" name="Rectangle 7">
+            <a:extLst>
+              <a:ext uri="{FF2B5EF4-FFF2-40B4-BE49-F238E27FC236}">
+                <a16:creationId xmlns:a16="http://schemas.microsoft.com/office/drawing/2014/main" id="{F4565251-1170-488E-98DF-60B34C7B2A3F}"/>
+              </a:ext>
+            </a:extLst>
+          </p:cNvPr>
+          <p:cNvSpPr/>
+          <p:nvPr/>
+        </p:nvSpPr>
+        <p:spPr>
+          <a:xfrm>
+            <a:off x="330879" y="2751888"/>
+            <a:ext cx="2236510" cy="369332"/>
+          </a:xfrm>
+          <a:prstGeom prst="rect">
+            <a:avLst/>
+          </a:prstGeom>
+        </p:spPr>
+        <p:txBody>
+          <a:bodyPr wrap="none">
+            <a:spAutoFit/>
+          </a:bodyPr>
+          <a:lstStyle/>
+          <a:p>
+            <a:r>
+              <a:rPr lang="en-US" dirty="0" err="1"/>
+              <a:t>RLbased</a:t>
+            </a:r>
+            <a:r>
+              <a:rPr lang="en-US" dirty="0"/>
+              <a:t> placement</a:t>
+            </a:r>
+          </a:p>
+        </p:txBody>
+      </p:sp>
+      <p:sp>
+        <p:nvSpPr>
+          <p:cNvPr id="9" name="Rectangle 8">
+            <a:extLst>
+              <a:ext uri="{FF2B5EF4-FFF2-40B4-BE49-F238E27FC236}">
+                <a16:creationId xmlns:a16="http://schemas.microsoft.com/office/drawing/2014/main" id="{08E5A475-ACE4-4680-821A-D333732F147D}"/>
+              </a:ext>
+            </a:extLst>
+          </p:cNvPr>
+          <p:cNvSpPr/>
+          <p:nvPr/>
+        </p:nvSpPr>
+        <p:spPr>
+          <a:xfrm>
+            <a:off x="336453" y="3301358"/>
+            <a:ext cx="1531188" cy="369332"/>
+          </a:xfrm>
+          <a:prstGeom prst="rect">
+            <a:avLst/>
+          </a:prstGeom>
+        </p:spPr>
+        <p:txBody>
+          <a:bodyPr wrap="none">
+            <a:spAutoFit/>
+          </a:bodyPr>
+          <a:lstStyle/>
+          <a:p>
+            <a:r>
+              <a:rPr lang="en-US" dirty="0"/>
+              <a:t>165.73 hours</a:t>
+            </a:r>
+          </a:p>
+        </p:txBody>
+      </p:sp>
+    </p:spTree>
+    <p:extLst>
+      <p:ext uri="{BB962C8B-B14F-4D97-AF65-F5344CB8AC3E}">
+        <p14:creationId xmlns:p14="http://schemas.microsoft.com/office/powerpoint/2010/main" val="1960310541"/>
+      </p:ext>
+    </p:extLst>
+  </p:cSld>
+  <p:clrMapOvr>
+    <a:masterClrMapping/>
+  </p:clrMapOvr>
+</p:sld>
+</file>
+
+<file path=ppt/slides/slide37.xml><?xml version="1.0" encoding="utf-8"?>
+<p:sld xmlns:a="http://schemas.openxmlformats.org/drawingml/2006/main" xmlns:r="http://schemas.openxmlformats.org/officeDocument/2006/relationships" xmlns:p="http://schemas.openxmlformats.org/presentationml/2006/main">
+  <p:cSld>
+    <p:spTree>
+      <p:nvGrpSpPr>
+        <p:cNvPr id="1" name=""/>
+        <p:cNvGrpSpPr/>
+        <p:nvPr/>
+      </p:nvGrpSpPr>
+      <p:grpSpPr>
+        <a:xfrm>
+          <a:off x="0" y="0"/>
+          <a:ext cx="0" cy="0"/>
+          <a:chOff x="0" y="0"/>
+          <a:chExt cx="0" cy="0"/>
+        </a:xfrm>
+      </p:grpSpPr>
+      <p:sp>
+        <p:nvSpPr>
+          <p:cNvPr id="2" name="Content Placeholder 1">
+            <a:extLst>
+              <a:ext uri="{FF2B5EF4-FFF2-40B4-BE49-F238E27FC236}">
+                <a16:creationId xmlns:a16="http://schemas.microsoft.com/office/drawing/2014/main" id="{1225553B-162F-45F4-B839-A988129F043A}"/>
+              </a:ext>
+            </a:extLst>
+          </p:cNvPr>
+          <p:cNvSpPr>
+            <a:spLocks noGrp="1"/>
+          </p:cNvSpPr>
+          <p:nvPr>
+            <p:ph idx="13"/>
+          </p:nvPr>
+        </p:nvSpPr>
+        <p:spPr>
+          <a:xfrm>
+            <a:off x="145703" y="1372791"/>
+            <a:ext cx="4819836" cy="3394472"/>
+          </a:xfrm>
+        </p:spPr>
+        <p:txBody>
+          <a:bodyPr/>
+          <a:lstStyle/>
+          <a:p>
+            <a:r>
+              <a:rPr lang="en-US" dirty="0"/>
+              <a:t>Data parallelism, rather than model parallelism.</a:t>
+            </a:r>
+          </a:p>
+          <a:p>
+            <a:r>
+              <a:rPr lang="en-US" dirty="0"/>
+              <a:t>Asynchronous towers: puts one replica of the Inception-V3 network on each GPU</a:t>
+            </a:r>
+          </a:p>
+          <a:p>
+            <a:r>
+              <a:rPr lang="en-US" dirty="0"/>
+              <a:t>Synchronous Tower: the same as Asynchronous towers, except that it waits for the gradients of all copies before making an update</a:t>
+            </a:r>
+          </a:p>
+        </p:txBody>
+      </p:sp>
+      <p:sp>
+        <p:nvSpPr>
+          <p:cNvPr id="3" name="Title 2">
+            <a:extLst>
+              <a:ext uri="{FF2B5EF4-FFF2-40B4-BE49-F238E27FC236}">
+                <a16:creationId xmlns:a16="http://schemas.microsoft.com/office/drawing/2014/main" id="{3FA5FF97-6905-4968-B8B6-512A4114DDAF}"/>
+              </a:ext>
+            </a:extLst>
+          </p:cNvPr>
+          <p:cNvSpPr>
+            <a:spLocks noGrp="1"/>
+          </p:cNvSpPr>
+          <p:nvPr>
+            <p:ph type="title"/>
+          </p:nvPr>
+        </p:nvSpPr>
+        <p:spPr/>
+        <p:txBody>
+          <a:bodyPr/>
+          <a:lstStyle/>
+          <a:p>
+            <a:r>
+              <a:rPr lang="en-US" dirty="0"/>
+              <a:t>Inception-V3</a:t>
+            </a:r>
+          </a:p>
+        </p:txBody>
+      </p:sp>
+      <p:pic>
+        <p:nvPicPr>
+          <p:cNvPr id="5" name="Picture 4" descr="A close up of a map&#10;&#10;Description automatically generated">
+            <a:extLst>
+              <a:ext uri="{FF2B5EF4-FFF2-40B4-BE49-F238E27FC236}">
+                <a16:creationId xmlns:a16="http://schemas.microsoft.com/office/drawing/2014/main" id="{DD94E55D-9FEB-4D72-A7D3-F073075800D4}"/>
+              </a:ext>
+            </a:extLst>
+          </p:cNvPr>
+          <p:cNvPicPr>
+            <a:picLocks noChangeAspect="1"/>
+          </p:cNvPicPr>
+          <p:nvPr/>
+        </p:nvPicPr>
+        <p:blipFill>
+          <a:blip r:embed="rId2"/>
+          <a:stretch>
+            <a:fillRect/>
+          </a:stretch>
+        </p:blipFill>
+        <p:spPr>
+          <a:xfrm>
+            <a:off x="4819046" y="1372791"/>
+            <a:ext cx="4324954" cy="3219899"/>
+          </a:xfrm>
+          <a:prstGeom prst="rect">
+            <a:avLst/>
+          </a:prstGeom>
+        </p:spPr>
+      </p:pic>
+    </p:spTree>
+    <p:extLst>
+      <p:ext uri="{BB962C8B-B14F-4D97-AF65-F5344CB8AC3E}">
+        <p14:creationId xmlns:p14="http://schemas.microsoft.com/office/powerpoint/2010/main" val="1772683851"/>
+      </p:ext>
+    </p:extLst>
+  </p:cSld>
+  <p:clrMapOvr>
+    <a:masterClrMapping/>
+  </p:clrMapOvr>
+</p:sld>
+</file>
+
+<file path=ppt/slides/slide38.xml><?xml version="1.0" encoding="utf-8"?>
+<p:sld xmlns:a="http://schemas.openxmlformats.org/drawingml/2006/main" xmlns:r="http://schemas.openxmlformats.org/officeDocument/2006/relationships" xmlns:p="http://schemas.openxmlformats.org/presentationml/2006/main">
+  <p:cSld>
+    <p:spTree>
+      <p:nvGrpSpPr>
+        <p:cNvPr id="1" name=""/>
+        <p:cNvGrpSpPr/>
+        <p:nvPr/>
+      </p:nvGrpSpPr>
+      <p:grpSpPr>
+        <a:xfrm>
+          <a:off x="0" y="0"/>
+          <a:ext cx="0" cy="0"/>
+          <a:chOff x="0" y="0"/>
+          <a:chExt cx="0" cy="0"/>
+        </a:xfrm>
+      </p:grpSpPr>
+      <p:pic>
+        <p:nvPicPr>
+          <p:cNvPr id="5" name="Content Placeholder 4" descr="A screenshot of a video game&#10;&#10;Description automatically generated">
+            <a:extLst>
+              <a:ext uri="{FF2B5EF4-FFF2-40B4-BE49-F238E27FC236}">
+                <a16:creationId xmlns:a16="http://schemas.microsoft.com/office/drawing/2014/main" id="{DCD69D1A-64E8-4D6E-BE45-D0369210F9B3}"/>
+              </a:ext>
+            </a:extLst>
+          </p:cNvPr>
+          <p:cNvPicPr>
+            <a:picLocks noGrp="1" noChangeAspect="1"/>
+          </p:cNvPicPr>
+          <p:nvPr>
+            <p:ph idx="13"/>
+          </p:nvPr>
+        </p:nvPicPr>
+        <p:blipFill>
+          <a:blip r:embed="rId3"/>
+          <a:stretch>
+            <a:fillRect/>
+          </a:stretch>
+        </p:blipFill>
+        <p:spPr>
+          <a:xfrm>
+            <a:off x="295121" y="1454211"/>
+            <a:ext cx="4323834" cy="3394075"/>
+          </a:xfrm>
+        </p:spPr>
+      </p:pic>
+      <p:sp>
+        <p:nvSpPr>
+          <p:cNvPr id="3" name="Title 2">
+            <a:extLst>
+              <a:ext uri="{FF2B5EF4-FFF2-40B4-BE49-F238E27FC236}">
+                <a16:creationId xmlns:a16="http://schemas.microsoft.com/office/drawing/2014/main" id="{120EE4F9-7C91-43D7-9FBF-20350B32B5E2}"/>
+              </a:ext>
+            </a:extLst>
+          </p:cNvPr>
+          <p:cNvSpPr>
+            <a:spLocks noGrp="1"/>
+          </p:cNvSpPr>
+          <p:nvPr>
+            <p:ph type="title"/>
+          </p:nvPr>
+        </p:nvSpPr>
+        <p:spPr/>
+        <p:txBody>
+          <a:bodyPr/>
+          <a:lstStyle/>
+          <a:p>
+            <a:r>
+              <a:rPr lang="en-US" dirty="0"/>
+              <a:t>Computational load profiling of NMT model</a:t>
+            </a:r>
+          </a:p>
+        </p:txBody>
+      </p:sp>
+      <p:sp>
+        <p:nvSpPr>
+          <p:cNvPr id="6" name="Rectangle 5">
+            <a:extLst>
+              <a:ext uri="{FF2B5EF4-FFF2-40B4-BE49-F238E27FC236}">
+                <a16:creationId xmlns:a16="http://schemas.microsoft.com/office/drawing/2014/main" id="{15F14CC5-9E47-4134-B110-E84163EA3336}"/>
+              </a:ext>
+            </a:extLst>
+          </p:cNvPr>
+          <p:cNvSpPr/>
+          <p:nvPr/>
+        </p:nvSpPr>
+        <p:spPr>
+          <a:xfrm>
+            <a:off x="4465320" y="1420335"/>
+            <a:ext cx="4572000" cy="923330"/>
+          </a:xfrm>
+          <a:prstGeom prst="rect">
+            <a:avLst/>
+          </a:prstGeom>
+        </p:spPr>
+        <p:txBody>
+          <a:bodyPr>
+            <a:spAutoFit/>
+          </a:bodyPr>
+          <a:lstStyle/>
+          <a:p>
+            <a:r>
+              <a:rPr lang="en-US"/>
+              <a:t>RL-based placement balances the workload significantly better than does the expert-designed placement</a:t>
+            </a:r>
+            <a:endParaRPr lang="en-US" dirty="0"/>
+          </a:p>
+        </p:txBody>
+      </p:sp>
+      <p:sp>
+        <p:nvSpPr>
+          <p:cNvPr id="7" name="Rectangle 6">
+            <a:extLst>
+              <a:ext uri="{FF2B5EF4-FFF2-40B4-BE49-F238E27FC236}">
+                <a16:creationId xmlns:a16="http://schemas.microsoft.com/office/drawing/2014/main" id="{C50C4483-2735-46A7-AA24-F94417D9E4CD}"/>
+              </a:ext>
+            </a:extLst>
+          </p:cNvPr>
+          <p:cNvSpPr/>
+          <p:nvPr/>
+        </p:nvSpPr>
+        <p:spPr>
+          <a:xfrm>
+            <a:off x="4465320" y="2662448"/>
+            <a:ext cx="4572000" cy="646331"/>
+          </a:xfrm>
+          <a:prstGeom prst="rect">
+            <a:avLst/>
+          </a:prstGeom>
+        </p:spPr>
+        <p:txBody>
+          <a:bodyPr>
+            <a:spAutoFit/>
+          </a:bodyPr>
+          <a:lstStyle/>
+          <a:p>
+            <a:r>
+              <a:rPr lang="en-US" dirty="0"/>
+              <a:t>The imbalance is much more significant when back-propagation time is considered.</a:t>
+            </a:r>
+          </a:p>
+        </p:txBody>
+      </p:sp>
+    </p:spTree>
+    <p:extLst>
+      <p:ext uri="{BB962C8B-B14F-4D97-AF65-F5344CB8AC3E}">
+        <p14:creationId xmlns:p14="http://schemas.microsoft.com/office/powerpoint/2010/main" val="1374691473"/>
+      </p:ext>
+    </p:extLst>
+  </p:cSld>
+  <p:clrMapOvr>
+    <a:masterClrMapping/>
+  </p:clrMapOvr>
+</p:sld>
+</file>
+
+<file path=ppt/slides/slide39.xml><?xml version="1.0" encoding="utf-8"?>
+<p:sld xmlns:a="http://schemas.openxmlformats.org/drawingml/2006/main" xmlns:r="http://schemas.openxmlformats.org/officeDocument/2006/relationships" xmlns:p="http://schemas.openxmlformats.org/presentationml/2006/main">
+  <p:cSld>
+    <p:spTree>
+      <p:nvGrpSpPr>
+        <p:cNvPr id="1" name=""/>
+        <p:cNvGrpSpPr/>
+        <p:nvPr/>
+      </p:nvGrpSpPr>
+      <p:grpSpPr>
+        <a:xfrm>
+          <a:off x="0" y="0"/>
+          <a:ext cx="0" cy="0"/>
+          <a:chOff x="0" y="0"/>
+          <a:chExt cx="0" cy="0"/>
+        </a:xfrm>
+      </p:grpSpPr>
+      <p:pic>
+        <p:nvPicPr>
+          <p:cNvPr id="5" name="Content Placeholder 4" descr="A screenshot of a cell phone&#10;&#10;Description automatically generated">
+            <a:extLst>
+              <a:ext uri="{FF2B5EF4-FFF2-40B4-BE49-F238E27FC236}">
+                <a16:creationId xmlns:a16="http://schemas.microsoft.com/office/drawing/2014/main" id="{A06F8D4B-E99C-435F-BBC3-1EFFDF948F36}"/>
+              </a:ext>
+            </a:extLst>
+          </p:cNvPr>
+          <p:cNvPicPr>
+            <a:picLocks noGrp="1" noChangeAspect="1"/>
+          </p:cNvPicPr>
+          <p:nvPr>
+            <p:ph idx="13"/>
+          </p:nvPr>
+        </p:nvPicPr>
+        <p:blipFill>
+          <a:blip r:embed="rId2"/>
+          <a:stretch>
+            <a:fillRect/>
+          </a:stretch>
+        </p:blipFill>
+        <p:spPr>
+          <a:xfrm>
+            <a:off x="200590" y="1470724"/>
+            <a:ext cx="4171344" cy="3394075"/>
+          </a:xfrm>
+        </p:spPr>
+      </p:pic>
+      <p:sp>
+        <p:nvSpPr>
+          <p:cNvPr id="3" name="Title 2">
+            <a:extLst>
+              <a:ext uri="{FF2B5EF4-FFF2-40B4-BE49-F238E27FC236}">
+                <a16:creationId xmlns:a16="http://schemas.microsoft.com/office/drawing/2014/main" id="{D265CF05-77C3-4900-907B-59F555478414}"/>
+              </a:ext>
+            </a:extLst>
+          </p:cNvPr>
+          <p:cNvSpPr>
+            <a:spLocks noGrp="1"/>
+          </p:cNvSpPr>
+          <p:nvPr>
+            <p:ph type="title"/>
+          </p:nvPr>
+        </p:nvSpPr>
+        <p:spPr/>
+        <p:txBody>
+          <a:bodyPr/>
+          <a:lstStyle/>
+          <a:p>
+            <a:r>
+              <a:rPr lang="en-US" dirty="0"/>
+              <a:t>Computational load profiling of Inception-V3 </a:t>
+            </a:r>
+          </a:p>
+        </p:txBody>
+      </p:sp>
+      <p:sp>
+        <p:nvSpPr>
+          <p:cNvPr id="6" name="Rectangle 5">
+            <a:extLst>
+              <a:ext uri="{FF2B5EF4-FFF2-40B4-BE49-F238E27FC236}">
+                <a16:creationId xmlns:a16="http://schemas.microsoft.com/office/drawing/2014/main" id="{3B2EBDA7-CBFB-4A0D-8A81-4FBFBC3E3A0F}"/>
+              </a:ext>
+            </a:extLst>
+          </p:cNvPr>
+          <p:cNvSpPr/>
+          <p:nvPr/>
+        </p:nvSpPr>
+        <p:spPr>
+          <a:xfrm>
+            <a:off x="4371410" y="1488173"/>
+            <a:ext cx="4572000" cy="646331"/>
+          </a:xfrm>
+          <a:prstGeom prst="rect">
+            <a:avLst/>
+          </a:prstGeom>
+        </p:spPr>
+        <p:txBody>
+          <a:bodyPr>
+            <a:spAutoFit/>
+          </a:bodyPr>
+          <a:lstStyle/>
+          <a:p>
+            <a:r>
+              <a:rPr lang="en-US" dirty="0"/>
+              <a:t>RL-based placement does not seek to balance the computations between GPUs</a:t>
+            </a:r>
+          </a:p>
+        </p:txBody>
+      </p:sp>
+      <p:sp>
+        <p:nvSpPr>
+          <p:cNvPr id="7" name="Rectangle 6">
+            <a:extLst>
+              <a:ext uri="{FF2B5EF4-FFF2-40B4-BE49-F238E27FC236}">
+                <a16:creationId xmlns:a16="http://schemas.microsoft.com/office/drawing/2014/main" id="{AA83F5ED-4591-4E47-8163-C56360E714D2}"/>
+              </a:ext>
+            </a:extLst>
+          </p:cNvPr>
+          <p:cNvSpPr/>
+          <p:nvPr/>
+        </p:nvSpPr>
+        <p:spPr>
+          <a:xfrm>
+            <a:off x="4371934" y="2230044"/>
+            <a:ext cx="4572000" cy="923330"/>
+          </a:xfrm>
+          <a:prstGeom prst="rect">
+            <a:avLst/>
+          </a:prstGeom>
+        </p:spPr>
+        <p:txBody>
+          <a:bodyPr>
+            <a:spAutoFit/>
+          </a:bodyPr>
+          <a:lstStyle/>
+          <a:p>
+            <a:r>
+              <a:rPr lang="en-US" dirty="0"/>
+              <a:t>Inception-V3 has more dependencies than NMT, allowing less room for model parallelism across GPUs</a:t>
+            </a:r>
+          </a:p>
+        </p:txBody>
+      </p:sp>
+    </p:spTree>
+    <p:extLst>
+      <p:ext uri="{BB962C8B-B14F-4D97-AF65-F5344CB8AC3E}">
+        <p14:creationId xmlns:p14="http://schemas.microsoft.com/office/powerpoint/2010/main" val="1359517572"/>
+      </p:ext>
+    </p:extLst>
+  </p:cSld>
+  <p:clrMapOvr>
+    <a:masterClrMapping/>
+  </p:clrMapOvr>
 </p:sld>
 </file>
 
@@ -10811,13 +12549,8 @@
             </a:pPr>
             <a:r>
               <a:rPr lang="en-US" dirty="0"/>
-              <a:t>How to make the system works and </a:t>
-            </a:r>
-            <a:r>
-              <a:rPr lang="en-US" dirty="0" smtClean="0"/>
-              <a:t>improve performance</a:t>
-            </a:r>
-            <a:endParaRPr lang="en-US" dirty="0"/>
+              <a:t>How to make the system works and improve performance</a:t>
+            </a:r>
           </a:p>
           <a:p>
             <a:pPr marL="457200" indent="-457200">
@@ -10854,13 +12587,8 @@
           <a:p>
             <a:r>
               <a:rPr lang="en-US" dirty="0"/>
-              <a:t>Heterogeneous distributed </a:t>
-            </a:r>
-            <a:r>
-              <a:rPr lang="en-US" dirty="0" smtClean="0"/>
-              <a:t>environment</a:t>
-            </a:r>
-            <a:endParaRPr lang="en-US" dirty="0"/>
+              <a:t>Heterogeneous distributed environment</a:t>
+            </a:r>
           </a:p>
         </p:txBody>
       </p:sp>
@@ -10874,13 +12602,2111 @@
   <p:clrMapOvr>
     <a:masterClrMapping/>
   </p:clrMapOvr>
-  <p:timing>
-    <p:tnLst>
-      <p:par>
-        <p:cTn id="1" dur="indefinite" restart="never" nodeType="tmRoot"/>
-      </p:par>
-    </p:tnLst>
-  </p:timing>
+</p:sld>
+</file>
+
+<file path=ppt/slides/slide40.xml><?xml version="1.0" encoding="utf-8"?>
+<p:sld xmlns:a="http://schemas.openxmlformats.org/drawingml/2006/main" xmlns:r="http://schemas.openxmlformats.org/officeDocument/2006/relationships" xmlns:p="http://schemas.openxmlformats.org/presentationml/2006/main">
+  <p:cSld>
+    <p:spTree>
+      <p:nvGrpSpPr>
+        <p:cNvPr id="1" name=""/>
+        <p:cNvGrpSpPr/>
+        <p:nvPr/>
+      </p:nvGrpSpPr>
+      <p:grpSpPr>
+        <a:xfrm>
+          <a:off x="0" y="0"/>
+          <a:ext cx="0" cy="0"/>
+          <a:chOff x="0" y="0"/>
+          <a:chExt cx="0" cy="0"/>
+        </a:xfrm>
+      </p:grpSpPr>
+      <p:pic>
+        <p:nvPicPr>
+          <p:cNvPr id="5" name="Content Placeholder 4" descr="A screenshot of a cell phone&#10;&#10;Description automatically generated">
+            <a:extLst>
+              <a:ext uri="{FF2B5EF4-FFF2-40B4-BE49-F238E27FC236}">
+                <a16:creationId xmlns:a16="http://schemas.microsoft.com/office/drawing/2014/main" id="{FD8D9440-BC57-4733-8D52-7D4673F34F8E}"/>
+              </a:ext>
+            </a:extLst>
+          </p:cNvPr>
+          <p:cNvPicPr>
+            <a:picLocks noGrp="1" noChangeAspect="1"/>
+          </p:cNvPicPr>
+          <p:nvPr>
+            <p:ph idx="13"/>
+          </p:nvPr>
+        </p:nvPicPr>
+        <p:blipFill>
+          <a:blip r:embed="rId2"/>
+          <a:stretch>
+            <a:fillRect/>
+          </a:stretch>
+        </p:blipFill>
+        <p:spPr>
+          <a:xfrm>
+            <a:off x="200590" y="1373188"/>
+            <a:ext cx="4419368" cy="3394075"/>
+          </a:xfrm>
+        </p:spPr>
+      </p:pic>
+      <p:sp>
+        <p:nvSpPr>
+          <p:cNvPr id="3" name="Title 2">
+            <a:extLst>
+              <a:ext uri="{FF2B5EF4-FFF2-40B4-BE49-F238E27FC236}">
+                <a16:creationId xmlns:a16="http://schemas.microsoft.com/office/drawing/2014/main" id="{9B2315EA-9142-4A6D-AB9D-7B23ED2FA168}"/>
+              </a:ext>
+            </a:extLst>
+          </p:cNvPr>
+          <p:cNvSpPr>
+            <a:spLocks noGrp="1"/>
+          </p:cNvSpPr>
+          <p:nvPr>
+            <p:ph type="title"/>
+          </p:nvPr>
+        </p:nvSpPr>
+        <p:spPr/>
+        <p:txBody>
+          <a:bodyPr/>
+          <a:lstStyle/>
+          <a:p>
+            <a:r>
+              <a:rPr lang="en-US" dirty="0"/>
+              <a:t>Memory copy profiling of Inception-V3 </a:t>
+            </a:r>
+          </a:p>
+        </p:txBody>
+      </p:sp>
+      <p:sp>
+        <p:nvSpPr>
+          <p:cNvPr id="6" name="Rectangle 5">
+            <a:extLst>
+              <a:ext uri="{FF2B5EF4-FFF2-40B4-BE49-F238E27FC236}">
+                <a16:creationId xmlns:a16="http://schemas.microsoft.com/office/drawing/2014/main" id="{2A22E074-946A-4798-B782-AB788E253770}"/>
+              </a:ext>
+            </a:extLst>
+          </p:cNvPr>
+          <p:cNvSpPr/>
+          <p:nvPr/>
+        </p:nvSpPr>
+        <p:spPr>
+          <a:xfrm>
+            <a:off x="4619958" y="1583282"/>
+            <a:ext cx="4572000" cy="923330"/>
+          </a:xfrm>
+          <a:prstGeom prst="rect">
+            <a:avLst/>
+          </a:prstGeom>
+        </p:spPr>
+        <p:txBody>
+          <a:bodyPr>
+            <a:spAutoFit/>
+          </a:bodyPr>
+          <a:lstStyle/>
+          <a:p>
+            <a:r>
+              <a:rPr lang="en-US" dirty="0"/>
+              <a:t>RL-</a:t>
+            </a:r>
+            <a:r>
+              <a:rPr lang="en-US" altLang="zh-CN" dirty="0"/>
+              <a:t>based </a:t>
+            </a:r>
+            <a:r>
+              <a:rPr lang="en-US" dirty="0"/>
+              <a:t>model parameters are on the same device as the operations that use them</a:t>
+            </a:r>
+          </a:p>
+        </p:txBody>
+      </p:sp>
+      <p:sp>
+        <p:nvSpPr>
+          <p:cNvPr id="7" name="Rectangle 6">
+            <a:extLst>
+              <a:ext uri="{FF2B5EF4-FFF2-40B4-BE49-F238E27FC236}">
+                <a16:creationId xmlns:a16="http://schemas.microsoft.com/office/drawing/2014/main" id="{D7D9DA4F-5632-419D-B53C-EFD32C9D1F12}"/>
+              </a:ext>
+            </a:extLst>
+          </p:cNvPr>
+          <p:cNvSpPr/>
+          <p:nvPr/>
+        </p:nvSpPr>
+        <p:spPr>
+          <a:xfrm>
+            <a:off x="4618955" y="2716706"/>
+            <a:ext cx="4324455" cy="923330"/>
+          </a:xfrm>
+          <a:prstGeom prst="rect">
+            <a:avLst/>
+          </a:prstGeom>
+        </p:spPr>
+        <p:txBody>
+          <a:bodyPr wrap="square">
+            <a:spAutoFit/>
+          </a:bodyPr>
+          <a:lstStyle/>
+          <a:p>
+            <a:r>
+              <a:rPr lang="en-US" dirty="0"/>
+              <a:t>Synchronous tower model has to wait for all parameters have to be updated and sent to them. </a:t>
+            </a:r>
+          </a:p>
+        </p:txBody>
+      </p:sp>
+      <p:sp>
+        <p:nvSpPr>
+          <p:cNvPr id="8" name="Rectangle 7">
+            <a:extLst>
+              <a:ext uri="{FF2B5EF4-FFF2-40B4-BE49-F238E27FC236}">
+                <a16:creationId xmlns:a16="http://schemas.microsoft.com/office/drawing/2014/main" id="{72693D88-6BE4-49A4-A14E-AE3698D7444E}"/>
+              </a:ext>
+            </a:extLst>
+          </p:cNvPr>
+          <p:cNvSpPr/>
+          <p:nvPr/>
+        </p:nvSpPr>
+        <p:spPr>
+          <a:xfrm>
+            <a:off x="4618955" y="3850130"/>
+            <a:ext cx="4157472" cy="923330"/>
+          </a:xfrm>
+          <a:prstGeom prst="rect">
+            <a:avLst/>
+          </a:prstGeom>
+        </p:spPr>
+        <p:txBody>
+          <a:bodyPr wrap="square">
+            <a:spAutoFit/>
+          </a:bodyPr>
+          <a:lstStyle/>
+          <a:p>
+            <a:r>
+              <a:rPr lang="en-US" dirty="0"/>
+              <a:t>Reduce the communication cost, leading to overall reduction in computing time. </a:t>
+            </a:r>
+          </a:p>
+        </p:txBody>
+      </p:sp>
+    </p:spTree>
+    <p:extLst>
+      <p:ext uri="{BB962C8B-B14F-4D97-AF65-F5344CB8AC3E}">
+        <p14:creationId xmlns:p14="http://schemas.microsoft.com/office/powerpoint/2010/main" val="2370499481"/>
+      </p:ext>
+    </p:extLst>
+  </p:cSld>
+  <p:clrMapOvr>
+    <a:masterClrMapping/>
+  </p:clrMapOvr>
+</p:sld>
+</file>
+
+<file path=ppt/slides/slide41.xml><?xml version="1.0" encoding="utf-8"?>
+<p:sld xmlns:a="http://schemas.openxmlformats.org/drawingml/2006/main" xmlns:r="http://schemas.openxmlformats.org/officeDocument/2006/relationships" xmlns:p="http://schemas.openxmlformats.org/presentationml/2006/main">
+  <p:cSld>
+    <p:spTree>
+      <p:nvGrpSpPr>
+        <p:cNvPr id="1" name=""/>
+        <p:cNvGrpSpPr/>
+        <p:nvPr/>
+      </p:nvGrpSpPr>
+      <p:grpSpPr>
+        <a:xfrm>
+          <a:off x="0" y="0"/>
+          <a:ext cx="0" cy="0"/>
+          <a:chOff x="0" y="0"/>
+          <a:chExt cx="0" cy="0"/>
+        </a:xfrm>
+      </p:grpSpPr>
+      <p:sp>
+        <p:nvSpPr>
+          <p:cNvPr id="15" name="Subtitle 2"/>
+          <p:cNvSpPr txBox="1">
+            <a:spLocks/>
+          </p:cNvSpPr>
+          <p:nvPr/>
+        </p:nvSpPr>
+        <p:spPr>
+          <a:xfrm>
+            <a:off x="0" y="2323668"/>
+            <a:ext cx="8953499" cy="617537"/>
+          </a:xfrm>
+          <a:prstGeom prst="rect">
+            <a:avLst/>
+          </a:prstGeom>
+        </p:spPr>
+        <p:txBody>
+          <a:bodyPr/>
+          <a:lstStyle>
+            <a:lvl1pPr marL="0" indent="0" algn="ctr" defTabSz="457200" rtl="0" eaLnBrk="1" latinLnBrk="0" hangingPunct="1">
+              <a:spcBef>
+                <a:spcPct val="20000"/>
+              </a:spcBef>
+              <a:buFont typeface="Arial"/>
+              <a:buNone/>
+              <a:defRPr sz="4000" kern="1200" baseline="0">
+                <a:solidFill>
+                  <a:schemeClr val="bg1"/>
+                </a:solidFill>
+                <a:latin typeface="Arial"/>
+                <a:ea typeface="+mn-ea"/>
+                <a:cs typeface="Arial"/>
+              </a:defRPr>
+            </a:lvl1pPr>
+            <a:lvl2pPr marL="457200" indent="0" algn="ctr" defTabSz="457200" rtl="0" eaLnBrk="1" latinLnBrk="0" hangingPunct="1">
+              <a:spcBef>
+                <a:spcPct val="20000"/>
+              </a:spcBef>
+              <a:buFont typeface="Arial"/>
+              <a:buNone/>
+              <a:defRPr sz="2800" kern="1200">
+                <a:solidFill>
+                  <a:schemeClr val="tx1">
+                    <a:tint val="75000"/>
+                  </a:schemeClr>
+                </a:solidFill>
+                <a:latin typeface="+mn-lt"/>
+                <a:ea typeface="+mn-ea"/>
+                <a:cs typeface="+mn-cs"/>
+              </a:defRPr>
+            </a:lvl2pPr>
+            <a:lvl3pPr marL="914400" indent="0" algn="ctr" defTabSz="457200" rtl="0" eaLnBrk="1" latinLnBrk="0" hangingPunct="1">
+              <a:spcBef>
+                <a:spcPct val="20000"/>
+              </a:spcBef>
+              <a:buFont typeface="Arial"/>
+              <a:buNone/>
+              <a:defRPr sz="2400" kern="1200">
+                <a:solidFill>
+                  <a:schemeClr val="tx1">
+                    <a:tint val="75000"/>
+                  </a:schemeClr>
+                </a:solidFill>
+                <a:latin typeface="+mn-lt"/>
+                <a:ea typeface="+mn-ea"/>
+                <a:cs typeface="+mn-cs"/>
+              </a:defRPr>
+            </a:lvl3pPr>
+            <a:lvl4pPr marL="1371600" indent="0" algn="ctr" defTabSz="457200" rtl="0" eaLnBrk="1" latinLnBrk="0" hangingPunct="1">
+              <a:spcBef>
+                <a:spcPct val="20000"/>
+              </a:spcBef>
+              <a:buFont typeface="Arial"/>
+              <a:buNone/>
+              <a:defRPr sz="2000" kern="1200">
+                <a:solidFill>
+                  <a:schemeClr val="tx1">
+                    <a:tint val="75000"/>
+                  </a:schemeClr>
+                </a:solidFill>
+                <a:latin typeface="+mn-lt"/>
+                <a:ea typeface="+mn-ea"/>
+                <a:cs typeface="+mn-cs"/>
+              </a:defRPr>
+            </a:lvl4pPr>
+            <a:lvl5pPr marL="1828800" indent="0" algn="ctr" defTabSz="457200" rtl="0" eaLnBrk="1" latinLnBrk="0" hangingPunct="1">
+              <a:spcBef>
+                <a:spcPct val="20000"/>
+              </a:spcBef>
+              <a:buFont typeface="Arial"/>
+              <a:buNone/>
+              <a:defRPr sz="2000" kern="1200">
+                <a:solidFill>
+                  <a:schemeClr val="tx1">
+                    <a:tint val="75000"/>
+                  </a:schemeClr>
+                </a:solidFill>
+                <a:latin typeface="+mn-lt"/>
+                <a:ea typeface="+mn-ea"/>
+                <a:cs typeface="+mn-cs"/>
+              </a:defRPr>
+            </a:lvl5pPr>
+            <a:lvl6pPr marL="2286000" indent="0" algn="ctr" defTabSz="457200" rtl="0" eaLnBrk="1" latinLnBrk="0" hangingPunct="1">
+              <a:spcBef>
+                <a:spcPct val="20000"/>
+              </a:spcBef>
+              <a:buFont typeface="Arial"/>
+              <a:buNone/>
+              <a:defRPr sz="2000" kern="1200">
+                <a:solidFill>
+                  <a:schemeClr val="tx1">
+                    <a:tint val="75000"/>
+                  </a:schemeClr>
+                </a:solidFill>
+                <a:latin typeface="+mn-lt"/>
+                <a:ea typeface="+mn-ea"/>
+                <a:cs typeface="+mn-cs"/>
+              </a:defRPr>
+            </a:lvl6pPr>
+            <a:lvl7pPr marL="2743200" indent="0" algn="ctr" defTabSz="457200" rtl="0" eaLnBrk="1" latinLnBrk="0" hangingPunct="1">
+              <a:spcBef>
+                <a:spcPct val="20000"/>
+              </a:spcBef>
+              <a:buFont typeface="Arial"/>
+              <a:buNone/>
+              <a:defRPr sz="2000" kern="1200">
+                <a:solidFill>
+                  <a:schemeClr val="tx1">
+                    <a:tint val="75000"/>
+                  </a:schemeClr>
+                </a:solidFill>
+                <a:latin typeface="+mn-lt"/>
+                <a:ea typeface="+mn-ea"/>
+                <a:cs typeface="+mn-cs"/>
+              </a:defRPr>
+            </a:lvl7pPr>
+            <a:lvl8pPr marL="3200400" indent="0" algn="ctr" defTabSz="457200" rtl="0" eaLnBrk="1" latinLnBrk="0" hangingPunct="1">
+              <a:spcBef>
+                <a:spcPct val="20000"/>
+              </a:spcBef>
+              <a:buFont typeface="Arial"/>
+              <a:buNone/>
+              <a:defRPr sz="2000" kern="1200">
+                <a:solidFill>
+                  <a:schemeClr val="tx1">
+                    <a:tint val="75000"/>
+                  </a:schemeClr>
+                </a:solidFill>
+                <a:latin typeface="+mn-lt"/>
+                <a:ea typeface="+mn-ea"/>
+                <a:cs typeface="+mn-cs"/>
+              </a:defRPr>
+            </a:lvl8pPr>
+            <a:lvl9pPr marL="3657600" indent="0" algn="ctr" defTabSz="457200" rtl="0" eaLnBrk="1" latinLnBrk="0" hangingPunct="1">
+              <a:spcBef>
+                <a:spcPct val="20000"/>
+              </a:spcBef>
+              <a:buFont typeface="Arial"/>
+              <a:buNone/>
+              <a:defRPr sz="2000" kern="1200">
+                <a:solidFill>
+                  <a:schemeClr val="tx1">
+                    <a:tint val="75000"/>
+                  </a:schemeClr>
+                </a:solidFill>
+                <a:latin typeface="+mn-lt"/>
+                <a:ea typeface="+mn-ea"/>
+                <a:cs typeface="+mn-cs"/>
+              </a:defRPr>
+            </a:lvl9pPr>
+          </a:lstStyle>
+          <a:p>
+            <a:r>
+              <a:rPr lang="en-US" sz="2800" dirty="0" err="1"/>
+              <a:t>vDNN</a:t>
+            </a:r>
+            <a:r>
+              <a:rPr lang="en-US" sz="2800" dirty="0"/>
+              <a:t>: Virtualized Deep Neural Networks for Scalable, Memory-Efficient Neural Network Design</a:t>
+            </a:r>
+          </a:p>
+        </p:txBody>
+      </p:sp>
+      <p:sp>
+        <p:nvSpPr>
+          <p:cNvPr id="16" name="Subtitle 2"/>
+          <p:cNvSpPr txBox="1">
+            <a:spLocks/>
+          </p:cNvSpPr>
+          <p:nvPr/>
+        </p:nvSpPr>
+        <p:spPr>
+          <a:xfrm>
+            <a:off x="1413015" y="3425539"/>
+            <a:ext cx="6400800" cy="617537"/>
+          </a:xfrm>
+          <a:prstGeom prst="rect">
+            <a:avLst/>
+          </a:prstGeom>
+        </p:spPr>
+        <p:txBody>
+          <a:bodyPr/>
+          <a:lstStyle>
+            <a:lvl1pPr marL="0" indent="0" algn="ctr" defTabSz="457200" rtl="0" eaLnBrk="1" latinLnBrk="0" hangingPunct="1">
+              <a:spcBef>
+                <a:spcPct val="20000"/>
+              </a:spcBef>
+              <a:buFont typeface="Arial"/>
+              <a:buNone/>
+              <a:defRPr sz="4000" kern="1200" baseline="0">
+                <a:solidFill>
+                  <a:schemeClr val="bg1"/>
+                </a:solidFill>
+                <a:latin typeface="Arial"/>
+                <a:ea typeface="+mn-ea"/>
+                <a:cs typeface="Arial"/>
+              </a:defRPr>
+            </a:lvl1pPr>
+            <a:lvl2pPr marL="457200" indent="0" algn="ctr" defTabSz="457200" rtl="0" eaLnBrk="1" latinLnBrk="0" hangingPunct="1">
+              <a:spcBef>
+                <a:spcPct val="20000"/>
+              </a:spcBef>
+              <a:buFont typeface="Arial"/>
+              <a:buNone/>
+              <a:defRPr sz="2800" kern="1200">
+                <a:solidFill>
+                  <a:schemeClr val="tx1">
+                    <a:tint val="75000"/>
+                  </a:schemeClr>
+                </a:solidFill>
+                <a:latin typeface="+mn-lt"/>
+                <a:ea typeface="+mn-ea"/>
+                <a:cs typeface="+mn-cs"/>
+              </a:defRPr>
+            </a:lvl2pPr>
+            <a:lvl3pPr marL="914400" indent="0" algn="ctr" defTabSz="457200" rtl="0" eaLnBrk="1" latinLnBrk="0" hangingPunct="1">
+              <a:spcBef>
+                <a:spcPct val="20000"/>
+              </a:spcBef>
+              <a:buFont typeface="Arial"/>
+              <a:buNone/>
+              <a:defRPr sz="2400" kern="1200">
+                <a:solidFill>
+                  <a:schemeClr val="tx1">
+                    <a:tint val="75000"/>
+                  </a:schemeClr>
+                </a:solidFill>
+                <a:latin typeface="+mn-lt"/>
+                <a:ea typeface="+mn-ea"/>
+                <a:cs typeface="+mn-cs"/>
+              </a:defRPr>
+            </a:lvl3pPr>
+            <a:lvl4pPr marL="1371600" indent="0" algn="ctr" defTabSz="457200" rtl="0" eaLnBrk="1" latinLnBrk="0" hangingPunct="1">
+              <a:spcBef>
+                <a:spcPct val="20000"/>
+              </a:spcBef>
+              <a:buFont typeface="Arial"/>
+              <a:buNone/>
+              <a:defRPr sz="2000" kern="1200">
+                <a:solidFill>
+                  <a:schemeClr val="tx1">
+                    <a:tint val="75000"/>
+                  </a:schemeClr>
+                </a:solidFill>
+                <a:latin typeface="+mn-lt"/>
+                <a:ea typeface="+mn-ea"/>
+                <a:cs typeface="+mn-cs"/>
+              </a:defRPr>
+            </a:lvl4pPr>
+            <a:lvl5pPr marL="1828800" indent="0" algn="ctr" defTabSz="457200" rtl="0" eaLnBrk="1" latinLnBrk="0" hangingPunct="1">
+              <a:spcBef>
+                <a:spcPct val="20000"/>
+              </a:spcBef>
+              <a:buFont typeface="Arial"/>
+              <a:buNone/>
+              <a:defRPr sz="2000" kern="1200">
+                <a:solidFill>
+                  <a:schemeClr val="tx1">
+                    <a:tint val="75000"/>
+                  </a:schemeClr>
+                </a:solidFill>
+                <a:latin typeface="+mn-lt"/>
+                <a:ea typeface="+mn-ea"/>
+                <a:cs typeface="+mn-cs"/>
+              </a:defRPr>
+            </a:lvl5pPr>
+            <a:lvl6pPr marL="2286000" indent="0" algn="ctr" defTabSz="457200" rtl="0" eaLnBrk="1" latinLnBrk="0" hangingPunct="1">
+              <a:spcBef>
+                <a:spcPct val="20000"/>
+              </a:spcBef>
+              <a:buFont typeface="Arial"/>
+              <a:buNone/>
+              <a:defRPr sz="2000" kern="1200">
+                <a:solidFill>
+                  <a:schemeClr val="tx1">
+                    <a:tint val="75000"/>
+                  </a:schemeClr>
+                </a:solidFill>
+                <a:latin typeface="+mn-lt"/>
+                <a:ea typeface="+mn-ea"/>
+                <a:cs typeface="+mn-cs"/>
+              </a:defRPr>
+            </a:lvl6pPr>
+            <a:lvl7pPr marL="2743200" indent="0" algn="ctr" defTabSz="457200" rtl="0" eaLnBrk="1" latinLnBrk="0" hangingPunct="1">
+              <a:spcBef>
+                <a:spcPct val="20000"/>
+              </a:spcBef>
+              <a:buFont typeface="Arial"/>
+              <a:buNone/>
+              <a:defRPr sz="2000" kern="1200">
+                <a:solidFill>
+                  <a:schemeClr val="tx1">
+                    <a:tint val="75000"/>
+                  </a:schemeClr>
+                </a:solidFill>
+                <a:latin typeface="+mn-lt"/>
+                <a:ea typeface="+mn-ea"/>
+                <a:cs typeface="+mn-cs"/>
+              </a:defRPr>
+            </a:lvl7pPr>
+            <a:lvl8pPr marL="3200400" indent="0" algn="ctr" defTabSz="457200" rtl="0" eaLnBrk="1" latinLnBrk="0" hangingPunct="1">
+              <a:spcBef>
+                <a:spcPct val="20000"/>
+              </a:spcBef>
+              <a:buFont typeface="Arial"/>
+              <a:buNone/>
+              <a:defRPr sz="2000" kern="1200">
+                <a:solidFill>
+                  <a:schemeClr val="tx1">
+                    <a:tint val="75000"/>
+                  </a:schemeClr>
+                </a:solidFill>
+                <a:latin typeface="+mn-lt"/>
+                <a:ea typeface="+mn-ea"/>
+                <a:cs typeface="+mn-cs"/>
+              </a:defRPr>
+            </a:lvl8pPr>
+            <a:lvl9pPr marL="3657600" indent="0" algn="ctr" defTabSz="457200" rtl="0" eaLnBrk="1" latinLnBrk="0" hangingPunct="1">
+              <a:spcBef>
+                <a:spcPct val="20000"/>
+              </a:spcBef>
+              <a:buFont typeface="Arial"/>
+              <a:buNone/>
+              <a:defRPr sz="2000" kern="1200">
+                <a:solidFill>
+                  <a:schemeClr val="tx1">
+                    <a:tint val="75000"/>
+                  </a:schemeClr>
+                </a:solidFill>
+                <a:latin typeface="+mn-lt"/>
+                <a:ea typeface="+mn-ea"/>
+                <a:cs typeface="+mn-cs"/>
+              </a:defRPr>
+            </a:lvl9pPr>
+          </a:lstStyle>
+          <a:p>
+            <a:r>
+              <a:rPr lang="en-US" sz="1800" dirty="0" err="1"/>
+              <a:t>Minsoo</a:t>
+            </a:r>
+            <a:r>
+              <a:rPr lang="en-US" sz="1800" dirty="0"/>
+              <a:t> </a:t>
+            </a:r>
+            <a:r>
+              <a:rPr lang="en-US" sz="1800" dirty="0" err="1"/>
+              <a:t>Rhu</a:t>
+            </a:r>
+            <a:r>
+              <a:rPr lang="en-US" sz="1800" dirty="0"/>
+              <a:t>, Natalia </a:t>
+            </a:r>
+            <a:r>
+              <a:rPr lang="en-US" sz="1800" dirty="0" err="1"/>
+              <a:t>Gimelshein</a:t>
+            </a:r>
+            <a:r>
+              <a:rPr lang="en-US" sz="1800" dirty="0"/>
+              <a:t>, Jason Clemons, Arslan Zulfiqar, Stephen W. Keckler</a:t>
+            </a:r>
+          </a:p>
+        </p:txBody>
+      </p:sp>
+    </p:spTree>
+    <p:extLst>
+      <p:ext uri="{BB962C8B-B14F-4D97-AF65-F5344CB8AC3E}">
+        <p14:creationId xmlns:p14="http://schemas.microsoft.com/office/powerpoint/2010/main" val="191450016"/>
+      </p:ext>
+    </p:extLst>
+  </p:cSld>
+  <p:clrMapOvr>
+    <a:masterClrMapping/>
+  </p:clrMapOvr>
+  <p:transition spd="slow">
+    <p:fade/>
+  </p:transition>
+</p:sld>
+</file>
+
+<file path=ppt/slides/slide42.xml><?xml version="1.0" encoding="utf-8"?>
+<p:sld xmlns:a="http://schemas.openxmlformats.org/drawingml/2006/main" xmlns:r="http://schemas.openxmlformats.org/officeDocument/2006/relationships" xmlns:p="http://schemas.openxmlformats.org/presentationml/2006/main">
+  <p:cSld>
+    <p:spTree>
+      <p:nvGrpSpPr>
+        <p:cNvPr id="1" name=""/>
+        <p:cNvGrpSpPr/>
+        <p:nvPr/>
+      </p:nvGrpSpPr>
+      <p:grpSpPr>
+        <a:xfrm>
+          <a:off x="0" y="0"/>
+          <a:ext cx="0" cy="0"/>
+          <a:chOff x="0" y="0"/>
+          <a:chExt cx="0" cy="0"/>
+        </a:xfrm>
+      </p:grpSpPr>
+      <p:pic>
+        <p:nvPicPr>
+          <p:cNvPr id="5" name="Content Placeholder 4" descr="A screenshot of a cell phone&#10;&#10;Description automatically generated">
+            <a:extLst>
+              <a:ext uri="{FF2B5EF4-FFF2-40B4-BE49-F238E27FC236}">
+                <a16:creationId xmlns:a16="http://schemas.microsoft.com/office/drawing/2014/main" id="{3486627D-651B-4E1C-9D7E-884368917D01}"/>
+              </a:ext>
+            </a:extLst>
+          </p:cNvPr>
+          <p:cNvPicPr>
+            <a:picLocks noGrp="1" noChangeAspect="1"/>
+          </p:cNvPicPr>
+          <p:nvPr>
+            <p:ph idx="13"/>
+          </p:nvPr>
+        </p:nvPicPr>
+        <p:blipFill>
+          <a:blip r:embed="rId2"/>
+          <a:stretch>
+            <a:fillRect/>
+          </a:stretch>
+        </p:blipFill>
+        <p:spPr>
+          <a:xfrm>
+            <a:off x="2073005" y="1372791"/>
+            <a:ext cx="4997989" cy="2646363"/>
+          </a:xfrm>
+        </p:spPr>
+      </p:pic>
+      <p:sp>
+        <p:nvSpPr>
+          <p:cNvPr id="3" name="Title 2">
+            <a:extLst>
+              <a:ext uri="{FF2B5EF4-FFF2-40B4-BE49-F238E27FC236}">
+                <a16:creationId xmlns:a16="http://schemas.microsoft.com/office/drawing/2014/main" id="{57358752-8CB2-4386-A291-D7EBF41009E4}"/>
+              </a:ext>
+            </a:extLst>
+          </p:cNvPr>
+          <p:cNvSpPr>
+            <a:spLocks noGrp="1"/>
+          </p:cNvSpPr>
+          <p:nvPr>
+            <p:ph type="title"/>
+          </p:nvPr>
+        </p:nvSpPr>
+        <p:spPr/>
+        <p:txBody>
+          <a:bodyPr/>
+          <a:lstStyle/>
+          <a:p>
+            <a:r>
+              <a:rPr lang="en-US" dirty="0"/>
+              <a:t>Memory management is significant</a:t>
+            </a:r>
+          </a:p>
+        </p:txBody>
+      </p:sp>
+      <p:sp>
+        <p:nvSpPr>
+          <p:cNvPr id="6" name="Rectangle 5">
+            <a:extLst>
+              <a:ext uri="{FF2B5EF4-FFF2-40B4-BE49-F238E27FC236}">
+                <a16:creationId xmlns:a16="http://schemas.microsoft.com/office/drawing/2014/main" id="{1866584C-87DA-48ED-BB0B-A270114857FA}"/>
+              </a:ext>
+            </a:extLst>
+          </p:cNvPr>
+          <p:cNvSpPr/>
+          <p:nvPr/>
+        </p:nvSpPr>
+        <p:spPr>
+          <a:xfrm>
+            <a:off x="2962910" y="4096524"/>
+            <a:ext cx="3693090" cy="646331"/>
+          </a:xfrm>
+          <a:prstGeom prst="rect">
+            <a:avLst/>
+          </a:prstGeom>
+        </p:spPr>
+        <p:txBody>
+          <a:bodyPr wrap="square">
+            <a:spAutoFit/>
+          </a:bodyPr>
+          <a:lstStyle/>
+          <a:p>
+            <a:r>
+              <a:rPr lang="en-US" dirty="0"/>
+              <a:t>12 GB: the memory capacity of the state-of-the-art NVIDIA Titan X</a:t>
+            </a:r>
+          </a:p>
+        </p:txBody>
+      </p:sp>
+      <p:cxnSp>
+        <p:nvCxnSpPr>
+          <p:cNvPr id="8" name="Straight Connector 7">
+            <a:extLst>
+              <a:ext uri="{FF2B5EF4-FFF2-40B4-BE49-F238E27FC236}">
+                <a16:creationId xmlns:a16="http://schemas.microsoft.com/office/drawing/2014/main" id="{EF1011DC-7DDC-4EC6-AF09-5661F74E2CCD}"/>
+              </a:ext>
+            </a:extLst>
+          </p:cNvPr>
+          <p:cNvCxnSpPr/>
+          <p:nvPr/>
+        </p:nvCxnSpPr>
+        <p:spPr>
+          <a:xfrm>
+            <a:off x="2807899" y="2571750"/>
+            <a:ext cx="3606800" cy="0"/>
+          </a:xfrm>
+          <a:prstGeom prst="line">
+            <a:avLst/>
+          </a:prstGeom>
+          <a:ln>
+            <a:solidFill>
+              <a:srgbClr val="C00000"/>
+            </a:solidFill>
+          </a:ln>
+        </p:spPr>
+        <p:style>
+          <a:lnRef idx="2">
+            <a:schemeClr val="accent1"/>
+          </a:lnRef>
+          <a:fillRef idx="0">
+            <a:schemeClr val="accent1"/>
+          </a:fillRef>
+          <a:effectRef idx="1">
+            <a:schemeClr val="accent1"/>
+          </a:effectRef>
+          <a:fontRef idx="minor">
+            <a:schemeClr val="tx1"/>
+          </a:fontRef>
+        </p:style>
+      </p:cxnSp>
+    </p:spTree>
+    <p:extLst>
+      <p:ext uri="{BB962C8B-B14F-4D97-AF65-F5344CB8AC3E}">
+        <p14:creationId xmlns:p14="http://schemas.microsoft.com/office/powerpoint/2010/main" val="4216263549"/>
+      </p:ext>
+    </p:extLst>
+  </p:cSld>
+  <p:clrMapOvr>
+    <a:masterClrMapping/>
+  </p:clrMapOvr>
+</p:sld>
+</file>
+
+<file path=ppt/slides/slide43.xml><?xml version="1.0" encoding="utf-8"?>
+<p:sld xmlns:a="http://schemas.openxmlformats.org/drawingml/2006/main" xmlns:r="http://schemas.openxmlformats.org/officeDocument/2006/relationships" xmlns:p="http://schemas.openxmlformats.org/presentationml/2006/main">
+  <p:cSld>
+    <p:spTree>
+      <p:nvGrpSpPr>
+        <p:cNvPr id="1" name=""/>
+        <p:cNvGrpSpPr/>
+        <p:nvPr/>
+      </p:nvGrpSpPr>
+      <p:grpSpPr>
+        <a:xfrm>
+          <a:off x="0" y="0"/>
+          <a:ext cx="0" cy="0"/>
+          <a:chOff x="0" y="0"/>
+          <a:chExt cx="0" cy="0"/>
+        </a:xfrm>
+      </p:grpSpPr>
+      <p:sp>
+        <p:nvSpPr>
+          <p:cNvPr id="2" name="Content Placeholder 1">
+            <a:extLst>
+              <a:ext uri="{FF2B5EF4-FFF2-40B4-BE49-F238E27FC236}">
+                <a16:creationId xmlns:a16="http://schemas.microsoft.com/office/drawing/2014/main" id="{8771AFF2-9582-47F1-9834-6020E49C2441}"/>
+              </a:ext>
+            </a:extLst>
+          </p:cNvPr>
+          <p:cNvSpPr>
+            <a:spLocks noGrp="1"/>
+          </p:cNvSpPr>
+          <p:nvPr>
+            <p:ph idx="13"/>
+          </p:nvPr>
+        </p:nvSpPr>
+        <p:spPr/>
+        <p:txBody>
+          <a:bodyPr/>
+          <a:lstStyle/>
+          <a:p>
+            <a:pPr marL="457200" indent="-457200">
+              <a:buFont typeface="+mj-lt"/>
+              <a:buAutoNum type="arabicPeriod"/>
+            </a:pPr>
+            <a:r>
+              <a:rPr lang="en-US" dirty="0">
+                <a:solidFill>
+                  <a:schemeClr val="accent5"/>
+                </a:solidFill>
+              </a:rPr>
+              <a:t>DNNs trained via stochastic gradient-descent (SGD) are </a:t>
+            </a:r>
+            <a:r>
+              <a:rPr lang="en-US" dirty="0">
+                <a:solidFill>
+                  <a:srgbClr val="C00000"/>
+                </a:solidFill>
+              </a:rPr>
+              <a:t>designed and structured </a:t>
+            </a:r>
+            <a:r>
+              <a:rPr lang="en-US" dirty="0">
+                <a:solidFill>
+                  <a:schemeClr val="accent5"/>
+                </a:solidFill>
+              </a:rPr>
+              <a:t>with multiple layers</a:t>
+            </a:r>
+          </a:p>
+          <a:p>
+            <a:pPr marL="457200" indent="-457200">
+              <a:buFont typeface="+mj-lt"/>
+              <a:buAutoNum type="arabicPeriod"/>
+            </a:pPr>
+            <a:r>
+              <a:rPr lang="en-US" dirty="0">
+                <a:solidFill>
+                  <a:schemeClr val="accent5"/>
+                </a:solidFill>
+              </a:rPr>
+              <a:t>the training involves a series of </a:t>
+            </a:r>
+            <a:r>
+              <a:rPr lang="en-US" dirty="0">
+                <a:solidFill>
+                  <a:srgbClr val="C00000"/>
+                </a:solidFill>
+              </a:rPr>
+              <a:t>layer-wise</a:t>
+            </a:r>
+            <a:r>
+              <a:rPr lang="en-US" dirty="0">
+                <a:solidFill>
+                  <a:schemeClr val="accent5"/>
+                </a:solidFill>
+              </a:rPr>
+              <a:t> computations, the order of which is </a:t>
+            </a:r>
+            <a:r>
+              <a:rPr lang="en-US" dirty="0">
+                <a:solidFill>
+                  <a:srgbClr val="C00000"/>
+                </a:solidFill>
+              </a:rPr>
+              <a:t>statically fixed and repeated </a:t>
+            </a:r>
+            <a:r>
+              <a:rPr lang="en-US" dirty="0">
+                <a:solidFill>
+                  <a:schemeClr val="accent5"/>
+                </a:solidFill>
+              </a:rPr>
+              <a:t>for numerous iterations throughout the entire training process</a:t>
+            </a:r>
+          </a:p>
+        </p:txBody>
+      </p:sp>
+      <p:sp>
+        <p:nvSpPr>
+          <p:cNvPr id="3" name="Title 2">
+            <a:extLst>
+              <a:ext uri="{FF2B5EF4-FFF2-40B4-BE49-F238E27FC236}">
+                <a16:creationId xmlns:a16="http://schemas.microsoft.com/office/drawing/2014/main" id="{D28FBABC-21D0-4CBC-A1AA-B03449D93F20}"/>
+              </a:ext>
+            </a:extLst>
+          </p:cNvPr>
+          <p:cNvSpPr>
+            <a:spLocks noGrp="1"/>
+          </p:cNvSpPr>
+          <p:nvPr>
+            <p:ph type="title"/>
+          </p:nvPr>
+        </p:nvSpPr>
+        <p:spPr/>
+        <p:txBody>
+          <a:bodyPr/>
+          <a:lstStyle/>
+          <a:p>
+            <a:r>
+              <a:rPr lang="en-US" dirty="0"/>
+              <a:t>Motivation 1 - 2</a:t>
+            </a:r>
+          </a:p>
+        </p:txBody>
+      </p:sp>
+    </p:spTree>
+    <p:extLst>
+      <p:ext uri="{BB962C8B-B14F-4D97-AF65-F5344CB8AC3E}">
+        <p14:creationId xmlns:p14="http://schemas.microsoft.com/office/powerpoint/2010/main" val="3451143492"/>
+      </p:ext>
+    </p:extLst>
+  </p:cSld>
+  <p:clrMapOvr>
+    <a:masterClrMapping/>
+  </p:clrMapOvr>
+</p:sld>
+</file>
+
+<file path=ppt/slides/slide44.xml><?xml version="1.0" encoding="utf-8"?>
+<p:sld xmlns:a="http://schemas.openxmlformats.org/drawingml/2006/main" xmlns:r="http://schemas.openxmlformats.org/officeDocument/2006/relationships" xmlns:p="http://schemas.openxmlformats.org/presentationml/2006/main">
+  <p:cSld>
+    <p:spTree>
+      <p:nvGrpSpPr>
+        <p:cNvPr id="1" name=""/>
+        <p:cNvGrpSpPr/>
+        <p:nvPr/>
+      </p:nvGrpSpPr>
+      <p:grpSpPr>
+        <a:xfrm>
+          <a:off x="0" y="0"/>
+          <a:ext cx="0" cy="0"/>
+          <a:chOff x="0" y="0"/>
+          <a:chExt cx="0" cy="0"/>
+        </a:xfrm>
+      </p:grpSpPr>
+      <p:sp>
+        <p:nvSpPr>
+          <p:cNvPr id="2" name="Content Placeholder 1">
+            <a:extLst>
+              <a:ext uri="{FF2B5EF4-FFF2-40B4-BE49-F238E27FC236}">
+                <a16:creationId xmlns:a16="http://schemas.microsoft.com/office/drawing/2014/main" id="{2216E569-7DC1-4B01-85F7-829013BDFBC0}"/>
+              </a:ext>
+            </a:extLst>
+          </p:cNvPr>
+          <p:cNvSpPr>
+            <a:spLocks noGrp="1"/>
+          </p:cNvSpPr>
+          <p:nvPr>
+            <p:ph idx="13"/>
+          </p:nvPr>
+        </p:nvSpPr>
+        <p:spPr/>
+        <p:txBody>
+          <a:bodyPr/>
+          <a:lstStyle/>
+          <a:p>
+            <a:pPr marL="342900" indent="-342900">
+              <a:buFont typeface="Arial" panose="020B0604020202020204" pitchFamily="34" charset="0"/>
+              <a:buChar char="•"/>
+            </a:pPr>
+            <a:r>
+              <a:rPr lang="en-US" dirty="0">
+                <a:solidFill>
+                  <a:schemeClr val="accent6"/>
+                </a:solidFill>
+              </a:rPr>
+              <a:t>Forward propagation: serialized process, highly dependent. </a:t>
+            </a:r>
+            <a:r>
+              <a:rPr lang="en-US" dirty="0"/>
+              <a:t>Layer-wise.</a:t>
+            </a:r>
+          </a:p>
+          <a:p>
+            <a:pPr marL="342900" indent="-342900">
+              <a:buFont typeface="Arial" panose="020B0604020202020204" pitchFamily="34" charset="0"/>
+              <a:buChar char="•"/>
+            </a:pPr>
+            <a:r>
+              <a:rPr lang="en-US" dirty="0">
+                <a:solidFill>
+                  <a:schemeClr val="accent6"/>
+                </a:solidFill>
+              </a:rPr>
+              <a:t>Backward propagation</a:t>
+            </a:r>
+          </a:p>
+        </p:txBody>
+      </p:sp>
+      <p:sp>
+        <p:nvSpPr>
+          <p:cNvPr id="3" name="Title 2">
+            <a:extLst>
+              <a:ext uri="{FF2B5EF4-FFF2-40B4-BE49-F238E27FC236}">
+                <a16:creationId xmlns:a16="http://schemas.microsoft.com/office/drawing/2014/main" id="{17CD66D7-863B-4E0F-9D0C-4B7DED52DA7D}"/>
+              </a:ext>
+            </a:extLst>
+          </p:cNvPr>
+          <p:cNvSpPr>
+            <a:spLocks noGrp="1"/>
+          </p:cNvSpPr>
+          <p:nvPr>
+            <p:ph type="title"/>
+          </p:nvPr>
+        </p:nvSpPr>
+        <p:spPr/>
+        <p:txBody>
+          <a:bodyPr/>
+          <a:lstStyle/>
+          <a:p>
+            <a:r>
+              <a:rPr lang="en-US" dirty="0"/>
+              <a:t>Common sense - Forward and backward propagation</a:t>
+            </a:r>
+          </a:p>
+        </p:txBody>
+      </p:sp>
+      <p:pic>
+        <p:nvPicPr>
+          <p:cNvPr id="5" name="Picture 4" descr="A screenshot of a cell phone&#10;&#10;Description automatically generated">
+            <a:extLst>
+              <a:ext uri="{FF2B5EF4-FFF2-40B4-BE49-F238E27FC236}">
+                <a16:creationId xmlns:a16="http://schemas.microsoft.com/office/drawing/2014/main" id="{CEF929C9-02BA-400C-BB41-82EEAA88009E}"/>
+              </a:ext>
+            </a:extLst>
+          </p:cNvPr>
+          <p:cNvPicPr>
+            <a:picLocks noChangeAspect="1"/>
+          </p:cNvPicPr>
+          <p:nvPr/>
+        </p:nvPicPr>
+        <p:blipFill>
+          <a:blip r:embed="rId2"/>
+          <a:stretch>
+            <a:fillRect/>
+          </a:stretch>
+        </p:blipFill>
+        <p:spPr>
+          <a:xfrm>
+            <a:off x="4959978" y="1937223"/>
+            <a:ext cx="3796041" cy="1086500"/>
+          </a:xfrm>
+          <a:prstGeom prst="rect">
+            <a:avLst/>
+          </a:prstGeom>
+        </p:spPr>
+      </p:pic>
+      <p:sp>
+        <p:nvSpPr>
+          <p:cNvPr id="6" name="Rectangle 5">
+            <a:extLst>
+              <a:ext uri="{FF2B5EF4-FFF2-40B4-BE49-F238E27FC236}">
+                <a16:creationId xmlns:a16="http://schemas.microsoft.com/office/drawing/2014/main" id="{833845B0-6ADB-44D3-B645-9B2ABCCBE48F}"/>
+              </a:ext>
+            </a:extLst>
+          </p:cNvPr>
+          <p:cNvSpPr/>
+          <p:nvPr/>
+        </p:nvSpPr>
+        <p:spPr>
+          <a:xfrm>
+            <a:off x="3604478" y="2920555"/>
+            <a:ext cx="2710999" cy="369332"/>
+          </a:xfrm>
+          <a:prstGeom prst="rect">
+            <a:avLst/>
+          </a:prstGeom>
+        </p:spPr>
+        <p:txBody>
+          <a:bodyPr wrap="none">
+            <a:spAutoFit/>
+          </a:bodyPr>
+          <a:lstStyle/>
+          <a:p>
+            <a:r>
+              <a:rPr lang="en-US" dirty="0"/>
+              <a:t>input gradient maps (</a:t>
+            </a:r>
+            <a:r>
+              <a:rPr lang="en-US" dirty="0" err="1"/>
+              <a:t>dY</a:t>
+            </a:r>
+            <a:r>
+              <a:rPr lang="en-US" dirty="0"/>
+              <a:t>)</a:t>
+            </a:r>
+          </a:p>
+        </p:txBody>
+      </p:sp>
+      <p:sp>
+        <p:nvSpPr>
+          <p:cNvPr id="7" name="Rectangle 6">
+            <a:extLst>
+              <a:ext uri="{FF2B5EF4-FFF2-40B4-BE49-F238E27FC236}">
+                <a16:creationId xmlns:a16="http://schemas.microsoft.com/office/drawing/2014/main" id="{2D614EFC-D9D8-4720-9F8B-A4E3EFF4EC41}"/>
+              </a:ext>
+            </a:extLst>
+          </p:cNvPr>
+          <p:cNvSpPr/>
+          <p:nvPr/>
+        </p:nvSpPr>
+        <p:spPr>
+          <a:xfrm>
+            <a:off x="6291937" y="2920555"/>
+            <a:ext cx="2852063" cy="369332"/>
+          </a:xfrm>
+          <a:prstGeom prst="rect">
+            <a:avLst/>
+          </a:prstGeom>
+        </p:spPr>
+        <p:txBody>
+          <a:bodyPr wrap="none">
+            <a:spAutoFit/>
+          </a:bodyPr>
+          <a:lstStyle/>
+          <a:p>
+            <a:r>
+              <a:rPr lang="en-US" dirty="0"/>
+              <a:t>output gradient maps (</a:t>
+            </a:r>
+            <a:r>
+              <a:rPr lang="en-US" dirty="0" err="1"/>
+              <a:t>dX</a:t>
+            </a:r>
+            <a:r>
+              <a:rPr lang="en-US" dirty="0"/>
+              <a:t>)</a:t>
+            </a:r>
+          </a:p>
+        </p:txBody>
+      </p:sp>
+      <p:sp>
+        <p:nvSpPr>
+          <p:cNvPr id="8" name="Rectangle 7">
+            <a:extLst>
+              <a:ext uri="{FF2B5EF4-FFF2-40B4-BE49-F238E27FC236}">
+                <a16:creationId xmlns:a16="http://schemas.microsoft.com/office/drawing/2014/main" id="{86C7B80F-9763-474F-8F4F-C9959752B36E}"/>
+              </a:ext>
+            </a:extLst>
+          </p:cNvPr>
+          <p:cNvSpPr/>
+          <p:nvPr/>
+        </p:nvSpPr>
+        <p:spPr>
+          <a:xfrm>
+            <a:off x="579459" y="3408303"/>
+            <a:ext cx="8229599" cy="1569660"/>
+          </a:xfrm>
+          <a:prstGeom prst="rect">
+            <a:avLst/>
+          </a:prstGeom>
+        </p:spPr>
+        <p:txBody>
+          <a:bodyPr wrap="square">
+            <a:spAutoFit/>
+          </a:bodyPr>
+          <a:lstStyle/>
+          <a:p>
+            <a:r>
+              <a:rPr lang="en-US" sz="2400" dirty="0">
+                <a:solidFill>
+                  <a:schemeClr val="accent6"/>
+                </a:solidFill>
+              </a:rPr>
+              <a:t>Deriving the value of dx for layer(n) generally requires memory for both its input/output gradient maps (</a:t>
+            </a:r>
+            <a:r>
+              <a:rPr lang="en-US" sz="2400" dirty="0" err="1">
+                <a:solidFill>
+                  <a:schemeClr val="accent6"/>
+                </a:solidFill>
+              </a:rPr>
+              <a:t>dy</a:t>
+            </a:r>
+            <a:r>
+              <a:rPr lang="en-US" sz="2400" dirty="0">
+                <a:solidFill>
+                  <a:schemeClr val="accent6"/>
+                </a:solidFill>
+              </a:rPr>
+              <a:t> and dx) but also the input/output feature maps (X and Y) for this layer: </a:t>
+            </a:r>
+            <a:r>
+              <a:rPr lang="en-US" sz="2400" dirty="0">
+                <a:solidFill>
+                  <a:srgbClr val="C00000"/>
+                </a:solidFill>
+              </a:rPr>
+              <a:t>a lot of memory</a:t>
+            </a:r>
+          </a:p>
+        </p:txBody>
+      </p:sp>
+    </p:spTree>
+    <p:extLst>
+      <p:ext uri="{BB962C8B-B14F-4D97-AF65-F5344CB8AC3E}">
+        <p14:creationId xmlns:p14="http://schemas.microsoft.com/office/powerpoint/2010/main" val="3843154333"/>
+      </p:ext>
+    </p:extLst>
+  </p:cSld>
+  <p:clrMapOvr>
+    <a:masterClrMapping/>
+  </p:clrMapOvr>
+</p:sld>
+</file>
+
+<file path=ppt/slides/slide45.xml><?xml version="1.0" encoding="utf-8"?>
+<p:sld xmlns:a="http://schemas.openxmlformats.org/drawingml/2006/main" xmlns:r="http://schemas.openxmlformats.org/officeDocument/2006/relationships" xmlns:p="http://schemas.openxmlformats.org/presentationml/2006/main">
+  <p:cSld>
+    <p:spTree>
+      <p:nvGrpSpPr>
+        <p:cNvPr id="1" name=""/>
+        <p:cNvGrpSpPr/>
+        <p:nvPr/>
+      </p:nvGrpSpPr>
+      <p:grpSpPr>
+        <a:xfrm>
+          <a:off x="0" y="0"/>
+          <a:ext cx="0" cy="0"/>
+          <a:chOff x="0" y="0"/>
+          <a:chExt cx="0" cy="0"/>
+        </a:xfrm>
+      </p:grpSpPr>
+      <p:sp>
+        <p:nvSpPr>
+          <p:cNvPr id="2" name="Content Placeholder 1">
+            <a:extLst>
+              <a:ext uri="{FF2B5EF4-FFF2-40B4-BE49-F238E27FC236}">
+                <a16:creationId xmlns:a16="http://schemas.microsoft.com/office/drawing/2014/main" id="{198F7773-517C-485A-8748-19DA563A1B4F}"/>
+              </a:ext>
+            </a:extLst>
+          </p:cNvPr>
+          <p:cNvSpPr>
+            <a:spLocks noGrp="1"/>
+          </p:cNvSpPr>
+          <p:nvPr>
+            <p:ph idx="13"/>
+          </p:nvPr>
+        </p:nvSpPr>
+        <p:spPr/>
+        <p:txBody>
+          <a:bodyPr/>
+          <a:lstStyle/>
+          <a:p>
+            <a:pPr marL="342900" indent="-342900">
+              <a:buFont typeface="Arial" panose="020B0604020202020204" pitchFamily="34" charset="0"/>
+              <a:buChar char="•"/>
+            </a:pPr>
+            <a:r>
+              <a:rPr lang="en-US" dirty="0">
+                <a:solidFill>
+                  <a:schemeClr val="accent6"/>
+                </a:solidFill>
+              </a:rPr>
+              <a:t>Training a network involves both forward and backward propagation, which are repeated for millions to billions of iterations</a:t>
+            </a:r>
+          </a:p>
+          <a:p>
+            <a:pPr marL="342900" indent="-342900">
+              <a:buFont typeface="Arial" panose="020B0604020202020204" pitchFamily="34" charset="0"/>
+              <a:buChar char="•"/>
+            </a:pPr>
+            <a:r>
+              <a:rPr lang="en-US" dirty="0">
+                <a:solidFill>
+                  <a:schemeClr val="accent6"/>
+                </a:solidFill>
+              </a:rPr>
+              <a:t>Nature of SGD-based backward propagation, the network input is generally batched with hundreds of images</a:t>
+            </a:r>
+          </a:p>
+          <a:p>
+            <a:pPr marL="342900" indent="-342900">
+              <a:buFont typeface="Arial" panose="020B0604020202020204" pitchFamily="34" charset="0"/>
+              <a:buChar char="•"/>
+            </a:pPr>
+            <a:r>
+              <a:rPr lang="en-US" dirty="0">
+                <a:solidFill>
+                  <a:schemeClr val="accent6"/>
+                </a:solidFill>
+              </a:rPr>
+              <a:t>Batch </a:t>
+            </a:r>
+            <a:r>
+              <a:rPr lang="en-US" dirty="0">
+                <a:solidFill>
+                  <a:srgbClr val="C00000"/>
+                </a:solidFill>
+              </a:rPr>
+              <a:t>increases</a:t>
+            </a:r>
+            <a:r>
+              <a:rPr lang="en-US" dirty="0">
+                <a:solidFill>
+                  <a:schemeClr val="accent6"/>
+                </a:solidFill>
+              </a:rPr>
+              <a:t> </a:t>
+            </a:r>
+            <a:r>
+              <a:rPr lang="en-US" dirty="0">
+                <a:solidFill>
+                  <a:srgbClr val="C00000"/>
+                </a:solidFill>
+              </a:rPr>
+              <a:t>memory allocation </a:t>
+            </a:r>
+            <a:r>
+              <a:rPr lang="en-US" dirty="0">
+                <a:solidFill>
+                  <a:schemeClr val="accent6"/>
+                </a:solidFill>
+              </a:rPr>
+              <a:t>size but helps the network model better converge to an optimal solution.</a:t>
+            </a:r>
+          </a:p>
+        </p:txBody>
+      </p:sp>
+      <p:sp>
+        <p:nvSpPr>
+          <p:cNvPr id="3" name="Title 2">
+            <a:extLst>
+              <a:ext uri="{FF2B5EF4-FFF2-40B4-BE49-F238E27FC236}">
+                <a16:creationId xmlns:a16="http://schemas.microsoft.com/office/drawing/2014/main" id="{1E964A08-16D6-46C3-8131-BDCED52544D2}"/>
+              </a:ext>
+            </a:extLst>
+          </p:cNvPr>
+          <p:cNvSpPr>
+            <a:spLocks noGrp="1"/>
+          </p:cNvSpPr>
+          <p:nvPr>
+            <p:ph type="title"/>
+          </p:nvPr>
+        </p:nvSpPr>
+        <p:spPr/>
+        <p:txBody>
+          <a:bodyPr/>
+          <a:lstStyle/>
+          <a:p>
+            <a:r>
+              <a:rPr lang="en-US" dirty="0"/>
+              <a:t>Common sense - Batch size</a:t>
+            </a:r>
+          </a:p>
+        </p:txBody>
+      </p:sp>
+    </p:spTree>
+    <p:extLst>
+      <p:ext uri="{BB962C8B-B14F-4D97-AF65-F5344CB8AC3E}">
+        <p14:creationId xmlns:p14="http://schemas.microsoft.com/office/powerpoint/2010/main" val="1529253530"/>
+      </p:ext>
+    </p:extLst>
+  </p:cSld>
+  <p:clrMapOvr>
+    <a:masterClrMapping/>
+  </p:clrMapOvr>
+</p:sld>
+</file>
+
+<file path=ppt/slides/slide46.xml><?xml version="1.0" encoding="utf-8"?>
+<p:sld xmlns:a="http://schemas.openxmlformats.org/drawingml/2006/main" xmlns:r="http://schemas.openxmlformats.org/officeDocument/2006/relationships" xmlns:p="http://schemas.openxmlformats.org/presentationml/2006/main">
+  <p:cSld>
+    <p:spTree>
+      <p:nvGrpSpPr>
+        <p:cNvPr id="1" name=""/>
+        <p:cNvGrpSpPr/>
+        <p:nvPr/>
+      </p:nvGrpSpPr>
+      <p:grpSpPr>
+        <a:xfrm>
+          <a:off x="0" y="0"/>
+          <a:ext cx="0" cy="0"/>
+          <a:chOff x="0" y="0"/>
+          <a:chExt cx="0" cy="0"/>
+        </a:xfrm>
+      </p:grpSpPr>
+      <p:sp>
+        <p:nvSpPr>
+          <p:cNvPr id="2" name="Content Placeholder 1">
+            <a:extLst>
+              <a:ext uri="{FF2B5EF4-FFF2-40B4-BE49-F238E27FC236}">
+                <a16:creationId xmlns:a16="http://schemas.microsoft.com/office/drawing/2014/main" id="{8D9A7D73-19F3-45AF-8965-1E595E5CB857}"/>
+              </a:ext>
+            </a:extLst>
+          </p:cNvPr>
+          <p:cNvSpPr>
+            <a:spLocks noGrp="1"/>
+          </p:cNvSpPr>
+          <p:nvPr>
+            <p:ph idx="13"/>
+          </p:nvPr>
+        </p:nvSpPr>
+        <p:spPr/>
+        <p:txBody>
+          <a:bodyPr/>
+          <a:lstStyle/>
+          <a:p>
+            <a:r>
+              <a:rPr lang="en-US" dirty="0">
+                <a:solidFill>
+                  <a:schemeClr val="accent5"/>
+                </a:solidFill>
+              </a:rPr>
+              <a:t>3. Even though the GPU can, process a single layer’s computation, popular ML frameworks adopt a </a:t>
+            </a:r>
+            <a:r>
+              <a:rPr lang="en-US" dirty="0">
+                <a:solidFill>
+                  <a:srgbClr val="C00000"/>
+                </a:solidFill>
+              </a:rPr>
+              <a:t>network-wide memory allocation policy</a:t>
+            </a:r>
+          </a:p>
+          <a:p>
+            <a:endParaRPr lang="en-US" dirty="0"/>
+          </a:p>
+        </p:txBody>
+      </p:sp>
+      <p:sp>
+        <p:nvSpPr>
+          <p:cNvPr id="3" name="Title 2">
+            <a:extLst>
+              <a:ext uri="{FF2B5EF4-FFF2-40B4-BE49-F238E27FC236}">
+                <a16:creationId xmlns:a16="http://schemas.microsoft.com/office/drawing/2014/main" id="{54F4524B-78D8-49F5-AC37-6D1B4AFE02C3}"/>
+              </a:ext>
+            </a:extLst>
+          </p:cNvPr>
+          <p:cNvSpPr>
+            <a:spLocks noGrp="1"/>
+          </p:cNvSpPr>
+          <p:nvPr>
+            <p:ph type="title"/>
+          </p:nvPr>
+        </p:nvSpPr>
+        <p:spPr/>
+        <p:txBody>
+          <a:bodyPr/>
+          <a:lstStyle/>
+          <a:p>
+            <a:r>
+              <a:rPr lang="en-US" dirty="0"/>
+              <a:t>Motivation - 3</a:t>
+            </a:r>
+          </a:p>
+        </p:txBody>
+      </p:sp>
+      <p:pic>
+        <p:nvPicPr>
+          <p:cNvPr id="5" name="Picture 4" descr="A screenshot of a cell phone&#10;&#10;Description automatically generated">
+            <a:extLst>
+              <a:ext uri="{FF2B5EF4-FFF2-40B4-BE49-F238E27FC236}">
+                <a16:creationId xmlns:a16="http://schemas.microsoft.com/office/drawing/2014/main" id="{A81210F8-3A82-47F6-A0C0-A6E740370347}"/>
+              </a:ext>
+            </a:extLst>
+          </p:cNvPr>
+          <p:cNvPicPr>
+            <a:picLocks noChangeAspect="1"/>
+          </p:cNvPicPr>
+          <p:nvPr/>
+        </p:nvPicPr>
+        <p:blipFill>
+          <a:blip r:embed="rId2"/>
+          <a:stretch>
+            <a:fillRect/>
+          </a:stretch>
+        </p:blipFill>
+        <p:spPr>
+          <a:xfrm>
+            <a:off x="4114098" y="2523759"/>
+            <a:ext cx="5029902" cy="2619741"/>
+          </a:xfrm>
+          <a:prstGeom prst="rect">
+            <a:avLst/>
+          </a:prstGeom>
+        </p:spPr>
+      </p:pic>
+      <p:sp>
+        <p:nvSpPr>
+          <p:cNvPr id="6" name="Rectangle 5">
+            <a:extLst>
+              <a:ext uri="{FF2B5EF4-FFF2-40B4-BE49-F238E27FC236}">
+                <a16:creationId xmlns:a16="http://schemas.microsoft.com/office/drawing/2014/main" id="{697EC3CF-35C6-491C-A0FA-4B2E96CAA39A}"/>
+              </a:ext>
+            </a:extLst>
+          </p:cNvPr>
+          <p:cNvSpPr/>
+          <p:nvPr/>
+        </p:nvSpPr>
+        <p:spPr>
+          <a:xfrm>
+            <a:off x="167470" y="3247549"/>
+            <a:ext cx="4572000" cy="1477328"/>
+          </a:xfrm>
+          <a:prstGeom prst="rect">
+            <a:avLst/>
+          </a:prstGeom>
+        </p:spPr>
+        <p:txBody>
+          <a:bodyPr>
+            <a:spAutoFit/>
+          </a:bodyPr>
+          <a:lstStyle/>
+          <a:p>
+            <a:pPr marL="342900" indent="-342900">
+              <a:buFont typeface="Arial" panose="020B0604020202020204" pitchFamily="34" charset="0"/>
+              <a:buChar char="•"/>
+            </a:pPr>
+            <a:r>
+              <a:rPr lang="en-US" dirty="0">
+                <a:solidFill>
+                  <a:schemeClr val="accent6"/>
+                </a:solidFill>
+              </a:rPr>
+              <a:t>Popular ML frameworks suffer from severe limitations in the way they </a:t>
+            </a:r>
+            <a:r>
+              <a:rPr lang="en-US" dirty="0">
+                <a:solidFill>
+                  <a:srgbClr val="C00000"/>
+                </a:solidFill>
+              </a:rPr>
+              <a:t>allocate and manage memory</a:t>
+            </a:r>
+            <a:r>
+              <a:rPr lang="en-US" dirty="0">
+                <a:solidFill>
+                  <a:schemeClr val="accent6"/>
+                </a:solidFill>
+              </a:rPr>
+              <a:t>.</a:t>
+            </a:r>
+          </a:p>
+          <a:p>
+            <a:pPr marL="342900" indent="-342900">
+              <a:buFont typeface="Arial" panose="020B0604020202020204" pitchFamily="34" charset="0"/>
+              <a:buChar char="•"/>
+            </a:pPr>
+            <a:r>
+              <a:rPr lang="en-US" dirty="0">
+                <a:solidFill>
+                  <a:srgbClr val="C00000"/>
+                </a:solidFill>
+              </a:rPr>
+              <a:t>Sacrifice memory use to improve performance </a:t>
+            </a:r>
+          </a:p>
+        </p:txBody>
+      </p:sp>
+    </p:spTree>
+    <p:extLst>
+      <p:ext uri="{BB962C8B-B14F-4D97-AF65-F5344CB8AC3E}">
+        <p14:creationId xmlns:p14="http://schemas.microsoft.com/office/powerpoint/2010/main" val="867329416"/>
+      </p:ext>
+    </p:extLst>
+  </p:cSld>
+  <p:clrMapOvr>
+    <a:masterClrMapping/>
+  </p:clrMapOvr>
+</p:sld>
+</file>
+
+<file path=ppt/slides/slide47.xml><?xml version="1.0" encoding="utf-8"?>
+<p:sld xmlns:a="http://schemas.openxmlformats.org/drawingml/2006/main" xmlns:r="http://schemas.openxmlformats.org/officeDocument/2006/relationships" xmlns:p="http://schemas.openxmlformats.org/presentationml/2006/main">
+  <p:cSld>
+    <p:spTree>
+      <p:nvGrpSpPr>
+        <p:cNvPr id="1" name=""/>
+        <p:cNvGrpSpPr/>
+        <p:nvPr/>
+      </p:nvGrpSpPr>
+      <p:grpSpPr>
+        <a:xfrm>
+          <a:off x="0" y="0"/>
+          <a:ext cx="0" cy="0"/>
+          <a:chOff x="0" y="0"/>
+          <a:chExt cx="0" cy="0"/>
+        </a:xfrm>
+      </p:grpSpPr>
+      <p:sp>
+        <p:nvSpPr>
+          <p:cNvPr id="2" name="Content Placeholder 1">
+            <a:extLst>
+              <a:ext uri="{FF2B5EF4-FFF2-40B4-BE49-F238E27FC236}">
+                <a16:creationId xmlns:a16="http://schemas.microsoft.com/office/drawing/2014/main" id="{4037D8BF-2AE4-457B-A5ED-B0907CF19831}"/>
+              </a:ext>
+            </a:extLst>
+          </p:cNvPr>
+          <p:cNvSpPr>
+            <a:spLocks noGrp="1"/>
+          </p:cNvSpPr>
+          <p:nvPr>
+            <p:ph idx="13"/>
+          </p:nvPr>
+        </p:nvSpPr>
+        <p:spPr>
+          <a:xfrm>
+            <a:off x="106680" y="1372791"/>
+            <a:ext cx="8869850" cy="3394472"/>
+          </a:xfrm>
+        </p:spPr>
+        <p:txBody>
+          <a:bodyPr/>
+          <a:lstStyle/>
+          <a:p>
+            <a:pPr marL="342900" indent="-342900">
+              <a:buFont typeface="Arial" panose="020B0604020202020204" pitchFamily="34" charset="0"/>
+              <a:buChar char="•"/>
+            </a:pPr>
+            <a:r>
+              <a:rPr lang="en-US" dirty="0">
+                <a:solidFill>
+                  <a:schemeClr val="accent6"/>
+                </a:solidFill>
+              </a:rPr>
+              <a:t>Existing schemes </a:t>
+            </a:r>
+            <a:r>
+              <a:rPr lang="en-US" dirty="0">
+                <a:solidFill>
+                  <a:srgbClr val="C00000"/>
+                </a:solidFill>
+              </a:rPr>
+              <a:t>overprovision</a:t>
+            </a:r>
+            <a:r>
+              <a:rPr lang="en-US" dirty="0">
+                <a:solidFill>
+                  <a:schemeClr val="accent6"/>
+                </a:solidFill>
+              </a:rPr>
+              <a:t> the memory allocations to network-wise requirements, even though the GPU only use part of the memory for the </a:t>
+            </a:r>
+            <a:r>
+              <a:rPr lang="en-US" dirty="0">
+                <a:solidFill>
+                  <a:srgbClr val="C00000"/>
+                </a:solidFill>
+              </a:rPr>
+              <a:t>layer-wise</a:t>
+            </a:r>
+            <a:r>
+              <a:rPr lang="en-US" dirty="0">
+                <a:solidFill>
+                  <a:schemeClr val="accent6"/>
+                </a:solidFill>
+              </a:rPr>
+              <a:t> requirements.</a:t>
+            </a:r>
+          </a:p>
+          <a:p>
+            <a:pPr marL="342900" indent="-342900">
+              <a:buFont typeface="Arial" panose="020B0604020202020204" pitchFamily="34" charset="0"/>
+              <a:buChar char="•"/>
+            </a:pPr>
+            <a:endParaRPr lang="en-US" dirty="0"/>
+          </a:p>
+          <a:p>
+            <a:pPr marL="342900" indent="-342900">
+              <a:buFont typeface="Arial" panose="020B0604020202020204" pitchFamily="34" charset="0"/>
+              <a:buChar char="•"/>
+            </a:pPr>
+            <a:r>
+              <a:rPr lang="en-US" dirty="0"/>
+              <a:t>53% to 79% of memory is wasted.</a:t>
+            </a:r>
+          </a:p>
+        </p:txBody>
+      </p:sp>
+      <p:sp>
+        <p:nvSpPr>
+          <p:cNvPr id="3" name="Title 2">
+            <a:extLst>
+              <a:ext uri="{FF2B5EF4-FFF2-40B4-BE49-F238E27FC236}">
+                <a16:creationId xmlns:a16="http://schemas.microsoft.com/office/drawing/2014/main" id="{19424764-BE9E-461A-8737-1D41DBF7ABAD}"/>
+              </a:ext>
+            </a:extLst>
+          </p:cNvPr>
+          <p:cNvSpPr>
+            <a:spLocks noGrp="1"/>
+          </p:cNvSpPr>
+          <p:nvPr>
+            <p:ph type="title"/>
+          </p:nvPr>
+        </p:nvSpPr>
+        <p:spPr/>
+        <p:txBody>
+          <a:bodyPr/>
+          <a:lstStyle/>
+          <a:p>
+            <a:endParaRPr lang="en-US" dirty="0"/>
+          </a:p>
+        </p:txBody>
+      </p:sp>
+    </p:spTree>
+    <p:extLst>
+      <p:ext uri="{BB962C8B-B14F-4D97-AF65-F5344CB8AC3E}">
+        <p14:creationId xmlns:p14="http://schemas.microsoft.com/office/powerpoint/2010/main" val="834258532"/>
+      </p:ext>
+    </p:extLst>
+  </p:cSld>
+  <p:clrMapOvr>
+    <a:masterClrMapping/>
+  </p:clrMapOvr>
+</p:sld>
+</file>
+
+<file path=ppt/slides/slide48.xml><?xml version="1.0" encoding="utf-8"?>
+<p:sld xmlns:a="http://schemas.openxmlformats.org/drawingml/2006/main" xmlns:r="http://schemas.openxmlformats.org/officeDocument/2006/relationships" xmlns:p="http://schemas.openxmlformats.org/presentationml/2006/main">
+  <p:cSld>
+    <p:spTree>
+      <p:nvGrpSpPr>
+        <p:cNvPr id="1" name=""/>
+        <p:cNvGrpSpPr/>
+        <p:nvPr/>
+      </p:nvGrpSpPr>
+      <p:grpSpPr>
+        <a:xfrm>
+          <a:off x="0" y="0"/>
+          <a:ext cx="0" cy="0"/>
+          <a:chOff x="0" y="0"/>
+          <a:chExt cx="0" cy="0"/>
+        </a:xfrm>
+      </p:grpSpPr>
+      <p:sp>
+        <p:nvSpPr>
+          <p:cNvPr id="3" name="Title 2">
+            <a:extLst>
+              <a:ext uri="{FF2B5EF4-FFF2-40B4-BE49-F238E27FC236}">
+                <a16:creationId xmlns:a16="http://schemas.microsoft.com/office/drawing/2014/main" id="{7BE5B148-8852-4DA6-9E49-DEE6327904EB}"/>
+              </a:ext>
+            </a:extLst>
+          </p:cNvPr>
+          <p:cNvSpPr>
+            <a:spLocks noGrp="1"/>
+          </p:cNvSpPr>
+          <p:nvPr>
+            <p:ph type="title"/>
+          </p:nvPr>
+        </p:nvSpPr>
+        <p:spPr/>
+        <p:txBody>
+          <a:bodyPr/>
+          <a:lstStyle/>
+          <a:p>
+            <a:r>
+              <a:rPr lang="en-US" dirty="0"/>
+              <a:t>Memory page?</a:t>
+            </a:r>
+          </a:p>
+        </p:txBody>
+      </p:sp>
+      <p:pic>
+        <p:nvPicPr>
+          <p:cNvPr id="1026" name="Picture 2">
+            <a:extLst>
+              <a:ext uri="{FF2B5EF4-FFF2-40B4-BE49-F238E27FC236}">
+                <a16:creationId xmlns:a16="http://schemas.microsoft.com/office/drawing/2014/main" id="{2309B762-1A89-40BC-A735-10C9E62BBF4F}"/>
+              </a:ext>
+            </a:extLst>
+          </p:cNvPr>
+          <p:cNvPicPr>
+            <a:picLocks noGrp="1" noChangeAspect="1" noChangeArrowheads="1"/>
+          </p:cNvPicPr>
+          <p:nvPr>
+            <p:ph idx="13"/>
+          </p:nvPr>
+        </p:nvPicPr>
+        <p:blipFill>
+          <a:blip r:embed="rId2">
+            <a:extLst>
+              <a:ext uri="{28A0092B-C50C-407E-A947-70E740481C1C}">
+                <a14:useLocalDpi xmlns:a14="http://schemas.microsoft.com/office/drawing/2010/main" val="0"/>
+              </a:ext>
+            </a:extLst>
+          </a:blip>
+          <a:srcRect/>
+          <a:stretch>
+            <a:fillRect/>
+          </a:stretch>
+        </p:blipFill>
+        <p:spPr bwMode="auto">
+          <a:xfrm>
+            <a:off x="4825179" y="1372791"/>
+            <a:ext cx="3325868" cy="3394075"/>
+          </a:xfrm>
+          <a:prstGeom prst="rect">
+            <a:avLst/>
+          </a:prstGeom>
+          <a:noFill/>
+          <a:extLst>
+            <a:ext uri="{909E8E84-426E-40DD-AFC4-6F175D3DCCD1}">
+              <a14:hiddenFill xmlns:a14="http://schemas.microsoft.com/office/drawing/2010/main">
+                <a:solidFill>
+                  <a:srgbClr val="FFFFFF"/>
+                </a:solidFill>
+              </a14:hiddenFill>
+            </a:ext>
+          </a:extLst>
+        </p:spPr>
+      </p:pic>
+      <p:sp>
+        <p:nvSpPr>
+          <p:cNvPr id="4" name="TextBox 3">
+            <a:extLst>
+              <a:ext uri="{FF2B5EF4-FFF2-40B4-BE49-F238E27FC236}">
+                <a16:creationId xmlns:a16="http://schemas.microsoft.com/office/drawing/2014/main" id="{C83EE85A-52DA-40FB-B359-3362D833E624}"/>
+              </a:ext>
+            </a:extLst>
+          </p:cNvPr>
+          <p:cNvSpPr txBox="1"/>
+          <p:nvPr/>
+        </p:nvSpPr>
+        <p:spPr>
+          <a:xfrm>
+            <a:off x="660400" y="1689100"/>
+            <a:ext cx="3325868" cy="1200329"/>
+          </a:xfrm>
+          <a:prstGeom prst="rect">
+            <a:avLst/>
+          </a:prstGeom>
+          <a:noFill/>
+        </p:spPr>
+        <p:txBody>
+          <a:bodyPr wrap="square" rtlCol="0">
+            <a:spAutoFit/>
+          </a:bodyPr>
+          <a:lstStyle/>
+          <a:p>
+            <a:pPr marL="285750" indent="-285750">
+              <a:buFont typeface="Arial" panose="020B0604020202020204" pitchFamily="34" charset="0"/>
+              <a:buChar char="•"/>
+            </a:pPr>
+            <a:r>
+              <a:rPr lang="en-US" sz="2400" dirty="0"/>
+              <a:t>Memory is messy;</a:t>
+            </a:r>
+          </a:p>
+          <a:p>
+            <a:pPr marL="285750" indent="-285750">
+              <a:buFont typeface="Arial" panose="020B0604020202020204" pitchFamily="34" charset="0"/>
+              <a:buChar char="•"/>
+            </a:pPr>
+            <a:r>
+              <a:rPr lang="en-US" sz="2400" dirty="0"/>
+              <a:t>Humans are lazy;</a:t>
+            </a:r>
+          </a:p>
+          <a:p>
+            <a:pPr marL="285750" indent="-285750">
+              <a:buFont typeface="Arial" panose="020B0604020202020204" pitchFamily="34" charset="0"/>
+              <a:buChar char="•"/>
+            </a:pPr>
+            <a:r>
+              <a:rPr lang="en-US" sz="2400" dirty="0"/>
+              <a:t>Machines are stupid.</a:t>
+            </a:r>
+          </a:p>
+        </p:txBody>
+      </p:sp>
+    </p:spTree>
+    <p:extLst>
+      <p:ext uri="{BB962C8B-B14F-4D97-AF65-F5344CB8AC3E}">
+        <p14:creationId xmlns:p14="http://schemas.microsoft.com/office/powerpoint/2010/main" val="1783972596"/>
+      </p:ext>
+    </p:extLst>
+  </p:cSld>
+  <p:clrMapOvr>
+    <a:masterClrMapping/>
+  </p:clrMapOvr>
+</p:sld>
+</file>
+
+<file path=ppt/slides/slide49.xml><?xml version="1.0" encoding="utf-8"?>
+<p:sld xmlns:a="http://schemas.openxmlformats.org/drawingml/2006/main" xmlns:r="http://schemas.openxmlformats.org/officeDocument/2006/relationships" xmlns:p="http://schemas.openxmlformats.org/presentationml/2006/main">
+  <p:cSld>
+    <p:spTree>
+      <p:nvGrpSpPr>
+        <p:cNvPr id="1" name=""/>
+        <p:cNvGrpSpPr/>
+        <p:nvPr/>
+      </p:nvGrpSpPr>
+      <p:grpSpPr>
+        <a:xfrm>
+          <a:off x="0" y="0"/>
+          <a:ext cx="0" cy="0"/>
+          <a:chOff x="0" y="0"/>
+          <a:chExt cx="0" cy="0"/>
+        </a:xfrm>
+      </p:grpSpPr>
+      <p:sp>
+        <p:nvSpPr>
+          <p:cNvPr id="2" name="Content Placeholder 1">
+            <a:extLst>
+              <a:ext uri="{FF2B5EF4-FFF2-40B4-BE49-F238E27FC236}">
+                <a16:creationId xmlns:a16="http://schemas.microsoft.com/office/drawing/2014/main" id="{558F19B1-13BD-47E4-A7CC-99EE2BA5BBA1}"/>
+              </a:ext>
+            </a:extLst>
+          </p:cNvPr>
+          <p:cNvSpPr>
+            <a:spLocks noGrp="1"/>
+          </p:cNvSpPr>
+          <p:nvPr>
+            <p:ph idx="13"/>
+          </p:nvPr>
+        </p:nvSpPr>
+        <p:spPr/>
+        <p:txBody>
+          <a:bodyPr/>
+          <a:lstStyle/>
+          <a:p>
+            <a:pPr marL="342900" indent="-342900">
+              <a:buFont typeface="Arial" panose="020B0604020202020204" pitchFamily="34" charset="0"/>
+              <a:buChar char="•"/>
+            </a:pPr>
+            <a:r>
+              <a:rPr lang="en-US" dirty="0">
+                <a:solidFill>
+                  <a:srgbClr val="C00000"/>
+                </a:solidFill>
+              </a:rPr>
+              <a:t>Page-migration</a:t>
+            </a:r>
+            <a:r>
+              <a:rPr lang="en-US" dirty="0">
+                <a:solidFill>
+                  <a:schemeClr val="accent6"/>
+                </a:solidFill>
+              </a:rPr>
+              <a:t> based virtualization solutions will cause </a:t>
+            </a:r>
+            <a:r>
+              <a:rPr lang="en-US" dirty="0">
+                <a:solidFill>
+                  <a:srgbClr val="C00000"/>
+                </a:solidFill>
+              </a:rPr>
+              <a:t>more I/O overhead</a:t>
+            </a:r>
+            <a:r>
+              <a:rPr lang="en-US" dirty="0">
+                <a:solidFill>
+                  <a:schemeClr val="accent6"/>
+                </a:solidFill>
+              </a:rPr>
+              <a:t>: </a:t>
+            </a:r>
+          </a:p>
+          <a:p>
+            <a:pPr marL="1234440" lvl="3"/>
+            <a:r>
+              <a:rPr lang="en-US" dirty="0">
+                <a:solidFill>
+                  <a:schemeClr val="accent6"/>
+                </a:solidFill>
+              </a:rPr>
+              <a:t>page transfer</a:t>
+            </a:r>
+          </a:p>
+          <a:p>
+            <a:pPr marL="1234440" lvl="3"/>
+            <a:r>
+              <a:rPr lang="en-US" dirty="0">
+                <a:solidFill>
+                  <a:schemeClr val="accent6"/>
+                </a:solidFill>
+              </a:rPr>
+              <a:t>page table update.</a:t>
+            </a:r>
+          </a:p>
+          <a:p>
+            <a:pPr marL="342900" indent="-342900">
+              <a:buFont typeface="Arial" panose="020B0604020202020204" pitchFamily="34" charset="0"/>
+              <a:buChar char="•"/>
+            </a:pPr>
+            <a:r>
+              <a:rPr lang="en-US" sz="2000" dirty="0">
+                <a:solidFill>
+                  <a:schemeClr val="accent6"/>
+                </a:solidFill>
+              </a:rPr>
+              <a:t>To reduce the latency of memory access by moving pages near to the processor where the process accessing that memory is running.</a:t>
+            </a:r>
+          </a:p>
+          <a:p>
+            <a:pPr marL="342900" indent="-342900">
+              <a:buFont typeface="Arial" panose="020B0604020202020204" pitchFamily="34" charset="0"/>
+              <a:buChar char="•"/>
+            </a:pPr>
+            <a:r>
+              <a:rPr lang="en-US" sz="2000" dirty="0">
+                <a:solidFill>
+                  <a:schemeClr val="accent6"/>
+                </a:solidFill>
+              </a:rPr>
+              <a:t>It’s </a:t>
+            </a:r>
+            <a:r>
+              <a:rPr lang="en-US" sz="2000" dirty="0">
+                <a:solidFill>
+                  <a:srgbClr val="C00000"/>
+                </a:solidFill>
+              </a:rPr>
+              <a:t>slow</a:t>
+            </a:r>
+            <a:r>
+              <a:rPr lang="en-US" sz="2000" dirty="0">
+                <a:solidFill>
+                  <a:schemeClr val="accent6"/>
+                </a:solidFill>
+              </a:rPr>
+              <a:t>! 80 – 200 MB/sec compared with DMA </a:t>
+            </a:r>
+            <a:r>
+              <a:rPr lang="en-US" sz="2000" dirty="0" err="1">
+                <a:solidFill>
+                  <a:schemeClr val="accent6"/>
+                </a:solidFill>
+              </a:rPr>
+              <a:t>cudaMemcpy</a:t>
+            </a:r>
+            <a:r>
+              <a:rPr lang="en-US" sz="2000" dirty="0">
+                <a:solidFill>
+                  <a:schemeClr val="accent6"/>
+                </a:solidFill>
+              </a:rPr>
+              <a:t>: 12.8 – 16 GB/sec. </a:t>
+            </a:r>
+          </a:p>
+          <a:p>
+            <a:pPr marL="342900" indent="-342900">
+              <a:buFont typeface="Arial" panose="020B0604020202020204" pitchFamily="34" charset="0"/>
+              <a:buChar char="•"/>
+            </a:pPr>
+            <a:r>
+              <a:rPr lang="en-US" sz="2000" dirty="0">
+                <a:solidFill>
+                  <a:srgbClr val="C00000"/>
+                </a:solidFill>
+              </a:rPr>
+              <a:t>Could take 10s per GB.</a:t>
+            </a:r>
+          </a:p>
+          <a:p>
+            <a:endParaRPr lang="en-US" dirty="0"/>
+          </a:p>
+        </p:txBody>
+      </p:sp>
+      <p:sp>
+        <p:nvSpPr>
+          <p:cNvPr id="3" name="Title 2">
+            <a:extLst>
+              <a:ext uri="{FF2B5EF4-FFF2-40B4-BE49-F238E27FC236}">
+                <a16:creationId xmlns:a16="http://schemas.microsoft.com/office/drawing/2014/main" id="{6DCBC0CB-B812-4BD9-9D79-C96AD059FC9F}"/>
+              </a:ext>
+            </a:extLst>
+          </p:cNvPr>
+          <p:cNvSpPr>
+            <a:spLocks noGrp="1"/>
+          </p:cNvSpPr>
+          <p:nvPr>
+            <p:ph type="title"/>
+          </p:nvPr>
+        </p:nvSpPr>
+        <p:spPr/>
+        <p:txBody>
+          <a:bodyPr/>
+          <a:lstStyle/>
+          <a:p>
+            <a:r>
+              <a:rPr lang="en-US" dirty="0"/>
+              <a:t>Memory mechanism </a:t>
+            </a:r>
+          </a:p>
+        </p:txBody>
+      </p:sp>
+    </p:spTree>
+    <p:extLst>
+      <p:ext uri="{BB962C8B-B14F-4D97-AF65-F5344CB8AC3E}">
+        <p14:creationId xmlns:p14="http://schemas.microsoft.com/office/powerpoint/2010/main" val="399163426"/>
+      </p:ext>
+    </p:extLst>
+  </p:cSld>
+  <p:clrMapOvr>
+    <a:masterClrMapping/>
+  </p:clrMapOvr>
 </p:sld>
 </file>
 
@@ -10938,11 +14764,7 @@
             </a:pPr>
             <a:r>
               <a:rPr lang="en-US" dirty="0"/>
-              <a:t>CPU: fewer cores, </a:t>
-            </a:r>
-            <a:r>
-              <a:rPr lang="en-US" dirty="0" smtClean="0"/>
-              <a:t>higher frequency, more complicated and faster cache mechanism;</a:t>
+              <a:t>CPU: fewer cores, higher frequency, more complicated and faster cache mechanism;</a:t>
             </a:r>
           </a:p>
           <a:p>
@@ -10951,10 +14773,9 @@
               <a:buChar char="•"/>
             </a:pPr>
             <a:r>
-              <a:rPr lang="en-US" dirty="0" smtClean="0"/>
+              <a:rPr lang="en-US" dirty="0"/>
               <a:t>GPU: much more cores, SIMD, harder to program.</a:t>
             </a:r>
-            <a:endParaRPr lang="en-US" dirty="0"/>
           </a:p>
         </p:txBody>
       </p:sp>
@@ -10975,13 +14796,8 @@
           <a:p>
             <a:r>
               <a:rPr lang="en-US" dirty="0"/>
-              <a:t>Heterogeneous distributed </a:t>
-            </a:r>
-            <a:r>
-              <a:rPr lang="en-US" dirty="0" smtClean="0"/>
-              <a:t>environment</a:t>
-            </a:r>
-            <a:endParaRPr lang="en-US" dirty="0"/>
+              <a:t>Heterogeneous distributed environment</a:t>
+            </a:r>
           </a:p>
         </p:txBody>
       </p:sp>
@@ -10995,13 +14811,1108 @@
   <p:clrMapOvr>
     <a:masterClrMapping/>
   </p:clrMapOvr>
-  <p:timing>
-    <p:tnLst>
-      <p:par>
-        <p:cTn id="1" dur="indefinite" restart="never" nodeType="tmRoot"/>
-      </p:par>
-    </p:tnLst>
-  </p:timing>
+</p:sld>
+</file>
+
+<file path=ppt/slides/slide50.xml><?xml version="1.0" encoding="utf-8"?>
+<p:sld xmlns:a="http://schemas.openxmlformats.org/drawingml/2006/main" xmlns:r="http://schemas.openxmlformats.org/officeDocument/2006/relationships" xmlns:p="http://schemas.openxmlformats.org/presentationml/2006/main">
+  <p:cSld>
+    <p:spTree>
+      <p:nvGrpSpPr>
+        <p:cNvPr id="1" name=""/>
+        <p:cNvGrpSpPr/>
+        <p:nvPr/>
+      </p:nvGrpSpPr>
+      <p:grpSpPr>
+        <a:xfrm>
+          <a:off x="0" y="0"/>
+          <a:ext cx="0" cy="0"/>
+          <a:chOff x="0" y="0"/>
+          <a:chExt cx="0" cy="0"/>
+        </a:xfrm>
+      </p:grpSpPr>
+      <p:sp>
+        <p:nvSpPr>
+          <p:cNvPr id="2" name="Content Placeholder 1">
+            <a:extLst>
+              <a:ext uri="{FF2B5EF4-FFF2-40B4-BE49-F238E27FC236}">
+                <a16:creationId xmlns:a16="http://schemas.microsoft.com/office/drawing/2014/main" id="{DC6DF297-1278-4CC1-A5DB-5D49DEC79FF0}"/>
+              </a:ext>
+            </a:extLst>
+          </p:cNvPr>
+          <p:cNvSpPr>
+            <a:spLocks noGrp="1"/>
+          </p:cNvSpPr>
+          <p:nvPr>
+            <p:ph idx="13"/>
+          </p:nvPr>
+        </p:nvSpPr>
+        <p:spPr/>
+        <p:txBody>
+          <a:bodyPr/>
+          <a:lstStyle/>
+          <a:p>
+            <a:endParaRPr lang="en-US" dirty="0"/>
+          </a:p>
+          <a:p>
+            <a:endParaRPr lang="en-US" dirty="0"/>
+          </a:p>
+        </p:txBody>
+      </p:sp>
+      <p:sp>
+        <p:nvSpPr>
+          <p:cNvPr id="3" name="Title 2">
+            <a:extLst>
+              <a:ext uri="{FF2B5EF4-FFF2-40B4-BE49-F238E27FC236}">
+                <a16:creationId xmlns:a16="http://schemas.microsoft.com/office/drawing/2014/main" id="{1D8F0D91-FB7F-4867-9036-18D17228C434}"/>
+              </a:ext>
+            </a:extLst>
+          </p:cNvPr>
+          <p:cNvSpPr>
+            <a:spLocks noGrp="1"/>
+          </p:cNvSpPr>
+          <p:nvPr>
+            <p:ph type="title"/>
+          </p:nvPr>
+        </p:nvSpPr>
+        <p:spPr/>
+        <p:txBody>
+          <a:bodyPr/>
+          <a:lstStyle/>
+          <a:p>
+            <a:r>
+              <a:rPr lang="en-US" dirty="0"/>
+              <a:t>Find the </a:t>
+            </a:r>
+            <a:r>
+              <a:rPr lang="en-US" altLang="zh-CN" dirty="0"/>
+              <a:t>gaps</a:t>
+            </a:r>
+            <a:endParaRPr lang="en-US" dirty="0"/>
+          </a:p>
+        </p:txBody>
+      </p:sp>
+      <p:pic>
+        <p:nvPicPr>
+          <p:cNvPr id="5" name="Picture 4" descr="A screenshot of a cell phone&#10;&#10;Description automatically generated">
+            <a:extLst>
+              <a:ext uri="{FF2B5EF4-FFF2-40B4-BE49-F238E27FC236}">
+                <a16:creationId xmlns:a16="http://schemas.microsoft.com/office/drawing/2014/main" id="{66896ABE-637F-4207-9C50-F5CDB2AEC0B4}"/>
+              </a:ext>
+            </a:extLst>
+          </p:cNvPr>
+          <p:cNvPicPr>
+            <a:picLocks noChangeAspect="1"/>
+          </p:cNvPicPr>
+          <p:nvPr/>
+        </p:nvPicPr>
+        <p:blipFill>
+          <a:blip r:embed="rId2"/>
+          <a:stretch>
+            <a:fillRect/>
+          </a:stretch>
+        </p:blipFill>
+        <p:spPr>
+          <a:xfrm>
+            <a:off x="4618955" y="1501686"/>
+            <a:ext cx="4647153" cy="2903756"/>
+          </a:xfrm>
+          <a:prstGeom prst="rect">
+            <a:avLst/>
+          </a:prstGeom>
+        </p:spPr>
+      </p:pic>
+      <p:sp>
+        <p:nvSpPr>
+          <p:cNvPr id="6" name="Rectangle 5">
+            <a:extLst>
+              <a:ext uri="{FF2B5EF4-FFF2-40B4-BE49-F238E27FC236}">
+                <a16:creationId xmlns:a16="http://schemas.microsoft.com/office/drawing/2014/main" id="{722D724F-C558-4799-97EE-6B179BB1C1BA}"/>
+              </a:ext>
+            </a:extLst>
+          </p:cNvPr>
+          <p:cNvSpPr/>
+          <p:nvPr/>
+        </p:nvSpPr>
+        <p:spPr>
+          <a:xfrm>
+            <a:off x="167470" y="1501686"/>
+            <a:ext cx="4572000" cy="1200329"/>
+          </a:xfrm>
+          <a:prstGeom prst="rect">
+            <a:avLst/>
+          </a:prstGeom>
+        </p:spPr>
+        <p:txBody>
+          <a:bodyPr>
+            <a:spAutoFit/>
+          </a:bodyPr>
+          <a:lstStyle/>
+          <a:p>
+            <a:pPr marL="285750" indent="-285750">
+              <a:buFont typeface="Arial" panose="020B0604020202020204" pitchFamily="34" charset="0"/>
+              <a:buChar char="•"/>
+            </a:pPr>
+            <a:r>
+              <a:rPr lang="en-US" dirty="0"/>
+              <a:t>First, the intermediate feature maps and workspace (left axis) incur an order of magnitude higher memory usage compared to the weights</a:t>
+            </a:r>
+          </a:p>
+        </p:txBody>
+      </p:sp>
+      <p:sp>
+        <p:nvSpPr>
+          <p:cNvPr id="7" name="Rectangle 6">
+            <a:extLst>
+              <a:ext uri="{FF2B5EF4-FFF2-40B4-BE49-F238E27FC236}">
+                <a16:creationId xmlns:a16="http://schemas.microsoft.com/office/drawing/2014/main" id="{EF196697-2BC6-4C1C-93E8-0423493824B3}"/>
+              </a:ext>
+            </a:extLst>
+          </p:cNvPr>
+          <p:cNvSpPr/>
+          <p:nvPr/>
+        </p:nvSpPr>
+        <p:spPr>
+          <a:xfrm>
+            <a:off x="167470" y="2702015"/>
+            <a:ext cx="4572000" cy="1200329"/>
+          </a:xfrm>
+          <a:prstGeom prst="rect">
+            <a:avLst/>
+          </a:prstGeom>
+        </p:spPr>
+        <p:txBody>
+          <a:bodyPr>
+            <a:spAutoFit/>
+          </a:bodyPr>
+          <a:lstStyle/>
+          <a:p>
+            <a:pPr marL="285750" indent="-285750">
+              <a:buFont typeface="Arial" panose="020B0604020202020204" pitchFamily="34" charset="0"/>
+              <a:buChar char="•"/>
+            </a:pPr>
+            <a:r>
+              <a:rPr lang="en-US" dirty="0"/>
+              <a:t>Second, most of these </a:t>
+            </a:r>
+            <a:r>
+              <a:rPr lang="en-US" dirty="0">
+                <a:solidFill>
+                  <a:srgbClr val="C00000"/>
+                </a:solidFill>
+              </a:rPr>
+              <a:t>intermediate data structures</a:t>
+            </a:r>
+            <a:r>
+              <a:rPr lang="en-US" dirty="0"/>
+              <a:t> are concentrated on the feature extraction layers and are </a:t>
+            </a:r>
+            <a:r>
+              <a:rPr lang="en-US" dirty="0">
+                <a:solidFill>
+                  <a:srgbClr val="C00000"/>
+                </a:solidFill>
+              </a:rPr>
+              <a:t>less significan</a:t>
+            </a:r>
+            <a:r>
+              <a:rPr lang="en-US" dirty="0"/>
+              <a:t>t in the </a:t>
+            </a:r>
+            <a:r>
+              <a:rPr lang="en-US" dirty="0">
+                <a:solidFill>
+                  <a:srgbClr val="C00000"/>
+                </a:solidFill>
+              </a:rPr>
+              <a:t>later classifier layers</a:t>
+            </a:r>
+          </a:p>
+        </p:txBody>
+      </p:sp>
+      <p:sp>
+        <p:nvSpPr>
+          <p:cNvPr id="8" name="Rectangle 7">
+            <a:extLst>
+              <a:ext uri="{FF2B5EF4-FFF2-40B4-BE49-F238E27FC236}">
+                <a16:creationId xmlns:a16="http://schemas.microsoft.com/office/drawing/2014/main" id="{068C82CC-4CDA-4D02-B50B-0BA9B597CA11}"/>
+              </a:ext>
+            </a:extLst>
+          </p:cNvPr>
+          <p:cNvSpPr/>
+          <p:nvPr/>
+        </p:nvSpPr>
+        <p:spPr>
+          <a:xfrm>
+            <a:off x="167470" y="3924659"/>
+            <a:ext cx="4572000" cy="1200329"/>
+          </a:xfrm>
+          <a:prstGeom prst="rect">
+            <a:avLst/>
+          </a:prstGeom>
+        </p:spPr>
+        <p:txBody>
+          <a:bodyPr>
+            <a:spAutoFit/>
+          </a:bodyPr>
+          <a:lstStyle/>
+          <a:p>
+            <a:pPr marL="285750" indent="-285750">
+              <a:buFont typeface="Arial" panose="020B0604020202020204" pitchFamily="34" charset="0"/>
+              <a:buChar char="•"/>
+            </a:pPr>
+            <a:r>
+              <a:rPr lang="en-US" dirty="0"/>
+              <a:t>Third, the weights, </a:t>
+            </a:r>
+            <a:r>
+              <a:rPr lang="en-US" dirty="0">
+                <a:solidFill>
+                  <a:srgbClr val="C00000"/>
+                </a:solidFill>
+              </a:rPr>
+              <a:t>smaller</a:t>
+            </a:r>
+            <a:r>
+              <a:rPr lang="en-US" dirty="0"/>
+              <a:t> compared to these intermediate data, are concentrated on the </a:t>
+            </a:r>
+            <a:r>
+              <a:rPr lang="en-US" dirty="0">
+                <a:solidFill>
+                  <a:srgbClr val="C00000"/>
+                </a:solidFill>
+              </a:rPr>
+              <a:t>classifier layers </a:t>
+            </a:r>
+            <a:r>
+              <a:rPr lang="en-US" dirty="0"/>
+              <a:t>due to their full connectivity</a:t>
+            </a:r>
+          </a:p>
+        </p:txBody>
+      </p:sp>
+    </p:spTree>
+    <p:extLst>
+      <p:ext uri="{BB962C8B-B14F-4D97-AF65-F5344CB8AC3E}">
+        <p14:creationId xmlns:p14="http://schemas.microsoft.com/office/powerpoint/2010/main" val="1915613735"/>
+      </p:ext>
+    </p:extLst>
+  </p:cSld>
+  <p:clrMapOvr>
+    <a:masterClrMapping/>
+  </p:clrMapOvr>
+</p:sld>
+</file>
+
+<file path=ppt/slides/slide51.xml><?xml version="1.0" encoding="utf-8"?>
+<p:sld xmlns:a="http://schemas.openxmlformats.org/drawingml/2006/main" xmlns:r="http://schemas.openxmlformats.org/officeDocument/2006/relationships" xmlns:p="http://schemas.openxmlformats.org/presentationml/2006/main">
+  <p:cSld>
+    <p:spTree>
+      <p:nvGrpSpPr>
+        <p:cNvPr id="1" name=""/>
+        <p:cNvGrpSpPr/>
+        <p:nvPr/>
+      </p:nvGrpSpPr>
+      <p:grpSpPr>
+        <a:xfrm>
+          <a:off x="0" y="0"/>
+          <a:ext cx="0" cy="0"/>
+          <a:chOff x="0" y="0"/>
+          <a:chExt cx="0" cy="0"/>
+        </a:xfrm>
+      </p:grpSpPr>
+      <p:sp>
+        <p:nvSpPr>
+          <p:cNvPr id="2" name="Content Placeholder 1">
+            <a:extLst>
+              <a:ext uri="{FF2B5EF4-FFF2-40B4-BE49-F238E27FC236}">
+                <a16:creationId xmlns:a16="http://schemas.microsoft.com/office/drawing/2014/main" id="{E3284976-02A7-4D78-898C-153E63C80B17}"/>
+              </a:ext>
+            </a:extLst>
+          </p:cNvPr>
+          <p:cNvSpPr>
+            <a:spLocks noGrp="1"/>
+          </p:cNvSpPr>
+          <p:nvPr>
+            <p:ph idx="13"/>
+          </p:nvPr>
+        </p:nvSpPr>
+        <p:spPr/>
+        <p:txBody>
+          <a:bodyPr/>
+          <a:lstStyle/>
+          <a:p>
+            <a:pPr marL="457200" indent="-457200">
+              <a:buFont typeface="+mj-lt"/>
+              <a:buAutoNum type="arabicPeriod"/>
+            </a:pPr>
+            <a:r>
+              <a:rPr lang="en-US" dirty="0"/>
+              <a:t>Virtualize the memory usage of DNNs</a:t>
+            </a:r>
+          </a:p>
+          <a:p>
+            <a:pPr marL="457200" indent="-457200">
+              <a:buFont typeface="+mj-lt"/>
+              <a:buAutoNum type="arabicPeriod"/>
+            </a:pPr>
+            <a:r>
+              <a:rPr lang="en-US" dirty="0"/>
+              <a:t>Using both GPU and CPU memory</a:t>
+            </a:r>
+          </a:p>
+          <a:p>
+            <a:pPr marL="457200" indent="-457200">
+              <a:buFont typeface="+mj-lt"/>
+              <a:buAutoNum type="arabicPeriod"/>
+            </a:pPr>
+            <a:r>
+              <a:rPr lang="en-US" dirty="0"/>
+              <a:t>Minimizing its impact on performance</a:t>
+            </a:r>
+          </a:p>
+          <a:p>
+            <a:pPr marL="457200" indent="-457200">
+              <a:buFont typeface="+mj-lt"/>
+              <a:buAutoNum type="arabicPeriod"/>
+            </a:pPr>
+            <a:r>
+              <a:rPr lang="en-US" dirty="0"/>
+              <a:t>Transparent to programmer</a:t>
+            </a:r>
+          </a:p>
+          <a:p>
+            <a:pPr marL="457200" indent="-457200">
+              <a:buFont typeface="+mj-lt"/>
+              <a:buAutoNum type="arabicPeriod"/>
+            </a:pPr>
+            <a:r>
+              <a:rPr lang="en-US" dirty="0"/>
+              <a:t>Concentrate on the feature extraction layers</a:t>
+            </a:r>
+          </a:p>
+        </p:txBody>
+      </p:sp>
+      <p:sp>
+        <p:nvSpPr>
+          <p:cNvPr id="3" name="Title 2">
+            <a:extLst>
+              <a:ext uri="{FF2B5EF4-FFF2-40B4-BE49-F238E27FC236}">
+                <a16:creationId xmlns:a16="http://schemas.microsoft.com/office/drawing/2014/main" id="{9D0030A7-9C62-49BE-8EA2-8311A1A6B41E}"/>
+              </a:ext>
+            </a:extLst>
+          </p:cNvPr>
+          <p:cNvSpPr>
+            <a:spLocks noGrp="1"/>
+          </p:cNvSpPr>
+          <p:nvPr>
+            <p:ph type="title"/>
+          </p:nvPr>
+        </p:nvSpPr>
+        <p:spPr/>
+        <p:txBody>
+          <a:bodyPr/>
+          <a:lstStyle/>
+          <a:p>
+            <a:r>
+              <a:rPr lang="en-US" dirty="0"/>
+              <a:t>VDNN’s goals</a:t>
+            </a:r>
+          </a:p>
+        </p:txBody>
+      </p:sp>
+    </p:spTree>
+    <p:extLst>
+      <p:ext uri="{BB962C8B-B14F-4D97-AF65-F5344CB8AC3E}">
+        <p14:creationId xmlns:p14="http://schemas.microsoft.com/office/powerpoint/2010/main" val="1188121933"/>
+      </p:ext>
+    </p:extLst>
+  </p:cSld>
+  <p:clrMapOvr>
+    <a:masterClrMapping/>
+  </p:clrMapOvr>
+</p:sld>
+</file>
+
+<file path=ppt/slides/slide52.xml><?xml version="1.0" encoding="utf-8"?>
+<p:sld xmlns:a="http://schemas.openxmlformats.org/drawingml/2006/main" xmlns:r="http://schemas.openxmlformats.org/officeDocument/2006/relationships" xmlns:p="http://schemas.openxmlformats.org/presentationml/2006/main">
+  <p:cSld>
+    <p:spTree>
+      <p:nvGrpSpPr>
+        <p:cNvPr id="1" name=""/>
+        <p:cNvGrpSpPr/>
+        <p:nvPr/>
+      </p:nvGrpSpPr>
+      <p:grpSpPr>
+        <a:xfrm>
+          <a:off x="0" y="0"/>
+          <a:ext cx="0" cy="0"/>
+          <a:chOff x="0" y="0"/>
+          <a:chExt cx="0" cy="0"/>
+        </a:xfrm>
+      </p:grpSpPr>
+      <p:sp>
+        <p:nvSpPr>
+          <p:cNvPr id="2" name="Content Placeholder 1">
+            <a:extLst>
+              <a:ext uri="{FF2B5EF4-FFF2-40B4-BE49-F238E27FC236}">
+                <a16:creationId xmlns:a16="http://schemas.microsoft.com/office/drawing/2014/main" id="{88C36626-2FBF-4333-BEB2-44467E9B8F11}"/>
+              </a:ext>
+            </a:extLst>
+          </p:cNvPr>
+          <p:cNvSpPr>
+            <a:spLocks noGrp="1"/>
+          </p:cNvSpPr>
+          <p:nvPr>
+            <p:ph idx="13"/>
+          </p:nvPr>
+        </p:nvSpPr>
+        <p:spPr/>
+        <p:txBody>
+          <a:bodyPr/>
+          <a:lstStyle/>
+          <a:p>
+            <a:pPr marL="342900" indent="-342900">
+              <a:buFont typeface="Arial" panose="020B0604020202020204" pitchFamily="34" charset="0"/>
+              <a:buChar char="•"/>
+            </a:pPr>
+            <a:r>
+              <a:rPr lang="en-US" dirty="0">
+                <a:solidFill>
+                  <a:schemeClr val="accent6"/>
+                </a:solidFill>
+              </a:rPr>
+              <a:t>Sliding-window based, layer-wise memory management strategy</a:t>
+            </a:r>
+          </a:p>
+          <a:p>
+            <a:pPr marL="342900" indent="-342900">
+              <a:buFont typeface="Arial" panose="020B0604020202020204" pitchFamily="34" charset="0"/>
+              <a:buChar char="•"/>
+            </a:pPr>
+            <a:r>
+              <a:rPr lang="en-US" dirty="0">
+                <a:solidFill>
+                  <a:schemeClr val="accent6"/>
+                </a:solidFill>
+              </a:rPr>
+              <a:t>Runtime memory manager </a:t>
+            </a:r>
+            <a:r>
+              <a:rPr lang="en-US" dirty="0">
+                <a:solidFill>
+                  <a:srgbClr val="C00000"/>
+                </a:solidFill>
+              </a:rPr>
+              <a:t>conservatively</a:t>
+            </a:r>
+            <a:r>
+              <a:rPr lang="en-US" dirty="0">
+                <a:solidFill>
+                  <a:schemeClr val="accent6"/>
+                </a:solidFill>
+              </a:rPr>
+              <a:t> allocates memory from its memory pool.</a:t>
+            </a:r>
+          </a:p>
+          <a:p>
+            <a:pPr marL="342900" indent="-342900">
+              <a:buFont typeface="Arial" panose="020B0604020202020204" pitchFamily="34" charset="0"/>
+              <a:buChar char="•"/>
+            </a:pPr>
+            <a:r>
+              <a:rPr lang="en-US" dirty="0">
+                <a:solidFill>
+                  <a:srgbClr val="C00000"/>
+                </a:solidFill>
+              </a:rPr>
+              <a:t>Useless intermediate data structures will be released. </a:t>
+            </a:r>
+          </a:p>
+          <a:p>
+            <a:pPr marL="342900" indent="-342900">
+              <a:buFont typeface="Arial" panose="020B0604020202020204" pitchFamily="34" charset="0"/>
+              <a:buChar char="•"/>
+            </a:pPr>
+            <a:endParaRPr lang="en-US" dirty="0"/>
+          </a:p>
+          <a:p>
+            <a:r>
+              <a:rPr lang="en-US" dirty="0"/>
+              <a:t>Memory-wise, to store all the input data in the system is not economic, although they can be reused.</a:t>
+            </a:r>
+          </a:p>
+          <a:p>
+            <a:pPr marL="342900" indent="-342900">
+              <a:buFont typeface="Arial" panose="020B0604020202020204" pitchFamily="34" charset="0"/>
+              <a:buChar char="•"/>
+            </a:pPr>
+            <a:endParaRPr lang="en-US" dirty="0"/>
+          </a:p>
+        </p:txBody>
+      </p:sp>
+      <p:sp>
+        <p:nvSpPr>
+          <p:cNvPr id="3" name="Title 2">
+            <a:extLst>
+              <a:ext uri="{FF2B5EF4-FFF2-40B4-BE49-F238E27FC236}">
+                <a16:creationId xmlns:a16="http://schemas.microsoft.com/office/drawing/2014/main" id="{41CB2D03-9163-459D-849C-506D84FB5F3D}"/>
+              </a:ext>
+            </a:extLst>
+          </p:cNvPr>
+          <p:cNvSpPr>
+            <a:spLocks noGrp="1"/>
+          </p:cNvSpPr>
+          <p:nvPr>
+            <p:ph type="title"/>
+          </p:nvPr>
+        </p:nvSpPr>
+        <p:spPr/>
+        <p:txBody>
+          <a:bodyPr/>
+          <a:lstStyle/>
+          <a:p>
+            <a:r>
+              <a:rPr lang="en-US" dirty="0"/>
+              <a:t>Design principles</a:t>
+            </a:r>
+          </a:p>
+        </p:txBody>
+      </p:sp>
+    </p:spTree>
+    <p:extLst>
+      <p:ext uri="{BB962C8B-B14F-4D97-AF65-F5344CB8AC3E}">
+        <p14:creationId xmlns:p14="http://schemas.microsoft.com/office/powerpoint/2010/main" val="556436902"/>
+      </p:ext>
+    </p:extLst>
+  </p:cSld>
+  <p:clrMapOvr>
+    <a:masterClrMapping/>
+  </p:clrMapOvr>
+</p:sld>
+</file>
+
+<file path=ppt/slides/slide53.xml><?xml version="1.0" encoding="utf-8"?>
+<p:sld xmlns:a="http://schemas.openxmlformats.org/drawingml/2006/main" xmlns:r="http://schemas.openxmlformats.org/officeDocument/2006/relationships" xmlns:p="http://schemas.openxmlformats.org/presentationml/2006/main">
+  <p:cSld>
+    <p:spTree>
+      <p:nvGrpSpPr>
+        <p:cNvPr id="1" name=""/>
+        <p:cNvGrpSpPr/>
+        <p:nvPr/>
+      </p:nvGrpSpPr>
+      <p:grpSpPr>
+        <a:xfrm>
+          <a:off x="0" y="0"/>
+          <a:ext cx="0" cy="0"/>
+          <a:chOff x="0" y="0"/>
+          <a:chExt cx="0" cy="0"/>
+        </a:xfrm>
+      </p:grpSpPr>
+      <p:pic>
+        <p:nvPicPr>
+          <p:cNvPr id="5" name="Content Placeholder 4" descr="A picture containing clock&#10;&#10;Description automatically generated">
+            <a:extLst>
+              <a:ext uri="{FF2B5EF4-FFF2-40B4-BE49-F238E27FC236}">
+                <a16:creationId xmlns:a16="http://schemas.microsoft.com/office/drawing/2014/main" id="{8ED180B3-B536-4F76-B971-957D0CE00003}"/>
+              </a:ext>
+            </a:extLst>
+          </p:cNvPr>
+          <p:cNvPicPr>
+            <a:picLocks noGrp="1" noChangeAspect="1"/>
+          </p:cNvPicPr>
+          <p:nvPr>
+            <p:ph idx="13"/>
+          </p:nvPr>
+        </p:nvPicPr>
+        <p:blipFill>
+          <a:blip r:embed="rId2"/>
+          <a:stretch>
+            <a:fillRect/>
+          </a:stretch>
+        </p:blipFill>
+        <p:spPr>
+          <a:xfrm>
+            <a:off x="200590" y="1372791"/>
+            <a:ext cx="5852955" cy="2231866"/>
+          </a:xfrm>
+        </p:spPr>
+      </p:pic>
+      <p:sp>
+        <p:nvSpPr>
+          <p:cNvPr id="3" name="Title 2">
+            <a:extLst>
+              <a:ext uri="{FF2B5EF4-FFF2-40B4-BE49-F238E27FC236}">
+                <a16:creationId xmlns:a16="http://schemas.microsoft.com/office/drawing/2014/main" id="{D24283F0-2B6E-46DE-86F2-F809561BB9A6}"/>
+              </a:ext>
+            </a:extLst>
+          </p:cNvPr>
+          <p:cNvSpPr>
+            <a:spLocks noGrp="1"/>
+          </p:cNvSpPr>
+          <p:nvPr>
+            <p:ph type="title"/>
+          </p:nvPr>
+        </p:nvSpPr>
+        <p:spPr/>
+        <p:txBody>
+          <a:bodyPr/>
+          <a:lstStyle/>
+          <a:p>
+            <a:r>
+              <a:rPr lang="en-US" dirty="0"/>
+              <a:t>Forward propagation</a:t>
+            </a:r>
+          </a:p>
+        </p:txBody>
+      </p:sp>
+      <p:sp>
+        <p:nvSpPr>
+          <p:cNvPr id="6" name="TextBox 5">
+            <a:extLst>
+              <a:ext uri="{FF2B5EF4-FFF2-40B4-BE49-F238E27FC236}">
+                <a16:creationId xmlns:a16="http://schemas.microsoft.com/office/drawing/2014/main" id="{E9AE0F71-5094-44EF-A9E3-4F3BA0558B58}"/>
+              </a:ext>
+            </a:extLst>
+          </p:cNvPr>
+          <p:cNvSpPr txBox="1"/>
+          <p:nvPr/>
+        </p:nvSpPr>
+        <p:spPr>
+          <a:xfrm>
+            <a:off x="304800" y="4154964"/>
+            <a:ext cx="5270500" cy="369332"/>
+          </a:xfrm>
+          <a:prstGeom prst="rect">
+            <a:avLst/>
+          </a:prstGeom>
+          <a:noFill/>
+        </p:spPr>
+        <p:txBody>
+          <a:bodyPr wrap="square" rtlCol="0">
+            <a:spAutoFit/>
+          </a:bodyPr>
+          <a:lstStyle/>
+          <a:p>
+            <a:r>
+              <a:rPr lang="en-US" dirty="0"/>
+              <a:t>Be careful! Do not kill useful distant data!</a:t>
+            </a:r>
+          </a:p>
+        </p:txBody>
+      </p:sp>
+      <p:pic>
+        <p:nvPicPr>
+          <p:cNvPr id="8" name="Picture 7" descr="A close up of a map&#10;&#10;Description automatically generated">
+            <a:extLst>
+              <a:ext uri="{FF2B5EF4-FFF2-40B4-BE49-F238E27FC236}">
+                <a16:creationId xmlns:a16="http://schemas.microsoft.com/office/drawing/2014/main" id="{F2EE1023-5E57-4D2B-B4DB-B849DA51C3C0}"/>
+              </a:ext>
+            </a:extLst>
+          </p:cNvPr>
+          <p:cNvPicPr>
+            <a:picLocks noChangeAspect="1"/>
+          </p:cNvPicPr>
+          <p:nvPr/>
+        </p:nvPicPr>
+        <p:blipFill>
+          <a:blip r:embed="rId3"/>
+          <a:stretch>
+            <a:fillRect/>
+          </a:stretch>
+        </p:blipFill>
+        <p:spPr>
+          <a:xfrm>
+            <a:off x="6053545" y="3038289"/>
+            <a:ext cx="3090455" cy="2079833"/>
+          </a:xfrm>
+          <a:prstGeom prst="rect">
+            <a:avLst/>
+          </a:prstGeom>
+        </p:spPr>
+      </p:pic>
+    </p:spTree>
+    <p:extLst>
+      <p:ext uri="{BB962C8B-B14F-4D97-AF65-F5344CB8AC3E}">
+        <p14:creationId xmlns:p14="http://schemas.microsoft.com/office/powerpoint/2010/main" val="1023753191"/>
+      </p:ext>
+    </p:extLst>
+  </p:cSld>
+  <p:clrMapOvr>
+    <a:masterClrMapping/>
+  </p:clrMapOvr>
+</p:sld>
+</file>
+
+<file path=ppt/slides/slide54.xml><?xml version="1.0" encoding="utf-8"?>
+<p:sld xmlns:a="http://schemas.openxmlformats.org/drawingml/2006/main" xmlns:r="http://schemas.openxmlformats.org/officeDocument/2006/relationships" xmlns:p="http://schemas.openxmlformats.org/presentationml/2006/main">
+  <p:cSld>
+    <p:spTree>
+      <p:nvGrpSpPr>
+        <p:cNvPr id="1" name=""/>
+        <p:cNvGrpSpPr/>
+        <p:nvPr/>
+      </p:nvGrpSpPr>
+      <p:grpSpPr>
+        <a:xfrm>
+          <a:off x="0" y="0"/>
+          <a:ext cx="0" cy="0"/>
+          <a:chOff x="0" y="0"/>
+          <a:chExt cx="0" cy="0"/>
+        </a:xfrm>
+      </p:grpSpPr>
+      <p:pic>
+        <p:nvPicPr>
+          <p:cNvPr id="5" name="Content Placeholder 4" descr="A close up of a clock&#10;&#10;Description automatically generated">
+            <a:extLst>
+              <a:ext uri="{FF2B5EF4-FFF2-40B4-BE49-F238E27FC236}">
+                <a16:creationId xmlns:a16="http://schemas.microsoft.com/office/drawing/2014/main" id="{D0FDD3BD-363D-42FF-AED8-3C25C2510543}"/>
+              </a:ext>
+            </a:extLst>
+          </p:cNvPr>
+          <p:cNvPicPr>
+            <a:picLocks noGrp="1" noChangeAspect="1"/>
+          </p:cNvPicPr>
+          <p:nvPr>
+            <p:ph idx="13"/>
+          </p:nvPr>
+        </p:nvPicPr>
+        <p:blipFill>
+          <a:blip r:embed="rId2"/>
+          <a:stretch>
+            <a:fillRect/>
+          </a:stretch>
+        </p:blipFill>
+        <p:spPr>
+          <a:xfrm>
+            <a:off x="200590" y="1372791"/>
+            <a:ext cx="5743010" cy="2213909"/>
+          </a:xfrm>
+        </p:spPr>
+      </p:pic>
+      <p:sp>
+        <p:nvSpPr>
+          <p:cNvPr id="3" name="Title 2">
+            <a:extLst>
+              <a:ext uri="{FF2B5EF4-FFF2-40B4-BE49-F238E27FC236}">
+                <a16:creationId xmlns:a16="http://schemas.microsoft.com/office/drawing/2014/main" id="{0FC4D23C-92F4-495A-AF3F-482A46D4C517}"/>
+              </a:ext>
+            </a:extLst>
+          </p:cNvPr>
+          <p:cNvSpPr>
+            <a:spLocks noGrp="1"/>
+          </p:cNvSpPr>
+          <p:nvPr>
+            <p:ph type="title"/>
+          </p:nvPr>
+        </p:nvSpPr>
+        <p:spPr/>
+        <p:txBody>
+          <a:bodyPr/>
+          <a:lstStyle/>
+          <a:p>
+            <a:r>
+              <a:rPr lang="en-US" dirty="0"/>
+              <a:t>Back propagation</a:t>
+            </a:r>
+          </a:p>
+        </p:txBody>
+      </p:sp>
+      <p:sp>
+        <p:nvSpPr>
+          <p:cNvPr id="6" name="Rectangle 5">
+            <a:extLst>
+              <a:ext uri="{FF2B5EF4-FFF2-40B4-BE49-F238E27FC236}">
+                <a16:creationId xmlns:a16="http://schemas.microsoft.com/office/drawing/2014/main" id="{5E6A16F5-402E-4D9C-9A92-394A30FA123E}"/>
+              </a:ext>
+            </a:extLst>
+          </p:cNvPr>
+          <p:cNvSpPr/>
+          <p:nvPr/>
+        </p:nvSpPr>
+        <p:spPr>
+          <a:xfrm>
+            <a:off x="419100" y="3546715"/>
+            <a:ext cx="8420100" cy="1200329"/>
+          </a:xfrm>
+          <a:prstGeom prst="rect">
+            <a:avLst/>
+          </a:prstGeom>
+        </p:spPr>
+        <p:txBody>
+          <a:bodyPr wrap="square">
+            <a:spAutoFit/>
+          </a:bodyPr>
+          <a:lstStyle/>
+          <a:p>
+            <a:pPr marL="285750" indent="-285750">
+              <a:buFont typeface="Arial" panose="020B0604020202020204" pitchFamily="34" charset="0"/>
+              <a:buChar char="•"/>
+            </a:pPr>
+            <a:r>
+              <a:rPr lang="en-US" dirty="0" err="1"/>
+              <a:t>vDNN</a:t>
+            </a:r>
+            <a:r>
+              <a:rPr lang="en-US" dirty="0"/>
+              <a:t> immediately frees up a layer’s Y and </a:t>
+            </a:r>
+            <a:r>
+              <a:rPr lang="en-US" dirty="0" err="1"/>
+              <a:t>dY</a:t>
+            </a:r>
+            <a:r>
+              <a:rPr lang="en-US" dirty="0"/>
+              <a:t> once this layer’s backward computation is complete</a:t>
+            </a:r>
+          </a:p>
+          <a:p>
+            <a:pPr marL="285750" indent="-285750">
+              <a:buFont typeface="Arial" panose="020B0604020202020204" pitchFamily="34" charset="0"/>
+              <a:buChar char="•"/>
+            </a:pPr>
+            <a:r>
+              <a:rPr lang="en-US" dirty="0"/>
+              <a:t>X and </a:t>
+            </a:r>
+            <a:r>
+              <a:rPr lang="en-US" dirty="0" err="1"/>
+              <a:t>dX</a:t>
+            </a:r>
+            <a:r>
+              <a:rPr lang="en-US" dirty="0"/>
+              <a:t> are not released as the preceding layer’s backward propagation will be needing these values for gradient derivation</a:t>
+            </a:r>
+          </a:p>
+        </p:txBody>
+      </p:sp>
+    </p:spTree>
+    <p:extLst>
+      <p:ext uri="{BB962C8B-B14F-4D97-AF65-F5344CB8AC3E}">
+        <p14:creationId xmlns:p14="http://schemas.microsoft.com/office/powerpoint/2010/main" val="2512205557"/>
+      </p:ext>
+    </p:extLst>
+  </p:cSld>
+  <p:clrMapOvr>
+    <a:masterClrMapping/>
+  </p:clrMapOvr>
+</p:sld>
+</file>
+
+<file path=ppt/slides/slide55.xml><?xml version="1.0" encoding="utf-8"?>
+<p:sld xmlns:a="http://schemas.openxmlformats.org/drawingml/2006/main" xmlns:r="http://schemas.openxmlformats.org/officeDocument/2006/relationships" xmlns:p="http://schemas.openxmlformats.org/presentationml/2006/main">
+  <p:cSld>
+    <p:spTree>
+      <p:nvGrpSpPr>
+        <p:cNvPr id="1" name=""/>
+        <p:cNvGrpSpPr/>
+        <p:nvPr/>
+      </p:nvGrpSpPr>
+      <p:grpSpPr>
+        <a:xfrm>
+          <a:off x="0" y="0"/>
+          <a:ext cx="0" cy="0"/>
+          <a:chOff x="0" y="0"/>
+          <a:chExt cx="0" cy="0"/>
+        </a:xfrm>
+      </p:grpSpPr>
+      <p:sp>
+        <p:nvSpPr>
+          <p:cNvPr id="2" name="Content Placeholder 1">
+            <a:extLst>
+              <a:ext uri="{FF2B5EF4-FFF2-40B4-BE49-F238E27FC236}">
+                <a16:creationId xmlns:a16="http://schemas.microsoft.com/office/drawing/2014/main" id="{F27B5C9B-5CC5-4CEF-81BC-1ADD043F09FE}"/>
+              </a:ext>
+            </a:extLst>
+          </p:cNvPr>
+          <p:cNvSpPr>
+            <a:spLocks noGrp="1"/>
+          </p:cNvSpPr>
+          <p:nvPr>
+            <p:ph idx="13"/>
+          </p:nvPr>
+        </p:nvSpPr>
+        <p:spPr/>
+        <p:txBody>
+          <a:bodyPr/>
+          <a:lstStyle/>
+          <a:p>
+            <a:pPr marL="342900" indent="-342900">
+              <a:buFont typeface="Arial" panose="020B0604020202020204" pitchFamily="34" charset="0"/>
+              <a:buChar char="•"/>
+            </a:pPr>
+            <a:r>
+              <a:rPr lang="en-US" dirty="0"/>
+              <a:t>Based upon </a:t>
+            </a:r>
+            <a:r>
+              <a:rPr lang="en-US" dirty="0" err="1"/>
+              <a:t>cuDNN</a:t>
+            </a:r>
+            <a:r>
+              <a:rPr lang="en-US" dirty="0"/>
+              <a:t>.</a:t>
+            </a:r>
+          </a:p>
+          <a:p>
+            <a:endParaRPr lang="en-US" dirty="0"/>
+          </a:p>
+        </p:txBody>
+      </p:sp>
+      <p:sp>
+        <p:nvSpPr>
+          <p:cNvPr id="3" name="Title 2">
+            <a:extLst>
+              <a:ext uri="{FF2B5EF4-FFF2-40B4-BE49-F238E27FC236}">
+                <a16:creationId xmlns:a16="http://schemas.microsoft.com/office/drawing/2014/main" id="{29004E48-0AA4-4B63-93DE-3A85D725D138}"/>
+              </a:ext>
+            </a:extLst>
+          </p:cNvPr>
+          <p:cNvSpPr>
+            <a:spLocks noGrp="1"/>
+          </p:cNvSpPr>
+          <p:nvPr>
+            <p:ph type="title"/>
+          </p:nvPr>
+        </p:nvSpPr>
+        <p:spPr/>
+        <p:txBody>
+          <a:bodyPr/>
+          <a:lstStyle/>
+          <a:p>
+            <a:r>
+              <a:rPr lang="en-US" dirty="0"/>
+              <a:t>I</a:t>
+            </a:r>
+            <a:r>
+              <a:rPr lang="en-US" altLang="zh-CN" dirty="0"/>
+              <a:t>mplementation</a:t>
+            </a:r>
+            <a:endParaRPr lang="en-US" dirty="0"/>
+          </a:p>
+        </p:txBody>
+      </p:sp>
+    </p:spTree>
+    <p:extLst>
+      <p:ext uri="{BB962C8B-B14F-4D97-AF65-F5344CB8AC3E}">
+        <p14:creationId xmlns:p14="http://schemas.microsoft.com/office/powerpoint/2010/main" val="702772068"/>
+      </p:ext>
+    </p:extLst>
+  </p:cSld>
+  <p:clrMapOvr>
+    <a:masterClrMapping/>
+  </p:clrMapOvr>
+</p:sld>
+</file>
+
+<file path=ppt/slides/slide56.xml><?xml version="1.0" encoding="utf-8"?>
+<p:sld xmlns:a="http://schemas.openxmlformats.org/drawingml/2006/main" xmlns:r="http://schemas.openxmlformats.org/officeDocument/2006/relationships" xmlns:p="http://schemas.openxmlformats.org/presentationml/2006/main">
+  <p:cSld>
+    <p:spTree>
+      <p:nvGrpSpPr>
+        <p:cNvPr id="1" name=""/>
+        <p:cNvGrpSpPr/>
+        <p:nvPr/>
+      </p:nvGrpSpPr>
+      <p:grpSpPr>
+        <a:xfrm>
+          <a:off x="0" y="0"/>
+          <a:ext cx="0" cy="0"/>
+          <a:chOff x="0" y="0"/>
+          <a:chExt cx="0" cy="0"/>
+        </a:xfrm>
+      </p:grpSpPr>
+      <p:sp>
+        <p:nvSpPr>
+          <p:cNvPr id="2" name="Content Placeholder 1">
+            <a:extLst>
+              <a:ext uri="{FF2B5EF4-FFF2-40B4-BE49-F238E27FC236}">
+                <a16:creationId xmlns:a16="http://schemas.microsoft.com/office/drawing/2014/main" id="{C3D00CED-F131-483A-9521-67D231E964B4}"/>
+              </a:ext>
+            </a:extLst>
+          </p:cNvPr>
+          <p:cNvSpPr>
+            <a:spLocks noGrp="1"/>
+          </p:cNvSpPr>
+          <p:nvPr>
+            <p:ph idx="13"/>
+          </p:nvPr>
+        </p:nvSpPr>
+        <p:spPr/>
+        <p:txBody>
+          <a:bodyPr/>
+          <a:lstStyle/>
+          <a:p>
+            <a:pPr marL="342900" indent="-342900">
+              <a:buFont typeface="Arial" panose="020B0604020202020204" pitchFamily="34" charset="0"/>
+              <a:buChar char="•"/>
+            </a:pPr>
+            <a:r>
+              <a:rPr lang="en-US" dirty="0"/>
+              <a:t>Virtual memory technique</a:t>
+            </a:r>
+          </a:p>
+          <a:p>
+            <a:pPr marL="342900" indent="-342900">
+              <a:buFont typeface="Arial" panose="020B0604020202020204" pitchFamily="34" charset="0"/>
+              <a:buChar char="•"/>
+            </a:pPr>
+            <a:r>
+              <a:rPr lang="en-US" dirty="0"/>
+              <a:t>Much faster than disk searching</a:t>
+            </a:r>
+          </a:p>
+          <a:p>
+            <a:pPr marL="342900" indent="-342900">
+              <a:buFont typeface="Arial" panose="020B0604020202020204" pitchFamily="34" charset="0"/>
+              <a:buChar char="•"/>
+            </a:pPr>
+            <a:r>
+              <a:rPr lang="en-US" dirty="0"/>
+              <a:t>Slower than direct memory reading</a:t>
+            </a:r>
+          </a:p>
+        </p:txBody>
+      </p:sp>
+      <p:sp>
+        <p:nvSpPr>
+          <p:cNvPr id="3" name="Title 2">
+            <a:extLst>
+              <a:ext uri="{FF2B5EF4-FFF2-40B4-BE49-F238E27FC236}">
+                <a16:creationId xmlns:a16="http://schemas.microsoft.com/office/drawing/2014/main" id="{9FAD6BC4-38CB-4BD5-A332-92B4905F2E33}"/>
+              </a:ext>
+            </a:extLst>
+          </p:cNvPr>
+          <p:cNvSpPr>
+            <a:spLocks noGrp="1"/>
+          </p:cNvSpPr>
+          <p:nvPr>
+            <p:ph type="title"/>
+          </p:nvPr>
+        </p:nvSpPr>
+        <p:spPr/>
+        <p:txBody>
+          <a:bodyPr/>
+          <a:lstStyle/>
+          <a:p>
+            <a:r>
+              <a:rPr lang="en-US" dirty="0"/>
+              <a:t>Offloads</a:t>
+            </a:r>
+          </a:p>
+        </p:txBody>
+      </p:sp>
+    </p:spTree>
+    <p:extLst>
+      <p:ext uri="{BB962C8B-B14F-4D97-AF65-F5344CB8AC3E}">
+        <p14:creationId xmlns:p14="http://schemas.microsoft.com/office/powerpoint/2010/main" val="1298577157"/>
+      </p:ext>
+    </p:extLst>
+  </p:cSld>
+  <p:clrMapOvr>
+    <a:masterClrMapping/>
+  </p:clrMapOvr>
 </p:sld>
 </file>
 
@@ -11038,10 +15949,9 @@
           <a:lstStyle/>
           <a:p>
             <a:r>
-              <a:rPr lang="en-US" i="1" dirty="0" smtClean="0"/>
+              <a:rPr lang="en-US" i="1" dirty="0"/>
               <a:t>Why, again?</a:t>
             </a:r>
-            <a:endParaRPr lang="en-US" i="1" dirty="0"/>
           </a:p>
           <a:p>
             <a:pPr marL="457200" indent="-457200">
@@ -11072,13 +15982,8 @@
           <a:p>
             <a:r>
               <a:rPr lang="en-US" dirty="0"/>
-              <a:t>Heterogeneous distributed </a:t>
-            </a:r>
-            <a:r>
-              <a:rPr lang="en-US" dirty="0" smtClean="0"/>
-              <a:t>environment</a:t>
-            </a:r>
-            <a:endParaRPr lang="en-US" dirty="0"/>
+              <a:t>Heterogeneous distributed environment</a:t>
+            </a:r>
           </a:p>
         </p:txBody>
       </p:sp>
@@ -11153,13 +16058,6 @@
   <p:clrMapOvr>
     <a:masterClrMapping/>
   </p:clrMapOvr>
-  <p:timing>
-    <p:tnLst>
-      <p:par>
-        <p:cTn id="1" dur="indefinite" restart="never" nodeType="tmRoot"/>
-      </p:par>
-    </p:tnLst>
-  </p:timing>
 </p:sld>
 </file>
 
@@ -11196,21 +16094,16 @@
           <a:lstStyle/>
           <a:p>
             <a:r>
-              <a:rPr lang="en-US" i="1" dirty="0" smtClean="0"/>
-              <a:t>Why, even </a:t>
-            </a:r>
-            <a:r>
-              <a:rPr lang="en-US" i="1" dirty="0" smtClean="0"/>
-              <a:t>more?</a:t>
-            </a:r>
-            <a:endParaRPr lang="en-US" i="1" dirty="0"/>
+              <a:rPr lang="en-US" i="1" dirty="0"/>
+              <a:t>Why, even more?</a:t>
+            </a:r>
           </a:p>
           <a:p>
             <a:pPr marL="457200" indent="-457200">
               <a:buFont typeface="Arial" panose="020B0604020202020204" pitchFamily="34" charset="0"/>
               <a:buChar char="•"/>
             </a:pPr>
-            <a:endParaRPr lang="en-US" dirty="0" smtClean="0"/>
+            <a:endParaRPr lang="en-US" dirty="0"/>
           </a:p>
           <a:p>
             <a:pPr marL="457200" indent="-457200">
@@ -11218,12 +16111,8 @@
               <a:buChar char="•"/>
             </a:pPr>
             <a:r>
-              <a:rPr lang="en-US" dirty="0" smtClean="0"/>
-              <a:t>Decrease </a:t>
-            </a:r>
-            <a:r>
-              <a:rPr lang="en-US" dirty="0"/>
-              <a:t>data communication</a:t>
+              <a:rPr lang="en-US" dirty="0"/>
+              <a:t>Decrease data communication</a:t>
             </a:r>
           </a:p>
           <a:p>
@@ -11274,13 +16163,8 @@
           <a:p>
             <a:r>
               <a:rPr lang="en-US" dirty="0"/>
-              <a:t>Heterogeneous distributed </a:t>
-            </a:r>
-            <a:r>
-              <a:rPr lang="en-US" dirty="0" smtClean="0"/>
-              <a:t>environment</a:t>
-            </a:r>
-            <a:endParaRPr lang="en-US" dirty="0"/>
+              <a:t>Heterogeneous distributed environment</a:t>
+            </a:r>
           </a:p>
         </p:txBody>
       </p:sp>
@@ -11294,13 +16178,6 @@
   <p:clrMapOvr>
     <a:masterClrMapping/>
   </p:clrMapOvr>
-  <p:timing>
-    <p:tnLst>
-      <p:par>
-        <p:cTn id="1" dur="indefinite" restart="never" nodeType="tmRoot"/>
-      </p:par>
-    </p:tnLst>
-  </p:timing>
 </p:sld>
 </file>
 
@@ -11337,7 +16214,7 @@
           <a:lstStyle/>
           <a:p>
             <a:r>
-              <a:rPr lang="en-US" i="1" dirty="0" smtClean="0"/>
+              <a:rPr lang="en-US" i="1" dirty="0"/>
               <a:t>Why not?</a:t>
             </a:r>
           </a:p>
@@ -11347,7 +16224,7 @@
               <a:buChar char="•"/>
             </a:pPr>
             <a:r>
-              <a:rPr lang="en-US" dirty="0" smtClean="0"/>
+              <a:rPr lang="en-US" dirty="0"/>
               <a:t>Programming difficulties - solutions:</a:t>
             </a:r>
           </a:p>
@@ -11357,15 +16234,15 @@
               <a:buChar char="•"/>
             </a:pPr>
             <a:r>
-              <a:rPr lang="en-US" dirty="0" smtClean="0"/>
+              <a:rPr lang="en-US" dirty="0"/>
               <a:t>Develop human-friendly libraries (</a:t>
             </a:r>
             <a:r>
-              <a:rPr lang="en-US" dirty="0" err="1" smtClean="0"/>
+              <a:rPr lang="en-US" dirty="0" err="1"/>
               <a:t>tensorflow-gpu</a:t>
             </a:r>
             <a:r>
-              <a:rPr lang="en-US" dirty="0" smtClean="0"/>
+              <a:rPr lang="en-US" dirty="0"/>
               <a:t>)</a:t>
             </a:r>
           </a:p>
@@ -11375,7 +16252,7 @@
               <a:buChar char="•"/>
             </a:pPr>
             <a:r>
-              <a:rPr lang="en-US" dirty="0" smtClean="0"/>
+              <a:rPr lang="en-US" dirty="0"/>
               <a:t>Hire more graduate students	</a:t>
             </a:r>
           </a:p>
@@ -11385,7 +16262,7 @@
               <a:buChar char="•"/>
             </a:pPr>
             <a:r>
-              <a:rPr lang="en-US" dirty="0" smtClean="0"/>
+              <a:rPr lang="en-US" dirty="0"/>
               <a:t>Workload balance?</a:t>
             </a:r>
           </a:p>
@@ -11395,7 +16272,7 @@
               <a:buChar char="•"/>
             </a:pPr>
             <a:r>
-              <a:rPr lang="en-US" dirty="0" smtClean="0"/>
+              <a:rPr lang="en-US" dirty="0"/>
               <a:t>Hard to implement and optimize</a:t>
             </a:r>
           </a:p>
@@ -11418,13 +16295,8 @@
           <a:p>
             <a:r>
               <a:rPr lang="en-US" dirty="0"/>
-              <a:t>Heterogeneous distributed </a:t>
-            </a:r>
-            <a:r>
-              <a:rPr lang="en-US" dirty="0" smtClean="0"/>
-              <a:t>environment</a:t>
-            </a:r>
-            <a:endParaRPr lang="en-US" dirty="0"/>
+              <a:t>Heterogeneous distributed environment</a:t>
+            </a:r>
           </a:p>
         </p:txBody>
       </p:sp>
@@ -11438,13 +16310,6 @@
   <p:clrMapOvr>
     <a:masterClrMapping/>
   </p:clrMapOvr>
-  <p:timing>
-    <p:tnLst>
-      <p:par>
-        <p:cTn id="1" dur="indefinite" restart="never" nodeType="tmRoot"/>
-      </p:par>
-    </p:tnLst>
-  </p:timing>
 </p:sld>
 </file>
 
@@ -11481,7 +16346,7 @@
           <a:lstStyle/>
           <a:p>
             <a:r>
-              <a:rPr lang="en-US" dirty="0" smtClean="0"/>
+              <a:rPr lang="en-US" dirty="0"/>
               <a:t>How?</a:t>
             </a:r>
           </a:p>
@@ -11491,7 +16356,7 @@
               <a:buChar char="•"/>
             </a:pPr>
             <a:r>
-              <a:rPr lang="en-US" dirty="0" smtClean="0">
+              <a:rPr lang="en-US" dirty="0">
                 <a:solidFill>
                   <a:srgbClr val="C00000"/>
                 </a:solidFill>
@@ -11505,7 +16370,7 @@
               <a:buChar char="•"/>
             </a:pPr>
             <a:r>
-              <a:rPr lang="en-US" dirty="0" smtClean="0"/>
+              <a:rPr lang="en-US" dirty="0"/>
               <a:t>Questionable;</a:t>
             </a:r>
           </a:p>
@@ -11515,10 +16380,9 @@
               <a:buChar char="•"/>
             </a:pPr>
             <a:r>
-              <a:rPr lang="en-US" dirty="0" smtClean="0"/>
+              <a:rPr lang="en-US" dirty="0"/>
               <a:t>Low reusability/generalizability</a:t>
             </a:r>
-            <a:endParaRPr lang="en-US" dirty="0"/>
           </a:p>
           <a:p>
             <a:pPr marL="457200" lvl="1" indent="-457200">
@@ -11526,7 +16390,7 @@
               <a:buChar char="•"/>
             </a:pPr>
             <a:r>
-              <a:rPr lang="en-US" dirty="0" smtClean="0">
+              <a:rPr lang="en-US" dirty="0">
                 <a:solidFill>
                   <a:srgbClr val="C00000"/>
                 </a:solidFill>
@@ -11540,19 +16404,15 @@
               <a:buChar char="•"/>
             </a:pPr>
             <a:r>
-              <a:rPr lang="en-US" dirty="0" smtClean="0"/>
-              <a:t>Hard </a:t>
-            </a:r>
-            <a:r>
-              <a:rPr lang="en-US" dirty="0" smtClean="0"/>
-              <a:t>to tune the </a:t>
-            </a:r>
-            <a:r>
-              <a:rPr lang="en-US" dirty="0" err="1" smtClean="0"/>
+              <a:rPr lang="en-US" dirty="0"/>
+              <a:t>Hard to tune the </a:t>
+            </a:r>
+            <a:r>
+              <a:rPr lang="en-US" dirty="0" err="1"/>
               <a:t>hyperparameters</a:t>
             </a:r>
             <a:r>
-              <a:rPr lang="en-US" dirty="0" smtClean="0"/>
+              <a:rPr lang="en-US" dirty="0"/>
               <a:t>.</a:t>
             </a:r>
           </a:p>
@@ -11561,14 +16421,14 @@
               <a:buFont typeface="Arial" panose="020B0604020202020204" pitchFamily="34" charset="0"/>
               <a:buChar char="•"/>
             </a:pPr>
-            <a:endParaRPr lang="en-US" dirty="0" smtClean="0"/>
+            <a:endParaRPr lang="en-US" dirty="0"/>
           </a:p>
           <a:p>
             <a:pPr marL="457200" lvl="2" indent="-457200">
               <a:buFont typeface="Arial" panose="020B0604020202020204" pitchFamily="34" charset="0"/>
               <a:buChar char="•"/>
             </a:pPr>
-            <a:endParaRPr lang="en-US" dirty="0" smtClean="0"/>
+            <a:endParaRPr lang="en-US" dirty="0"/>
           </a:p>
         </p:txBody>
       </p:sp>
@@ -11589,13 +16449,8 @@
           <a:p>
             <a:r>
               <a:rPr lang="en-US" dirty="0"/>
-              <a:t>Heterogeneous distributed </a:t>
-            </a:r>
-            <a:r>
-              <a:rPr lang="en-US" dirty="0" smtClean="0"/>
-              <a:t>environment</a:t>
-            </a:r>
-            <a:endParaRPr lang="en-US" dirty="0"/>
+              <a:t>Heterogeneous distributed environment</a:t>
+            </a:r>
           </a:p>
         </p:txBody>
       </p:sp>
@@ -11609,13 +16464,6 @@
   <p:clrMapOvr>
     <a:masterClrMapping/>
   </p:clrMapOvr>
-  <p:timing>
-    <p:tnLst>
-      <p:par>
-        <p:cTn id="1" dur="indefinite" restart="never" nodeType="tmRoot"/>
-      </p:par>
-    </p:tnLst>
-  </p:timing>
 </p:sld>
 </file>
 

--- a/presentation/presentation.pptx
+++ b/presentation/presentation.pptx
@@ -6,10 +6,10 @@
     <p:sldMasterId id="2147483751" r:id="rId2"/>
   </p:sldMasterIdLst>
   <p:notesMasterIdLst>
-    <p:notesMasterId r:id="rId59"/>
+    <p:notesMasterId r:id="rId77"/>
   </p:notesMasterIdLst>
   <p:handoutMasterIdLst>
-    <p:handoutMasterId r:id="rId60"/>
+    <p:handoutMasterId r:id="rId78"/>
   </p:handoutMasterIdLst>
   <p:sldIdLst>
     <p:sldId id="256" r:id="rId3"/>
@@ -67,7 +67,25 @@
     <p:sldId id="314" r:id="rId55"/>
     <p:sldId id="315" r:id="rId56"/>
     <p:sldId id="316" r:id="rId57"/>
-    <p:sldId id="317" r:id="rId58"/>
+    <p:sldId id="318" r:id="rId58"/>
+    <p:sldId id="317" r:id="rId59"/>
+    <p:sldId id="322" r:id="rId60"/>
+    <p:sldId id="321" r:id="rId61"/>
+    <p:sldId id="319" r:id="rId62"/>
+    <p:sldId id="320" r:id="rId63"/>
+    <p:sldId id="323" r:id="rId64"/>
+    <p:sldId id="324" r:id="rId65"/>
+    <p:sldId id="325" r:id="rId66"/>
+    <p:sldId id="326" r:id="rId67"/>
+    <p:sldId id="327" r:id="rId68"/>
+    <p:sldId id="328" r:id="rId69"/>
+    <p:sldId id="329" r:id="rId70"/>
+    <p:sldId id="330" r:id="rId71"/>
+    <p:sldId id="331" r:id="rId72"/>
+    <p:sldId id="332" r:id="rId73"/>
+    <p:sldId id="333" r:id="rId74"/>
+    <p:sldId id="334" r:id="rId75"/>
+    <p:sldId id="335" r:id="rId76"/>
   </p:sldIdLst>
   <p:sldSz cx="9144000" cy="5143500" type="screen16x9"/>
   <p:notesSz cx="6858000" cy="9144000"/>
@@ -226,7 +244,25 @@
             <p14:sldId id="314"/>
             <p14:sldId id="315"/>
             <p14:sldId id="316"/>
+            <p14:sldId id="318"/>
             <p14:sldId id="317"/>
+            <p14:sldId id="322"/>
+            <p14:sldId id="321"/>
+            <p14:sldId id="319"/>
+            <p14:sldId id="320"/>
+            <p14:sldId id="323"/>
+            <p14:sldId id="324"/>
+            <p14:sldId id="325"/>
+            <p14:sldId id="326"/>
+            <p14:sldId id="327"/>
+            <p14:sldId id="328"/>
+            <p14:sldId id="329"/>
+            <p14:sldId id="330"/>
+            <p14:sldId id="331"/>
+            <p14:sldId id="332"/>
+            <p14:sldId id="333"/>
+            <p14:sldId id="334"/>
+            <p14:sldId id="335"/>
           </p14:sldIdLst>
         </p14:section>
       </p14:sectionLst>
@@ -359,7 +395,7 @@
           </a:lstStyle>
           <a:p>
             <a:fld id="{9A5B6E0F-1DB3-5A43-B8F9-5E1E696749DF}" type="datetimeFigureOut">
-              <a:t>10/21/2019</a:t>
+              <a:t>10/26/2019</a:t>
             </a:fld>
             <a:endParaRPr lang="en-US"/>
           </a:p>
@@ -522,7 +558,7 @@
           </a:lstStyle>
           <a:p>
             <a:fld id="{C61BC211-ACBD-CB48-B939-364088D2CD6D}" type="datetimeFigureOut">
-              <a:t>10/21/2019</a:t>
+              <a:t>10/26/2019</a:t>
             </a:fld>
             <a:endParaRPr lang="en-US"/>
           </a:p>
@@ -926,6 +962,533 @@
 </p:notes>
 </file>
 
+<file path=ppt/notesSlides/notesSlide10.xml><?xml version="1.0" encoding="utf-8"?>
+<p:notes xmlns:a="http://schemas.openxmlformats.org/drawingml/2006/main" xmlns:r="http://schemas.openxmlformats.org/officeDocument/2006/relationships" xmlns:p="http://schemas.openxmlformats.org/presentationml/2006/main">
+  <p:cSld>
+    <p:spTree>
+      <p:nvGrpSpPr>
+        <p:cNvPr id="1" name=""/>
+        <p:cNvGrpSpPr/>
+        <p:nvPr/>
+      </p:nvGrpSpPr>
+      <p:grpSpPr>
+        <a:xfrm>
+          <a:off x="0" y="0"/>
+          <a:ext cx="0" cy="0"/>
+          <a:chOff x="0" y="0"/>
+          <a:chExt cx="0" cy="0"/>
+        </a:xfrm>
+      </p:grpSpPr>
+      <p:sp>
+        <p:nvSpPr>
+          <p:cNvPr id="2" name="Slide Image Placeholder 1"/>
+          <p:cNvSpPr>
+            <a:spLocks noGrp="1" noRot="1" noChangeAspect="1"/>
+          </p:cNvSpPr>
+          <p:nvPr>
+            <p:ph type="sldImg"/>
+          </p:nvPr>
+        </p:nvSpPr>
+        <p:spPr/>
+      </p:sp>
+      <p:sp>
+        <p:nvSpPr>
+          <p:cNvPr id="3" name="Notes Placeholder 2"/>
+          <p:cNvSpPr>
+            <a:spLocks noGrp="1"/>
+          </p:cNvSpPr>
+          <p:nvPr>
+            <p:ph type="body" idx="1"/>
+          </p:nvPr>
+        </p:nvSpPr>
+        <p:spPr/>
+        <p:txBody>
+          <a:bodyPr/>
+          <a:lstStyle/>
+          <a:p>
+            <a:r>
+              <a:rPr lang="en-US" sz="1200" b="0" i="0" kern="1200" dirty="0">
+                <a:solidFill>
+                  <a:schemeClr val="tx1"/>
+                </a:solidFill>
+                <a:effectLst/>
+                <a:latin typeface="+mn-lt"/>
+                <a:ea typeface="+mn-ea"/>
+                <a:cs typeface="+mn-cs"/>
+              </a:rPr>
+              <a:t>Pinned memory is memory allocated using the </a:t>
+            </a:r>
+            <a:r>
+              <a:rPr lang="en-US" sz="1200" b="0" i="1" kern="1200" dirty="0" err="1">
+                <a:solidFill>
+                  <a:schemeClr val="tx1"/>
+                </a:solidFill>
+                <a:effectLst/>
+                <a:latin typeface="+mn-lt"/>
+                <a:ea typeface="+mn-ea"/>
+                <a:cs typeface="+mn-cs"/>
+              </a:rPr>
+              <a:t>cudaMallocHost</a:t>
+            </a:r>
+            <a:r>
+              <a:rPr lang="en-US" sz="1200" b="0" i="0" kern="1200" dirty="0">
+                <a:solidFill>
+                  <a:schemeClr val="tx1"/>
+                </a:solidFill>
+                <a:effectLst/>
+                <a:latin typeface="+mn-lt"/>
+                <a:ea typeface="+mn-ea"/>
+                <a:cs typeface="+mn-cs"/>
+              </a:rPr>
+              <a:t> function, which prevents the memory from being swapped out and provides improved transfer speeds. </a:t>
+            </a:r>
+            <a:endParaRPr lang="en-US" dirty="0"/>
+          </a:p>
+        </p:txBody>
+      </p:sp>
+      <p:sp>
+        <p:nvSpPr>
+          <p:cNvPr id="4" name="Slide Number Placeholder 3"/>
+          <p:cNvSpPr>
+            <a:spLocks noGrp="1"/>
+          </p:cNvSpPr>
+          <p:nvPr>
+            <p:ph type="sldNum" sz="quarter" idx="5"/>
+          </p:nvPr>
+        </p:nvSpPr>
+        <p:spPr/>
+        <p:txBody>
+          <a:bodyPr/>
+          <a:lstStyle/>
+          <a:p>
+            <a:fld id="{D904D311-73F7-5D42-B843-E8305C73070F}" type="slidenum">
+              <a:rPr lang="en-US" smtClean="0"/>
+              <a:t>57</a:t>
+            </a:fld>
+            <a:endParaRPr lang="en-US"/>
+          </a:p>
+        </p:txBody>
+      </p:sp>
+    </p:spTree>
+    <p:extLst>
+      <p:ext uri="{BB962C8B-B14F-4D97-AF65-F5344CB8AC3E}">
+        <p14:creationId xmlns:p14="http://schemas.microsoft.com/office/powerpoint/2010/main" val="778358141"/>
+      </p:ext>
+    </p:extLst>
+  </p:cSld>
+  <p:clrMapOvr>
+    <a:masterClrMapping/>
+  </p:clrMapOvr>
+</p:notes>
+</file>
+
+<file path=ppt/notesSlides/notesSlide11.xml><?xml version="1.0" encoding="utf-8"?>
+<p:notes xmlns:a="http://schemas.openxmlformats.org/drawingml/2006/main" xmlns:r="http://schemas.openxmlformats.org/officeDocument/2006/relationships" xmlns:p="http://schemas.openxmlformats.org/presentationml/2006/main">
+  <p:cSld>
+    <p:spTree>
+      <p:nvGrpSpPr>
+        <p:cNvPr id="1" name=""/>
+        <p:cNvGrpSpPr/>
+        <p:nvPr/>
+      </p:nvGrpSpPr>
+      <p:grpSpPr>
+        <a:xfrm>
+          <a:off x="0" y="0"/>
+          <a:ext cx="0" cy="0"/>
+          <a:chOff x="0" y="0"/>
+          <a:chExt cx="0" cy="0"/>
+        </a:xfrm>
+      </p:grpSpPr>
+      <p:sp>
+        <p:nvSpPr>
+          <p:cNvPr id="2" name="Slide Image Placeholder 1"/>
+          <p:cNvSpPr>
+            <a:spLocks noGrp="1" noRot="1" noChangeAspect="1"/>
+          </p:cNvSpPr>
+          <p:nvPr>
+            <p:ph type="sldImg"/>
+          </p:nvPr>
+        </p:nvSpPr>
+        <p:spPr/>
+      </p:sp>
+      <p:sp>
+        <p:nvSpPr>
+          <p:cNvPr id="3" name="Notes Placeholder 2"/>
+          <p:cNvSpPr>
+            <a:spLocks noGrp="1"/>
+          </p:cNvSpPr>
+          <p:nvPr>
+            <p:ph type="body" idx="1"/>
+          </p:nvPr>
+        </p:nvSpPr>
+        <p:spPr/>
+        <p:txBody>
+          <a:bodyPr/>
+          <a:lstStyle/>
+          <a:p>
+            <a:r>
+              <a:rPr lang="en-US" dirty="0"/>
+              <a:t>In other words, prefetching data too early in time will again </a:t>
+            </a:r>
+            <a:r>
+              <a:rPr lang="en-US" dirty="0" err="1"/>
+              <a:t>suboptimally</a:t>
+            </a:r>
+            <a:r>
+              <a:rPr lang="en-US" dirty="0"/>
+              <a:t> utilize GPU memory as the prefetched data will once again camp inside the GPU memory without immediate usage.</a:t>
+            </a:r>
+          </a:p>
+          <a:p>
+            <a:r>
+              <a:rPr lang="en-US" dirty="0"/>
+              <a:t>Consequently, any prefetch operation launched during layer(n) ’s backward computation is guaranteed to be ready before layer(n−1)’s computation</a:t>
+            </a:r>
+          </a:p>
+          <a:p>
+            <a:endParaRPr lang="en-US" dirty="0"/>
+          </a:p>
+          <a:p>
+            <a:endParaRPr lang="en-US" dirty="0"/>
+          </a:p>
+        </p:txBody>
+      </p:sp>
+      <p:sp>
+        <p:nvSpPr>
+          <p:cNvPr id="4" name="Slide Number Placeholder 3"/>
+          <p:cNvSpPr>
+            <a:spLocks noGrp="1"/>
+          </p:cNvSpPr>
+          <p:nvPr>
+            <p:ph type="sldNum" sz="quarter" idx="5"/>
+          </p:nvPr>
+        </p:nvSpPr>
+        <p:spPr/>
+        <p:txBody>
+          <a:bodyPr/>
+          <a:lstStyle/>
+          <a:p>
+            <a:fld id="{D904D311-73F7-5D42-B843-E8305C73070F}" type="slidenum">
+              <a:rPr lang="en-US" smtClean="0"/>
+              <a:t>59</a:t>
+            </a:fld>
+            <a:endParaRPr lang="en-US"/>
+          </a:p>
+        </p:txBody>
+      </p:sp>
+    </p:spTree>
+    <p:extLst>
+      <p:ext uri="{BB962C8B-B14F-4D97-AF65-F5344CB8AC3E}">
+        <p14:creationId xmlns:p14="http://schemas.microsoft.com/office/powerpoint/2010/main" val="3844929703"/>
+      </p:ext>
+    </p:extLst>
+  </p:cSld>
+  <p:clrMapOvr>
+    <a:masterClrMapping/>
+  </p:clrMapOvr>
+</p:notes>
+</file>
+
+<file path=ppt/notesSlides/notesSlide12.xml><?xml version="1.0" encoding="utf-8"?>
+<p:notes xmlns:a="http://schemas.openxmlformats.org/drawingml/2006/main" xmlns:r="http://schemas.openxmlformats.org/officeDocument/2006/relationships" xmlns:p="http://schemas.openxmlformats.org/presentationml/2006/main">
+  <p:cSld>
+    <p:spTree>
+      <p:nvGrpSpPr>
+        <p:cNvPr id="1" name=""/>
+        <p:cNvGrpSpPr/>
+        <p:nvPr/>
+      </p:nvGrpSpPr>
+      <p:grpSpPr>
+        <a:xfrm>
+          <a:off x="0" y="0"/>
+          <a:ext cx="0" cy="0"/>
+          <a:chOff x="0" y="0"/>
+          <a:chExt cx="0" cy="0"/>
+        </a:xfrm>
+      </p:grpSpPr>
+      <p:sp>
+        <p:nvSpPr>
+          <p:cNvPr id="2" name="Slide Image Placeholder 1"/>
+          <p:cNvSpPr>
+            <a:spLocks noGrp="1" noRot="1" noChangeAspect="1"/>
+          </p:cNvSpPr>
+          <p:nvPr>
+            <p:ph type="sldImg"/>
+          </p:nvPr>
+        </p:nvSpPr>
+        <p:spPr/>
+      </p:sp>
+      <p:sp>
+        <p:nvSpPr>
+          <p:cNvPr id="3" name="Notes Placeholder 2"/>
+          <p:cNvSpPr>
+            <a:spLocks noGrp="1"/>
+          </p:cNvSpPr>
+          <p:nvPr>
+            <p:ph type="body" idx="1"/>
+          </p:nvPr>
+        </p:nvSpPr>
+        <p:spPr/>
+        <p:txBody>
+          <a:bodyPr/>
+          <a:lstStyle/>
+          <a:p>
+            <a:r>
+              <a:rPr lang="en-US" dirty="0"/>
+              <a:t>The baseline is the normal process of training. From forward propagation 1 to n, then backward propagation n to1.</a:t>
+            </a:r>
+          </a:p>
+          <a:p>
+            <a:endParaRPr lang="en-US" dirty="0"/>
+          </a:p>
+          <a:p>
+            <a:r>
+              <a:rPr lang="en-US" dirty="0"/>
+              <a:t>In the </a:t>
+            </a:r>
+            <a:r>
+              <a:rPr lang="en-US" dirty="0" err="1"/>
+              <a:t>vDNN</a:t>
+            </a:r>
+            <a:r>
+              <a:rPr lang="en-US" dirty="0"/>
+              <a:t>, it’s all the same, but with memory allocation and transfer. </a:t>
+            </a:r>
+          </a:p>
+          <a:p>
+            <a:r>
+              <a:rPr lang="en-US" dirty="0"/>
+              <a:t>If offload or prefetch process is longer than the actual propagation, then it has to wait.</a:t>
+            </a:r>
+          </a:p>
+        </p:txBody>
+      </p:sp>
+      <p:sp>
+        <p:nvSpPr>
+          <p:cNvPr id="4" name="Slide Number Placeholder 3"/>
+          <p:cNvSpPr>
+            <a:spLocks noGrp="1"/>
+          </p:cNvSpPr>
+          <p:nvPr>
+            <p:ph type="sldNum" sz="quarter" idx="5"/>
+          </p:nvPr>
+        </p:nvSpPr>
+        <p:spPr/>
+        <p:txBody>
+          <a:bodyPr/>
+          <a:lstStyle/>
+          <a:p>
+            <a:fld id="{D904D311-73F7-5D42-B843-E8305C73070F}" type="slidenum">
+              <a:rPr lang="en-US" smtClean="0"/>
+              <a:t>60</a:t>
+            </a:fld>
+            <a:endParaRPr lang="en-US"/>
+          </a:p>
+        </p:txBody>
+      </p:sp>
+    </p:spTree>
+    <p:extLst>
+      <p:ext uri="{BB962C8B-B14F-4D97-AF65-F5344CB8AC3E}">
+        <p14:creationId xmlns:p14="http://schemas.microsoft.com/office/powerpoint/2010/main" val="3400057104"/>
+      </p:ext>
+    </p:extLst>
+  </p:cSld>
+  <p:clrMapOvr>
+    <a:masterClrMapping/>
+  </p:clrMapOvr>
+</p:notes>
+</file>
+
+<file path=ppt/notesSlides/notesSlide13.xml><?xml version="1.0" encoding="utf-8"?>
+<p:notes xmlns:a="http://schemas.openxmlformats.org/drawingml/2006/main" xmlns:r="http://schemas.openxmlformats.org/officeDocument/2006/relationships" xmlns:p="http://schemas.openxmlformats.org/presentationml/2006/main">
+  <p:cSld>
+    <p:spTree>
+      <p:nvGrpSpPr>
+        <p:cNvPr id="1" name=""/>
+        <p:cNvGrpSpPr/>
+        <p:nvPr/>
+      </p:nvGrpSpPr>
+      <p:grpSpPr>
+        <a:xfrm>
+          <a:off x="0" y="0"/>
+          <a:ext cx="0" cy="0"/>
+          <a:chOff x="0" y="0"/>
+          <a:chExt cx="0" cy="0"/>
+        </a:xfrm>
+      </p:grpSpPr>
+      <p:sp>
+        <p:nvSpPr>
+          <p:cNvPr id="2" name="Slide Image Placeholder 1"/>
+          <p:cNvSpPr>
+            <a:spLocks noGrp="1" noRot="1" noChangeAspect="1"/>
+          </p:cNvSpPr>
+          <p:nvPr>
+            <p:ph type="sldImg"/>
+          </p:nvPr>
+        </p:nvSpPr>
+        <p:spPr/>
+      </p:sp>
+      <p:sp>
+        <p:nvSpPr>
+          <p:cNvPr id="3" name="Notes Placeholder 2"/>
+          <p:cNvSpPr>
+            <a:spLocks noGrp="1"/>
+          </p:cNvSpPr>
+          <p:nvPr>
+            <p:ph type="body" idx="1"/>
+          </p:nvPr>
+        </p:nvSpPr>
+        <p:spPr/>
+        <p:txBody>
+          <a:bodyPr/>
+          <a:lstStyle/>
+          <a:p>
+            <a:r>
+              <a:rPr lang="en-US" dirty="0"/>
+              <a:t>. The feature extraction layers are conceptually divided into five groups of CONV layers, separated by the intermediate POOL layers. The only difference among these CONV layer groups is that the number of output feature maps grows from 64 to 512, from the first to the last layer group.</a:t>
+            </a:r>
+          </a:p>
+        </p:txBody>
+      </p:sp>
+      <p:sp>
+        <p:nvSpPr>
+          <p:cNvPr id="4" name="Slide Number Placeholder 3"/>
+          <p:cNvSpPr>
+            <a:spLocks noGrp="1"/>
+          </p:cNvSpPr>
+          <p:nvPr>
+            <p:ph type="sldNum" sz="quarter" idx="5"/>
+          </p:nvPr>
+        </p:nvSpPr>
+        <p:spPr/>
+        <p:txBody>
+          <a:bodyPr/>
+          <a:lstStyle/>
+          <a:p>
+            <a:fld id="{D904D311-73F7-5D42-B843-E8305C73070F}" type="slidenum">
+              <a:rPr lang="en-US" smtClean="0"/>
+              <a:t>66</a:t>
+            </a:fld>
+            <a:endParaRPr lang="en-US"/>
+          </a:p>
+        </p:txBody>
+      </p:sp>
+    </p:spTree>
+    <p:extLst>
+      <p:ext uri="{BB962C8B-B14F-4D97-AF65-F5344CB8AC3E}">
+        <p14:creationId xmlns:p14="http://schemas.microsoft.com/office/powerpoint/2010/main" val="408226949"/>
+      </p:ext>
+    </p:extLst>
+  </p:cSld>
+  <p:clrMapOvr>
+    <a:masterClrMapping/>
+  </p:clrMapOvr>
+</p:notes>
+</file>
+
+<file path=ppt/notesSlides/notesSlide14.xml><?xml version="1.0" encoding="utf-8"?>
+<p:notes xmlns:a="http://schemas.openxmlformats.org/drawingml/2006/main" xmlns:r="http://schemas.openxmlformats.org/officeDocument/2006/relationships" xmlns:p="http://schemas.openxmlformats.org/presentationml/2006/main">
+  <p:cSld>
+    <p:spTree>
+      <p:nvGrpSpPr>
+        <p:cNvPr id="1" name=""/>
+        <p:cNvGrpSpPr/>
+        <p:nvPr/>
+      </p:nvGrpSpPr>
+      <p:grpSpPr>
+        <a:xfrm>
+          <a:off x="0" y="0"/>
+          <a:ext cx="0" cy="0"/>
+          <a:chOff x="0" y="0"/>
+          <a:chExt cx="0" cy="0"/>
+        </a:xfrm>
+      </p:grpSpPr>
+      <p:sp>
+        <p:nvSpPr>
+          <p:cNvPr id="2" name="Slide Image Placeholder 1"/>
+          <p:cNvSpPr>
+            <a:spLocks noGrp="1" noRot="1" noChangeAspect="1"/>
+          </p:cNvSpPr>
+          <p:nvPr>
+            <p:ph type="sldImg"/>
+          </p:nvPr>
+        </p:nvSpPr>
+        <p:spPr/>
+      </p:sp>
+      <p:sp>
+        <p:nvSpPr>
+          <p:cNvPr id="3" name="Notes Placeholder 2"/>
+          <p:cNvSpPr>
+            <a:spLocks noGrp="1"/>
+          </p:cNvSpPr>
+          <p:nvPr>
+            <p:ph type="body" idx="1"/>
+          </p:nvPr>
+        </p:nvSpPr>
+        <p:spPr/>
+        <p:txBody>
+          <a:bodyPr/>
+          <a:lstStyle/>
+          <a:p>
+            <a:r>
+              <a:rPr lang="en-US" dirty="0"/>
+              <a:t>Overall, </a:t>
+            </a:r>
+            <a:r>
+              <a:rPr lang="en-US" dirty="0" err="1"/>
+              <a:t>vDNNall</a:t>
+            </a:r>
+            <a:r>
+              <a:rPr lang="en-US" dirty="0"/>
+              <a:t> and </a:t>
+            </a:r>
+            <a:r>
+              <a:rPr lang="en-US" dirty="0" err="1"/>
+              <a:t>vDNNconv</a:t>
+            </a:r>
+            <a:r>
+              <a:rPr lang="en-US" dirty="0"/>
+              <a:t> with memory-optimal algorithms exhibit an average 58% and 55% performance loss (maximum 65% and 63% degradation) compared to baseline</a:t>
+            </a:r>
+          </a:p>
+        </p:txBody>
+      </p:sp>
+      <p:sp>
+        <p:nvSpPr>
+          <p:cNvPr id="4" name="Slide Number Placeholder 3"/>
+          <p:cNvSpPr>
+            <a:spLocks noGrp="1"/>
+          </p:cNvSpPr>
+          <p:nvPr>
+            <p:ph type="sldNum" sz="quarter" idx="5"/>
+          </p:nvPr>
+        </p:nvSpPr>
+        <p:spPr/>
+        <p:txBody>
+          <a:bodyPr/>
+          <a:lstStyle/>
+          <a:p>
+            <a:fld id="{D904D311-73F7-5D42-B843-E8305C73070F}" type="slidenum">
+              <a:rPr lang="en-US" smtClean="0"/>
+              <a:t>72</a:t>
+            </a:fld>
+            <a:endParaRPr lang="en-US"/>
+          </a:p>
+        </p:txBody>
+      </p:sp>
+    </p:spTree>
+    <p:extLst>
+      <p:ext uri="{BB962C8B-B14F-4D97-AF65-F5344CB8AC3E}">
+        <p14:creationId xmlns:p14="http://schemas.microsoft.com/office/powerpoint/2010/main" val="2978333041"/>
+      </p:ext>
+    </p:extLst>
+  </p:cSld>
+  <p:clrMapOvr>
+    <a:masterClrMapping/>
+  </p:clrMapOvr>
+</p:notes>
+</file>
+
 <file path=ppt/notesSlides/notesSlide2.xml><?xml version="1.0" encoding="utf-8"?>
 <p:notes xmlns:a="http://schemas.openxmlformats.org/drawingml/2006/main" xmlns:r="http://schemas.openxmlformats.org/officeDocument/2006/relationships" xmlns:p="http://schemas.openxmlformats.org/presentationml/2006/main">
   <p:cSld>
@@ -3927,7 +4490,7 @@
             <a:fld id="{0F0D8E7B-AF3B-B444-8E74-E549FC814F53}" type="datetimeFigureOut">
               <a:rPr lang="en-US" smtClean="0"/>
               <a:pPr/>
-              <a:t>10/21/2019</a:t>
+              <a:t>10/26/2019</a:t>
             </a:fld>
             <a:endParaRPr lang="en-US" dirty="0"/>
           </a:p>
@@ -15717,49 +16280,236 @@
           <a:chExt cx="0" cy="0"/>
         </a:xfrm>
       </p:grpSpPr>
-      <p:sp>
-        <p:nvSpPr>
-          <p:cNvPr id="2" name="Content Placeholder 1">
-            <a:extLst>
-              <a:ext uri="{FF2B5EF4-FFF2-40B4-BE49-F238E27FC236}">
-                <a16:creationId xmlns:a16="http://schemas.microsoft.com/office/drawing/2014/main" id="{F27B5C9B-5CC5-4CEF-81BC-1ADD043F09FE}"/>
-              </a:ext>
-            </a:extLst>
-          </p:cNvPr>
-          <p:cNvSpPr>
-            <a:spLocks noGrp="1"/>
-          </p:cNvSpPr>
-          <p:nvPr>
-            <p:ph idx="13"/>
-          </p:nvPr>
-        </p:nvSpPr>
-        <p:spPr/>
-        <p:txBody>
-          <a:bodyPr/>
-          <a:lstStyle/>
-          <a:p>
-            <a:pPr marL="342900" indent="-342900">
-              <a:buFont typeface="Arial" panose="020B0604020202020204" pitchFamily="34" charset="0"/>
-              <a:buChar char="•"/>
-            </a:pPr>
-            <a:r>
-              <a:rPr lang="en-US" dirty="0"/>
-              <a:t>Based upon </a:t>
-            </a:r>
-            <a:r>
-              <a:rPr lang="en-US" dirty="0" err="1"/>
-              <a:t>cuDNN</a:t>
-            </a:r>
-            <a:r>
-              <a:rPr lang="en-US" dirty="0"/>
-              <a:t>.</a:t>
-            </a:r>
-          </a:p>
-          <a:p>
-            <a:endParaRPr lang="en-US" dirty="0"/>
-          </a:p>
-        </p:txBody>
-      </p:sp>
+      <mc:AlternateContent xmlns:mc="http://schemas.openxmlformats.org/markup-compatibility/2006">
+        <mc:Choice xmlns:a14="http://schemas.microsoft.com/office/drawing/2010/main" Requires="a14">
+          <p:sp>
+            <p:nvSpPr>
+              <p:cNvPr id="2" name="Content Placeholder 1">
+                <a:extLst>
+                  <a:ext uri="{FF2B5EF4-FFF2-40B4-BE49-F238E27FC236}">
+                    <a16:creationId xmlns:a16="http://schemas.microsoft.com/office/drawing/2014/main" id="{F27B5C9B-5CC5-4CEF-81BC-1ADD043F09FE}"/>
+                  </a:ext>
+                </a:extLst>
+              </p:cNvPr>
+              <p:cNvSpPr>
+                <a:spLocks noGrp="1"/>
+              </p:cNvSpPr>
+              <p:nvPr>
+                <p:ph idx="13"/>
+              </p:nvPr>
+            </p:nvSpPr>
+            <p:spPr>
+              <a:xfrm>
+                <a:off x="746930" y="1372791"/>
+                <a:ext cx="4674097" cy="3394472"/>
+              </a:xfrm>
+            </p:spPr>
+            <p:txBody>
+              <a:bodyPr/>
+              <a:lstStyle/>
+              <a:p>
+                <a:pPr marL="342900" indent="-342900">
+                  <a:buFont typeface="Arial" panose="020B0604020202020204" pitchFamily="34" charset="0"/>
+                  <a:buChar char="•"/>
+                </a:pPr>
+                <a:r>
+                  <a:rPr lang="en-US" sz="2000" dirty="0"/>
+                  <a:t>Based upon </a:t>
+                </a:r>
+                <a:r>
+                  <a:rPr lang="en-US" sz="2000" dirty="0" err="1"/>
+                  <a:t>cuDNN</a:t>
+                </a:r>
+                <a:r>
+                  <a:rPr lang="en-US" sz="2000" dirty="0"/>
+                  <a:t>.</a:t>
+                </a:r>
+              </a:p>
+              <a:p>
+                <a:pPr marL="342900" indent="-342900">
+                  <a:buFont typeface="Arial" panose="020B0604020202020204" pitchFamily="34" charset="0"/>
+                  <a:buChar char="•"/>
+                </a:pPr>
+                <a:r>
+                  <a:rPr lang="en-US" sz="2000" dirty="0"/>
+                  <a:t>Use two separate CUDA streams:</a:t>
+                </a:r>
+              </a:p>
+              <a:p>
+                <a:pPr marL="342900" lvl="1" indent="-342900">
+                  <a:buFont typeface="Arial" panose="020B0604020202020204" pitchFamily="34" charset="0"/>
+                  <a:buChar char="•"/>
+                </a:pPr>
+                <a14:m>
+                  <m:oMath xmlns:m="http://schemas.openxmlformats.org/officeDocument/2006/math">
+                    <m:r>
+                      <a:rPr lang="en-US" sz="1800" b="0" i="1" smtClean="0">
+                        <a:latin typeface="Cambria Math" panose="02040503050406030204" pitchFamily="18" charset="0"/>
+                      </a:rPr>
+                      <m:t>𝑠𝑡𝑟𝑒𝑎</m:t>
+                    </m:r>
+                    <m:sSub>
+                      <m:sSubPr>
+                        <m:ctrlPr>
+                          <a:rPr lang="en-US" sz="1800" b="0" i="1" smtClean="0">
+                            <a:latin typeface="Cambria Math" panose="02040503050406030204" pitchFamily="18" charset="0"/>
+                          </a:rPr>
+                        </m:ctrlPr>
+                      </m:sSubPr>
+                      <m:e>
+                        <m:r>
+                          <a:rPr lang="en-US" sz="1800" b="0" i="1" smtClean="0">
+                            <a:latin typeface="Cambria Math" panose="02040503050406030204" pitchFamily="18" charset="0"/>
+                          </a:rPr>
+                          <m:t>𝑚</m:t>
+                        </m:r>
+                      </m:e>
+                      <m:sub>
+                        <m:r>
+                          <a:rPr lang="en-US" sz="1800" b="0" i="1" smtClean="0">
+                            <a:latin typeface="Cambria Math" panose="02040503050406030204" pitchFamily="18" charset="0"/>
+                          </a:rPr>
+                          <m:t>𝑐𝑜𝑚𝑝𝑢𝑡𝑒</m:t>
+                        </m:r>
+                      </m:sub>
+                    </m:sSub>
+                  </m:oMath>
+                </a14:m>
+                <a:endParaRPr lang="en-US" sz="1800" dirty="0"/>
+              </a:p>
+              <a:p>
+                <a:pPr marL="342900" lvl="1" indent="-342900">
+                  <a:buFont typeface="Arial" panose="020B0604020202020204" pitchFamily="34" charset="0"/>
+                  <a:buChar char="•"/>
+                </a:pPr>
+                <a14:m>
+                  <m:oMath xmlns:m="http://schemas.openxmlformats.org/officeDocument/2006/math">
+                    <m:r>
+                      <a:rPr lang="en-US" sz="1800" b="0" i="1" smtClean="0">
+                        <a:latin typeface="Cambria Math" panose="02040503050406030204" pitchFamily="18" charset="0"/>
+                      </a:rPr>
+                      <m:t>𝑠𝑡𝑟𝑒𝑎</m:t>
+                    </m:r>
+                    <m:sSub>
+                      <m:sSubPr>
+                        <m:ctrlPr>
+                          <a:rPr lang="en-US" sz="1800" b="0" i="1" smtClean="0">
+                            <a:latin typeface="Cambria Math" panose="02040503050406030204" pitchFamily="18" charset="0"/>
+                          </a:rPr>
+                        </m:ctrlPr>
+                      </m:sSubPr>
+                      <m:e>
+                        <m:r>
+                          <a:rPr lang="en-US" sz="1800" b="0" i="1" smtClean="0">
+                            <a:latin typeface="Cambria Math" panose="02040503050406030204" pitchFamily="18" charset="0"/>
+                          </a:rPr>
+                          <m:t>𝑚</m:t>
+                        </m:r>
+                      </m:e>
+                      <m:sub>
+                        <m:r>
+                          <a:rPr lang="en-US" sz="1800" b="0" i="1" smtClean="0">
+                            <a:latin typeface="Cambria Math" panose="02040503050406030204" pitchFamily="18" charset="0"/>
+                          </a:rPr>
+                          <m:t>𝑚𝑒𝑚𝑜𝑟𝑦</m:t>
+                        </m:r>
+                      </m:sub>
+                    </m:sSub>
+                  </m:oMath>
+                </a14:m>
+                <a:endParaRPr lang="en-US" sz="1800" dirty="0"/>
+              </a:p>
+              <a:p>
+                <a:pPr marL="342900" lvl="1" indent="-342900">
+                  <a:buFont typeface="Arial" panose="020B0604020202020204" pitchFamily="34" charset="0"/>
+                  <a:buChar char="•"/>
+                </a:pPr>
+                <a:endParaRPr lang="en-US" sz="1800" dirty="0"/>
+              </a:p>
+              <a:p>
+                <a:r>
+                  <a:rPr lang="en-US" sz="2000" dirty="0"/>
+                  <a:t>Three key components:</a:t>
+                </a:r>
+              </a:p>
+              <a:p>
+                <a:pPr marL="457200" lvl="1" indent="-457200">
+                  <a:buFont typeface="+mj-lt"/>
+                  <a:buAutoNum type="arabicPeriod"/>
+                </a:pPr>
+                <a:r>
+                  <a:rPr lang="en-US" sz="1800" dirty="0"/>
+                  <a:t>Allocation/release</a:t>
+                </a:r>
+              </a:p>
+              <a:p>
+                <a:pPr marL="457200" lvl="1" indent="-457200">
+                  <a:buFont typeface="+mj-lt"/>
+                  <a:buAutoNum type="arabicPeriod"/>
+                </a:pPr>
+                <a:r>
+                  <a:rPr lang="en-US" sz="1800" dirty="0"/>
+                  <a:t>Offload</a:t>
+                </a:r>
+              </a:p>
+              <a:p>
+                <a:pPr marL="457200" lvl="1" indent="-457200">
+                  <a:buFont typeface="+mj-lt"/>
+                  <a:buAutoNum type="arabicPeriod"/>
+                </a:pPr>
+                <a:r>
+                  <a:rPr lang="en-US" sz="1800" dirty="0"/>
+                  <a:t>Prefetch </a:t>
+                </a:r>
+                <a:endParaRPr lang="en-US" dirty="0"/>
+              </a:p>
+            </p:txBody>
+          </p:sp>
+        </mc:Choice>
+        <mc:Fallback>
+          <p:sp>
+            <p:nvSpPr>
+              <p:cNvPr id="2" name="Content Placeholder 1">
+                <a:extLst>
+                  <a:ext uri="{FF2B5EF4-FFF2-40B4-BE49-F238E27FC236}">
+                    <a16:creationId xmlns:a16="http://schemas.microsoft.com/office/drawing/2014/main" id="{F27B5C9B-5CC5-4CEF-81BC-1ADD043F09FE}"/>
+                  </a:ext>
+                </a:extLst>
+              </p:cNvPr>
+              <p:cNvSpPr>
+                <a:spLocks noGrp="1" noRot="1" noChangeAspect="1" noMove="1" noResize="1" noEditPoints="1" noAdjustHandles="1" noChangeArrowheads="1" noChangeShapeType="1" noTextEdit="1"/>
+              </p:cNvSpPr>
+              <p:nvPr>
+                <p:ph idx="13"/>
+              </p:nvPr>
+            </p:nvSpPr>
+            <p:spPr>
+              <a:xfrm>
+                <a:off x="746930" y="1372791"/>
+                <a:ext cx="4674097" cy="3394472"/>
+              </a:xfrm>
+              <a:blipFill>
+                <a:blip r:embed="rId2"/>
+                <a:stretch>
+                  <a:fillRect l="-1302" t="-537"/>
+                </a:stretch>
+              </a:blipFill>
+            </p:spPr>
+            <p:txBody>
+              <a:bodyPr/>
+              <a:lstStyle/>
+              <a:p>
+                <a:r>
+                  <a:rPr lang="en-US">
+                    <a:noFill/>
+                  </a:rPr>
+                  <a:t> </a:t>
+                </a:r>
+              </a:p>
+            </p:txBody>
+          </p:sp>
+        </mc:Fallback>
+      </mc:AlternateContent>
       <p:sp>
         <p:nvSpPr>
           <p:cNvPr id="3" name="Title 2">
@@ -15793,6 +16543,36 @@
           </a:p>
         </p:txBody>
       </p:sp>
+      <p:pic>
+        <p:nvPicPr>
+          <p:cNvPr id="4" name="Picture 3">
+            <a:extLst>
+              <a:ext uri="{FF2B5EF4-FFF2-40B4-BE49-F238E27FC236}">
+                <a16:creationId xmlns:a16="http://schemas.microsoft.com/office/drawing/2014/main" id="{FC22528F-449A-4D80-BA31-7269CF715744}"/>
+              </a:ext>
+            </a:extLst>
+          </p:cNvPr>
+          <p:cNvPicPr>
+            <a:picLocks noChangeAspect="1"/>
+          </p:cNvPicPr>
+          <p:nvPr/>
+        </p:nvPicPr>
+        <p:blipFill>
+          <a:blip r:embed="rId3"/>
+          <a:stretch>
+            <a:fillRect/>
+          </a:stretch>
+        </p:blipFill>
+        <p:spPr>
+          <a:xfrm>
+            <a:off x="5261007" y="1372791"/>
+            <a:ext cx="3722973" cy="2762072"/>
+          </a:xfrm>
+          <a:prstGeom prst="rect">
+            <a:avLst/>
+          </a:prstGeom>
+        </p:spPr>
+      </p:pic>
     </p:spTree>
     <p:extLst>
       <p:ext uri="{BB962C8B-B14F-4D97-AF65-F5344CB8AC3E}">
@@ -15828,6 +16608,147 @@
           <p:cNvPr id="2" name="Content Placeholder 1">
             <a:extLst>
               <a:ext uri="{FF2B5EF4-FFF2-40B4-BE49-F238E27FC236}">
+                <a16:creationId xmlns:a16="http://schemas.microsoft.com/office/drawing/2014/main" id="{D6431D1C-D1C3-4D59-A703-247FCEC91514}"/>
+              </a:ext>
+            </a:extLst>
+          </p:cNvPr>
+          <p:cNvSpPr>
+            <a:spLocks noGrp="1"/>
+          </p:cNvSpPr>
+          <p:nvPr>
+            <p:ph idx="13"/>
+          </p:nvPr>
+        </p:nvSpPr>
+        <p:spPr/>
+        <p:txBody>
+          <a:bodyPr/>
+          <a:lstStyle/>
+          <a:p>
+            <a:r>
+              <a:rPr lang="en-US" dirty="0"/>
+              <a:t>CUDA only has synchronous de/allocations</a:t>
+            </a:r>
+          </a:p>
+          <a:p>
+            <a:r>
+              <a:rPr lang="en-US" dirty="0"/>
+              <a:t>Will increase communication overhead</a:t>
+            </a:r>
+          </a:p>
+          <a:p>
+            <a:endParaRPr lang="en-US" dirty="0"/>
+          </a:p>
+          <a:p>
+            <a:r>
+              <a:rPr lang="en-US" dirty="0"/>
+              <a:t>Instead, use an asynchronous API provided by NVIDIA</a:t>
+            </a:r>
+          </a:p>
+          <a:p>
+            <a:endParaRPr lang="en-US" dirty="0"/>
+          </a:p>
+        </p:txBody>
+      </p:sp>
+      <p:sp>
+        <p:nvSpPr>
+          <p:cNvPr id="3" name="Title 2">
+            <a:extLst>
+              <a:ext uri="{FF2B5EF4-FFF2-40B4-BE49-F238E27FC236}">
+                <a16:creationId xmlns:a16="http://schemas.microsoft.com/office/drawing/2014/main" id="{B01F63A6-A415-4465-A2AE-B0C4DB60D583}"/>
+              </a:ext>
+            </a:extLst>
+          </p:cNvPr>
+          <p:cNvSpPr>
+            <a:spLocks noGrp="1"/>
+          </p:cNvSpPr>
+          <p:nvPr>
+            <p:ph type="title"/>
+          </p:nvPr>
+        </p:nvSpPr>
+        <p:spPr/>
+        <p:txBody>
+          <a:bodyPr/>
+          <a:lstStyle/>
+          <a:p>
+            <a:r>
+              <a:rPr lang="en-US" dirty="0"/>
+              <a:t>Memory allocation/release</a:t>
+            </a:r>
+          </a:p>
+        </p:txBody>
+      </p:sp>
+    </p:spTree>
+    <p:extLst>
+      <p:ext uri="{BB962C8B-B14F-4D97-AF65-F5344CB8AC3E}">
+        <p14:creationId xmlns:p14="http://schemas.microsoft.com/office/powerpoint/2010/main" val="247820417"/>
+      </p:ext>
+    </p:extLst>
+  </p:cSld>
+  <p:clrMapOvr>
+    <a:masterClrMapping/>
+  </p:clrMapOvr>
+</p:sld>
+</file>
+
+<file path=ppt/slides/slide57.xml><?xml version="1.0" encoding="utf-8"?>
+<p:sld xmlns:a="http://schemas.openxmlformats.org/drawingml/2006/main" xmlns:r="http://schemas.openxmlformats.org/officeDocument/2006/relationships" xmlns:p="http://schemas.openxmlformats.org/presentationml/2006/main">
+  <p:cSld>
+    <p:spTree>
+      <p:nvGrpSpPr>
+        <p:cNvPr id="1" name=""/>
+        <p:cNvGrpSpPr/>
+        <p:nvPr/>
+      </p:nvGrpSpPr>
+      <p:grpSpPr>
+        <a:xfrm>
+          <a:off x="0" y="0"/>
+          <a:ext cx="0" cy="0"/>
+          <a:chOff x="0" y="0"/>
+          <a:chExt cx="0" cy="0"/>
+        </a:xfrm>
+      </p:grpSpPr>
+      <p:sp>
+        <p:nvSpPr>
+          <p:cNvPr id="4" name="Rectangle 3">
+            <a:extLst>
+              <a:ext uri="{FF2B5EF4-FFF2-40B4-BE49-F238E27FC236}">
+                <a16:creationId xmlns:a16="http://schemas.microsoft.com/office/drawing/2014/main" id="{3FB0D553-487C-4C74-B715-A3918515234F}"/>
+              </a:ext>
+            </a:extLst>
+          </p:cNvPr>
+          <p:cNvSpPr/>
+          <p:nvPr/>
+        </p:nvSpPr>
+        <p:spPr>
+          <a:xfrm>
+            <a:off x="200590" y="4711631"/>
+            <a:ext cx="8943410" cy="369332"/>
+          </a:xfrm>
+          <a:prstGeom prst="rect">
+            <a:avLst/>
+          </a:prstGeom>
+        </p:spPr>
+        <p:txBody>
+          <a:bodyPr wrap="square">
+            <a:spAutoFit/>
+          </a:bodyPr>
+          <a:lstStyle/>
+          <a:p>
+            <a:r>
+              <a:rPr lang="en-US" dirty="0">
+                <a:hlinkClick r:id="rId3"/>
+              </a:rPr>
+              <a:t>https://www.cs.virginia.edu/~mwb7w/cuda_support/pinned_tradeoff.html</a:t>
+            </a:r>
+            <a:endParaRPr lang="en-US" dirty="0"/>
+          </a:p>
+        </p:txBody>
+      </p:sp>
+      <p:sp>
+        <p:nvSpPr>
+          <p:cNvPr id="2" name="Content Placeholder 1">
+            <a:extLst>
+              <a:ext uri="{FF2B5EF4-FFF2-40B4-BE49-F238E27FC236}">
                 <a16:creationId xmlns:a16="http://schemas.microsoft.com/office/drawing/2014/main" id="{C3D00CED-F131-483A-9521-67D231E964B4}"/>
               </a:ext>
             </a:extLst>
@@ -15850,7 +16771,7 @@
             </a:pPr>
             <a:r>
               <a:rPr lang="en-US" dirty="0"/>
-              <a:t>Virtual memory technique</a:t>
+              <a:t>Non-blocking memory transfer of X to the pinned memory via PCIe</a:t>
             </a:r>
           </a:p>
           <a:p>
@@ -15860,7 +16781,7 @@
             </a:pPr>
             <a:r>
               <a:rPr lang="en-US" dirty="0"/>
-              <a:t>Much faster than disk searching</a:t>
+              <a:t>Much faster than disk searching; slower than direct memory reading</a:t>
             </a:r>
           </a:p>
           <a:p>
@@ -15870,7 +16791,24 @@
             </a:pPr>
             <a:r>
               <a:rPr lang="en-US" dirty="0"/>
-              <a:t>Slower than direct memory reading</a:t>
+              <a:t>Purpose: save GPU memory use.</a:t>
+            </a:r>
+          </a:p>
+          <a:p>
+            <a:pPr marL="342900" indent="-342900">
+              <a:buFont typeface="Arial" panose="020B0604020202020204" pitchFamily="34" charset="0"/>
+              <a:buChar char="•"/>
+            </a:pPr>
+            <a:endParaRPr lang="en-US" dirty="0"/>
+          </a:p>
+          <a:p>
+            <a:pPr marL="342900" indent="-342900">
+              <a:buFont typeface="Arial" panose="020B0604020202020204" pitchFamily="34" charset="0"/>
+              <a:buChar char="•"/>
+            </a:pPr>
+            <a:r>
+              <a:rPr lang="en-US" dirty="0"/>
+              <a:t>Pinned memory: faster than unpinned memory.</a:t>
             </a:r>
           </a:p>
         </p:txBody>
@@ -15898,15 +16836,419 @@
           <a:p>
             <a:r>
               <a:rPr lang="en-US" dirty="0"/>
-              <a:t>Offloads</a:t>
-            </a:r>
-          </a:p>
-        </p:txBody>
-      </p:sp>
+              <a:t>Memory Offloads (input feature maps)</a:t>
+            </a:r>
+          </a:p>
+        </p:txBody>
+      </p:sp>
+      <p:pic>
+        <p:nvPicPr>
+          <p:cNvPr id="1026" name="Picture 2">
+            <a:extLst>
+              <a:ext uri="{FF2B5EF4-FFF2-40B4-BE49-F238E27FC236}">
+                <a16:creationId xmlns:a16="http://schemas.microsoft.com/office/drawing/2014/main" id="{0367B481-C27A-4B0A-B938-2015AE80073D}"/>
+              </a:ext>
+            </a:extLst>
+          </p:cNvPr>
+          <p:cNvPicPr>
+            <a:picLocks noChangeAspect="1" noChangeArrowheads="1"/>
+          </p:cNvPicPr>
+          <p:nvPr/>
+        </p:nvPicPr>
+        <p:blipFill>
+          <a:blip r:embed="rId4">
+            <a:extLst>
+              <a:ext uri="{28A0092B-C50C-407E-A947-70E740481C1C}">
+                <a14:useLocalDpi xmlns:a14="http://schemas.microsoft.com/office/drawing/2010/main" val="0"/>
+              </a:ext>
+            </a:extLst>
+          </a:blip>
+          <a:srcRect/>
+          <a:stretch>
+            <a:fillRect/>
+          </a:stretch>
+        </p:blipFill>
+        <p:spPr bwMode="auto">
+          <a:xfrm>
+            <a:off x="911507" y="0"/>
+            <a:ext cx="7521575" cy="5143500"/>
+          </a:xfrm>
+          <a:prstGeom prst="rect">
+            <a:avLst/>
+          </a:prstGeom>
+          <a:noFill/>
+          <a:extLst>
+            <a:ext uri="{909E8E84-426E-40DD-AFC4-6F175D3DCCD1}">
+              <a14:hiddenFill xmlns:a14="http://schemas.microsoft.com/office/drawing/2010/main">
+                <a:solidFill>
+                  <a:srgbClr val="FFFFFF"/>
+                </a:solidFill>
+              </a14:hiddenFill>
+            </a:ext>
+          </a:extLst>
+        </p:spPr>
+      </p:pic>
     </p:spTree>
     <p:extLst>
       <p:ext uri="{BB962C8B-B14F-4D97-AF65-F5344CB8AC3E}">
         <p14:creationId xmlns:p14="http://schemas.microsoft.com/office/powerpoint/2010/main" val="1298577157"/>
+      </p:ext>
+    </p:extLst>
+  </p:cSld>
+  <p:clrMapOvr>
+    <a:masterClrMapping/>
+  </p:clrMapOvr>
+  <p:timing>
+    <p:tnLst>
+      <p:par>
+        <p:cTn id="1" dur="indefinite" restart="never" nodeType="tmRoot">
+          <p:childTnLst>
+            <p:seq concurrent="1" nextAc="seek">
+              <p:cTn id="2" dur="indefinite" nodeType="mainSeq">
+                <p:childTnLst>
+                  <p:par>
+                    <p:cTn id="3" fill="hold">
+                      <p:stCondLst>
+                        <p:cond delay="indefinite"/>
+                      </p:stCondLst>
+                      <p:childTnLst>
+                        <p:par>
+                          <p:cTn id="4" fill="hold">
+                            <p:stCondLst>
+                              <p:cond delay="0"/>
+                            </p:stCondLst>
+                            <p:childTnLst>
+                              <p:par>
+                                <p:cTn id="5" presetID="1" presetClass="entr" presetSubtype="0" fill="hold" nodeType="clickEffect">
+                                  <p:stCondLst>
+                                    <p:cond delay="0"/>
+                                  </p:stCondLst>
+                                  <p:childTnLst>
+                                    <p:set>
+                                      <p:cBhvr>
+                                        <p:cTn id="6" dur="1" fill="hold">
+                                          <p:stCondLst>
+                                            <p:cond delay="0"/>
+                                          </p:stCondLst>
+                                        </p:cTn>
+                                        <p:tgtEl>
+                                          <p:spTgt spid="1026"/>
+                                        </p:tgtEl>
+                                        <p:attrNameLst>
+                                          <p:attrName>style.visibility</p:attrName>
+                                        </p:attrNameLst>
+                                      </p:cBhvr>
+                                      <p:to>
+                                        <p:strVal val="visible"/>
+                                      </p:to>
+                                    </p:set>
+                                  </p:childTnLst>
+                                </p:cTn>
+                              </p:par>
+                            </p:childTnLst>
+                          </p:cTn>
+                        </p:par>
+                      </p:childTnLst>
+                    </p:cTn>
+                  </p:par>
+                </p:childTnLst>
+              </p:cTn>
+              <p:prevCondLst>
+                <p:cond evt="onPrev" delay="0">
+                  <p:tgtEl>
+                    <p:sldTgt/>
+                  </p:tgtEl>
+                </p:cond>
+              </p:prevCondLst>
+              <p:nextCondLst>
+                <p:cond evt="onNext" delay="0">
+                  <p:tgtEl>
+                    <p:sldTgt/>
+                  </p:tgtEl>
+                </p:cond>
+              </p:nextCondLst>
+            </p:seq>
+          </p:childTnLst>
+        </p:cTn>
+      </p:par>
+    </p:tnLst>
+  </p:timing>
+</p:sld>
+</file>
+
+<file path=ppt/slides/slide58.xml><?xml version="1.0" encoding="utf-8"?>
+<p:sld xmlns:a="http://schemas.openxmlformats.org/drawingml/2006/main" xmlns:r="http://schemas.openxmlformats.org/officeDocument/2006/relationships" xmlns:p="http://schemas.openxmlformats.org/presentationml/2006/main">
+  <p:cSld>
+    <p:spTree>
+      <p:nvGrpSpPr>
+        <p:cNvPr id="1" name=""/>
+        <p:cNvGrpSpPr/>
+        <p:nvPr/>
+      </p:nvGrpSpPr>
+      <p:grpSpPr>
+        <a:xfrm>
+          <a:off x="0" y="0"/>
+          <a:ext cx="0" cy="0"/>
+          <a:chOff x="0" y="0"/>
+          <a:chExt cx="0" cy="0"/>
+        </a:xfrm>
+      </p:grpSpPr>
+      <p:sp>
+        <p:nvSpPr>
+          <p:cNvPr id="2" name="Content Placeholder 1">
+            <a:extLst>
+              <a:ext uri="{FF2B5EF4-FFF2-40B4-BE49-F238E27FC236}">
+                <a16:creationId xmlns:a16="http://schemas.microsoft.com/office/drawing/2014/main" id="{A3A8200B-967E-45BB-B6A3-8C642C2CAAF3}"/>
+              </a:ext>
+            </a:extLst>
+          </p:cNvPr>
+          <p:cNvSpPr>
+            <a:spLocks noGrp="1"/>
+          </p:cNvSpPr>
+          <p:nvPr>
+            <p:ph idx="13"/>
+          </p:nvPr>
+        </p:nvSpPr>
+        <p:spPr/>
+        <p:txBody>
+          <a:bodyPr/>
+          <a:lstStyle/>
+          <a:p>
+            <a:pPr marL="342900" indent="-342900">
+              <a:buFont typeface="Arial" panose="020B0604020202020204" pitchFamily="34" charset="0"/>
+              <a:buChar char="•"/>
+            </a:pPr>
+            <a:r>
+              <a:rPr lang="en-US" dirty="0"/>
+              <a:t>Convolutional and pool layers’ input feature maps are read-only data structures</a:t>
+            </a:r>
+          </a:p>
+          <a:p>
+            <a:pPr marL="342900" indent="-342900">
+              <a:buFont typeface="Arial" panose="020B0604020202020204" pitchFamily="34" charset="0"/>
+              <a:buChar char="•"/>
+            </a:pPr>
+            <a:r>
+              <a:rPr lang="en-US" dirty="0"/>
+              <a:t>Overlapping a layer’s offload operation with the same layers’ forward propagation is okay.</a:t>
+            </a:r>
+          </a:p>
+          <a:p>
+            <a:pPr marL="342900" indent="-342900">
+              <a:buFont typeface="Arial" panose="020B0604020202020204" pitchFamily="34" charset="0"/>
+              <a:buChar char="•"/>
+            </a:pPr>
+            <a:r>
+              <a:rPr lang="en-US" dirty="0"/>
+              <a:t>Activation layers only use Y and </a:t>
+            </a:r>
+            <a:r>
+              <a:rPr lang="en-US" dirty="0" err="1"/>
+              <a:t>dY</a:t>
+            </a:r>
+            <a:r>
+              <a:rPr lang="en-US" dirty="0"/>
+              <a:t>, so do not need to offload</a:t>
+            </a:r>
+          </a:p>
+        </p:txBody>
+      </p:sp>
+      <p:sp>
+        <p:nvSpPr>
+          <p:cNvPr id="3" name="Title 2">
+            <a:extLst>
+              <a:ext uri="{FF2B5EF4-FFF2-40B4-BE49-F238E27FC236}">
+                <a16:creationId xmlns:a16="http://schemas.microsoft.com/office/drawing/2014/main" id="{9555710F-A7F5-43A3-9995-39476651B84F}"/>
+              </a:ext>
+            </a:extLst>
+          </p:cNvPr>
+          <p:cNvSpPr>
+            <a:spLocks noGrp="1"/>
+          </p:cNvSpPr>
+          <p:nvPr>
+            <p:ph type="title"/>
+          </p:nvPr>
+        </p:nvSpPr>
+        <p:spPr/>
+        <p:txBody>
+          <a:bodyPr/>
+          <a:lstStyle/>
+          <a:p>
+            <a:r>
+              <a:rPr lang="en-US" dirty="0"/>
+              <a:t>Offload – for each layer</a:t>
+            </a:r>
+          </a:p>
+        </p:txBody>
+      </p:sp>
+    </p:spTree>
+    <p:extLst>
+      <p:ext uri="{BB962C8B-B14F-4D97-AF65-F5344CB8AC3E}">
+        <p14:creationId xmlns:p14="http://schemas.microsoft.com/office/powerpoint/2010/main" val="1662601762"/>
+      </p:ext>
+    </p:extLst>
+  </p:cSld>
+  <p:clrMapOvr>
+    <a:masterClrMapping/>
+  </p:clrMapOvr>
+</p:sld>
+</file>
+
+<file path=ppt/slides/slide59.xml><?xml version="1.0" encoding="utf-8"?>
+<p:sld xmlns:a="http://schemas.openxmlformats.org/drawingml/2006/main" xmlns:r="http://schemas.openxmlformats.org/officeDocument/2006/relationships" xmlns:p="http://schemas.openxmlformats.org/presentationml/2006/main">
+  <p:cSld>
+    <p:spTree>
+      <p:nvGrpSpPr>
+        <p:cNvPr id="1" name=""/>
+        <p:cNvGrpSpPr/>
+        <p:nvPr/>
+      </p:nvGrpSpPr>
+      <p:grpSpPr>
+        <a:xfrm>
+          <a:off x="0" y="0"/>
+          <a:ext cx="0" cy="0"/>
+          <a:chOff x="0" y="0"/>
+          <a:chExt cx="0" cy="0"/>
+        </a:xfrm>
+      </p:grpSpPr>
+      <p:sp>
+        <p:nvSpPr>
+          <p:cNvPr id="2" name="Content Placeholder 1">
+            <a:extLst>
+              <a:ext uri="{FF2B5EF4-FFF2-40B4-BE49-F238E27FC236}">
+                <a16:creationId xmlns:a16="http://schemas.microsoft.com/office/drawing/2014/main" id="{0E734B21-6358-428F-A508-A2FB67488515}"/>
+              </a:ext>
+            </a:extLst>
+          </p:cNvPr>
+          <p:cNvSpPr>
+            <a:spLocks noGrp="1"/>
+          </p:cNvSpPr>
+          <p:nvPr>
+            <p:ph idx="13"/>
+          </p:nvPr>
+        </p:nvSpPr>
+        <p:spPr/>
+        <p:txBody>
+          <a:bodyPr/>
+          <a:lstStyle/>
+          <a:p>
+            <a:pPr marL="342900" indent="-342900">
+              <a:buFont typeface="Arial" panose="020B0604020202020204" pitchFamily="34" charset="0"/>
+              <a:buChar char="•"/>
+            </a:pPr>
+            <a:r>
+              <a:rPr lang="en-US" dirty="0"/>
+              <a:t>Prefetching offloaded input feature maps (</a:t>
+            </a:r>
+            <a:r>
+              <a:rPr lang="en-US" dirty="0" err="1"/>
+              <a:t>Xs</a:t>
+            </a:r>
+            <a:r>
+              <a:rPr lang="en-US" dirty="0"/>
+              <a:t>) back to GPU memory</a:t>
+            </a:r>
+          </a:p>
+          <a:p>
+            <a:pPr marL="342900" indent="-342900">
+              <a:buFont typeface="Arial" panose="020B0604020202020204" pitchFamily="34" charset="0"/>
+              <a:buChar char="•"/>
+            </a:pPr>
+            <a:r>
+              <a:rPr lang="en-US" dirty="0"/>
+              <a:t>Unlike offload, need to fetch the input data of layer </a:t>
+            </a:r>
+            <a:r>
+              <a:rPr lang="en-US" i="1" dirty="0"/>
+              <a:t>n</a:t>
+            </a:r>
+            <a:r>
+              <a:rPr lang="en-US" dirty="0"/>
+              <a:t> when the backward propagation of layer </a:t>
+            </a:r>
+            <a:r>
+              <a:rPr lang="en-US" i="1" dirty="0"/>
+              <a:t>m</a:t>
+            </a:r>
+            <a:r>
+              <a:rPr lang="en-US" dirty="0"/>
+              <a:t>: n&lt;m</a:t>
+            </a:r>
+          </a:p>
+          <a:p>
+            <a:pPr marL="342900" indent="-342900">
+              <a:buFont typeface="Arial" panose="020B0604020202020204" pitchFamily="34" charset="0"/>
+              <a:buChar char="•"/>
+            </a:pPr>
+            <a:r>
+              <a:rPr lang="en-US" dirty="0"/>
+              <a:t>If n and m’s difference is too large, benefit will be less;</a:t>
+            </a:r>
+          </a:p>
+          <a:p>
+            <a:pPr marL="342900" indent="-342900">
+              <a:buFont typeface="Arial" panose="020B0604020202020204" pitchFamily="34" charset="0"/>
+              <a:buChar char="•"/>
+            </a:pPr>
+            <a:r>
+              <a:rPr lang="en-US" dirty="0"/>
+              <a:t>Data of layer </a:t>
+            </a:r>
+            <a:r>
+              <a:rPr lang="en-US" i="1" dirty="0"/>
+              <a:t>n-1</a:t>
+            </a:r>
+            <a:r>
+              <a:rPr lang="en-US" dirty="0"/>
+              <a:t> needs to be ready before layer </a:t>
+            </a:r>
+            <a:r>
+              <a:rPr lang="en-US" i="1" dirty="0"/>
+              <a:t>n</a:t>
+            </a:r>
+            <a:r>
+              <a:rPr lang="en-US" dirty="0"/>
+              <a:t>’s backward propagation is over: </a:t>
+            </a:r>
+            <a:r>
+              <a:rPr lang="en-US" u="sng" dirty="0"/>
+              <a:t>force synchronization</a:t>
+            </a:r>
+          </a:p>
+        </p:txBody>
+      </p:sp>
+      <p:sp>
+        <p:nvSpPr>
+          <p:cNvPr id="3" name="Title 2">
+            <a:extLst>
+              <a:ext uri="{FF2B5EF4-FFF2-40B4-BE49-F238E27FC236}">
+                <a16:creationId xmlns:a16="http://schemas.microsoft.com/office/drawing/2014/main" id="{3F3161EA-8029-4293-B388-153483466774}"/>
+              </a:ext>
+            </a:extLst>
+          </p:cNvPr>
+          <p:cNvSpPr>
+            <a:spLocks noGrp="1"/>
+          </p:cNvSpPr>
+          <p:nvPr>
+            <p:ph type="title"/>
+          </p:nvPr>
+        </p:nvSpPr>
+        <p:spPr/>
+        <p:txBody>
+          <a:bodyPr/>
+          <a:lstStyle/>
+          <a:p>
+            <a:r>
+              <a:rPr lang="en-US" dirty="0"/>
+              <a:t>Prefetch</a:t>
+            </a:r>
+          </a:p>
+        </p:txBody>
+      </p:sp>
+    </p:spTree>
+    <p:extLst>
+      <p:ext uri="{BB962C8B-B14F-4D97-AF65-F5344CB8AC3E}">
+        <p14:creationId xmlns:p14="http://schemas.microsoft.com/office/powerpoint/2010/main" val="58025259"/>
       </p:ext>
     </p:extLst>
   </p:cSld>
@@ -16061,6 +17403,2179 @@
 </p:sld>
 </file>
 
+<file path=ppt/slides/slide60.xml><?xml version="1.0" encoding="utf-8"?>
+<p:sld xmlns:a="http://schemas.openxmlformats.org/drawingml/2006/main" xmlns:r="http://schemas.openxmlformats.org/officeDocument/2006/relationships" xmlns:p="http://schemas.openxmlformats.org/presentationml/2006/main">
+  <p:cSld>
+    <p:spTree>
+      <p:nvGrpSpPr>
+        <p:cNvPr id="1" name=""/>
+        <p:cNvGrpSpPr/>
+        <p:nvPr/>
+      </p:nvGrpSpPr>
+      <p:grpSpPr>
+        <a:xfrm>
+          <a:off x="0" y="0"/>
+          <a:ext cx="0" cy="0"/>
+          <a:chOff x="0" y="0"/>
+          <a:chExt cx="0" cy="0"/>
+        </a:xfrm>
+      </p:grpSpPr>
+      <p:sp>
+        <p:nvSpPr>
+          <p:cNvPr id="2" name="Content Placeholder 1">
+            <a:extLst>
+              <a:ext uri="{FF2B5EF4-FFF2-40B4-BE49-F238E27FC236}">
+                <a16:creationId xmlns:a16="http://schemas.microsoft.com/office/drawing/2014/main" id="{3C11E436-D73F-40B0-97D4-B2ED788ABA18}"/>
+              </a:ext>
+            </a:extLst>
+          </p:cNvPr>
+          <p:cNvSpPr>
+            <a:spLocks noGrp="1"/>
+          </p:cNvSpPr>
+          <p:nvPr>
+            <p:ph idx="13"/>
+          </p:nvPr>
+        </p:nvSpPr>
+        <p:spPr/>
+        <p:txBody>
+          <a:bodyPr/>
+          <a:lstStyle/>
+          <a:p>
+            <a:endParaRPr lang="en-US"/>
+          </a:p>
+        </p:txBody>
+      </p:sp>
+      <p:sp>
+        <p:nvSpPr>
+          <p:cNvPr id="3" name="Title 2">
+            <a:extLst>
+              <a:ext uri="{FF2B5EF4-FFF2-40B4-BE49-F238E27FC236}">
+                <a16:creationId xmlns:a16="http://schemas.microsoft.com/office/drawing/2014/main" id="{97E5DBE7-8EC8-4213-9BFD-90853BCDCA55}"/>
+              </a:ext>
+            </a:extLst>
+          </p:cNvPr>
+          <p:cNvSpPr>
+            <a:spLocks noGrp="1"/>
+          </p:cNvSpPr>
+          <p:nvPr>
+            <p:ph type="title"/>
+          </p:nvPr>
+        </p:nvSpPr>
+        <p:spPr/>
+        <p:txBody>
+          <a:bodyPr/>
+          <a:lstStyle/>
+          <a:p>
+            <a:endParaRPr lang="en-US"/>
+          </a:p>
+        </p:txBody>
+      </p:sp>
+      <p:pic>
+        <p:nvPicPr>
+          <p:cNvPr id="4" name="Picture 3">
+            <a:extLst>
+              <a:ext uri="{FF2B5EF4-FFF2-40B4-BE49-F238E27FC236}">
+                <a16:creationId xmlns:a16="http://schemas.microsoft.com/office/drawing/2014/main" id="{B54D66DD-38A5-4B97-9CB2-F2FB1669120F}"/>
+              </a:ext>
+            </a:extLst>
+          </p:cNvPr>
+          <p:cNvPicPr>
+            <a:picLocks noChangeAspect="1"/>
+          </p:cNvPicPr>
+          <p:nvPr/>
+        </p:nvPicPr>
+        <p:blipFill>
+          <a:blip r:embed="rId3"/>
+          <a:stretch>
+            <a:fillRect/>
+          </a:stretch>
+        </p:blipFill>
+        <p:spPr>
+          <a:xfrm>
+            <a:off x="1185647" y="1070976"/>
+            <a:ext cx="6572250" cy="3619500"/>
+          </a:xfrm>
+          <a:prstGeom prst="rect">
+            <a:avLst/>
+          </a:prstGeom>
+        </p:spPr>
+      </p:pic>
+      <p:sp>
+        <p:nvSpPr>
+          <p:cNvPr id="5" name="Right Brace 4">
+            <a:extLst>
+              <a:ext uri="{FF2B5EF4-FFF2-40B4-BE49-F238E27FC236}">
+                <a16:creationId xmlns:a16="http://schemas.microsoft.com/office/drawing/2014/main" id="{B1C92D63-DE73-4A48-8FA3-2482C46C0AA6}"/>
+              </a:ext>
+            </a:extLst>
+          </p:cNvPr>
+          <p:cNvSpPr/>
+          <p:nvPr/>
+        </p:nvSpPr>
+        <p:spPr>
+          <a:xfrm>
+            <a:off x="7499555" y="3200400"/>
+            <a:ext cx="317090" cy="1104922"/>
+          </a:xfrm>
+          <a:prstGeom prst="rightBrace">
+            <a:avLst/>
+          </a:prstGeom>
+        </p:spPr>
+        <p:style>
+          <a:lnRef idx="2">
+            <a:schemeClr val="dk1"/>
+          </a:lnRef>
+          <a:fillRef idx="0">
+            <a:schemeClr val="dk1"/>
+          </a:fillRef>
+          <a:effectRef idx="1">
+            <a:schemeClr val="dk1"/>
+          </a:effectRef>
+          <a:fontRef idx="minor">
+            <a:schemeClr val="tx1"/>
+          </a:fontRef>
+        </p:style>
+        <p:txBody>
+          <a:bodyPr rtlCol="0" anchor="ctr"/>
+          <a:lstStyle/>
+          <a:p>
+            <a:pPr algn="ctr"/>
+            <a:endParaRPr lang="en-US"/>
+          </a:p>
+        </p:txBody>
+      </p:sp>
+      <p:sp>
+        <p:nvSpPr>
+          <p:cNvPr id="6" name="TextBox 5">
+            <a:extLst>
+              <a:ext uri="{FF2B5EF4-FFF2-40B4-BE49-F238E27FC236}">
+                <a16:creationId xmlns:a16="http://schemas.microsoft.com/office/drawing/2014/main" id="{BD0328EA-B19D-4C86-9B52-8D0D587E42BE}"/>
+              </a:ext>
+            </a:extLst>
+          </p:cNvPr>
+          <p:cNvSpPr txBox="1"/>
+          <p:nvPr/>
+        </p:nvSpPr>
+        <p:spPr>
+          <a:xfrm>
+            <a:off x="7855758" y="3628724"/>
+            <a:ext cx="1081659" cy="246221"/>
+          </a:xfrm>
+          <a:prstGeom prst="rect">
+            <a:avLst/>
+          </a:prstGeom>
+          <a:noFill/>
+        </p:spPr>
+        <p:txBody>
+          <a:bodyPr wrap="square" rtlCol="0">
+            <a:spAutoFit/>
+          </a:bodyPr>
+          <a:lstStyle/>
+          <a:p>
+            <a:r>
+              <a:rPr lang="en-US" sz="1000" dirty="0"/>
+              <a:t>Simultaneously</a:t>
+            </a:r>
+          </a:p>
+        </p:txBody>
+      </p:sp>
+    </p:spTree>
+    <p:extLst>
+      <p:ext uri="{BB962C8B-B14F-4D97-AF65-F5344CB8AC3E}">
+        <p14:creationId xmlns:p14="http://schemas.microsoft.com/office/powerpoint/2010/main" val="590938857"/>
+      </p:ext>
+    </p:extLst>
+  </p:cSld>
+  <p:clrMapOvr>
+    <a:masterClrMapping/>
+  </p:clrMapOvr>
+</p:sld>
+</file>
+
+<file path=ppt/slides/slide61.xml><?xml version="1.0" encoding="utf-8"?>
+<p:sld xmlns:a="http://schemas.openxmlformats.org/drawingml/2006/main" xmlns:r="http://schemas.openxmlformats.org/officeDocument/2006/relationships" xmlns:p="http://schemas.openxmlformats.org/presentationml/2006/main">
+  <p:cSld>
+    <p:spTree>
+      <p:nvGrpSpPr>
+        <p:cNvPr id="1" name=""/>
+        <p:cNvGrpSpPr/>
+        <p:nvPr/>
+      </p:nvGrpSpPr>
+      <p:grpSpPr>
+        <a:xfrm>
+          <a:off x="0" y="0"/>
+          <a:ext cx="0" cy="0"/>
+          <a:chOff x="0" y="0"/>
+          <a:chExt cx="0" cy="0"/>
+        </a:xfrm>
+      </p:grpSpPr>
+      <p:sp>
+        <p:nvSpPr>
+          <p:cNvPr id="2" name="Content Placeholder 1">
+            <a:extLst>
+              <a:ext uri="{FF2B5EF4-FFF2-40B4-BE49-F238E27FC236}">
+                <a16:creationId xmlns:a16="http://schemas.microsoft.com/office/drawing/2014/main" id="{40A40B68-A9D4-47E2-81B7-AB4C2E30F65B}"/>
+              </a:ext>
+            </a:extLst>
+          </p:cNvPr>
+          <p:cNvSpPr>
+            <a:spLocks noGrp="1"/>
+          </p:cNvSpPr>
+          <p:nvPr>
+            <p:ph idx="13"/>
+          </p:nvPr>
+        </p:nvSpPr>
+        <p:spPr/>
+        <p:txBody>
+          <a:bodyPr/>
+          <a:lstStyle/>
+          <a:p>
+            <a:r>
+              <a:rPr lang="en-US" dirty="0"/>
+              <a:t>Optimization problem</a:t>
+            </a:r>
+          </a:p>
+          <a:p>
+            <a:r>
+              <a:rPr lang="en-US" dirty="0"/>
+              <a:t>Subject to:</a:t>
+            </a:r>
+          </a:p>
+          <a:p>
+            <a:pPr marL="457200" indent="-457200">
+              <a:buFont typeface="+mj-lt"/>
+              <a:buAutoNum type="arabicPeriod"/>
+            </a:pPr>
+            <a:r>
+              <a:rPr lang="en-US" dirty="0"/>
+              <a:t>GPU memory capacity;</a:t>
+            </a:r>
+          </a:p>
+          <a:p>
+            <a:pPr marL="457200" indent="-457200">
+              <a:buFont typeface="+mj-lt"/>
+              <a:buAutoNum type="arabicPeriod"/>
+            </a:pPr>
+            <a:r>
+              <a:rPr lang="en-US" dirty="0"/>
+              <a:t>Overall layer-wise memory usage;</a:t>
+            </a:r>
+          </a:p>
+          <a:p>
+            <a:pPr marL="457200" indent="-457200">
+              <a:buFont typeface="+mj-lt"/>
+              <a:buAutoNum type="arabicPeriod"/>
+            </a:pPr>
+            <a:r>
+              <a:rPr lang="en-US" dirty="0"/>
+              <a:t>Network-wide performance.</a:t>
+            </a:r>
+          </a:p>
+          <a:p>
+            <a:pPr marL="457200" indent="-457200">
+              <a:buFont typeface="+mj-lt"/>
+              <a:buAutoNum type="arabicPeriod"/>
+            </a:pPr>
+            <a:endParaRPr lang="en-US" dirty="0"/>
+          </a:p>
+          <a:p>
+            <a:r>
+              <a:rPr lang="en-US" dirty="0"/>
+              <a:t>The network should be able to be trained while saving memory, but the performance should not be too bad.</a:t>
+            </a:r>
+          </a:p>
+        </p:txBody>
+      </p:sp>
+      <p:sp>
+        <p:nvSpPr>
+          <p:cNvPr id="3" name="Title 2">
+            <a:extLst>
+              <a:ext uri="{FF2B5EF4-FFF2-40B4-BE49-F238E27FC236}">
+                <a16:creationId xmlns:a16="http://schemas.microsoft.com/office/drawing/2014/main" id="{D7626EBC-3D37-461E-8EDD-66BF74FCC6DB}"/>
+              </a:ext>
+            </a:extLst>
+          </p:cNvPr>
+          <p:cNvSpPr>
+            <a:spLocks noGrp="1"/>
+          </p:cNvSpPr>
+          <p:nvPr>
+            <p:ph type="title"/>
+          </p:nvPr>
+        </p:nvSpPr>
+        <p:spPr/>
+        <p:txBody>
+          <a:bodyPr/>
+          <a:lstStyle/>
+          <a:p>
+            <a:r>
+              <a:rPr lang="en-US" dirty="0" err="1"/>
+              <a:t>vDNN</a:t>
+            </a:r>
+            <a:r>
+              <a:rPr lang="en-US" dirty="0"/>
+              <a:t> Memory Transfer Policy</a:t>
+            </a:r>
+          </a:p>
+        </p:txBody>
+      </p:sp>
+    </p:spTree>
+    <p:extLst>
+      <p:ext uri="{BB962C8B-B14F-4D97-AF65-F5344CB8AC3E}">
+        <p14:creationId xmlns:p14="http://schemas.microsoft.com/office/powerpoint/2010/main" val="3166468842"/>
+      </p:ext>
+    </p:extLst>
+  </p:cSld>
+  <p:clrMapOvr>
+    <a:masterClrMapping/>
+  </p:clrMapOvr>
+</p:sld>
+</file>
+
+<file path=ppt/slides/slide62.xml><?xml version="1.0" encoding="utf-8"?>
+<p:sld xmlns:a="http://schemas.openxmlformats.org/drawingml/2006/main" xmlns:r="http://schemas.openxmlformats.org/officeDocument/2006/relationships" xmlns:p="http://schemas.openxmlformats.org/presentationml/2006/main">
+  <p:cSld>
+    <p:spTree>
+      <p:nvGrpSpPr>
+        <p:cNvPr id="1" name=""/>
+        <p:cNvGrpSpPr/>
+        <p:nvPr/>
+      </p:nvGrpSpPr>
+      <p:grpSpPr>
+        <a:xfrm>
+          <a:off x="0" y="0"/>
+          <a:ext cx="0" cy="0"/>
+          <a:chOff x="0" y="0"/>
+          <a:chExt cx="0" cy="0"/>
+        </a:xfrm>
+      </p:grpSpPr>
+      <p:sp>
+        <p:nvSpPr>
+          <p:cNvPr id="2" name="Content Placeholder 1">
+            <a:extLst>
+              <a:ext uri="{FF2B5EF4-FFF2-40B4-BE49-F238E27FC236}">
+                <a16:creationId xmlns:a16="http://schemas.microsoft.com/office/drawing/2014/main" id="{F51267B7-84E4-4C51-BAC6-E659DAD226F0}"/>
+              </a:ext>
+            </a:extLst>
+          </p:cNvPr>
+          <p:cNvSpPr>
+            <a:spLocks noGrp="1"/>
+          </p:cNvSpPr>
+          <p:nvPr>
+            <p:ph idx="13"/>
+          </p:nvPr>
+        </p:nvSpPr>
+        <p:spPr/>
+        <p:txBody>
+          <a:bodyPr/>
+          <a:lstStyle/>
+          <a:p>
+            <a:r>
+              <a:rPr lang="en-US" dirty="0"/>
+              <a:t>Where did the performance loss come from?</a:t>
+            </a:r>
+          </a:p>
+          <a:p>
+            <a:pPr marL="457200" indent="-457200">
+              <a:buFont typeface="+mj-lt"/>
+              <a:buAutoNum type="arabicPeriod"/>
+            </a:pPr>
+            <a:r>
+              <a:rPr lang="en-US" dirty="0"/>
+              <a:t>Additional latency from offload and prefetch;</a:t>
+            </a:r>
+          </a:p>
+          <a:p>
+            <a:pPr marL="457200" indent="-457200">
+              <a:buFont typeface="+mj-lt"/>
+              <a:buAutoNum type="arabicPeriod"/>
+            </a:pPr>
+            <a:r>
+              <a:rPr lang="en-US" dirty="0"/>
+              <a:t>The memory-efficient algorithm per se, i.e. implicit GEMM in </a:t>
+            </a:r>
+            <a:r>
+              <a:rPr lang="en-US" dirty="0" err="1"/>
+              <a:t>cuDNN</a:t>
+            </a:r>
+            <a:r>
+              <a:rPr lang="en-US" dirty="0"/>
+              <a:t> for this paper.</a:t>
+            </a:r>
+          </a:p>
+          <a:p>
+            <a:pPr marL="457200" indent="-457200">
+              <a:buFont typeface="+mj-lt"/>
+              <a:buAutoNum type="arabicPeriod"/>
+            </a:pPr>
+            <a:endParaRPr lang="en-US" dirty="0"/>
+          </a:p>
+          <a:p>
+            <a:r>
+              <a:rPr lang="en-US" dirty="0"/>
+              <a:t>So, need to optimize the problem using a heuristic-based memory transfer policies.</a:t>
+            </a:r>
+          </a:p>
+        </p:txBody>
+      </p:sp>
+      <p:sp>
+        <p:nvSpPr>
+          <p:cNvPr id="3" name="Title 2">
+            <a:extLst>
+              <a:ext uri="{FF2B5EF4-FFF2-40B4-BE49-F238E27FC236}">
+                <a16:creationId xmlns:a16="http://schemas.microsoft.com/office/drawing/2014/main" id="{82754125-C967-40D4-B347-785BADE4B351}"/>
+              </a:ext>
+            </a:extLst>
+          </p:cNvPr>
+          <p:cNvSpPr>
+            <a:spLocks noGrp="1"/>
+          </p:cNvSpPr>
+          <p:nvPr>
+            <p:ph type="title"/>
+          </p:nvPr>
+        </p:nvSpPr>
+        <p:spPr/>
+        <p:txBody>
+          <a:bodyPr/>
+          <a:lstStyle/>
+          <a:p>
+            <a:r>
+              <a:rPr lang="en-US" dirty="0"/>
+              <a:t>Performance-wise consideration</a:t>
+            </a:r>
+          </a:p>
+        </p:txBody>
+      </p:sp>
+    </p:spTree>
+    <p:extLst>
+      <p:ext uri="{BB962C8B-B14F-4D97-AF65-F5344CB8AC3E}">
+        <p14:creationId xmlns:p14="http://schemas.microsoft.com/office/powerpoint/2010/main" val="3525011370"/>
+      </p:ext>
+    </p:extLst>
+  </p:cSld>
+  <p:clrMapOvr>
+    <a:masterClrMapping/>
+  </p:clrMapOvr>
+</p:sld>
+</file>
+
+<file path=ppt/slides/slide63.xml><?xml version="1.0" encoding="utf-8"?>
+<p:sld xmlns:a="http://schemas.openxmlformats.org/drawingml/2006/main" xmlns:r="http://schemas.openxmlformats.org/officeDocument/2006/relationships" xmlns:p="http://schemas.openxmlformats.org/presentationml/2006/main">
+  <p:cSld>
+    <p:spTree>
+      <p:nvGrpSpPr>
+        <p:cNvPr id="1" name=""/>
+        <p:cNvGrpSpPr/>
+        <p:nvPr/>
+      </p:nvGrpSpPr>
+      <p:grpSpPr>
+        <a:xfrm>
+          <a:off x="0" y="0"/>
+          <a:ext cx="0" cy="0"/>
+          <a:chOff x="0" y="0"/>
+          <a:chExt cx="0" cy="0"/>
+        </a:xfrm>
+      </p:grpSpPr>
+      <mc:AlternateContent xmlns:mc="http://schemas.openxmlformats.org/markup-compatibility/2006">
+        <mc:Choice xmlns:a14="http://schemas.microsoft.com/office/drawing/2010/main" Requires="a14">
+          <p:sp>
+            <p:nvSpPr>
+              <p:cNvPr id="2" name="Content Placeholder 1">
+                <a:extLst>
+                  <a:ext uri="{FF2B5EF4-FFF2-40B4-BE49-F238E27FC236}">
+                    <a16:creationId xmlns:a16="http://schemas.microsoft.com/office/drawing/2014/main" id="{E2989EC5-D737-4C36-9AA2-7B8565DA1DE3}"/>
+                  </a:ext>
+                </a:extLst>
+              </p:cNvPr>
+              <p:cNvSpPr>
+                <a:spLocks noGrp="1"/>
+              </p:cNvSpPr>
+              <p:nvPr>
+                <p:ph idx="13"/>
+              </p:nvPr>
+            </p:nvSpPr>
+            <p:spPr/>
+            <p:txBody>
+              <a:bodyPr/>
+              <a:lstStyle/>
+              <a:p>
+                <a:r>
+                  <a:rPr lang="en-US" dirty="0"/>
+                  <a:t>Fact: 70 – 80% time is spent on the convolutional layers.</a:t>
+                </a:r>
+              </a:p>
+              <a:p>
+                <a:endParaRPr lang="en-US" dirty="0"/>
+              </a:p>
+              <a:p>
+                <a:pPr marL="457200" indent="-457200">
+                  <a:buFont typeface="+mj-lt"/>
+                  <a:buAutoNum type="arabicPeriod"/>
+                </a:pPr>
+                <a:r>
+                  <a:rPr lang="en-US" dirty="0"/>
+                  <a:t>Offload all input features of all layers:  </a:t>
+                </a:r>
+                <a14:m>
+                  <m:oMath xmlns:m="http://schemas.openxmlformats.org/officeDocument/2006/math">
+                    <m:r>
+                      <a:rPr lang="en-US" i="1">
+                        <a:latin typeface="Cambria Math" panose="02040503050406030204" pitchFamily="18" charset="0"/>
+                      </a:rPr>
+                      <m:t>𝑣𝐷𝑁</m:t>
+                    </m:r>
+                    <m:sSub>
+                      <m:sSubPr>
+                        <m:ctrlPr>
+                          <a:rPr lang="en-US" i="1">
+                            <a:latin typeface="Cambria Math" panose="02040503050406030204" pitchFamily="18" charset="0"/>
+                          </a:rPr>
+                        </m:ctrlPr>
+                      </m:sSubPr>
+                      <m:e>
+                        <m:r>
+                          <a:rPr lang="en-US" i="1">
+                            <a:latin typeface="Cambria Math" panose="02040503050406030204" pitchFamily="18" charset="0"/>
+                          </a:rPr>
+                          <m:t>𝑁</m:t>
+                        </m:r>
+                      </m:e>
+                      <m:sub>
+                        <m:r>
+                          <a:rPr lang="en-US" i="1">
+                            <a:latin typeface="Cambria Math" panose="02040503050406030204" pitchFamily="18" charset="0"/>
+                          </a:rPr>
+                          <m:t>𝑎𝑙𝑙</m:t>
+                        </m:r>
+                      </m:sub>
+                    </m:sSub>
+                  </m:oMath>
+                </a14:m>
+                <a:endParaRPr lang="en-US" dirty="0"/>
+              </a:p>
+              <a:p>
+                <a:pPr marL="457200" indent="-457200">
+                  <a:buFont typeface="+mj-lt"/>
+                  <a:buAutoNum type="arabicPeriod"/>
+                </a:pPr>
+                <a:r>
+                  <a:rPr lang="en-US" dirty="0"/>
+                  <a:t>Only offload all convolutional layers. </a:t>
+                </a:r>
+                <a14:m>
+                  <m:oMath xmlns:m="http://schemas.openxmlformats.org/officeDocument/2006/math">
+                    <m:r>
+                      <a:rPr lang="en-US" i="1">
+                        <a:latin typeface="Cambria Math" panose="02040503050406030204" pitchFamily="18" charset="0"/>
+                      </a:rPr>
+                      <m:t>𝑣𝐷𝑁</m:t>
+                    </m:r>
+                    <m:sSub>
+                      <m:sSubPr>
+                        <m:ctrlPr>
+                          <a:rPr lang="en-US" i="1">
+                            <a:latin typeface="Cambria Math" panose="02040503050406030204" pitchFamily="18" charset="0"/>
+                          </a:rPr>
+                        </m:ctrlPr>
+                      </m:sSubPr>
+                      <m:e>
+                        <m:r>
+                          <a:rPr lang="en-US" i="1">
+                            <a:latin typeface="Cambria Math" panose="02040503050406030204" pitchFamily="18" charset="0"/>
+                          </a:rPr>
+                          <m:t>𝑁</m:t>
+                        </m:r>
+                      </m:e>
+                      <m:sub>
+                        <m:r>
+                          <a:rPr lang="en-US" i="1">
+                            <a:latin typeface="Cambria Math" panose="02040503050406030204" pitchFamily="18" charset="0"/>
+                          </a:rPr>
+                          <m:t>𝑐𝑜𝑛𝑣</m:t>
+                        </m:r>
+                      </m:sub>
+                    </m:sSub>
+                  </m:oMath>
+                </a14:m>
+                <a:r>
+                  <a:rPr lang="en-US" dirty="0"/>
+                  <a:t> </a:t>
+                </a:r>
+              </a:p>
+              <a:p>
+                <a:pPr marL="457200" indent="-457200">
+                  <a:buFont typeface="+mj-lt"/>
+                  <a:buAutoNum type="arabicPeriod"/>
+                </a:pPr>
+                <a:endParaRPr lang="en-US" dirty="0"/>
+              </a:p>
+              <a:p>
+                <a:r>
+                  <a:rPr lang="en-US" dirty="0"/>
+                  <a:t>Simple, but maybe too simple.</a:t>
+                </a:r>
+              </a:p>
+            </p:txBody>
+          </p:sp>
+        </mc:Choice>
+        <mc:Fallback>
+          <p:sp>
+            <p:nvSpPr>
+              <p:cNvPr id="2" name="Content Placeholder 1">
+                <a:extLst>
+                  <a:ext uri="{FF2B5EF4-FFF2-40B4-BE49-F238E27FC236}">
+                    <a16:creationId xmlns:a16="http://schemas.microsoft.com/office/drawing/2014/main" id="{E2989EC5-D737-4C36-9AA2-7B8565DA1DE3}"/>
+                  </a:ext>
+                </a:extLst>
+              </p:cNvPr>
+              <p:cNvSpPr>
+                <a:spLocks noGrp="1" noRot="1" noChangeAspect="1" noMove="1" noResize="1" noEditPoints="1" noAdjustHandles="1" noChangeArrowheads="1" noChangeShapeType="1" noTextEdit="1"/>
+              </p:cNvSpPr>
+              <p:nvPr>
+                <p:ph idx="13"/>
+              </p:nvPr>
+            </p:nvSpPr>
+            <p:spPr>
+              <a:blipFill>
+                <a:blip r:embed="rId2"/>
+                <a:stretch>
+                  <a:fillRect l="-1109" t="-1073"/>
+                </a:stretch>
+              </a:blipFill>
+            </p:spPr>
+            <p:txBody>
+              <a:bodyPr/>
+              <a:lstStyle/>
+              <a:p>
+                <a:r>
+                  <a:rPr lang="en-US">
+                    <a:noFill/>
+                  </a:rPr>
+                  <a:t> </a:t>
+                </a:r>
+              </a:p>
+            </p:txBody>
+          </p:sp>
+        </mc:Fallback>
+      </mc:AlternateContent>
+      <p:sp>
+        <p:nvSpPr>
+          <p:cNvPr id="3" name="Title 2">
+            <a:extLst>
+              <a:ext uri="{FF2B5EF4-FFF2-40B4-BE49-F238E27FC236}">
+                <a16:creationId xmlns:a16="http://schemas.microsoft.com/office/drawing/2014/main" id="{6C818846-1029-4A85-8E26-2A2C47961C48}"/>
+              </a:ext>
+            </a:extLst>
+          </p:cNvPr>
+          <p:cNvSpPr>
+            <a:spLocks noGrp="1"/>
+          </p:cNvSpPr>
+          <p:nvPr>
+            <p:ph type="title"/>
+          </p:nvPr>
+        </p:nvSpPr>
+        <p:spPr/>
+        <p:txBody>
+          <a:bodyPr/>
+          <a:lstStyle/>
+          <a:p>
+            <a:r>
+              <a:rPr lang="en-US" dirty="0"/>
+              <a:t>Static </a:t>
+            </a:r>
+            <a:r>
+              <a:rPr lang="en-US" dirty="0" err="1"/>
+              <a:t>vDNN</a:t>
+            </a:r>
+            <a:endParaRPr lang="en-US" dirty="0"/>
+          </a:p>
+        </p:txBody>
+      </p:sp>
+    </p:spTree>
+    <p:extLst>
+      <p:ext uri="{BB962C8B-B14F-4D97-AF65-F5344CB8AC3E}">
+        <p14:creationId xmlns:p14="http://schemas.microsoft.com/office/powerpoint/2010/main" val="1090492867"/>
+      </p:ext>
+    </p:extLst>
+  </p:cSld>
+  <p:clrMapOvr>
+    <a:masterClrMapping/>
+  </p:clrMapOvr>
+</p:sld>
+</file>
+
+<file path=ppt/slides/slide64.xml><?xml version="1.0" encoding="utf-8"?>
+<p:sld xmlns:a="http://schemas.openxmlformats.org/drawingml/2006/main" xmlns:r="http://schemas.openxmlformats.org/officeDocument/2006/relationships" xmlns:p="http://schemas.openxmlformats.org/presentationml/2006/main">
+  <p:cSld>
+    <p:spTree>
+      <p:nvGrpSpPr>
+        <p:cNvPr id="1" name=""/>
+        <p:cNvGrpSpPr/>
+        <p:nvPr/>
+      </p:nvGrpSpPr>
+      <p:grpSpPr>
+        <a:xfrm>
+          <a:off x="0" y="0"/>
+          <a:ext cx="0" cy="0"/>
+          <a:chOff x="0" y="0"/>
+          <a:chExt cx="0" cy="0"/>
+        </a:xfrm>
+      </p:grpSpPr>
+      <mc:AlternateContent xmlns:mc="http://schemas.openxmlformats.org/markup-compatibility/2006">
+        <mc:Choice xmlns:a14="http://schemas.microsoft.com/office/drawing/2010/main" Requires="a14">
+          <p:sp>
+            <p:nvSpPr>
+              <p:cNvPr id="2" name="Content Placeholder 1">
+                <a:extLst>
+                  <a:ext uri="{FF2B5EF4-FFF2-40B4-BE49-F238E27FC236}">
+                    <a16:creationId xmlns:a16="http://schemas.microsoft.com/office/drawing/2014/main" id="{06DE9981-79F4-47C3-97AC-48DDA5C927AD}"/>
+                  </a:ext>
+                </a:extLst>
+              </p:cNvPr>
+              <p:cNvSpPr>
+                <a:spLocks noGrp="1"/>
+              </p:cNvSpPr>
+              <p:nvPr>
+                <p:ph idx="13"/>
+              </p:nvPr>
+            </p:nvSpPr>
+            <p:spPr/>
+            <p:txBody>
+              <a:bodyPr/>
+              <a:lstStyle/>
+              <a:p>
+                <a:r>
+                  <a:rPr lang="en-US" dirty="0"/>
+                  <a:t>NVIDIA’s </a:t>
+                </a:r>
+                <a:r>
+                  <a:rPr lang="en-US" dirty="0" err="1"/>
+                  <a:t>cuDNN</a:t>
+                </a:r>
+                <a:r>
+                  <a:rPr lang="en-US" dirty="0"/>
+                  <a:t> runtime API: initial profiling stage;</a:t>
+                </a:r>
+              </a:p>
+              <a:p>
+                <a:r>
+                  <a:rPr lang="en-US" dirty="0"/>
+                  <a:t>Dynamic </a:t>
+                </a:r>
+                <a:r>
+                  <a:rPr lang="en-US" dirty="0" err="1"/>
+                  <a:t>vDNN</a:t>
+                </a:r>
+                <a:r>
+                  <a:rPr lang="en-US" dirty="0"/>
+                  <a:t>: additional profiling process:</a:t>
+                </a:r>
+              </a:p>
+              <a:p>
+                <a:pPr marL="457200" lvl="1" indent="-457200">
+                  <a:buFont typeface="+mj-lt"/>
+                  <a:buAutoNum type="arabicPeriod"/>
+                </a:pPr>
+                <a:r>
+                  <a:rPr lang="en-US" dirty="0"/>
+                  <a:t>Test </a:t>
+                </a:r>
+                <a14:m>
+                  <m:oMath xmlns:m="http://schemas.openxmlformats.org/officeDocument/2006/math">
+                    <m:r>
+                      <a:rPr lang="en-US" b="0" i="1" smtClean="0">
+                        <a:latin typeface="Cambria Math" panose="02040503050406030204" pitchFamily="18" charset="0"/>
+                      </a:rPr>
+                      <m:t>𝑣𝐷𝑁</m:t>
+                    </m:r>
+                    <m:sSub>
+                      <m:sSubPr>
+                        <m:ctrlPr>
+                          <a:rPr lang="en-US" b="0" i="1" smtClean="0">
+                            <a:latin typeface="Cambria Math" panose="02040503050406030204" pitchFamily="18" charset="0"/>
+                          </a:rPr>
+                        </m:ctrlPr>
+                      </m:sSubPr>
+                      <m:e>
+                        <m:r>
+                          <a:rPr lang="en-US" b="0" i="1" smtClean="0">
+                            <a:latin typeface="Cambria Math" panose="02040503050406030204" pitchFamily="18" charset="0"/>
+                          </a:rPr>
+                          <m:t>𝑁</m:t>
+                        </m:r>
+                      </m:e>
+                      <m:sub>
+                        <m:r>
+                          <a:rPr lang="en-US" b="0" i="1" smtClean="0">
+                            <a:latin typeface="Cambria Math" panose="02040503050406030204" pitchFamily="18" charset="0"/>
+                          </a:rPr>
+                          <m:t>𝑎𝑙𝑙</m:t>
+                        </m:r>
+                      </m:sub>
+                    </m:sSub>
+                  </m:oMath>
+                </a14:m>
+                <a:r>
+                  <a:rPr lang="en-US" dirty="0"/>
+                  <a:t> with least memory usage to determine the feasibility </a:t>
+                </a:r>
+              </a:p>
+              <a:p>
+                <a:pPr marL="457200" lvl="1" indent="-457200">
+                  <a:buFont typeface="+mj-lt"/>
+                  <a:buAutoNum type="arabicPeriod"/>
+                </a:pPr>
+                <a:r>
+                  <a:rPr lang="en-US" dirty="0"/>
+                  <a:t>Test “normal” </a:t>
+                </a:r>
+                <a14:m>
+                  <m:oMath xmlns:m="http://schemas.openxmlformats.org/officeDocument/2006/math">
+                    <m:r>
+                      <a:rPr lang="en-US" b="0" i="1" smtClean="0">
+                        <a:latin typeface="Cambria Math" panose="02040503050406030204" pitchFamily="18" charset="0"/>
+                      </a:rPr>
+                      <m:t>𝑣𝐷𝑁</m:t>
+                    </m:r>
+                    <m:sSub>
+                      <m:sSubPr>
+                        <m:ctrlPr>
+                          <a:rPr lang="en-US" b="0" i="1" smtClean="0">
+                            <a:latin typeface="Cambria Math" panose="02040503050406030204" pitchFamily="18" charset="0"/>
+                          </a:rPr>
+                        </m:ctrlPr>
+                      </m:sSubPr>
+                      <m:e>
+                        <m:r>
+                          <a:rPr lang="en-US" b="0" i="1" smtClean="0">
+                            <a:latin typeface="Cambria Math" panose="02040503050406030204" pitchFamily="18" charset="0"/>
+                          </a:rPr>
+                          <m:t>𝑁</m:t>
+                        </m:r>
+                      </m:e>
+                      <m:sub>
+                        <m:r>
+                          <a:rPr lang="en-US" b="0" i="1" smtClean="0">
+                            <a:latin typeface="Cambria Math" panose="02040503050406030204" pitchFamily="18" charset="0"/>
+                          </a:rPr>
+                          <m:t>𝑎𝑙𝑙</m:t>
+                        </m:r>
+                      </m:sub>
+                    </m:sSub>
+                  </m:oMath>
+                </a14:m>
+                <a:r>
+                  <a:rPr lang="en-US" dirty="0"/>
+                  <a:t> and </a:t>
+                </a:r>
+                <a14:m>
+                  <m:oMath xmlns:m="http://schemas.openxmlformats.org/officeDocument/2006/math">
+                    <m:r>
+                      <a:rPr lang="en-US" b="0" i="1" smtClean="0">
+                        <a:latin typeface="Cambria Math" panose="02040503050406030204" pitchFamily="18" charset="0"/>
+                      </a:rPr>
+                      <m:t>𝑣𝐷𝑁</m:t>
+                    </m:r>
+                    <m:sSub>
+                      <m:sSubPr>
+                        <m:ctrlPr>
+                          <a:rPr lang="en-US" b="0" i="1" smtClean="0">
+                            <a:latin typeface="Cambria Math" panose="02040503050406030204" pitchFamily="18" charset="0"/>
+                          </a:rPr>
+                        </m:ctrlPr>
+                      </m:sSubPr>
+                      <m:e>
+                        <m:r>
+                          <a:rPr lang="en-US" b="0" i="1" smtClean="0">
+                            <a:latin typeface="Cambria Math" panose="02040503050406030204" pitchFamily="18" charset="0"/>
+                          </a:rPr>
+                          <m:t>𝑁</m:t>
+                        </m:r>
+                      </m:e>
+                      <m:sub>
+                        <m:r>
+                          <a:rPr lang="en-US" b="0" i="1" smtClean="0">
+                            <a:latin typeface="Cambria Math" panose="02040503050406030204" pitchFamily="18" charset="0"/>
+                          </a:rPr>
+                          <m:t>𝑐𝑜𝑛𝑣</m:t>
+                        </m:r>
+                      </m:sub>
+                    </m:sSub>
+                  </m:oMath>
+                </a14:m>
+                <a:r>
+                  <a:rPr lang="en-US" dirty="0"/>
+                  <a:t>, if successful, proceed training with the setting.</a:t>
+                </a:r>
+              </a:p>
+              <a:p>
+                <a:pPr marL="457200" lvl="1" indent="-457200">
+                  <a:buFont typeface="+mj-lt"/>
+                  <a:buAutoNum type="arabicPeriod"/>
+                </a:pPr>
+                <a:r>
+                  <a:rPr lang="en-US" dirty="0"/>
+                  <a:t>Or else, use a greedy algorithm to </a:t>
+                </a:r>
+                <a:r>
+                  <a:rPr lang="en-US" dirty="0">
+                    <a:solidFill>
+                      <a:srgbClr val="FF0000"/>
+                    </a:solidFill>
+                  </a:rPr>
+                  <a:t>locally</a:t>
+                </a:r>
+                <a:r>
+                  <a:rPr lang="en-US" dirty="0"/>
+                  <a:t> reduce memory usage.</a:t>
+                </a:r>
+              </a:p>
+              <a:p>
+                <a:pPr lvl="1"/>
+                <a:r>
+                  <a:rPr lang="en-US" dirty="0"/>
+                  <a:t>Basically: try the fastest algorithm to see whether that will overflow.</a:t>
+                </a:r>
+              </a:p>
+              <a:p>
+                <a:pPr lvl="1"/>
+                <a14:m>
+                  <m:oMath xmlns:m="http://schemas.openxmlformats.org/officeDocument/2006/math">
+                    <m:r>
+                      <a:rPr lang="en-US" b="0" i="1" smtClean="0">
+                        <a:latin typeface="Cambria Math" panose="02040503050406030204" pitchFamily="18" charset="0"/>
+                      </a:rPr>
+                      <m:t>𝑣𝐷𝑁</m:t>
+                    </m:r>
+                    <m:sSub>
+                      <m:sSubPr>
+                        <m:ctrlPr>
+                          <a:rPr lang="en-US" b="0" i="1" smtClean="0">
+                            <a:latin typeface="Cambria Math" panose="02040503050406030204" pitchFamily="18" charset="0"/>
+                          </a:rPr>
+                        </m:ctrlPr>
+                      </m:sSubPr>
+                      <m:e>
+                        <m:r>
+                          <a:rPr lang="en-US" b="0" i="1" smtClean="0">
+                            <a:latin typeface="Cambria Math" panose="02040503050406030204" pitchFamily="18" charset="0"/>
+                          </a:rPr>
+                          <m:t>𝑁</m:t>
+                        </m:r>
+                      </m:e>
+                      <m:sub>
+                        <m:r>
+                          <a:rPr lang="en-US" b="0" i="1" smtClean="0">
+                            <a:latin typeface="Cambria Math" panose="02040503050406030204" pitchFamily="18" charset="0"/>
+                          </a:rPr>
+                          <m:t>𝑐𝑜𝑛𝑣</m:t>
+                        </m:r>
+                      </m:sub>
+                    </m:sSub>
+                  </m:oMath>
+                </a14:m>
+                <a:r>
+                  <a:rPr lang="en-US" dirty="0"/>
+                  <a:t>=&gt; </a:t>
+                </a:r>
+                <a14:m>
+                  <m:oMath xmlns:m="http://schemas.openxmlformats.org/officeDocument/2006/math">
+                    <m:r>
+                      <a:rPr lang="en-US" b="0" i="1" smtClean="0">
+                        <a:latin typeface="Cambria Math" panose="02040503050406030204" pitchFamily="18" charset="0"/>
+                      </a:rPr>
+                      <m:t>𝑣𝐷𝑁</m:t>
+                    </m:r>
+                    <m:sSub>
+                      <m:sSubPr>
+                        <m:ctrlPr>
+                          <a:rPr lang="en-US" b="0" i="1" smtClean="0">
+                            <a:latin typeface="Cambria Math" panose="02040503050406030204" pitchFamily="18" charset="0"/>
+                          </a:rPr>
+                        </m:ctrlPr>
+                      </m:sSubPr>
+                      <m:e>
+                        <m:r>
+                          <a:rPr lang="en-US" b="0" i="1" smtClean="0">
+                            <a:latin typeface="Cambria Math" panose="02040503050406030204" pitchFamily="18" charset="0"/>
+                          </a:rPr>
+                          <m:t>𝑁</m:t>
+                        </m:r>
+                      </m:e>
+                      <m:sub>
+                        <m:r>
+                          <a:rPr lang="en-US" b="0" i="1" smtClean="0">
+                            <a:latin typeface="Cambria Math" panose="02040503050406030204" pitchFamily="18" charset="0"/>
+                          </a:rPr>
+                          <m:t>𝑎𝑙𝑙</m:t>
+                        </m:r>
+                      </m:sub>
+                    </m:sSub>
+                  </m:oMath>
+                </a14:m>
+                <a:r>
+                  <a:rPr lang="en-US" dirty="0"/>
+                  <a:t> =&gt; </a:t>
+                </a:r>
+                <a14:m>
+                  <m:oMath xmlns:m="http://schemas.openxmlformats.org/officeDocument/2006/math">
+                    <m:r>
+                      <a:rPr lang="en-US" b="0" i="1" smtClean="0">
+                        <a:latin typeface="Cambria Math" panose="02040503050406030204" pitchFamily="18" charset="0"/>
+                      </a:rPr>
+                      <m:t>𝑣𝐷𝑁</m:t>
+                    </m:r>
+                    <m:sSub>
+                      <m:sSubPr>
+                        <m:ctrlPr>
+                          <a:rPr lang="en-US" b="0" i="1" smtClean="0">
+                            <a:latin typeface="Cambria Math" panose="02040503050406030204" pitchFamily="18" charset="0"/>
+                          </a:rPr>
+                        </m:ctrlPr>
+                      </m:sSubPr>
+                      <m:e>
+                        <m:r>
+                          <a:rPr lang="en-US" b="0" i="1" smtClean="0">
+                            <a:latin typeface="Cambria Math" panose="02040503050406030204" pitchFamily="18" charset="0"/>
+                          </a:rPr>
+                          <m:t>𝑁</m:t>
+                        </m:r>
+                      </m:e>
+                      <m:sub>
+                        <m:r>
+                          <a:rPr lang="en-US" b="0" i="1" smtClean="0">
+                            <a:latin typeface="Cambria Math" panose="02040503050406030204" pitchFamily="18" charset="0"/>
+                          </a:rPr>
+                          <m:t>𝑎𝑙𝑙</m:t>
+                        </m:r>
+                      </m:sub>
+                    </m:sSub>
+                  </m:oMath>
+                </a14:m>
+                <a:r>
+                  <a:rPr lang="en-US" dirty="0"/>
+                  <a:t> with memory-optimal, no-workspace algorithm</a:t>
+                </a:r>
+              </a:p>
+              <a:p>
+                <a:pPr marL="457200" lvl="1" indent="-457200">
+                  <a:buFont typeface="+mj-lt"/>
+                  <a:buAutoNum type="arabicPeriod"/>
+                </a:pPr>
+                <a:endParaRPr lang="en-US" dirty="0"/>
+              </a:p>
+            </p:txBody>
+          </p:sp>
+        </mc:Choice>
+        <mc:Fallback>
+          <p:sp>
+            <p:nvSpPr>
+              <p:cNvPr id="2" name="Content Placeholder 1">
+                <a:extLst>
+                  <a:ext uri="{FF2B5EF4-FFF2-40B4-BE49-F238E27FC236}">
+                    <a16:creationId xmlns:a16="http://schemas.microsoft.com/office/drawing/2014/main" id="{06DE9981-79F4-47C3-97AC-48DDA5C927AD}"/>
+                  </a:ext>
+                </a:extLst>
+              </p:cNvPr>
+              <p:cNvSpPr>
+                <a:spLocks noGrp="1" noRot="1" noChangeAspect="1" noMove="1" noResize="1" noEditPoints="1" noAdjustHandles="1" noChangeArrowheads="1" noChangeShapeType="1" noTextEdit="1"/>
+              </p:cNvSpPr>
+              <p:nvPr>
+                <p:ph idx="13"/>
+              </p:nvPr>
+            </p:nvSpPr>
+            <p:spPr>
+              <a:blipFill>
+                <a:blip r:embed="rId2"/>
+                <a:stretch>
+                  <a:fillRect l="-1109" t="-1073" b="-3578"/>
+                </a:stretch>
+              </a:blipFill>
+            </p:spPr>
+            <p:txBody>
+              <a:bodyPr/>
+              <a:lstStyle/>
+              <a:p>
+                <a:r>
+                  <a:rPr lang="en-US">
+                    <a:noFill/>
+                  </a:rPr>
+                  <a:t> </a:t>
+                </a:r>
+              </a:p>
+            </p:txBody>
+          </p:sp>
+        </mc:Fallback>
+      </mc:AlternateContent>
+      <p:sp>
+        <p:nvSpPr>
+          <p:cNvPr id="3" name="Title 2">
+            <a:extLst>
+              <a:ext uri="{FF2B5EF4-FFF2-40B4-BE49-F238E27FC236}">
+                <a16:creationId xmlns:a16="http://schemas.microsoft.com/office/drawing/2014/main" id="{738C5861-3EA1-4E15-A758-EDF6BBCCCF1C}"/>
+              </a:ext>
+            </a:extLst>
+          </p:cNvPr>
+          <p:cNvSpPr>
+            <a:spLocks noGrp="1"/>
+          </p:cNvSpPr>
+          <p:nvPr>
+            <p:ph type="title"/>
+          </p:nvPr>
+        </p:nvSpPr>
+        <p:spPr/>
+        <p:txBody>
+          <a:bodyPr/>
+          <a:lstStyle/>
+          <a:p>
+            <a:r>
+              <a:rPr lang="en-US" dirty="0"/>
+              <a:t>Dynamic </a:t>
+            </a:r>
+            <a:r>
+              <a:rPr lang="en-US" dirty="0" err="1"/>
+              <a:t>vDNN</a:t>
+            </a:r>
+            <a:endParaRPr lang="en-US" dirty="0"/>
+          </a:p>
+        </p:txBody>
+      </p:sp>
+    </p:spTree>
+    <p:extLst>
+      <p:ext uri="{BB962C8B-B14F-4D97-AF65-F5344CB8AC3E}">
+        <p14:creationId xmlns:p14="http://schemas.microsoft.com/office/powerpoint/2010/main" val="467393530"/>
+      </p:ext>
+    </p:extLst>
+  </p:cSld>
+  <p:clrMapOvr>
+    <a:masterClrMapping/>
+  </p:clrMapOvr>
+</p:sld>
+</file>
+
+<file path=ppt/slides/slide65.xml><?xml version="1.0" encoding="utf-8"?>
+<p:sld xmlns:a="http://schemas.openxmlformats.org/drawingml/2006/main" xmlns:r="http://schemas.openxmlformats.org/officeDocument/2006/relationships" xmlns:p="http://schemas.openxmlformats.org/presentationml/2006/main">
+  <p:cSld>
+    <p:spTree>
+      <p:nvGrpSpPr>
+        <p:cNvPr id="1" name=""/>
+        <p:cNvGrpSpPr/>
+        <p:nvPr/>
+      </p:nvGrpSpPr>
+      <p:grpSpPr>
+        <a:xfrm>
+          <a:off x="0" y="0"/>
+          <a:ext cx="0" cy="0"/>
+          <a:chOff x="0" y="0"/>
+          <a:chExt cx="0" cy="0"/>
+        </a:xfrm>
+      </p:grpSpPr>
+      <p:sp>
+        <p:nvSpPr>
+          <p:cNvPr id="2" name="Content Placeholder 1">
+            <a:extLst>
+              <a:ext uri="{FF2B5EF4-FFF2-40B4-BE49-F238E27FC236}">
+                <a16:creationId xmlns:a16="http://schemas.microsoft.com/office/drawing/2014/main" id="{FEBB18AF-339A-4918-AF21-66EF9622F777}"/>
+              </a:ext>
+            </a:extLst>
+          </p:cNvPr>
+          <p:cNvSpPr>
+            <a:spLocks noGrp="1"/>
+          </p:cNvSpPr>
+          <p:nvPr>
+            <p:ph idx="13"/>
+          </p:nvPr>
+        </p:nvSpPr>
+        <p:spPr/>
+        <p:txBody>
+          <a:bodyPr/>
+          <a:lstStyle/>
+          <a:p>
+            <a:r>
+              <a:rPr lang="en-US" dirty="0"/>
+              <a:t>NVIDIA’s Titan X</a:t>
+            </a:r>
+          </a:p>
+          <a:p>
+            <a:pPr marL="342900" lvl="1" indent="-342900">
+              <a:buFont typeface="Arial" panose="020B0604020202020204" pitchFamily="34" charset="0"/>
+              <a:buChar char="•"/>
+            </a:pPr>
+            <a:r>
+              <a:rPr lang="en-US" dirty="0"/>
+              <a:t>highest math throughput (single precision throughput of 7 TFLOPS)</a:t>
+            </a:r>
+          </a:p>
+          <a:p>
+            <a:pPr marL="342900" lvl="1" indent="-342900">
+              <a:buFont typeface="Arial" panose="020B0604020202020204" pitchFamily="34" charset="0"/>
+              <a:buChar char="•"/>
+            </a:pPr>
+            <a:r>
+              <a:rPr lang="en-US" dirty="0"/>
+              <a:t>memory bandwidth (max 336 GB/sec)</a:t>
+            </a:r>
+          </a:p>
+          <a:p>
+            <a:pPr marL="342900" lvl="1" indent="-342900">
+              <a:buFont typeface="Arial" panose="020B0604020202020204" pitchFamily="34" charset="0"/>
+              <a:buChar char="•"/>
+            </a:pPr>
+            <a:r>
+              <a:rPr lang="en-US" dirty="0"/>
+              <a:t>memory capacity (12 GB)</a:t>
+            </a:r>
+          </a:p>
+          <a:p>
+            <a:pPr lvl="1"/>
+            <a:r>
+              <a:rPr lang="en-US" sz="2400" dirty="0">
+                <a:solidFill>
+                  <a:srgbClr val="BB0000"/>
+                </a:solidFill>
+              </a:rPr>
+              <a:t>Intel i7- 5930K (containing 64 GB of DDR4 memory) via a PCIe switch (gen3), which provides a maximum 16 GB/sec data transfer bandwidth</a:t>
+            </a:r>
+          </a:p>
+        </p:txBody>
+      </p:sp>
+      <p:sp>
+        <p:nvSpPr>
+          <p:cNvPr id="3" name="Title 2">
+            <a:extLst>
+              <a:ext uri="{FF2B5EF4-FFF2-40B4-BE49-F238E27FC236}">
+                <a16:creationId xmlns:a16="http://schemas.microsoft.com/office/drawing/2014/main" id="{625FB189-BD4D-42A8-BB40-798088DF4315}"/>
+              </a:ext>
+            </a:extLst>
+          </p:cNvPr>
+          <p:cNvSpPr>
+            <a:spLocks noGrp="1"/>
+          </p:cNvSpPr>
+          <p:nvPr>
+            <p:ph type="title"/>
+          </p:nvPr>
+        </p:nvSpPr>
+        <p:spPr/>
+        <p:txBody>
+          <a:bodyPr/>
+          <a:lstStyle/>
+          <a:p>
+            <a:r>
+              <a:rPr lang="en-US" dirty="0"/>
+              <a:t>GPU node setting</a:t>
+            </a:r>
+          </a:p>
+        </p:txBody>
+      </p:sp>
+    </p:spTree>
+    <p:extLst>
+      <p:ext uri="{BB962C8B-B14F-4D97-AF65-F5344CB8AC3E}">
+        <p14:creationId xmlns:p14="http://schemas.microsoft.com/office/powerpoint/2010/main" val="4170231396"/>
+      </p:ext>
+    </p:extLst>
+  </p:cSld>
+  <p:clrMapOvr>
+    <a:masterClrMapping/>
+  </p:clrMapOvr>
+</p:sld>
+</file>
+
+<file path=ppt/slides/slide66.xml><?xml version="1.0" encoding="utf-8"?>
+<p:sld xmlns:a="http://schemas.openxmlformats.org/drawingml/2006/main" xmlns:r="http://schemas.openxmlformats.org/officeDocument/2006/relationships" xmlns:p="http://schemas.openxmlformats.org/presentationml/2006/main">
+  <p:cSld>
+    <p:spTree>
+      <p:nvGrpSpPr>
+        <p:cNvPr id="1" name=""/>
+        <p:cNvGrpSpPr/>
+        <p:nvPr/>
+      </p:nvGrpSpPr>
+      <p:grpSpPr>
+        <a:xfrm>
+          <a:off x="0" y="0"/>
+          <a:ext cx="0" cy="0"/>
+          <a:chOff x="0" y="0"/>
+          <a:chExt cx="0" cy="0"/>
+        </a:xfrm>
+      </p:grpSpPr>
+      <p:sp>
+        <p:nvSpPr>
+          <p:cNvPr id="2" name="Content Placeholder 1">
+            <a:extLst>
+              <a:ext uri="{FF2B5EF4-FFF2-40B4-BE49-F238E27FC236}">
+                <a16:creationId xmlns:a16="http://schemas.microsoft.com/office/drawing/2014/main" id="{5CDE7013-4C10-4C5C-AC30-EAB6A096CEBC}"/>
+              </a:ext>
+            </a:extLst>
+          </p:cNvPr>
+          <p:cNvSpPr>
+            <a:spLocks noGrp="1"/>
+          </p:cNvSpPr>
+          <p:nvPr>
+            <p:ph idx="13"/>
+          </p:nvPr>
+        </p:nvSpPr>
+        <p:spPr/>
+        <p:txBody>
+          <a:bodyPr/>
+          <a:lstStyle/>
+          <a:p>
+            <a:pPr marL="342900" lvl="1" indent="-342900">
+              <a:buFont typeface="Arial" panose="020B0604020202020204" pitchFamily="34" charset="0"/>
+              <a:buChar char="•"/>
+            </a:pPr>
+            <a:r>
+              <a:rPr lang="en-US" dirty="0" err="1"/>
+              <a:t>AlexNet</a:t>
+            </a:r>
+            <a:r>
+              <a:rPr lang="en-US" dirty="0"/>
+              <a:t> </a:t>
+            </a:r>
+          </a:p>
+          <a:p>
+            <a:pPr marL="342900" lvl="1" indent="-342900">
+              <a:buFont typeface="Arial" panose="020B0604020202020204" pitchFamily="34" charset="0"/>
+              <a:buChar char="•"/>
+            </a:pPr>
+            <a:r>
+              <a:rPr lang="en-US" dirty="0" err="1"/>
+              <a:t>OverFeat</a:t>
+            </a:r>
+            <a:endParaRPr lang="en-US" dirty="0"/>
+          </a:p>
+          <a:p>
+            <a:pPr marL="342900" lvl="1" indent="-342900">
+              <a:buFont typeface="Arial" panose="020B0604020202020204" pitchFamily="34" charset="0"/>
+              <a:buChar char="•"/>
+            </a:pPr>
+            <a:r>
+              <a:rPr lang="en-US" dirty="0" err="1"/>
+              <a:t>GoogLeNet</a:t>
+            </a:r>
+            <a:endParaRPr lang="en-US" dirty="0"/>
+          </a:p>
+          <a:p>
+            <a:pPr marL="342900" lvl="1" indent="-342900">
+              <a:buFont typeface="Arial" panose="020B0604020202020204" pitchFamily="34" charset="0"/>
+              <a:buChar char="•"/>
+            </a:pPr>
+            <a:r>
+              <a:rPr lang="en-US" dirty="0"/>
+              <a:t>Three different batch sizes for VGG-16 (the deepest network with 16 CONV and 3 FC layers)</a:t>
+            </a:r>
+          </a:p>
+          <a:p>
+            <a:pPr lvl="1"/>
+            <a:r>
+              <a:rPr lang="en-US" dirty="0"/>
+              <a:t>Very deep networks:</a:t>
+            </a:r>
+          </a:p>
+          <a:p>
+            <a:pPr marL="342900" lvl="1" indent="-342900">
+              <a:buFont typeface="Arial" panose="020B0604020202020204" pitchFamily="34" charset="0"/>
+              <a:buChar char="•"/>
+            </a:pPr>
+            <a:r>
+              <a:rPr lang="en-US" dirty="0"/>
+              <a:t>Series of VGG: 16 CONV layers to 416 CONV layers (16/116/216/316/416)</a:t>
+            </a:r>
+          </a:p>
+        </p:txBody>
+      </p:sp>
+      <p:sp>
+        <p:nvSpPr>
+          <p:cNvPr id="3" name="Title 2">
+            <a:extLst>
+              <a:ext uri="{FF2B5EF4-FFF2-40B4-BE49-F238E27FC236}">
+                <a16:creationId xmlns:a16="http://schemas.microsoft.com/office/drawing/2014/main" id="{D25D8D53-5C1C-4D2B-BC7A-0F21AE5FE546}"/>
+              </a:ext>
+            </a:extLst>
+          </p:cNvPr>
+          <p:cNvSpPr>
+            <a:spLocks noGrp="1"/>
+          </p:cNvSpPr>
+          <p:nvPr>
+            <p:ph type="title"/>
+          </p:nvPr>
+        </p:nvSpPr>
+        <p:spPr/>
+        <p:txBody>
+          <a:bodyPr/>
+          <a:lstStyle/>
+          <a:p>
+            <a:r>
+              <a:rPr lang="en-US" dirty="0"/>
+              <a:t>Benchmarks</a:t>
+            </a:r>
+          </a:p>
+        </p:txBody>
+      </p:sp>
+    </p:spTree>
+    <p:extLst>
+      <p:ext uri="{BB962C8B-B14F-4D97-AF65-F5344CB8AC3E}">
+        <p14:creationId xmlns:p14="http://schemas.microsoft.com/office/powerpoint/2010/main" val="1731960419"/>
+      </p:ext>
+    </p:extLst>
+  </p:cSld>
+  <p:clrMapOvr>
+    <a:masterClrMapping/>
+  </p:clrMapOvr>
+</p:sld>
+</file>
+
+<file path=ppt/slides/slide67.xml><?xml version="1.0" encoding="utf-8"?>
+<p:sld xmlns:a="http://schemas.openxmlformats.org/drawingml/2006/main" xmlns:r="http://schemas.openxmlformats.org/officeDocument/2006/relationships" xmlns:p="http://schemas.openxmlformats.org/presentationml/2006/main">
+  <p:cSld>
+    <p:spTree>
+      <p:nvGrpSpPr>
+        <p:cNvPr id="1" name=""/>
+        <p:cNvGrpSpPr/>
+        <p:nvPr/>
+      </p:nvGrpSpPr>
+      <p:grpSpPr>
+        <a:xfrm>
+          <a:off x="0" y="0"/>
+          <a:ext cx="0" cy="0"/>
+          <a:chOff x="0" y="0"/>
+          <a:chExt cx="0" cy="0"/>
+        </a:xfrm>
+      </p:grpSpPr>
+      <p:pic>
+        <p:nvPicPr>
+          <p:cNvPr id="4" name="Content Placeholder 3">
+            <a:extLst>
+              <a:ext uri="{FF2B5EF4-FFF2-40B4-BE49-F238E27FC236}">
+                <a16:creationId xmlns:a16="http://schemas.microsoft.com/office/drawing/2014/main" id="{7617E30A-8268-438E-80DA-D987F1561600}"/>
+              </a:ext>
+            </a:extLst>
+          </p:cNvPr>
+          <p:cNvPicPr>
+            <a:picLocks noGrp="1" noChangeAspect="1"/>
+          </p:cNvPicPr>
+          <p:nvPr>
+            <p:ph idx="13"/>
+          </p:nvPr>
+        </p:nvPicPr>
+        <p:blipFill>
+          <a:blip r:embed="rId2"/>
+          <a:stretch>
+            <a:fillRect/>
+          </a:stretch>
+        </p:blipFill>
+        <p:spPr>
+          <a:xfrm>
+            <a:off x="0" y="648912"/>
+            <a:ext cx="5180974" cy="2134942"/>
+          </a:xfrm>
+          <a:prstGeom prst="rect">
+            <a:avLst/>
+          </a:prstGeom>
+        </p:spPr>
+      </p:pic>
+      <p:sp>
+        <p:nvSpPr>
+          <p:cNvPr id="3" name="Title 2">
+            <a:extLst>
+              <a:ext uri="{FF2B5EF4-FFF2-40B4-BE49-F238E27FC236}">
+                <a16:creationId xmlns:a16="http://schemas.microsoft.com/office/drawing/2014/main" id="{F33D598C-232F-428F-9CF4-DE528AC6219F}"/>
+              </a:ext>
+            </a:extLst>
+          </p:cNvPr>
+          <p:cNvSpPr>
+            <a:spLocks noGrp="1"/>
+          </p:cNvSpPr>
+          <p:nvPr>
+            <p:ph type="title"/>
+          </p:nvPr>
+        </p:nvSpPr>
+        <p:spPr>
+          <a:xfrm>
+            <a:off x="4474464" y="68007"/>
+            <a:ext cx="4572000" cy="534613"/>
+          </a:xfrm>
+        </p:spPr>
+        <p:txBody>
+          <a:bodyPr/>
+          <a:lstStyle/>
+          <a:p>
+            <a:r>
+              <a:rPr lang="en-US" dirty="0">
+                <a:solidFill>
+                  <a:srgbClr val="FF0000"/>
+                </a:solidFill>
+              </a:rPr>
+              <a:t>Memory usage and saving</a:t>
+            </a:r>
+          </a:p>
+        </p:txBody>
+      </p:sp>
+      <p:pic>
+        <p:nvPicPr>
+          <p:cNvPr id="5" name="Picture 4">
+            <a:extLst>
+              <a:ext uri="{FF2B5EF4-FFF2-40B4-BE49-F238E27FC236}">
+                <a16:creationId xmlns:a16="http://schemas.microsoft.com/office/drawing/2014/main" id="{388CD8D8-8C1A-4070-BC7C-4EF81D9EFEDD}"/>
+              </a:ext>
+            </a:extLst>
+          </p:cNvPr>
+          <p:cNvPicPr>
+            <a:picLocks noChangeAspect="1"/>
+          </p:cNvPicPr>
+          <p:nvPr/>
+        </p:nvPicPr>
+        <p:blipFill>
+          <a:blip r:embed="rId3"/>
+          <a:stretch>
+            <a:fillRect/>
+          </a:stretch>
+        </p:blipFill>
+        <p:spPr>
+          <a:xfrm>
+            <a:off x="574812" y="2898154"/>
+            <a:ext cx="4875012" cy="2134942"/>
+          </a:xfrm>
+          <a:prstGeom prst="rect">
+            <a:avLst/>
+          </a:prstGeom>
+        </p:spPr>
+      </p:pic>
+      <mc:AlternateContent xmlns:mc="http://schemas.openxmlformats.org/markup-compatibility/2006">
+        <mc:Choice xmlns:a14="http://schemas.microsoft.com/office/drawing/2010/main" Requires="a14">
+          <p:sp>
+            <p:nvSpPr>
+              <p:cNvPr id="6" name="TextBox 5">
+                <a:extLst>
+                  <a:ext uri="{FF2B5EF4-FFF2-40B4-BE49-F238E27FC236}">
+                    <a16:creationId xmlns:a16="http://schemas.microsoft.com/office/drawing/2014/main" id="{0FC51C8A-B320-4DB3-8362-0D5833DBE9BC}"/>
+                  </a:ext>
+                </a:extLst>
+              </p:cNvPr>
+              <p:cNvSpPr txBox="1"/>
+              <p:nvPr/>
+            </p:nvSpPr>
+            <p:spPr>
+              <a:xfrm>
+                <a:off x="5730240" y="1491192"/>
+                <a:ext cx="2960868" cy="2585323"/>
+              </a:xfrm>
+              <a:prstGeom prst="rect">
+                <a:avLst/>
+              </a:prstGeom>
+              <a:noFill/>
+            </p:spPr>
+            <p:txBody>
+              <a:bodyPr wrap="square" rtlCol="0">
+                <a:spAutoFit/>
+              </a:bodyPr>
+              <a:lstStyle/>
+              <a:p>
+                <a:r>
+                  <a:rPr lang="en-US" dirty="0"/>
+                  <a:t>Legend:</a:t>
+                </a:r>
+              </a:p>
+              <a:p>
+                <a:endParaRPr lang="en-US" dirty="0"/>
+              </a:p>
+              <a:p>
+                <a:r>
+                  <a:rPr lang="en-US" dirty="0"/>
+                  <a:t>(m): memory-optimal</a:t>
+                </a:r>
+              </a:p>
+              <a:p>
+                <a:r>
+                  <a:rPr lang="en-US" dirty="0"/>
+                  <a:t>(p): performance-optimal</a:t>
+                </a:r>
+              </a:p>
+              <a:p>
+                <a:endParaRPr lang="en-US" dirty="0"/>
+              </a:p>
+              <a:p>
+                <a:r>
+                  <a:rPr lang="en-US" dirty="0"/>
+                  <a:t>all: </a:t>
+                </a:r>
+                <a14:m>
+                  <m:oMath xmlns:m="http://schemas.openxmlformats.org/officeDocument/2006/math">
+                    <m:r>
+                      <a:rPr lang="en-US" b="0" i="1" smtClean="0">
+                        <a:latin typeface="Cambria Math" panose="02040503050406030204" pitchFamily="18" charset="0"/>
+                      </a:rPr>
+                      <m:t>𝑣𝐷𝑁</m:t>
+                    </m:r>
+                    <m:sSub>
+                      <m:sSubPr>
+                        <m:ctrlPr>
+                          <a:rPr lang="en-US" b="0" i="1" smtClean="0">
+                            <a:latin typeface="Cambria Math" panose="02040503050406030204" pitchFamily="18" charset="0"/>
+                          </a:rPr>
+                        </m:ctrlPr>
+                      </m:sSubPr>
+                      <m:e>
+                        <m:r>
+                          <a:rPr lang="en-US" b="0" i="1" smtClean="0">
+                            <a:latin typeface="Cambria Math" panose="02040503050406030204" pitchFamily="18" charset="0"/>
+                          </a:rPr>
+                          <m:t>𝑁</m:t>
+                        </m:r>
+                      </m:e>
+                      <m:sub>
+                        <m:r>
+                          <a:rPr lang="en-US" b="0" i="1" smtClean="0">
+                            <a:latin typeface="Cambria Math" panose="02040503050406030204" pitchFamily="18" charset="0"/>
+                          </a:rPr>
+                          <m:t>𝑎𝑙𝑙</m:t>
+                        </m:r>
+                      </m:sub>
+                    </m:sSub>
+                  </m:oMath>
+                </a14:m>
+                <a:endParaRPr lang="en-US" dirty="0"/>
+              </a:p>
+              <a:p>
+                <a:r>
+                  <a:rPr lang="en-US" dirty="0"/>
+                  <a:t>conv: </a:t>
+                </a:r>
+                <a14:m>
+                  <m:oMath xmlns:m="http://schemas.openxmlformats.org/officeDocument/2006/math">
+                    <m:r>
+                      <a:rPr lang="en-US" b="0" i="1" smtClean="0">
+                        <a:latin typeface="Cambria Math" panose="02040503050406030204" pitchFamily="18" charset="0"/>
+                      </a:rPr>
+                      <m:t>𝑣𝐷𝑁</m:t>
+                    </m:r>
+                    <m:sSub>
+                      <m:sSubPr>
+                        <m:ctrlPr>
+                          <a:rPr lang="en-US" b="0" i="1" smtClean="0">
+                            <a:latin typeface="Cambria Math" panose="02040503050406030204" pitchFamily="18" charset="0"/>
+                          </a:rPr>
+                        </m:ctrlPr>
+                      </m:sSubPr>
+                      <m:e>
+                        <m:r>
+                          <a:rPr lang="en-US" b="0" i="1" smtClean="0">
+                            <a:latin typeface="Cambria Math" panose="02040503050406030204" pitchFamily="18" charset="0"/>
+                          </a:rPr>
+                          <m:t>𝑁</m:t>
+                        </m:r>
+                      </m:e>
+                      <m:sub>
+                        <m:r>
+                          <a:rPr lang="en-US" b="0" i="1" smtClean="0">
+                            <a:latin typeface="Cambria Math" panose="02040503050406030204" pitchFamily="18" charset="0"/>
+                          </a:rPr>
+                          <m:t>𝑐𝑜𝑛𝑣</m:t>
+                        </m:r>
+                      </m:sub>
+                    </m:sSub>
+                  </m:oMath>
+                </a14:m>
+                <a:endParaRPr lang="en-US" b="0" dirty="0"/>
+              </a:p>
+              <a:p>
+                <a:r>
+                  <a:rPr lang="en-US" dirty="0" err="1"/>
+                  <a:t>dyn</a:t>
+                </a:r>
+                <a:r>
+                  <a:rPr lang="en-US" dirty="0"/>
+                  <a:t>: dynamic </a:t>
+                </a:r>
+                <a:r>
+                  <a:rPr lang="en-US" dirty="0" err="1"/>
+                  <a:t>vDNN</a:t>
+                </a:r>
+                <a:endParaRPr lang="en-US" dirty="0"/>
+              </a:p>
+              <a:p>
+                <a:r>
+                  <a:rPr lang="en-US" dirty="0"/>
+                  <a:t>base: baseline</a:t>
+                </a:r>
+              </a:p>
+            </p:txBody>
+          </p:sp>
+        </mc:Choice>
+        <mc:Fallback>
+          <p:sp>
+            <p:nvSpPr>
+              <p:cNvPr id="6" name="TextBox 5">
+                <a:extLst>
+                  <a:ext uri="{FF2B5EF4-FFF2-40B4-BE49-F238E27FC236}">
+                    <a16:creationId xmlns:a16="http://schemas.microsoft.com/office/drawing/2014/main" id="{0FC51C8A-B320-4DB3-8362-0D5833DBE9BC}"/>
+                  </a:ext>
+                </a:extLst>
+              </p:cNvPr>
+              <p:cNvSpPr txBox="1">
+                <a:spLocks noRot="1" noChangeAspect="1" noMove="1" noResize="1" noEditPoints="1" noAdjustHandles="1" noChangeArrowheads="1" noChangeShapeType="1" noTextEdit="1"/>
+              </p:cNvSpPr>
+              <p:nvPr/>
+            </p:nvSpPr>
+            <p:spPr>
+              <a:xfrm>
+                <a:off x="5730240" y="1491192"/>
+                <a:ext cx="2960868" cy="2585323"/>
+              </a:xfrm>
+              <a:prstGeom prst="rect">
+                <a:avLst/>
+              </a:prstGeom>
+              <a:blipFill>
+                <a:blip r:embed="rId4"/>
+                <a:stretch>
+                  <a:fillRect l="-1646" t="-1415" b="-2830"/>
+                </a:stretch>
+              </a:blipFill>
+            </p:spPr>
+            <p:txBody>
+              <a:bodyPr/>
+              <a:lstStyle/>
+              <a:p>
+                <a:r>
+                  <a:rPr lang="en-US">
+                    <a:noFill/>
+                  </a:rPr>
+                  <a:t> </a:t>
+                </a:r>
+              </a:p>
+            </p:txBody>
+          </p:sp>
+        </mc:Fallback>
+      </mc:AlternateContent>
+      <p:pic>
+        <p:nvPicPr>
+          <p:cNvPr id="7" name="Picture 6">
+            <a:extLst>
+              <a:ext uri="{FF2B5EF4-FFF2-40B4-BE49-F238E27FC236}">
+                <a16:creationId xmlns:a16="http://schemas.microsoft.com/office/drawing/2014/main" id="{54EA5F76-3CC7-4DC2-B69F-F397BCD088B2}"/>
+              </a:ext>
+            </a:extLst>
+          </p:cNvPr>
+          <p:cNvPicPr>
+            <a:picLocks noChangeAspect="1"/>
+          </p:cNvPicPr>
+          <p:nvPr/>
+        </p:nvPicPr>
+        <p:blipFill>
+          <a:blip r:embed="rId5"/>
+          <a:stretch>
+            <a:fillRect/>
+          </a:stretch>
+        </p:blipFill>
+        <p:spPr>
+          <a:xfrm>
+            <a:off x="5180974" y="991862"/>
+            <a:ext cx="3963026" cy="499329"/>
+          </a:xfrm>
+          <a:prstGeom prst="rect">
+            <a:avLst/>
+          </a:prstGeom>
+        </p:spPr>
+      </p:pic>
+    </p:spTree>
+    <p:extLst>
+      <p:ext uri="{BB962C8B-B14F-4D97-AF65-F5344CB8AC3E}">
+        <p14:creationId xmlns:p14="http://schemas.microsoft.com/office/powerpoint/2010/main" val="1905133266"/>
+      </p:ext>
+    </p:extLst>
+  </p:cSld>
+  <p:clrMapOvr>
+    <a:masterClrMapping/>
+  </p:clrMapOvr>
+</p:sld>
+</file>
+
+<file path=ppt/slides/slide68.xml><?xml version="1.0" encoding="utf-8"?>
+<p:sld xmlns:a="http://schemas.openxmlformats.org/drawingml/2006/main" xmlns:r="http://schemas.openxmlformats.org/officeDocument/2006/relationships" xmlns:p="http://schemas.openxmlformats.org/presentationml/2006/main">
+  <p:cSld>
+    <p:spTree>
+      <p:nvGrpSpPr>
+        <p:cNvPr id="1" name=""/>
+        <p:cNvGrpSpPr/>
+        <p:nvPr/>
+      </p:nvGrpSpPr>
+      <p:grpSpPr>
+        <a:xfrm>
+          <a:off x="0" y="0"/>
+          <a:ext cx="0" cy="0"/>
+          <a:chOff x="0" y="0"/>
+          <a:chExt cx="0" cy="0"/>
+        </a:xfrm>
+      </p:grpSpPr>
+      <p:sp>
+        <p:nvSpPr>
+          <p:cNvPr id="2" name="Content Placeholder 1">
+            <a:extLst>
+              <a:ext uri="{FF2B5EF4-FFF2-40B4-BE49-F238E27FC236}">
+                <a16:creationId xmlns:a16="http://schemas.microsoft.com/office/drawing/2014/main" id="{F6B2016D-0EAE-4F7C-8A4A-9B77959D5D33}"/>
+              </a:ext>
+            </a:extLst>
+          </p:cNvPr>
+          <p:cNvSpPr>
+            <a:spLocks noGrp="1"/>
+          </p:cNvSpPr>
+          <p:nvPr>
+            <p:ph idx="13"/>
+          </p:nvPr>
+        </p:nvSpPr>
+        <p:spPr/>
+        <p:txBody>
+          <a:bodyPr/>
+          <a:lstStyle/>
+          <a:p>
+            <a:r>
+              <a:rPr lang="en-US" dirty="0"/>
+              <a:t>The smaller the average memory usage becomes, the more likely </a:t>
+            </a:r>
+            <a:r>
+              <a:rPr lang="en-US" dirty="0" err="1"/>
+              <a:t>vdnn</a:t>
+            </a:r>
+            <a:r>
+              <a:rPr lang="en-US" dirty="0"/>
+              <a:t> will have headroom to improve performance, by:</a:t>
+            </a:r>
+          </a:p>
+          <a:p>
+            <a:pPr marL="457200" lvl="1" indent="-457200">
+              <a:buFont typeface="+mj-lt"/>
+              <a:buAutoNum type="arabicPeriod"/>
+            </a:pPr>
+            <a:r>
+              <a:rPr lang="en-US" dirty="0"/>
+              <a:t>Employing performance-efficient convolutional algorithms that require larger workspace</a:t>
+            </a:r>
+          </a:p>
+          <a:p>
+            <a:pPr marL="457200" lvl="1" indent="-457200">
+              <a:buFont typeface="+mj-lt"/>
+              <a:buAutoNum type="arabicPeriod"/>
+            </a:pPr>
+            <a:r>
+              <a:rPr lang="en-US" dirty="0"/>
+              <a:t>Reducing the total number of offload layers and prevent potential performance drops due to offloading</a:t>
+            </a:r>
+          </a:p>
+        </p:txBody>
+      </p:sp>
+      <p:sp>
+        <p:nvSpPr>
+          <p:cNvPr id="3" name="Title 2">
+            <a:extLst>
+              <a:ext uri="{FF2B5EF4-FFF2-40B4-BE49-F238E27FC236}">
+                <a16:creationId xmlns:a16="http://schemas.microsoft.com/office/drawing/2014/main" id="{FC40E70E-F50E-4AF2-9D65-2CFF2BAAC215}"/>
+              </a:ext>
+            </a:extLst>
+          </p:cNvPr>
+          <p:cNvSpPr>
+            <a:spLocks noGrp="1"/>
+          </p:cNvSpPr>
+          <p:nvPr>
+            <p:ph type="title"/>
+          </p:nvPr>
+        </p:nvSpPr>
+        <p:spPr/>
+        <p:txBody>
+          <a:bodyPr/>
+          <a:lstStyle/>
+          <a:p>
+            <a:r>
+              <a:rPr lang="en-US" dirty="0"/>
+              <a:t>GPU Memory Usage</a:t>
+            </a:r>
+          </a:p>
+        </p:txBody>
+      </p:sp>
+    </p:spTree>
+    <p:extLst>
+      <p:ext uri="{BB962C8B-B14F-4D97-AF65-F5344CB8AC3E}">
+        <p14:creationId xmlns:p14="http://schemas.microsoft.com/office/powerpoint/2010/main" val="541692775"/>
+      </p:ext>
+    </p:extLst>
+  </p:cSld>
+  <p:clrMapOvr>
+    <a:masterClrMapping/>
+  </p:clrMapOvr>
+</p:sld>
+</file>
+
+<file path=ppt/slides/slide69.xml><?xml version="1.0" encoding="utf-8"?>
+<p:sld xmlns:a="http://schemas.openxmlformats.org/drawingml/2006/main" xmlns:r="http://schemas.openxmlformats.org/officeDocument/2006/relationships" xmlns:p="http://schemas.openxmlformats.org/presentationml/2006/main">
+  <p:cSld>
+    <p:spTree>
+      <p:nvGrpSpPr>
+        <p:cNvPr id="1" name=""/>
+        <p:cNvGrpSpPr/>
+        <p:nvPr/>
+      </p:nvGrpSpPr>
+      <p:grpSpPr>
+        <a:xfrm>
+          <a:off x="0" y="0"/>
+          <a:ext cx="0" cy="0"/>
+          <a:chOff x="0" y="0"/>
+          <a:chExt cx="0" cy="0"/>
+        </a:xfrm>
+      </p:grpSpPr>
+      <mc:AlternateContent xmlns:mc="http://schemas.openxmlformats.org/markup-compatibility/2006">
+        <mc:Choice xmlns:a14="http://schemas.microsoft.com/office/drawing/2010/main" Requires="a14">
+          <p:sp>
+            <p:nvSpPr>
+              <p:cNvPr id="2" name="Content Placeholder 1">
+                <a:extLst>
+                  <a:ext uri="{FF2B5EF4-FFF2-40B4-BE49-F238E27FC236}">
+                    <a16:creationId xmlns:a16="http://schemas.microsoft.com/office/drawing/2014/main" id="{35F5E876-4822-44D1-84E2-BC9E6C1F28E7}"/>
+                  </a:ext>
+                </a:extLst>
+              </p:cNvPr>
+              <p:cNvSpPr>
+                <a:spLocks noGrp="1"/>
+              </p:cNvSpPr>
+              <p:nvPr>
+                <p:ph idx="13"/>
+              </p:nvPr>
+            </p:nvSpPr>
+            <p:spPr/>
+            <p:txBody>
+              <a:bodyPr/>
+              <a:lstStyle/>
+              <a:p>
+                <a:pPr marL="342900" indent="-342900">
+                  <a:buFont typeface="Arial" panose="020B0604020202020204" pitchFamily="34" charset="0"/>
+                  <a:buChar char="•"/>
+                </a:pPr>
+                <a:r>
+                  <a:rPr lang="en-US" dirty="0"/>
+                  <a:t>Baseline: do not optimize, so cannot train VGG16 with batch size = 128 and 256</a:t>
+                </a:r>
+              </a:p>
+              <a:p>
+                <a:pPr marL="342900" indent="-342900">
+                  <a:buFont typeface="Arial" panose="020B0604020202020204" pitchFamily="34" charset="0"/>
+                  <a:buChar char="•"/>
+                </a:pPr>
+                <a14:m>
+                  <m:oMath xmlns:m="http://schemas.openxmlformats.org/officeDocument/2006/math">
+                    <m:r>
+                      <a:rPr lang="en-US" b="0" i="1" smtClean="0">
+                        <a:latin typeface="Cambria Math" panose="02040503050406030204" pitchFamily="18" charset="0"/>
+                      </a:rPr>
+                      <m:t>𝑣𝐷𝑁</m:t>
+                    </m:r>
+                    <m:sSub>
+                      <m:sSubPr>
+                        <m:ctrlPr>
+                          <a:rPr lang="en-US" b="0" i="1" smtClean="0">
+                            <a:latin typeface="Cambria Math" panose="02040503050406030204" pitchFamily="18" charset="0"/>
+                          </a:rPr>
+                        </m:ctrlPr>
+                      </m:sSubPr>
+                      <m:e>
+                        <m:r>
+                          <a:rPr lang="en-US" b="0" i="1" smtClean="0">
+                            <a:latin typeface="Cambria Math" panose="02040503050406030204" pitchFamily="18" charset="0"/>
+                          </a:rPr>
+                          <m:t>𝑁</m:t>
+                        </m:r>
+                      </m:e>
+                      <m:sub>
+                        <m:r>
+                          <a:rPr lang="en-US" b="0" i="1" smtClean="0">
+                            <a:latin typeface="Cambria Math" panose="02040503050406030204" pitchFamily="18" charset="0"/>
+                          </a:rPr>
+                          <m:t>𝑎𝑙𝑙</m:t>
+                        </m:r>
+                      </m:sub>
+                    </m:sSub>
+                  </m:oMath>
+                </a14:m>
+                <a:r>
+                  <a:rPr lang="en-US" dirty="0"/>
+                  <a:t>: smallest memory usage, higher traffic</a:t>
+                </a:r>
+              </a:p>
+              <a:p>
+                <a:pPr marL="342900" indent="-342900">
+                  <a:buFont typeface="Arial" panose="020B0604020202020204" pitchFamily="34" charset="0"/>
+                  <a:buChar char="•"/>
+                </a:pPr>
+                <a14:m>
+                  <m:oMath xmlns:m="http://schemas.openxmlformats.org/officeDocument/2006/math">
+                    <m:r>
+                      <a:rPr lang="en-US" i="1">
+                        <a:latin typeface="Cambria Math" panose="02040503050406030204" pitchFamily="18" charset="0"/>
+                      </a:rPr>
+                      <m:t>𝑣𝐷𝑁</m:t>
+                    </m:r>
+                    <m:sSub>
+                      <m:sSubPr>
+                        <m:ctrlPr>
+                          <a:rPr lang="en-US" i="1">
+                            <a:latin typeface="Cambria Math" panose="02040503050406030204" pitchFamily="18" charset="0"/>
+                          </a:rPr>
+                        </m:ctrlPr>
+                      </m:sSubPr>
+                      <m:e>
+                        <m:r>
+                          <a:rPr lang="en-US" i="1">
+                            <a:latin typeface="Cambria Math" panose="02040503050406030204" pitchFamily="18" charset="0"/>
+                          </a:rPr>
+                          <m:t>𝑁</m:t>
+                        </m:r>
+                      </m:e>
+                      <m:sub>
+                        <m:r>
+                          <a:rPr lang="en-US" b="0" i="1" smtClean="0">
+                            <a:latin typeface="Cambria Math" panose="02040503050406030204" pitchFamily="18" charset="0"/>
+                          </a:rPr>
+                          <m:t>𝑐𝑜𝑛𝑣</m:t>
+                        </m:r>
+                      </m:sub>
+                    </m:sSub>
+                  </m:oMath>
+                </a14:m>
+                <a:r>
+                  <a:rPr lang="en-US" dirty="0"/>
+                  <a:t>: more memory usage saving, less traffic, even with performance-optimal setting.</a:t>
+                </a:r>
+              </a:p>
+              <a:p>
+                <a:pPr marL="342900" indent="-342900">
+                  <a:buFont typeface="Arial" panose="020B0604020202020204" pitchFamily="34" charset="0"/>
+                  <a:buChar char="•"/>
+                </a:pPr>
+                <a14:m>
+                  <m:oMath xmlns:m="http://schemas.openxmlformats.org/officeDocument/2006/math">
+                    <m:r>
+                      <a:rPr lang="en-US" b="0" i="1" smtClean="0">
+                        <a:latin typeface="Cambria Math" panose="02040503050406030204" pitchFamily="18" charset="0"/>
+                      </a:rPr>
+                      <m:t>𝑣𝐷𝑁</m:t>
+                    </m:r>
+                    <m:sSub>
+                      <m:sSubPr>
+                        <m:ctrlPr>
+                          <a:rPr lang="en-US" b="0" i="1" smtClean="0">
+                            <a:latin typeface="Cambria Math" panose="02040503050406030204" pitchFamily="18" charset="0"/>
+                          </a:rPr>
+                        </m:ctrlPr>
+                      </m:sSubPr>
+                      <m:e>
+                        <m:r>
+                          <a:rPr lang="en-US" b="0" i="1" smtClean="0">
+                            <a:latin typeface="Cambria Math" panose="02040503050406030204" pitchFamily="18" charset="0"/>
+                          </a:rPr>
+                          <m:t>𝑁</m:t>
+                        </m:r>
+                      </m:e>
+                      <m:sub>
+                        <m:r>
+                          <a:rPr lang="en-US" b="0" i="1" smtClean="0">
+                            <a:latin typeface="Cambria Math" panose="02040503050406030204" pitchFamily="18" charset="0"/>
+                          </a:rPr>
+                          <m:t>𝑑𝑦𝑛</m:t>
+                        </m:r>
+                      </m:sub>
+                    </m:sSub>
+                  </m:oMath>
+                </a14:m>
+                <a:r>
+                  <a:rPr lang="en-US" dirty="0"/>
+                  <a:t>: balance memory and performance, but reduce memory less: actually better.</a:t>
+                </a:r>
+              </a:p>
+              <a:p>
+                <a:pPr marL="342900" indent="-342900">
+                  <a:buFont typeface="Arial" panose="020B0604020202020204" pitchFamily="34" charset="0"/>
+                  <a:buChar char="•"/>
+                </a:pPr>
+                <a:endParaRPr lang="en-US" dirty="0"/>
+              </a:p>
+            </p:txBody>
+          </p:sp>
+        </mc:Choice>
+        <mc:Fallback>
+          <p:sp>
+            <p:nvSpPr>
+              <p:cNvPr id="2" name="Content Placeholder 1">
+                <a:extLst>
+                  <a:ext uri="{FF2B5EF4-FFF2-40B4-BE49-F238E27FC236}">
+                    <a16:creationId xmlns:a16="http://schemas.microsoft.com/office/drawing/2014/main" id="{35F5E876-4822-44D1-84E2-BC9E6C1F28E7}"/>
+                  </a:ext>
+                </a:extLst>
+              </p:cNvPr>
+              <p:cNvSpPr>
+                <a:spLocks noGrp="1" noRot="1" noChangeAspect="1" noMove="1" noResize="1" noEditPoints="1" noAdjustHandles="1" noChangeArrowheads="1" noChangeShapeType="1" noTextEdit="1"/>
+              </p:cNvSpPr>
+              <p:nvPr>
+                <p:ph idx="13"/>
+              </p:nvPr>
+            </p:nvSpPr>
+            <p:spPr>
+              <a:blipFill>
+                <a:blip r:embed="rId2"/>
+                <a:stretch>
+                  <a:fillRect l="-962" t="-1073" r="-1701"/>
+                </a:stretch>
+              </a:blipFill>
+            </p:spPr>
+            <p:txBody>
+              <a:bodyPr/>
+              <a:lstStyle/>
+              <a:p>
+                <a:r>
+                  <a:rPr lang="en-US">
+                    <a:noFill/>
+                  </a:rPr>
+                  <a:t> </a:t>
+                </a:r>
+              </a:p>
+            </p:txBody>
+          </p:sp>
+        </mc:Fallback>
+      </mc:AlternateContent>
+      <p:sp>
+        <p:nvSpPr>
+          <p:cNvPr id="3" name="Title 2">
+            <a:extLst>
+              <a:ext uri="{FF2B5EF4-FFF2-40B4-BE49-F238E27FC236}">
+                <a16:creationId xmlns:a16="http://schemas.microsoft.com/office/drawing/2014/main" id="{FA3EDC04-8F3D-401B-80F7-AA170E3963B4}"/>
+              </a:ext>
+            </a:extLst>
+          </p:cNvPr>
+          <p:cNvSpPr>
+            <a:spLocks noGrp="1"/>
+          </p:cNvSpPr>
+          <p:nvPr>
+            <p:ph type="title"/>
+          </p:nvPr>
+        </p:nvSpPr>
+        <p:spPr/>
+        <p:txBody>
+          <a:bodyPr/>
+          <a:lstStyle/>
+          <a:p>
+            <a:r>
+              <a:rPr lang="en-US" dirty="0"/>
+              <a:t>GPU Memory Usage – Quick facts</a:t>
+            </a:r>
+          </a:p>
+        </p:txBody>
+      </p:sp>
+    </p:spTree>
+    <p:extLst>
+      <p:ext uri="{BB962C8B-B14F-4D97-AF65-F5344CB8AC3E}">
+        <p14:creationId xmlns:p14="http://schemas.microsoft.com/office/powerpoint/2010/main" val="2263744696"/>
+      </p:ext>
+    </p:extLst>
+  </p:cSld>
+  <p:clrMapOvr>
+    <a:masterClrMapping/>
+  </p:clrMapOvr>
+</p:sld>
+</file>
+
 <file path=ppt/slides/slide7.xml><?xml version="1.0" encoding="utf-8"?>
 <p:sld xmlns:a="http://schemas.openxmlformats.org/drawingml/2006/main" xmlns:r="http://schemas.openxmlformats.org/officeDocument/2006/relationships" xmlns:p="http://schemas.openxmlformats.org/presentationml/2006/main">
   <p:cSld>
@@ -16172,6 +19687,1043 @@
     <p:extLst>
       <p:ext uri="{BB962C8B-B14F-4D97-AF65-F5344CB8AC3E}">
         <p14:creationId xmlns:p14="http://schemas.microsoft.com/office/powerpoint/2010/main" val="123429504"/>
+      </p:ext>
+    </p:extLst>
+  </p:cSld>
+  <p:clrMapOvr>
+    <a:masterClrMapping/>
+  </p:clrMapOvr>
+</p:sld>
+</file>
+
+<file path=ppt/slides/slide70.xml><?xml version="1.0" encoding="utf-8"?>
+<p:sld xmlns:a="http://schemas.openxmlformats.org/drawingml/2006/main" xmlns:r="http://schemas.openxmlformats.org/officeDocument/2006/relationships" xmlns:p="http://schemas.openxmlformats.org/presentationml/2006/main">
+  <p:cSld>
+    <p:spTree>
+      <p:nvGrpSpPr>
+        <p:cNvPr id="1" name=""/>
+        <p:cNvGrpSpPr/>
+        <p:nvPr/>
+      </p:nvGrpSpPr>
+      <p:grpSpPr>
+        <a:xfrm>
+          <a:off x="0" y="0"/>
+          <a:ext cx="0" cy="0"/>
+          <a:chOff x="0" y="0"/>
+          <a:chExt cx="0" cy="0"/>
+        </a:xfrm>
+      </p:grpSpPr>
+      <p:pic>
+        <p:nvPicPr>
+          <p:cNvPr id="4" name="Content Placeholder 3">
+            <a:extLst>
+              <a:ext uri="{FF2B5EF4-FFF2-40B4-BE49-F238E27FC236}">
+                <a16:creationId xmlns:a16="http://schemas.microsoft.com/office/drawing/2014/main" id="{1572A162-75FB-4925-A1EC-34D60DC42EA1}"/>
+              </a:ext>
+            </a:extLst>
+          </p:cNvPr>
+          <p:cNvPicPr>
+            <a:picLocks noGrp="1" noChangeAspect="1"/>
+          </p:cNvPicPr>
+          <p:nvPr>
+            <p:ph idx="13"/>
+          </p:nvPr>
+        </p:nvPicPr>
+        <p:blipFill>
+          <a:blip r:embed="rId2"/>
+          <a:stretch>
+            <a:fillRect/>
+          </a:stretch>
+        </p:blipFill>
+        <p:spPr>
+          <a:xfrm>
+            <a:off x="1771650" y="1372791"/>
+            <a:ext cx="6181725" cy="2647950"/>
+          </a:xfrm>
+          <a:prstGeom prst="rect">
+            <a:avLst/>
+          </a:prstGeom>
+        </p:spPr>
+      </p:pic>
+      <p:sp>
+        <p:nvSpPr>
+          <p:cNvPr id="3" name="Title 2">
+            <a:extLst>
+              <a:ext uri="{FF2B5EF4-FFF2-40B4-BE49-F238E27FC236}">
+                <a16:creationId xmlns:a16="http://schemas.microsoft.com/office/drawing/2014/main" id="{3E82E402-AC80-424D-9867-29A0ABFFBF15}"/>
+              </a:ext>
+            </a:extLst>
+          </p:cNvPr>
+          <p:cNvSpPr>
+            <a:spLocks noGrp="1"/>
+          </p:cNvSpPr>
+          <p:nvPr>
+            <p:ph type="title"/>
+          </p:nvPr>
+        </p:nvSpPr>
+        <p:spPr/>
+        <p:txBody>
+          <a:bodyPr/>
+          <a:lstStyle/>
+          <a:p>
+            <a:r>
+              <a:rPr lang="en-US" dirty="0"/>
+              <a:t>Impact on memory system</a:t>
+            </a:r>
+          </a:p>
+        </p:txBody>
+      </p:sp>
+    </p:spTree>
+    <p:extLst>
+      <p:ext uri="{BB962C8B-B14F-4D97-AF65-F5344CB8AC3E}">
+        <p14:creationId xmlns:p14="http://schemas.microsoft.com/office/powerpoint/2010/main" val="1659375423"/>
+      </p:ext>
+    </p:extLst>
+  </p:cSld>
+  <p:clrMapOvr>
+    <a:masterClrMapping/>
+  </p:clrMapOvr>
+</p:sld>
+</file>
+
+<file path=ppt/slides/slide71.xml><?xml version="1.0" encoding="utf-8"?>
+<p:sld xmlns:a="http://schemas.openxmlformats.org/drawingml/2006/main" xmlns:r="http://schemas.openxmlformats.org/officeDocument/2006/relationships" xmlns:p="http://schemas.openxmlformats.org/presentationml/2006/main">
+  <p:cSld>
+    <p:spTree>
+      <p:nvGrpSpPr>
+        <p:cNvPr id="1" name=""/>
+        <p:cNvGrpSpPr/>
+        <p:nvPr/>
+      </p:nvGrpSpPr>
+      <p:grpSpPr>
+        <a:xfrm>
+          <a:off x="0" y="0"/>
+          <a:ext cx="0" cy="0"/>
+          <a:chOff x="0" y="0"/>
+          <a:chExt cx="0" cy="0"/>
+        </a:xfrm>
+      </p:grpSpPr>
+      <p:pic>
+        <p:nvPicPr>
+          <p:cNvPr id="4" name="Content Placeholder 3">
+            <a:extLst>
+              <a:ext uri="{FF2B5EF4-FFF2-40B4-BE49-F238E27FC236}">
+                <a16:creationId xmlns:a16="http://schemas.microsoft.com/office/drawing/2014/main" id="{EC4D7861-BA22-49A1-8EB6-E98ED0CEB062}"/>
+              </a:ext>
+            </a:extLst>
+          </p:cNvPr>
+          <p:cNvPicPr>
+            <a:picLocks noGrp="1" noChangeAspect="1"/>
+          </p:cNvPicPr>
+          <p:nvPr>
+            <p:ph idx="13"/>
+          </p:nvPr>
+        </p:nvPicPr>
+        <p:blipFill>
+          <a:blip r:embed="rId2"/>
+          <a:stretch>
+            <a:fillRect/>
+          </a:stretch>
+        </p:blipFill>
+        <p:spPr>
+          <a:xfrm>
+            <a:off x="0" y="1286471"/>
+            <a:ext cx="5391150" cy="2000250"/>
+          </a:xfrm>
+          <a:prstGeom prst="rect">
+            <a:avLst/>
+          </a:prstGeom>
+        </p:spPr>
+      </p:pic>
+      <p:sp>
+        <p:nvSpPr>
+          <p:cNvPr id="3" name="Title 2">
+            <a:extLst>
+              <a:ext uri="{FF2B5EF4-FFF2-40B4-BE49-F238E27FC236}">
+                <a16:creationId xmlns:a16="http://schemas.microsoft.com/office/drawing/2014/main" id="{0A834D3F-5AFB-4DD3-8BBE-337D93EE9E73}"/>
+              </a:ext>
+            </a:extLst>
+          </p:cNvPr>
+          <p:cNvSpPr>
+            <a:spLocks noGrp="1"/>
+          </p:cNvSpPr>
+          <p:nvPr>
+            <p:ph type="title"/>
+          </p:nvPr>
+        </p:nvSpPr>
+        <p:spPr/>
+        <p:txBody>
+          <a:bodyPr/>
+          <a:lstStyle/>
+          <a:p>
+            <a:r>
+              <a:rPr lang="en-US" dirty="0"/>
+              <a:t>Performance (normalized to baseline)</a:t>
+            </a:r>
+          </a:p>
+        </p:txBody>
+      </p:sp>
+      <p:pic>
+        <p:nvPicPr>
+          <p:cNvPr id="5" name="Picture 4">
+            <a:extLst>
+              <a:ext uri="{FF2B5EF4-FFF2-40B4-BE49-F238E27FC236}">
+                <a16:creationId xmlns:a16="http://schemas.microsoft.com/office/drawing/2014/main" id="{45244FE1-9E81-4B6E-8119-ACBC84E71345}"/>
+              </a:ext>
+            </a:extLst>
+          </p:cNvPr>
+          <p:cNvPicPr>
+            <a:picLocks noChangeAspect="1"/>
+          </p:cNvPicPr>
+          <p:nvPr/>
+        </p:nvPicPr>
+        <p:blipFill>
+          <a:blip r:embed="rId3"/>
+          <a:stretch>
+            <a:fillRect/>
+          </a:stretch>
+        </p:blipFill>
+        <p:spPr>
+          <a:xfrm>
+            <a:off x="430911" y="3200400"/>
+            <a:ext cx="4819650" cy="1943100"/>
+          </a:xfrm>
+          <a:prstGeom prst="rect">
+            <a:avLst/>
+          </a:prstGeom>
+        </p:spPr>
+      </p:pic>
+      <mc:AlternateContent xmlns:mc="http://schemas.openxmlformats.org/markup-compatibility/2006">
+        <mc:Choice xmlns:a14="http://schemas.microsoft.com/office/drawing/2010/main" Requires="a14">
+          <p:sp>
+            <p:nvSpPr>
+              <p:cNvPr id="6" name="TextBox 5">
+                <a:extLst>
+                  <a:ext uri="{FF2B5EF4-FFF2-40B4-BE49-F238E27FC236}">
+                    <a16:creationId xmlns:a16="http://schemas.microsoft.com/office/drawing/2014/main" id="{D4BDD9B0-1432-489D-A160-2D761144C40A}"/>
+                  </a:ext>
+                </a:extLst>
+              </p:cNvPr>
+              <p:cNvSpPr txBox="1"/>
+              <p:nvPr/>
+            </p:nvSpPr>
+            <p:spPr>
+              <a:xfrm>
+                <a:off x="5730240" y="1491192"/>
+                <a:ext cx="2960868" cy="2585323"/>
+              </a:xfrm>
+              <a:prstGeom prst="rect">
+                <a:avLst/>
+              </a:prstGeom>
+              <a:noFill/>
+            </p:spPr>
+            <p:txBody>
+              <a:bodyPr wrap="square" rtlCol="0">
+                <a:spAutoFit/>
+              </a:bodyPr>
+              <a:lstStyle/>
+              <a:p>
+                <a:r>
+                  <a:rPr lang="en-US" dirty="0"/>
+                  <a:t>Legend:</a:t>
+                </a:r>
+              </a:p>
+              <a:p>
+                <a:endParaRPr lang="en-US" dirty="0"/>
+              </a:p>
+              <a:p>
+                <a:r>
+                  <a:rPr lang="en-US" dirty="0"/>
+                  <a:t>(m): memory-optimal</a:t>
+                </a:r>
+              </a:p>
+              <a:p>
+                <a:r>
+                  <a:rPr lang="en-US" dirty="0"/>
+                  <a:t>(p): performance-optimal</a:t>
+                </a:r>
+              </a:p>
+              <a:p>
+                <a:endParaRPr lang="en-US" dirty="0"/>
+              </a:p>
+              <a:p>
+                <a:r>
+                  <a:rPr lang="en-US" dirty="0"/>
+                  <a:t>all: </a:t>
+                </a:r>
+                <a14:m>
+                  <m:oMath xmlns:m="http://schemas.openxmlformats.org/officeDocument/2006/math">
+                    <m:r>
+                      <a:rPr lang="en-US" b="0" i="1" smtClean="0">
+                        <a:latin typeface="Cambria Math" panose="02040503050406030204" pitchFamily="18" charset="0"/>
+                      </a:rPr>
+                      <m:t>𝑣𝐷𝑁</m:t>
+                    </m:r>
+                    <m:sSub>
+                      <m:sSubPr>
+                        <m:ctrlPr>
+                          <a:rPr lang="en-US" b="0" i="1" smtClean="0">
+                            <a:latin typeface="Cambria Math" panose="02040503050406030204" pitchFamily="18" charset="0"/>
+                          </a:rPr>
+                        </m:ctrlPr>
+                      </m:sSubPr>
+                      <m:e>
+                        <m:r>
+                          <a:rPr lang="en-US" b="0" i="1" smtClean="0">
+                            <a:latin typeface="Cambria Math" panose="02040503050406030204" pitchFamily="18" charset="0"/>
+                          </a:rPr>
+                          <m:t>𝑁</m:t>
+                        </m:r>
+                      </m:e>
+                      <m:sub>
+                        <m:r>
+                          <a:rPr lang="en-US" b="0" i="1" smtClean="0">
+                            <a:latin typeface="Cambria Math" panose="02040503050406030204" pitchFamily="18" charset="0"/>
+                          </a:rPr>
+                          <m:t>𝑎𝑙𝑙</m:t>
+                        </m:r>
+                      </m:sub>
+                    </m:sSub>
+                  </m:oMath>
+                </a14:m>
+                <a:endParaRPr lang="en-US" dirty="0"/>
+              </a:p>
+              <a:p>
+                <a:r>
+                  <a:rPr lang="en-US" dirty="0"/>
+                  <a:t>conv: </a:t>
+                </a:r>
+                <a14:m>
+                  <m:oMath xmlns:m="http://schemas.openxmlformats.org/officeDocument/2006/math">
+                    <m:r>
+                      <a:rPr lang="en-US" b="0" i="1" smtClean="0">
+                        <a:latin typeface="Cambria Math" panose="02040503050406030204" pitchFamily="18" charset="0"/>
+                      </a:rPr>
+                      <m:t>𝑣𝐷𝑁</m:t>
+                    </m:r>
+                    <m:sSub>
+                      <m:sSubPr>
+                        <m:ctrlPr>
+                          <a:rPr lang="en-US" b="0" i="1" smtClean="0">
+                            <a:latin typeface="Cambria Math" panose="02040503050406030204" pitchFamily="18" charset="0"/>
+                          </a:rPr>
+                        </m:ctrlPr>
+                      </m:sSubPr>
+                      <m:e>
+                        <m:r>
+                          <a:rPr lang="en-US" b="0" i="1" smtClean="0">
+                            <a:latin typeface="Cambria Math" panose="02040503050406030204" pitchFamily="18" charset="0"/>
+                          </a:rPr>
+                          <m:t>𝑁</m:t>
+                        </m:r>
+                      </m:e>
+                      <m:sub>
+                        <m:r>
+                          <a:rPr lang="en-US" b="0" i="1" smtClean="0">
+                            <a:latin typeface="Cambria Math" panose="02040503050406030204" pitchFamily="18" charset="0"/>
+                          </a:rPr>
+                          <m:t>𝑐𝑜𝑛𝑣</m:t>
+                        </m:r>
+                      </m:sub>
+                    </m:sSub>
+                  </m:oMath>
+                </a14:m>
+                <a:endParaRPr lang="en-US" b="0" dirty="0"/>
+              </a:p>
+              <a:p>
+                <a:r>
+                  <a:rPr lang="en-US" dirty="0" err="1"/>
+                  <a:t>dyn</a:t>
+                </a:r>
+                <a:r>
+                  <a:rPr lang="en-US" dirty="0"/>
+                  <a:t>: dynamic </a:t>
+                </a:r>
+                <a:r>
+                  <a:rPr lang="en-US" dirty="0" err="1"/>
+                  <a:t>vDNN</a:t>
+                </a:r>
+                <a:endParaRPr lang="en-US" dirty="0"/>
+              </a:p>
+              <a:p>
+                <a:r>
+                  <a:rPr lang="en-US" dirty="0"/>
+                  <a:t>base: baseline</a:t>
+                </a:r>
+              </a:p>
+            </p:txBody>
+          </p:sp>
+        </mc:Choice>
+        <mc:Fallback>
+          <p:sp>
+            <p:nvSpPr>
+              <p:cNvPr id="6" name="TextBox 5">
+                <a:extLst>
+                  <a:ext uri="{FF2B5EF4-FFF2-40B4-BE49-F238E27FC236}">
+                    <a16:creationId xmlns:a16="http://schemas.microsoft.com/office/drawing/2014/main" id="{D4BDD9B0-1432-489D-A160-2D761144C40A}"/>
+                  </a:ext>
+                </a:extLst>
+              </p:cNvPr>
+              <p:cNvSpPr txBox="1">
+                <a:spLocks noRot="1" noChangeAspect="1" noMove="1" noResize="1" noEditPoints="1" noAdjustHandles="1" noChangeArrowheads="1" noChangeShapeType="1" noTextEdit="1"/>
+              </p:cNvSpPr>
+              <p:nvPr/>
+            </p:nvSpPr>
+            <p:spPr>
+              <a:xfrm>
+                <a:off x="5730240" y="1491192"/>
+                <a:ext cx="2960868" cy="2585323"/>
+              </a:xfrm>
+              <a:prstGeom prst="rect">
+                <a:avLst/>
+              </a:prstGeom>
+              <a:blipFill>
+                <a:blip r:embed="rId4"/>
+                <a:stretch>
+                  <a:fillRect l="-1646" t="-1415" b="-2830"/>
+                </a:stretch>
+              </a:blipFill>
+            </p:spPr>
+            <p:txBody>
+              <a:bodyPr/>
+              <a:lstStyle/>
+              <a:p>
+                <a:r>
+                  <a:rPr lang="en-US">
+                    <a:noFill/>
+                  </a:rPr>
+                  <a:t> </a:t>
+                </a:r>
+              </a:p>
+            </p:txBody>
+          </p:sp>
+        </mc:Fallback>
+      </mc:AlternateContent>
+    </p:spTree>
+    <p:extLst>
+      <p:ext uri="{BB962C8B-B14F-4D97-AF65-F5344CB8AC3E}">
+        <p14:creationId xmlns:p14="http://schemas.microsoft.com/office/powerpoint/2010/main" val="1839148685"/>
+      </p:ext>
+    </p:extLst>
+  </p:cSld>
+  <p:clrMapOvr>
+    <a:masterClrMapping/>
+  </p:clrMapOvr>
+</p:sld>
+</file>
+
+<file path=ppt/slides/slide72.xml><?xml version="1.0" encoding="utf-8"?>
+<p:sld xmlns:a="http://schemas.openxmlformats.org/drawingml/2006/main" xmlns:r="http://schemas.openxmlformats.org/officeDocument/2006/relationships" xmlns:p="http://schemas.openxmlformats.org/presentationml/2006/main">
+  <p:cSld>
+    <p:spTree>
+      <p:nvGrpSpPr>
+        <p:cNvPr id="1" name=""/>
+        <p:cNvGrpSpPr/>
+        <p:nvPr/>
+      </p:nvGrpSpPr>
+      <p:grpSpPr>
+        <a:xfrm>
+          <a:off x="0" y="0"/>
+          <a:ext cx="0" cy="0"/>
+          <a:chOff x="0" y="0"/>
+          <a:chExt cx="0" cy="0"/>
+        </a:xfrm>
+      </p:grpSpPr>
+      <mc:AlternateContent xmlns:mc="http://schemas.openxmlformats.org/markup-compatibility/2006">
+        <mc:Choice xmlns:a14="http://schemas.microsoft.com/office/drawing/2010/main" Requires="a14">
+          <p:sp>
+            <p:nvSpPr>
+              <p:cNvPr id="2" name="Content Placeholder 1">
+                <a:extLst>
+                  <a:ext uri="{FF2B5EF4-FFF2-40B4-BE49-F238E27FC236}">
+                    <a16:creationId xmlns:a16="http://schemas.microsoft.com/office/drawing/2014/main" id="{B3CF9C3B-08F7-4DF8-8F74-0FF5041061BA}"/>
+                  </a:ext>
+                </a:extLst>
+              </p:cNvPr>
+              <p:cNvSpPr>
+                <a:spLocks noGrp="1"/>
+              </p:cNvSpPr>
+              <p:nvPr>
+                <p:ph idx="13"/>
+              </p:nvPr>
+            </p:nvSpPr>
+            <p:spPr/>
+            <p:txBody>
+              <a:bodyPr/>
+              <a:lstStyle/>
+              <a:p>
+                <a:pPr marL="342900" indent="-342900">
+                  <a:buFont typeface="Arial" panose="020B0604020202020204" pitchFamily="34" charset="0"/>
+                  <a:buChar char="•"/>
+                </a:pPr>
+                <a:r>
+                  <a:rPr lang="en-US" dirty="0"/>
+                  <a:t>Effect of </a:t>
+                </a:r>
+                <a14:m>
+                  <m:oMath xmlns:m="http://schemas.openxmlformats.org/officeDocument/2006/math">
+                    <m:r>
+                      <a:rPr lang="en-US" i="1" dirty="0" smtClean="0">
+                        <a:latin typeface="Cambria Math" panose="02040503050406030204" pitchFamily="18" charset="0"/>
+                      </a:rPr>
+                      <m:t>𝑣𝐷𝑁</m:t>
+                    </m:r>
+                    <m:sSub>
+                      <m:sSubPr>
+                        <m:ctrlPr>
+                          <a:rPr lang="en-US" b="0" i="1" dirty="0" smtClean="0">
+                            <a:latin typeface="Cambria Math" panose="02040503050406030204" pitchFamily="18" charset="0"/>
+                          </a:rPr>
+                        </m:ctrlPr>
+                      </m:sSubPr>
+                      <m:e>
+                        <m:r>
+                          <a:rPr lang="en-US" i="1" dirty="0" smtClean="0">
+                            <a:latin typeface="Cambria Math" panose="02040503050406030204" pitchFamily="18" charset="0"/>
+                          </a:rPr>
+                          <m:t>𝑁</m:t>
+                        </m:r>
+                      </m:e>
+                      <m:sub>
+                        <m:r>
+                          <a:rPr lang="en-US" b="0" i="1" dirty="0" smtClean="0">
+                            <a:latin typeface="Cambria Math" panose="02040503050406030204" pitchFamily="18" charset="0"/>
+                          </a:rPr>
+                          <m:t>𝑑𝑦𝑛</m:t>
+                        </m:r>
+                      </m:sub>
+                    </m:sSub>
+                  </m:oMath>
+                </a14:m>
+                <a:r>
+                  <a:rPr lang="en-US" dirty="0"/>
+                  <a:t> on overall GPU power consumption:</a:t>
+                </a:r>
+              </a:p>
+              <a:p>
+                <a:pPr marL="342900" indent="-342900">
+                  <a:buFont typeface="Arial" panose="020B0604020202020204" pitchFamily="34" charset="0"/>
+                  <a:buChar char="•"/>
+                </a:pPr>
+                <a:r>
+                  <a:rPr lang="en-US" dirty="0"/>
+                  <a:t>Incurs 1% to 7% maximum power overheads</a:t>
+                </a:r>
+              </a:p>
+              <a:p>
+                <a:pPr marL="342900" indent="-342900">
+                  <a:buFont typeface="Arial" panose="020B0604020202020204" pitchFamily="34" charset="0"/>
+                  <a:buChar char="•"/>
+                </a:pPr>
+                <a:r>
+                  <a:rPr lang="en-US" dirty="0"/>
+                  <a:t>Average power consumption (energy/time) is rarely affected because of the following two factors:</a:t>
+                </a:r>
+              </a:p>
+              <a:p>
+                <a:pPr marL="457200" lvl="1" indent="-457200">
+                  <a:buAutoNum type="arabicParenR"/>
+                </a:pPr>
+                <a14:m>
+                  <m:oMath xmlns:m="http://schemas.openxmlformats.org/officeDocument/2006/math">
+                    <m:r>
+                      <a:rPr lang="en-US" i="1" dirty="0">
+                        <a:latin typeface="Cambria Math" panose="02040503050406030204" pitchFamily="18" charset="0"/>
+                      </a:rPr>
+                      <m:t>𝑣𝐷𝑁</m:t>
+                    </m:r>
+                    <m:sSub>
+                      <m:sSubPr>
+                        <m:ctrlPr>
+                          <a:rPr lang="en-US" i="1" dirty="0">
+                            <a:latin typeface="Cambria Math" panose="02040503050406030204" pitchFamily="18" charset="0"/>
+                          </a:rPr>
+                        </m:ctrlPr>
+                      </m:sSubPr>
+                      <m:e>
+                        <m:r>
+                          <a:rPr lang="en-US" i="1" dirty="0">
+                            <a:latin typeface="Cambria Math" panose="02040503050406030204" pitchFamily="18" charset="0"/>
+                          </a:rPr>
+                          <m:t>𝑁</m:t>
+                        </m:r>
+                      </m:e>
+                      <m:sub>
+                        <m:r>
+                          <a:rPr lang="en-US" i="1" dirty="0">
+                            <a:latin typeface="Cambria Math" panose="02040503050406030204" pitchFamily="18" charset="0"/>
+                          </a:rPr>
+                          <m:t>𝑑𝑦𝑛</m:t>
+                        </m:r>
+                      </m:sub>
+                    </m:sSub>
+                  </m:oMath>
+                </a14:m>
+                <a:r>
+                  <a:rPr lang="en-US" dirty="0"/>
+                  <a:t> does not incur any noticeable performance overhead for these five networks</a:t>
+                </a:r>
+              </a:p>
+              <a:p>
+                <a:pPr marL="457200" lvl="1" indent="-457200">
+                  <a:buAutoNum type="arabicParenR"/>
+                </a:pPr>
+                <a:r>
+                  <a:rPr lang="en-US" dirty="0"/>
+                  <a:t>The studied DNNs rarely saturate the peak DRAM bandwidth</a:t>
+                </a:r>
+              </a:p>
+            </p:txBody>
+          </p:sp>
+        </mc:Choice>
+        <mc:Fallback>
+          <p:sp>
+            <p:nvSpPr>
+              <p:cNvPr id="2" name="Content Placeholder 1">
+                <a:extLst>
+                  <a:ext uri="{FF2B5EF4-FFF2-40B4-BE49-F238E27FC236}">
+                    <a16:creationId xmlns:a16="http://schemas.microsoft.com/office/drawing/2014/main" id="{B3CF9C3B-08F7-4DF8-8F74-0FF5041061BA}"/>
+                  </a:ext>
+                </a:extLst>
+              </p:cNvPr>
+              <p:cNvSpPr>
+                <a:spLocks noGrp="1" noRot="1" noChangeAspect="1" noMove="1" noResize="1" noEditPoints="1" noAdjustHandles="1" noChangeArrowheads="1" noChangeShapeType="1" noTextEdit="1"/>
+              </p:cNvSpPr>
+              <p:nvPr>
+                <p:ph idx="13"/>
+              </p:nvPr>
+            </p:nvSpPr>
+            <p:spPr>
+              <a:blipFill>
+                <a:blip r:embed="rId3"/>
+                <a:stretch>
+                  <a:fillRect l="-962" t="-1252"/>
+                </a:stretch>
+              </a:blipFill>
+            </p:spPr>
+            <p:txBody>
+              <a:bodyPr/>
+              <a:lstStyle/>
+              <a:p>
+                <a:r>
+                  <a:rPr lang="en-US">
+                    <a:noFill/>
+                  </a:rPr>
+                  <a:t> </a:t>
+                </a:r>
+              </a:p>
+            </p:txBody>
+          </p:sp>
+        </mc:Fallback>
+      </mc:AlternateContent>
+      <p:sp>
+        <p:nvSpPr>
+          <p:cNvPr id="3" name="Title 2">
+            <a:extLst>
+              <a:ext uri="{FF2B5EF4-FFF2-40B4-BE49-F238E27FC236}">
+                <a16:creationId xmlns:a16="http://schemas.microsoft.com/office/drawing/2014/main" id="{9927C35C-2F6A-4163-BCC5-7DC09DB02A07}"/>
+              </a:ext>
+            </a:extLst>
+          </p:cNvPr>
+          <p:cNvSpPr>
+            <a:spLocks noGrp="1"/>
+          </p:cNvSpPr>
+          <p:nvPr>
+            <p:ph type="title"/>
+          </p:nvPr>
+        </p:nvSpPr>
+        <p:spPr/>
+        <p:txBody>
+          <a:bodyPr/>
+          <a:lstStyle/>
+          <a:p>
+            <a:r>
+              <a:rPr lang="en-US" dirty="0"/>
+              <a:t>Power</a:t>
+            </a:r>
+          </a:p>
+        </p:txBody>
+      </p:sp>
+    </p:spTree>
+    <p:extLst>
+      <p:ext uri="{BB962C8B-B14F-4D97-AF65-F5344CB8AC3E}">
+        <p14:creationId xmlns:p14="http://schemas.microsoft.com/office/powerpoint/2010/main" val="307914613"/>
+      </p:ext>
+    </p:extLst>
+  </p:cSld>
+  <p:clrMapOvr>
+    <a:masterClrMapping/>
+  </p:clrMapOvr>
+</p:sld>
+</file>
+
+<file path=ppt/slides/slide73.xml><?xml version="1.0" encoding="utf-8"?>
+<p:sld xmlns:a="http://schemas.openxmlformats.org/drawingml/2006/main" xmlns:r="http://schemas.openxmlformats.org/officeDocument/2006/relationships" xmlns:p="http://schemas.openxmlformats.org/presentationml/2006/main">
+  <p:cSld>
+    <p:spTree>
+      <p:nvGrpSpPr>
+        <p:cNvPr id="1" name=""/>
+        <p:cNvGrpSpPr/>
+        <p:nvPr/>
+      </p:nvGrpSpPr>
+      <p:grpSpPr>
+        <a:xfrm>
+          <a:off x="0" y="0"/>
+          <a:ext cx="0" cy="0"/>
+          <a:chOff x="0" y="0"/>
+          <a:chExt cx="0" cy="0"/>
+        </a:xfrm>
+      </p:grpSpPr>
+      <p:pic>
+        <p:nvPicPr>
+          <p:cNvPr id="5" name="Content Placeholder 4" descr="A screenshot of a cell phone&#10;&#10;Description automatically generated">
+            <a:extLst>
+              <a:ext uri="{FF2B5EF4-FFF2-40B4-BE49-F238E27FC236}">
+                <a16:creationId xmlns:a16="http://schemas.microsoft.com/office/drawing/2014/main" id="{FBBBAA6C-484F-4E3B-95FB-76576A3C3260}"/>
+              </a:ext>
+            </a:extLst>
+          </p:cNvPr>
+          <p:cNvPicPr>
+            <a:picLocks noGrp="1" noChangeAspect="1"/>
+          </p:cNvPicPr>
+          <p:nvPr>
+            <p:ph idx="13"/>
+          </p:nvPr>
+        </p:nvPicPr>
+        <p:blipFill>
+          <a:blip r:embed="rId2"/>
+          <a:stretch>
+            <a:fillRect/>
+          </a:stretch>
+        </p:blipFill>
+        <p:spPr>
+          <a:xfrm>
+            <a:off x="3559681" y="1971371"/>
+            <a:ext cx="5477639" cy="2333951"/>
+          </a:xfrm>
+        </p:spPr>
+      </p:pic>
+      <p:sp>
+        <p:nvSpPr>
+          <p:cNvPr id="3" name="Title 2">
+            <a:extLst>
+              <a:ext uri="{FF2B5EF4-FFF2-40B4-BE49-F238E27FC236}">
+                <a16:creationId xmlns:a16="http://schemas.microsoft.com/office/drawing/2014/main" id="{F4741CFB-64E8-4761-B051-3F466F7681B2}"/>
+              </a:ext>
+            </a:extLst>
+          </p:cNvPr>
+          <p:cNvSpPr>
+            <a:spLocks noGrp="1"/>
+          </p:cNvSpPr>
+          <p:nvPr>
+            <p:ph type="title"/>
+          </p:nvPr>
+        </p:nvSpPr>
+        <p:spPr/>
+        <p:txBody>
+          <a:bodyPr/>
+          <a:lstStyle/>
+          <a:p>
+            <a:r>
+              <a:rPr lang="en-US" dirty="0"/>
+              <a:t>On very deep networks</a:t>
+            </a:r>
+          </a:p>
+        </p:txBody>
+      </p:sp>
+      <p:sp>
+        <p:nvSpPr>
+          <p:cNvPr id="6" name="Rectangle 5">
+            <a:extLst>
+              <a:ext uri="{FF2B5EF4-FFF2-40B4-BE49-F238E27FC236}">
+                <a16:creationId xmlns:a16="http://schemas.microsoft.com/office/drawing/2014/main" id="{DEF26D3D-A857-476F-A437-E324D81E184F}"/>
+              </a:ext>
+            </a:extLst>
+          </p:cNvPr>
+          <p:cNvSpPr/>
+          <p:nvPr/>
+        </p:nvSpPr>
+        <p:spPr>
+          <a:xfrm>
+            <a:off x="200590" y="1374763"/>
+            <a:ext cx="7891932" cy="369332"/>
+          </a:xfrm>
+          <a:prstGeom prst="rect">
+            <a:avLst/>
+          </a:prstGeom>
+        </p:spPr>
+        <p:txBody>
+          <a:bodyPr wrap="square">
+            <a:spAutoFit/>
+          </a:bodyPr>
+          <a:lstStyle/>
+          <a:p>
+            <a:r>
+              <a:rPr lang="en-US" dirty="0" err="1"/>
+              <a:t>vDNN’s</a:t>
+            </a:r>
+            <a:r>
+              <a:rPr lang="en-US" dirty="0"/>
+              <a:t> scalability</a:t>
+            </a:r>
+          </a:p>
+        </p:txBody>
+      </p:sp>
+      <mc:AlternateContent xmlns:mc="http://schemas.openxmlformats.org/markup-compatibility/2006">
+        <mc:Choice xmlns:a14="http://schemas.microsoft.com/office/drawing/2010/main" Requires="a14">
+          <p:sp>
+            <p:nvSpPr>
+              <p:cNvPr id="7" name="Rectangle 6">
+                <a:extLst>
+                  <a:ext uri="{FF2B5EF4-FFF2-40B4-BE49-F238E27FC236}">
+                    <a16:creationId xmlns:a16="http://schemas.microsoft.com/office/drawing/2014/main" id="{8CF1E072-8BBD-4762-BDC0-E280E9CFC120}"/>
+                  </a:ext>
+                </a:extLst>
+              </p:cNvPr>
+              <p:cNvSpPr/>
+              <p:nvPr/>
+            </p:nvSpPr>
+            <p:spPr>
+              <a:xfrm>
+                <a:off x="106680" y="1986528"/>
+                <a:ext cx="3538728" cy="3139321"/>
+              </a:xfrm>
+              <a:prstGeom prst="rect">
+                <a:avLst/>
+              </a:prstGeom>
+            </p:spPr>
+            <p:txBody>
+              <a:bodyPr wrap="square">
+                <a:spAutoFit/>
+              </a:bodyPr>
+              <a:lstStyle/>
+              <a:p>
+                <a:pPr marL="285750" indent="-285750">
+                  <a:buFont typeface="Arial" panose="020B0604020202020204" pitchFamily="34" charset="0"/>
+                  <a:buChar char="•"/>
+                </a:pPr>
+                <a14:m>
+                  <m:oMath xmlns:m="http://schemas.openxmlformats.org/officeDocument/2006/math">
+                    <m:r>
+                      <a:rPr lang="en-US" i="1" dirty="0" smtClean="0">
+                        <a:latin typeface="Cambria Math" panose="02040503050406030204" pitchFamily="18" charset="0"/>
+                      </a:rPr>
+                      <m:t>𝑣𝐷𝑁</m:t>
+                    </m:r>
+                    <m:sSub>
+                      <m:sSubPr>
+                        <m:ctrlPr>
+                          <a:rPr lang="en-US" b="0" i="1" dirty="0" smtClean="0">
+                            <a:latin typeface="Cambria Math" panose="02040503050406030204" pitchFamily="18" charset="0"/>
+                          </a:rPr>
+                        </m:ctrlPr>
+                      </m:sSubPr>
+                      <m:e>
+                        <m:r>
+                          <a:rPr lang="en-US" i="1" dirty="0" smtClean="0">
+                            <a:latin typeface="Cambria Math" panose="02040503050406030204" pitchFamily="18" charset="0"/>
+                          </a:rPr>
+                          <m:t>𝑁</m:t>
+                        </m:r>
+                      </m:e>
+                      <m:sub>
+                        <m:r>
+                          <a:rPr lang="en-US" b="0" i="1" dirty="0" smtClean="0">
+                            <a:latin typeface="Cambria Math" panose="02040503050406030204" pitchFamily="18" charset="0"/>
+                          </a:rPr>
+                          <m:t>𝑑𝑦𝑛</m:t>
+                        </m:r>
+                      </m:sub>
+                    </m:sSub>
+                  </m:oMath>
+                </a14:m>
+                <a:r>
+                  <a:rPr lang="en-US" dirty="0"/>
+                  <a:t> also did not incur any noticeable performance degradations </a:t>
+                </a:r>
+              </a:p>
+              <a:p>
+                <a:pPr marL="285750" indent="-285750">
+                  <a:buFont typeface="Arial" panose="020B0604020202020204" pitchFamily="34" charset="0"/>
+                  <a:buChar char="•"/>
+                </a:pPr>
+                <a:r>
+                  <a:rPr lang="en-US" dirty="0"/>
+                  <a:t>the offload and prefetch latency is completely hidden inside the layer’s DNN computations </a:t>
+                </a:r>
+              </a:p>
+              <a:p>
+                <a:pPr marL="285750" indent="-285750">
+                  <a:buFont typeface="Arial" panose="020B0604020202020204" pitchFamily="34" charset="0"/>
+                  <a:buChar char="•"/>
+                </a:pPr>
+                <a:r>
+                  <a:rPr lang="en-US" dirty="0"/>
+                  <a:t>still being able to employ the performance-optimal algorithms across the network.</a:t>
+                </a:r>
+              </a:p>
+            </p:txBody>
+          </p:sp>
+        </mc:Choice>
+        <mc:Fallback>
+          <p:sp>
+            <p:nvSpPr>
+              <p:cNvPr id="7" name="Rectangle 6">
+                <a:extLst>
+                  <a:ext uri="{FF2B5EF4-FFF2-40B4-BE49-F238E27FC236}">
+                    <a16:creationId xmlns:a16="http://schemas.microsoft.com/office/drawing/2014/main" id="{8CF1E072-8BBD-4762-BDC0-E280E9CFC120}"/>
+                  </a:ext>
+                </a:extLst>
+              </p:cNvPr>
+              <p:cNvSpPr>
+                <a:spLocks noRot="1" noChangeAspect="1" noMove="1" noResize="1" noEditPoints="1" noAdjustHandles="1" noChangeArrowheads="1" noChangeShapeType="1" noTextEdit="1"/>
+              </p:cNvSpPr>
+              <p:nvPr/>
+            </p:nvSpPr>
+            <p:spPr>
+              <a:xfrm>
+                <a:off x="106680" y="1986528"/>
+                <a:ext cx="3538728" cy="3139321"/>
+              </a:xfrm>
+              <a:prstGeom prst="rect">
+                <a:avLst/>
+              </a:prstGeom>
+              <a:blipFill>
+                <a:blip r:embed="rId3"/>
+                <a:stretch>
+                  <a:fillRect l="-1207" t="-1165" b="-2913"/>
+                </a:stretch>
+              </a:blipFill>
+            </p:spPr>
+            <p:txBody>
+              <a:bodyPr/>
+              <a:lstStyle/>
+              <a:p>
+                <a:r>
+                  <a:rPr lang="en-US">
+                    <a:noFill/>
+                  </a:rPr>
+                  <a:t> </a:t>
+                </a:r>
+              </a:p>
+            </p:txBody>
+          </p:sp>
+        </mc:Fallback>
+      </mc:AlternateContent>
+    </p:spTree>
+    <p:extLst>
+      <p:ext uri="{BB962C8B-B14F-4D97-AF65-F5344CB8AC3E}">
+        <p14:creationId xmlns:p14="http://schemas.microsoft.com/office/powerpoint/2010/main" val="2831086408"/>
+      </p:ext>
+    </p:extLst>
+  </p:cSld>
+  <p:clrMapOvr>
+    <a:masterClrMapping/>
+  </p:clrMapOvr>
+</p:sld>
+</file>
+
+<file path=ppt/slides/slide74.xml><?xml version="1.0" encoding="utf-8"?>
+<p:sld xmlns:a="http://schemas.openxmlformats.org/drawingml/2006/main" xmlns:r="http://schemas.openxmlformats.org/officeDocument/2006/relationships" xmlns:p="http://schemas.openxmlformats.org/presentationml/2006/main">
+  <p:cSld>
+    <p:spTree>
+      <p:nvGrpSpPr>
+        <p:cNvPr id="1" name=""/>
+        <p:cNvGrpSpPr/>
+        <p:nvPr/>
+      </p:nvGrpSpPr>
+      <p:grpSpPr>
+        <a:xfrm>
+          <a:off x="0" y="0"/>
+          <a:ext cx="0" cy="0"/>
+          <a:chOff x="0" y="0"/>
+          <a:chExt cx="0" cy="0"/>
+        </a:xfrm>
+      </p:grpSpPr>
+      <p:sp>
+        <p:nvSpPr>
+          <p:cNvPr id="2" name="Content Placeholder 1">
+            <a:extLst>
+              <a:ext uri="{FF2B5EF4-FFF2-40B4-BE49-F238E27FC236}">
+                <a16:creationId xmlns:a16="http://schemas.microsoft.com/office/drawing/2014/main" id="{2F962A42-C5CE-4784-A4EF-2AE4F6BDC495}"/>
+              </a:ext>
+            </a:extLst>
+          </p:cNvPr>
+          <p:cNvSpPr>
+            <a:spLocks noGrp="1"/>
+          </p:cNvSpPr>
+          <p:nvPr>
+            <p:ph idx="13"/>
+          </p:nvPr>
+        </p:nvSpPr>
+        <p:spPr/>
+        <p:txBody>
+          <a:bodyPr/>
+          <a:lstStyle/>
+          <a:p>
+            <a:pPr marL="342900" indent="-342900">
+              <a:buFont typeface="Arial" panose="020B0604020202020204" pitchFamily="34" charset="0"/>
+              <a:buChar char="•"/>
+            </a:pPr>
+            <a:r>
+              <a:rPr lang="en-US" dirty="0"/>
+              <a:t>A scalable, memory-efficient runtime memory manager</a:t>
+            </a:r>
+          </a:p>
+          <a:p>
+            <a:pPr marL="342900" indent="-342900">
+              <a:buFont typeface="Arial" panose="020B0604020202020204" pitchFamily="34" charset="0"/>
+              <a:buChar char="•"/>
+            </a:pPr>
+            <a:r>
+              <a:rPr lang="en-US" dirty="0"/>
+              <a:t>Reduces the average GPU memory usage</a:t>
+            </a:r>
+          </a:p>
+          <a:p>
+            <a:pPr marL="342900" indent="-342900">
+              <a:buFont typeface="Arial" panose="020B0604020202020204" pitchFamily="34" charset="0"/>
+              <a:buChar char="•"/>
+            </a:pPr>
+            <a:r>
+              <a:rPr lang="en-US" dirty="0"/>
+              <a:t>Balance memory saving and performance</a:t>
+            </a:r>
+          </a:p>
+        </p:txBody>
+      </p:sp>
+      <p:sp>
+        <p:nvSpPr>
+          <p:cNvPr id="3" name="Title 2">
+            <a:extLst>
+              <a:ext uri="{FF2B5EF4-FFF2-40B4-BE49-F238E27FC236}">
+                <a16:creationId xmlns:a16="http://schemas.microsoft.com/office/drawing/2014/main" id="{79E146E3-7265-4CA5-B85F-8ACD7610799B}"/>
+              </a:ext>
+            </a:extLst>
+          </p:cNvPr>
+          <p:cNvSpPr>
+            <a:spLocks noGrp="1"/>
+          </p:cNvSpPr>
+          <p:nvPr>
+            <p:ph type="title"/>
+          </p:nvPr>
+        </p:nvSpPr>
+        <p:spPr/>
+        <p:txBody>
+          <a:bodyPr/>
+          <a:lstStyle/>
+          <a:p>
+            <a:r>
+              <a:rPr lang="en-US" dirty="0"/>
+              <a:t>Conclusion</a:t>
+            </a:r>
+          </a:p>
+        </p:txBody>
+      </p:sp>
+    </p:spTree>
+    <p:extLst>
+      <p:ext uri="{BB962C8B-B14F-4D97-AF65-F5344CB8AC3E}">
+        <p14:creationId xmlns:p14="http://schemas.microsoft.com/office/powerpoint/2010/main" val="4253406095"/>
       </p:ext>
     </p:extLst>
   </p:cSld>

--- a/presentation/presentation.pptx
+++ b/presentation/presentation.pptx
@@ -6,10 +6,10 @@
     <p:sldMasterId id="2147483751" r:id="rId2"/>
   </p:sldMasterIdLst>
   <p:notesMasterIdLst>
-    <p:notesMasterId r:id="rId77"/>
+    <p:notesMasterId r:id="rId79"/>
   </p:notesMasterIdLst>
   <p:handoutMasterIdLst>
-    <p:handoutMasterId r:id="rId78"/>
+    <p:handoutMasterId r:id="rId80"/>
   </p:handoutMasterIdLst>
   <p:sldIdLst>
     <p:sldId id="256" r:id="rId3"/>
@@ -53,39 +53,41 @@
     <p:sldId id="298" r:id="rId41"/>
     <p:sldId id="299" r:id="rId42"/>
     <p:sldId id="302" r:id="rId43"/>
-    <p:sldId id="303" r:id="rId44"/>
-    <p:sldId id="304" r:id="rId45"/>
-    <p:sldId id="306" r:id="rId46"/>
-    <p:sldId id="307" r:id="rId47"/>
-    <p:sldId id="308" r:id="rId48"/>
-    <p:sldId id="305" r:id="rId49"/>
-    <p:sldId id="312" r:id="rId50"/>
-    <p:sldId id="309" r:id="rId51"/>
-    <p:sldId id="310" r:id="rId52"/>
-    <p:sldId id="311" r:id="rId53"/>
-    <p:sldId id="313" r:id="rId54"/>
-    <p:sldId id="314" r:id="rId55"/>
-    <p:sldId id="315" r:id="rId56"/>
-    <p:sldId id="316" r:id="rId57"/>
-    <p:sldId id="318" r:id="rId58"/>
-    <p:sldId id="317" r:id="rId59"/>
-    <p:sldId id="322" r:id="rId60"/>
-    <p:sldId id="321" r:id="rId61"/>
-    <p:sldId id="319" r:id="rId62"/>
-    <p:sldId id="320" r:id="rId63"/>
-    <p:sldId id="323" r:id="rId64"/>
-    <p:sldId id="324" r:id="rId65"/>
-    <p:sldId id="325" r:id="rId66"/>
-    <p:sldId id="326" r:id="rId67"/>
-    <p:sldId id="327" r:id="rId68"/>
-    <p:sldId id="328" r:id="rId69"/>
-    <p:sldId id="329" r:id="rId70"/>
-    <p:sldId id="330" r:id="rId71"/>
-    <p:sldId id="331" r:id="rId72"/>
-    <p:sldId id="332" r:id="rId73"/>
-    <p:sldId id="333" r:id="rId74"/>
-    <p:sldId id="334" r:id="rId75"/>
-    <p:sldId id="335" r:id="rId76"/>
+    <p:sldId id="336" r:id="rId44"/>
+    <p:sldId id="303" r:id="rId45"/>
+    <p:sldId id="304" r:id="rId46"/>
+    <p:sldId id="306" r:id="rId47"/>
+    <p:sldId id="307" r:id="rId48"/>
+    <p:sldId id="308" r:id="rId49"/>
+    <p:sldId id="305" r:id="rId50"/>
+    <p:sldId id="312" r:id="rId51"/>
+    <p:sldId id="309" r:id="rId52"/>
+    <p:sldId id="310" r:id="rId53"/>
+    <p:sldId id="337" r:id="rId54"/>
+    <p:sldId id="311" r:id="rId55"/>
+    <p:sldId id="313" r:id="rId56"/>
+    <p:sldId id="314" r:id="rId57"/>
+    <p:sldId id="315" r:id="rId58"/>
+    <p:sldId id="316" r:id="rId59"/>
+    <p:sldId id="318" r:id="rId60"/>
+    <p:sldId id="317" r:id="rId61"/>
+    <p:sldId id="322" r:id="rId62"/>
+    <p:sldId id="321" r:id="rId63"/>
+    <p:sldId id="319" r:id="rId64"/>
+    <p:sldId id="320" r:id="rId65"/>
+    <p:sldId id="323" r:id="rId66"/>
+    <p:sldId id="324" r:id="rId67"/>
+    <p:sldId id="325" r:id="rId68"/>
+    <p:sldId id="326" r:id="rId69"/>
+    <p:sldId id="327" r:id="rId70"/>
+    <p:sldId id="328" r:id="rId71"/>
+    <p:sldId id="329" r:id="rId72"/>
+    <p:sldId id="330" r:id="rId73"/>
+    <p:sldId id="331" r:id="rId74"/>
+    <p:sldId id="332" r:id="rId75"/>
+    <p:sldId id="333" r:id="rId76"/>
+    <p:sldId id="334" r:id="rId77"/>
+    <p:sldId id="335" r:id="rId78"/>
   </p:sldIdLst>
   <p:sldSz cx="9144000" cy="5143500" type="screen16x9"/>
   <p:notesSz cx="6858000" cy="9144000"/>
@@ -230,6 +232,7 @@
             <p14:sldId id="298"/>
             <p14:sldId id="299"/>
             <p14:sldId id="302"/>
+            <p14:sldId id="336"/>
             <p14:sldId id="303"/>
             <p14:sldId id="304"/>
             <p14:sldId id="306"/>
@@ -239,6 +242,7 @@
             <p14:sldId id="312"/>
             <p14:sldId id="309"/>
             <p14:sldId id="310"/>
+            <p14:sldId id="337"/>
             <p14:sldId id="311"/>
             <p14:sldId id="313"/>
             <p14:sldId id="314"/>
@@ -395,7 +399,7 @@
           </a:lstStyle>
           <a:p>
             <a:fld id="{9A5B6E0F-1DB3-5A43-B8F9-5E1E696749DF}" type="datetimeFigureOut">
-              <a:t>10/26/2019</a:t>
+              <a:t>10/31/2019</a:t>
             </a:fld>
             <a:endParaRPr lang="en-US"/>
           </a:p>
@@ -558,7 +562,7 @@
           </a:lstStyle>
           <a:p>
             <a:fld id="{C61BC211-ACBD-CB48-B939-364088D2CD6D}" type="datetimeFigureOut">
-              <a:t>10/26/2019</a:t>
+              <a:t>10/31/2019</a:t>
             </a:fld>
             <a:endParaRPr lang="en-US"/>
           </a:p>
@@ -1006,42 +1010,6 @@
           <a:bodyPr/>
           <a:lstStyle/>
           <a:p>
-            <a:r>
-              <a:rPr lang="en-US" sz="1200" b="0" i="0" kern="1200" dirty="0">
-                <a:solidFill>
-                  <a:schemeClr val="tx1"/>
-                </a:solidFill>
-                <a:effectLst/>
-                <a:latin typeface="+mn-lt"/>
-                <a:ea typeface="+mn-ea"/>
-                <a:cs typeface="+mn-cs"/>
-              </a:rPr>
-              <a:t>Pinned memory is memory allocated using the </a:t>
-            </a:r>
-            <a:r>
-              <a:rPr lang="en-US" sz="1200" b="0" i="1" kern="1200" dirty="0" err="1">
-                <a:solidFill>
-                  <a:schemeClr val="tx1"/>
-                </a:solidFill>
-                <a:effectLst/>
-                <a:latin typeface="+mn-lt"/>
-                <a:ea typeface="+mn-ea"/>
-                <a:cs typeface="+mn-cs"/>
-              </a:rPr>
-              <a:t>cudaMallocHost</a:t>
-            </a:r>
-            <a:r>
-              <a:rPr lang="en-US" sz="1200" b="0" i="0" kern="1200" dirty="0">
-                <a:solidFill>
-                  <a:schemeClr val="tx1"/>
-                </a:solidFill>
-                <a:effectLst/>
-                <a:latin typeface="+mn-lt"/>
-                <a:ea typeface="+mn-ea"/>
-                <a:cs typeface="+mn-cs"/>
-              </a:rPr>
-              <a:t> function, which prevents the memory from being swapped out and provides improved transfer speeds. </a:t>
-            </a:r>
             <a:endParaRPr lang="en-US" dirty="0"/>
           </a:p>
         </p:txBody>
@@ -1063,7 +1031,7 @@
           <a:p>
             <a:fld id="{D904D311-73F7-5D42-B843-E8305C73070F}" type="slidenum">
               <a:rPr lang="en-US" smtClean="0"/>
-              <a:t>57</a:t>
+              <a:t>48</a:t>
             </a:fld>
             <a:endParaRPr lang="en-US"/>
           </a:p>
@@ -1072,7 +1040,7 @@
     </p:spTree>
     <p:extLst>
       <p:ext uri="{BB962C8B-B14F-4D97-AF65-F5344CB8AC3E}">
-        <p14:creationId xmlns:p14="http://schemas.microsoft.com/office/powerpoint/2010/main" val="778358141"/>
+        <p14:creationId xmlns:p14="http://schemas.microsoft.com/office/powerpoint/2010/main" val="1711825162"/>
       </p:ext>
     </p:extLst>
   </p:cSld>
@@ -1127,26 +1095,322 @@
           <a:lstStyle/>
           <a:p>
             <a:r>
-              <a:rPr lang="en-US" dirty="0"/>
-              <a:t>In other words, prefetching data too early in time will again </a:t>
-            </a:r>
-            <a:r>
-              <a:rPr lang="en-US" dirty="0" err="1"/>
-              <a:t>suboptimally</a:t>
-            </a:r>
-            <a:r>
-              <a:rPr lang="en-US" dirty="0"/>
-              <a:t> utilize GPU memory as the prefetched data will once again camp inside the GPU memory without immediate usage.</a:t>
-            </a:r>
-          </a:p>
-          <a:p>
-            <a:r>
-              <a:rPr lang="en-US" dirty="0"/>
-              <a:t>Consequently, any prefetch operation launched during layer(n) ’s backward computation is guaranteed to be ready before layer(n−1)’s computation</a:t>
-            </a:r>
-          </a:p>
-          <a:p>
-            <a:endParaRPr lang="en-US" dirty="0"/>
+              <a:rPr lang="en-US" sz="1200" b="0" i="0" kern="1200" dirty="0" smtClean="0">
+                <a:solidFill>
+                  <a:schemeClr val="tx1"/>
+                </a:solidFill>
+                <a:effectLst/>
+                <a:latin typeface="+mn-lt"/>
+                <a:ea typeface="+mn-ea"/>
+                <a:cs typeface="+mn-cs"/>
+              </a:rPr>
+              <a:t>A </a:t>
+            </a:r>
+            <a:r>
+              <a:rPr lang="en-US" sz="1200" b="1" i="0" kern="1200" dirty="0" smtClean="0">
+                <a:solidFill>
+                  <a:schemeClr val="tx1"/>
+                </a:solidFill>
+                <a:effectLst/>
+                <a:latin typeface="+mn-lt"/>
+                <a:ea typeface="+mn-ea"/>
+                <a:cs typeface="+mn-cs"/>
+              </a:rPr>
+              <a:t>page</a:t>
+            </a:r>
+            <a:r>
+              <a:rPr lang="en-US" sz="1200" b="0" i="0" kern="1200" dirty="0" smtClean="0">
+                <a:solidFill>
+                  <a:schemeClr val="tx1"/>
+                </a:solidFill>
+                <a:effectLst/>
+                <a:latin typeface="+mn-lt"/>
+                <a:ea typeface="+mn-ea"/>
+                <a:cs typeface="+mn-cs"/>
+              </a:rPr>
+              <a:t>, </a:t>
+            </a:r>
+            <a:r>
+              <a:rPr lang="en-US" sz="1200" b="1" i="0" kern="1200" dirty="0" smtClean="0">
+                <a:solidFill>
+                  <a:schemeClr val="tx1"/>
+                </a:solidFill>
+                <a:effectLst/>
+                <a:latin typeface="+mn-lt"/>
+                <a:ea typeface="+mn-ea"/>
+                <a:cs typeface="+mn-cs"/>
+              </a:rPr>
+              <a:t>memory page</a:t>
+            </a:r>
+            <a:r>
+              <a:rPr lang="en-US" sz="1200" b="0" i="0" kern="1200" dirty="0" smtClean="0">
+                <a:solidFill>
+                  <a:schemeClr val="tx1"/>
+                </a:solidFill>
+                <a:effectLst/>
+                <a:latin typeface="+mn-lt"/>
+                <a:ea typeface="+mn-ea"/>
+                <a:cs typeface="+mn-cs"/>
+              </a:rPr>
+              <a:t>, or </a:t>
+            </a:r>
+            <a:r>
+              <a:rPr lang="en-US" sz="1200" b="1" i="0" kern="1200" dirty="0" smtClean="0">
+                <a:solidFill>
+                  <a:schemeClr val="tx1"/>
+                </a:solidFill>
+                <a:effectLst/>
+                <a:latin typeface="+mn-lt"/>
+                <a:ea typeface="+mn-ea"/>
+                <a:cs typeface="+mn-cs"/>
+              </a:rPr>
+              <a:t>virtual page</a:t>
+            </a:r>
+            <a:r>
+              <a:rPr lang="en-US" sz="1200" b="0" i="0" kern="1200" dirty="0" smtClean="0">
+                <a:solidFill>
+                  <a:schemeClr val="tx1"/>
+                </a:solidFill>
+                <a:effectLst/>
+                <a:latin typeface="+mn-lt"/>
+                <a:ea typeface="+mn-ea"/>
+                <a:cs typeface="+mn-cs"/>
+              </a:rPr>
+              <a:t> is a fixed-length contiguous block of </a:t>
+            </a:r>
+            <a:r>
+              <a:rPr lang="en-US" sz="1200" b="0" i="0" u="none" strike="noStrike" kern="1200" dirty="0" smtClean="0">
+                <a:solidFill>
+                  <a:schemeClr val="tx1"/>
+                </a:solidFill>
+                <a:effectLst/>
+                <a:latin typeface="+mn-lt"/>
+                <a:ea typeface="+mn-ea"/>
+                <a:cs typeface="+mn-cs"/>
+                <a:hlinkClick r:id="rId3" tooltip="Virtual memory"/>
+              </a:rPr>
+              <a:t>virtual memory</a:t>
+            </a:r>
+            <a:r>
+              <a:rPr lang="en-US" sz="1200" b="0" i="0" kern="1200" dirty="0" smtClean="0">
+                <a:solidFill>
+                  <a:schemeClr val="tx1"/>
+                </a:solidFill>
+                <a:effectLst/>
+                <a:latin typeface="+mn-lt"/>
+                <a:ea typeface="+mn-ea"/>
+                <a:cs typeface="+mn-cs"/>
+              </a:rPr>
+              <a:t>, described by a single entry in the </a:t>
+            </a:r>
+            <a:r>
+              <a:rPr lang="en-US" sz="1200" b="0" i="0" u="none" strike="noStrike" kern="1200" dirty="0" smtClean="0">
+                <a:solidFill>
+                  <a:schemeClr val="tx1"/>
+                </a:solidFill>
+                <a:effectLst/>
+                <a:latin typeface="+mn-lt"/>
+                <a:ea typeface="+mn-ea"/>
+                <a:cs typeface="+mn-cs"/>
+                <a:hlinkClick r:id="rId4" tooltip="Page table"/>
+              </a:rPr>
+              <a:t>page table</a:t>
+            </a:r>
+            <a:r>
+              <a:rPr lang="en-US" sz="1200" b="0" i="0" kern="1200" dirty="0" smtClean="0">
+                <a:solidFill>
+                  <a:schemeClr val="tx1"/>
+                </a:solidFill>
+                <a:effectLst/>
+                <a:latin typeface="+mn-lt"/>
+                <a:ea typeface="+mn-ea"/>
+                <a:cs typeface="+mn-cs"/>
+              </a:rPr>
+              <a:t>. It is the smallest unit of data for memory management in a virtual memory </a:t>
+            </a:r>
+            <a:r>
+              <a:rPr lang="en-US" sz="1200" b="0" i="0" u="none" strike="noStrike" kern="1200" dirty="0" smtClean="0">
+                <a:solidFill>
+                  <a:schemeClr val="tx1"/>
+                </a:solidFill>
+                <a:effectLst/>
+                <a:latin typeface="+mn-lt"/>
+                <a:ea typeface="+mn-ea"/>
+                <a:cs typeface="+mn-cs"/>
+                <a:hlinkClick r:id="rId5" tooltip="Operating system"/>
+              </a:rPr>
+              <a:t>operating system</a:t>
+            </a:r>
+            <a:r>
+              <a:rPr lang="en-US" sz="1200" b="0" i="0" kern="1200" dirty="0" smtClean="0">
+                <a:solidFill>
+                  <a:schemeClr val="tx1"/>
+                </a:solidFill>
+                <a:effectLst/>
+                <a:latin typeface="+mn-lt"/>
+                <a:ea typeface="+mn-ea"/>
+                <a:cs typeface="+mn-cs"/>
+              </a:rPr>
+              <a:t>. Similarly, a </a:t>
+            </a:r>
+            <a:r>
+              <a:rPr lang="en-US" sz="1200" b="1" i="0" kern="1200" dirty="0" smtClean="0">
+                <a:solidFill>
+                  <a:schemeClr val="tx1"/>
+                </a:solidFill>
+                <a:effectLst/>
+                <a:latin typeface="+mn-lt"/>
+                <a:ea typeface="+mn-ea"/>
+                <a:cs typeface="+mn-cs"/>
+              </a:rPr>
+              <a:t>page frame</a:t>
+            </a:r>
+            <a:r>
+              <a:rPr lang="en-US" sz="1200" b="0" i="0" kern="1200" dirty="0" smtClean="0">
+                <a:solidFill>
+                  <a:schemeClr val="tx1"/>
+                </a:solidFill>
+                <a:effectLst/>
+                <a:latin typeface="+mn-lt"/>
+                <a:ea typeface="+mn-ea"/>
+                <a:cs typeface="+mn-cs"/>
+              </a:rPr>
+              <a:t> is the smallest fixed-length contiguous block of </a:t>
+            </a:r>
+            <a:r>
+              <a:rPr lang="en-US" sz="1200" b="0" i="0" u="none" strike="noStrike" kern="1200" dirty="0" smtClean="0">
+                <a:solidFill>
+                  <a:schemeClr val="tx1"/>
+                </a:solidFill>
+                <a:effectLst/>
+                <a:latin typeface="+mn-lt"/>
+                <a:ea typeface="+mn-ea"/>
+                <a:cs typeface="+mn-cs"/>
+                <a:hlinkClick r:id="rId6" tooltip="Physical memory"/>
+              </a:rPr>
+              <a:t>physical memory</a:t>
+            </a:r>
+            <a:r>
+              <a:rPr lang="en-US" sz="1200" b="0" i="0" kern="1200" dirty="0" smtClean="0">
+                <a:solidFill>
+                  <a:schemeClr val="tx1"/>
+                </a:solidFill>
+                <a:effectLst/>
+                <a:latin typeface="+mn-lt"/>
+                <a:ea typeface="+mn-ea"/>
+                <a:cs typeface="+mn-cs"/>
+              </a:rPr>
+              <a:t> into which memory pages are mapped by the operating system.</a:t>
+            </a:r>
+            <a:r>
+              <a:rPr lang="en-US" sz="1200" b="0" i="0" u="none" strike="noStrike" kern="1200" baseline="30000" dirty="0" smtClean="0">
+                <a:solidFill>
+                  <a:schemeClr val="tx1"/>
+                </a:solidFill>
+                <a:effectLst/>
+                <a:latin typeface="+mn-lt"/>
+                <a:ea typeface="+mn-ea"/>
+                <a:cs typeface="+mn-cs"/>
+                <a:hlinkClick r:id="rId7"/>
+              </a:rPr>
+              <a:t>[1]</a:t>
+            </a:r>
+            <a:r>
+              <a:rPr lang="en-US" sz="1200" b="0" i="0" u="none" strike="noStrike" kern="1200" baseline="30000" dirty="0" smtClean="0">
+                <a:solidFill>
+                  <a:schemeClr val="tx1"/>
+                </a:solidFill>
+                <a:effectLst/>
+                <a:latin typeface="+mn-lt"/>
+                <a:ea typeface="+mn-ea"/>
+                <a:cs typeface="+mn-cs"/>
+                <a:hlinkClick r:id="rId8"/>
+              </a:rPr>
+              <a:t>[2]</a:t>
+            </a:r>
+            <a:r>
+              <a:rPr lang="en-US" sz="1200" b="0" i="0" u="none" strike="noStrike" kern="1200" baseline="30000" dirty="0" smtClean="0">
+                <a:solidFill>
+                  <a:schemeClr val="tx1"/>
+                </a:solidFill>
+                <a:effectLst/>
+                <a:latin typeface="+mn-lt"/>
+                <a:ea typeface="+mn-ea"/>
+                <a:cs typeface="+mn-cs"/>
+                <a:hlinkClick r:id="rId9"/>
+              </a:rPr>
+              <a:t>[3]</a:t>
+            </a:r>
+            <a:endParaRPr lang="en-US" sz="1200" b="0" i="0" kern="1200" dirty="0" smtClean="0">
+              <a:solidFill>
+                <a:schemeClr val="tx1"/>
+              </a:solidFill>
+              <a:effectLst/>
+              <a:latin typeface="+mn-lt"/>
+              <a:ea typeface="+mn-ea"/>
+              <a:cs typeface="+mn-cs"/>
+            </a:endParaRPr>
+          </a:p>
+          <a:p>
+            <a:r>
+              <a:rPr lang="en-US" sz="1200" b="0" i="0" kern="1200" dirty="0" smtClean="0">
+                <a:solidFill>
+                  <a:schemeClr val="tx1"/>
+                </a:solidFill>
+                <a:effectLst/>
+                <a:latin typeface="+mn-lt"/>
+                <a:ea typeface="+mn-ea"/>
+                <a:cs typeface="+mn-cs"/>
+              </a:rPr>
+              <a:t>A transfer of pages between main memory and an auxiliary store, such as a hard disk drive, is referred to as </a:t>
+            </a:r>
+            <a:r>
+              <a:rPr lang="en-US" sz="1200" b="0" i="0" u="none" strike="noStrike" kern="1200" dirty="0" smtClean="0">
+                <a:solidFill>
+                  <a:schemeClr val="tx1"/>
+                </a:solidFill>
+                <a:effectLst/>
+                <a:latin typeface="+mn-lt"/>
+                <a:ea typeface="+mn-ea"/>
+                <a:cs typeface="+mn-cs"/>
+                <a:hlinkClick r:id="rId10" tooltip="Paging"/>
+              </a:rPr>
+              <a:t>paging</a:t>
+            </a:r>
+            <a:r>
+              <a:rPr lang="en-US" sz="1200" b="0" i="0" kern="1200" dirty="0" smtClean="0">
+                <a:solidFill>
+                  <a:schemeClr val="tx1"/>
+                </a:solidFill>
+                <a:effectLst/>
+                <a:latin typeface="+mn-lt"/>
+                <a:ea typeface="+mn-ea"/>
+                <a:cs typeface="+mn-cs"/>
+              </a:rPr>
+              <a:t> or swapping.</a:t>
+            </a:r>
+            <a:r>
+              <a:rPr lang="en-US" sz="1200" b="0" i="0" u="none" strike="noStrike" kern="1200" baseline="30000" dirty="0" smtClean="0">
+                <a:solidFill>
+                  <a:schemeClr val="tx1"/>
+                </a:solidFill>
+                <a:effectLst/>
+                <a:latin typeface="+mn-lt"/>
+                <a:ea typeface="+mn-ea"/>
+                <a:cs typeface="+mn-cs"/>
+                <a:hlinkClick r:id="rId11"/>
+              </a:rPr>
+              <a:t>[4]</a:t>
+            </a:r>
+            <a:endParaRPr lang="en-US" sz="1200" b="0" i="0" kern="1200" dirty="0" smtClean="0">
+              <a:solidFill>
+                <a:schemeClr val="tx1"/>
+              </a:solidFill>
+              <a:effectLst/>
+              <a:latin typeface="+mn-lt"/>
+              <a:ea typeface="+mn-ea"/>
+              <a:cs typeface="+mn-cs"/>
+            </a:endParaRPr>
           </a:p>
           <a:p>
             <a:endParaRPr lang="en-US" dirty="0"/>
@@ -1160,7 +1424,7 @@
             <a:spLocks noGrp="1"/>
           </p:cNvSpPr>
           <p:nvPr>
-            <p:ph type="sldNum" sz="quarter" idx="5"/>
+            <p:ph type="sldNum" sz="quarter" idx="10"/>
           </p:nvPr>
         </p:nvSpPr>
         <p:spPr/>
@@ -1170,7 +1434,7 @@
           <a:p>
             <a:fld id="{D904D311-73F7-5D42-B843-E8305C73070F}" type="slidenum">
               <a:rPr lang="en-US" smtClean="0"/>
-              <a:t>59</a:t>
+              <a:t>49</a:t>
             </a:fld>
             <a:endParaRPr lang="en-US"/>
           </a:p>
@@ -1179,7 +1443,7 @@
     </p:spTree>
     <p:extLst>
       <p:ext uri="{BB962C8B-B14F-4D97-AF65-F5344CB8AC3E}">
-        <p14:creationId xmlns:p14="http://schemas.microsoft.com/office/powerpoint/2010/main" val="3844929703"/>
+        <p14:creationId xmlns:p14="http://schemas.microsoft.com/office/powerpoint/2010/main" val="1856912314"/>
       </p:ext>
     </p:extLst>
   </p:cSld>
@@ -1235,30 +1499,7 @@
           <a:p>
             <a:r>
               <a:rPr lang="en-US" dirty="0"/>
-              <a:t>The baseline is the normal process of training. From forward propagation 1 to n, then backward propagation n to1.</a:t>
-            </a:r>
-          </a:p>
-          <a:p>
-            <a:endParaRPr lang="en-US" dirty="0"/>
-          </a:p>
-          <a:p>
-            <a:r>
-              <a:rPr lang="en-US" dirty="0"/>
-              <a:t>In the </a:t>
-            </a:r>
-            <a:r>
-              <a:rPr lang="en-US" dirty="0" err="1"/>
-              <a:t>vDNN</a:t>
-            </a:r>
-            <a:r>
-              <a:rPr lang="en-US" dirty="0"/>
-              <a:t>, it’s all the same, but with memory allocation and transfer. </a:t>
-            </a:r>
-          </a:p>
-          <a:p>
-            <a:r>
-              <a:rPr lang="en-US" dirty="0"/>
-              <a:t>If offload or prefetch process is longer than the actual propagation, then it has to wait.</a:t>
+              <a:t>ML frameworks will suffer from huge performance penalties when relying on page-migration for training DNNs. </a:t>
             </a:r>
           </a:p>
         </p:txBody>
@@ -1280,7 +1521,7 @@
           <a:p>
             <a:fld id="{D904D311-73F7-5D42-B843-E8305C73070F}" type="slidenum">
               <a:rPr lang="en-US" smtClean="0"/>
-              <a:t>60</a:t>
+              <a:t>50</a:t>
             </a:fld>
             <a:endParaRPr lang="en-US"/>
           </a:p>
@@ -1289,7 +1530,7 @@
     </p:spTree>
     <p:extLst>
       <p:ext uri="{BB962C8B-B14F-4D97-AF65-F5344CB8AC3E}">
-        <p14:creationId xmlns:p14="http://schemas.microsoft.com/office/powerpoint/2010/main" val="3400057104"/>
+        <p14:creationId xmlns:p14="http://schemas.microsoft.com/office/powerpoint/2010/main" val="3649075859"/>
       </p:ext>
     </p:extLst>
   </p:cSld>
@@ -1343,10 +1584,7 @@
           <a:bodyPr/>
           <a:lstStyle/>
           <a:p>
-            <a:r>
-              <a:rPr lang="en-US" dirty="0"/>
-              <a:t>. The feature extraction layers are conceptually divided into five groups of CONV layers, separated by the intermediate POOL layers. The only difference among these CONV layer groups is that the number of output feature maps grows from 64 to 512, from the first to the last layer group.</a:t>
-            </a:r>
+            <a:endParaRPr lang="en-US" dirty="0"/>
           </a:p>
         </p:txBody>
       </p:sp>
@@ -1357,7 +1595,7 @@
             <a:spLocks noGrp="1"/>
           </p:cNvSpPr>
           <p:nvPr>
-            <p:ph type="sldNum" sz="quarter" idx="5"/>
+            <p:ph type="sldNum" sz="quarter" idx="10"/>
           </p:nvPr>
         </p:nvSpPr>
         <p:spPr/>
@@ -1367,7 +1605,7 @@
           <a:p>
             <a:fld id="{D904D311-73F7-5D42-B843-E8305C73070F}" type="slidenum">
               <a:rPr lang="en-US" smtClean="0"/>
-              <a:t>66</a:t>
+              <a:t>51</a:t>
             </a:fld>
             <a:endParaRPr lang="en-US"/>
           </a:p>
@@ -1376,7 +1614,7 @@
     </p:spTree>
     <p:extLst>
       <p:ext uri="{BB962C8B-B14F-4D97-AF65-F5344CB8AC3E}">
-        <p14:creationId xmlns:p14="http://schemas.microsoft.com/office/powerpoint/2010/main" val="408226949"/>
+        <p14:creationId xmlns:p14="http://schemas.microsoft.com/office/powerpoint/2010/main" val="2614637527"/>
       </p:ext>
     </p:extLst>
   </p:cSld>
@@ -1431,25 +1669,401 @@
           <a:lstStyle/>
           <a:p>
             <a:r>
-              <a:rPr lang="en-US" dirty="0"/>
-              <a:t>Overall, </a:t>
-            </a:r>
-            <a:r>
-              <a:rPr lang="en-US" dirty="0" err="1"/>
-              <a:t>vDNNall</a:t>
-            </a:r>
-            <a:r>
-              <a:rPr lang="en-US" dirty="0"/>
-              <a:t> and </a:t>
-            </a:r>
-            <a:r>
-              <a:rPr lang="en-US" dirty="0" err="1"/>
-              <a:t>vDNNconv</a:t>
-            </a:r>
-            <a:r>
-              <a:rPr lang="en-US" dirty="0"/>
-              <a:t> with memory-optimal algorithms exhibit an average 58% and 55% performance loss (maximum 65% and 63% degradation) compared to baseline</a:t>
-            </a:r>
+              <a:rPr lang="en-US" sz="1200" b="1" i="0" kern="1200" dirty="0" smtClean="0">
+                <a:solidFill>
+                  <a:schemeClr val="tx1"/>
+                </a:solidFill>
+                <a:effectLst/>
+                <a:latin typeface="+mn-lt"/>
+                <a:ea typeface="+mn-ea"/>
+                <a:cs typeface="+mn-cs"/>
+              </a:rPr>
+              <a:t>Arithmetic intensity</a:t>
+            </a:r>
+            <a:r>
+              <a:rPr lang="en-US" sz="1200" b="0" i="0" kern="1200" dirty="0" smtClean="0">
+                <a:solidFill>
+                  <a:schemeClr val="tx1"/>
+                </a:solidFill>
+                <a:effectLst/>
+                <a:latin typeface="+mn-lt"/>
+                <a:ea typeface="+mn-ea"/>
+                <a:cs typeface="+mn-cs"/>
+              </a:rPr>
+              <a:t> is a measure of floating-point operations (FLOPs) performed by a given code (or code section) relative to the amount of memory accesses (Bytes) that are required to support those operations. It is most often defined as a FLOP per Byte ratio (F/B).</a:t>
+            </a:r>
+          </a:p>
+          <a:p>
+            <a:r>
+              <a:rPr lang="en-US" sz="1200" b="0" i="0" kern="1200" dirty="0" smtClean="0">
+                <a:solidFill>
+                  <a:schemeClr val="tx1"/>
+                </a:solidFill>
+                <a:effectLst/>
+                <a:latin typeface="+mn-lt"/>
+                <a:ea typeface="+mn-ea"/>
+                <a:cs typeface="+mn-cs"/>
+              </a:rPr>
+              <a:t>You</a:t>
+            </a:r>
+            <a:r>
+              <a:rPr lang="en-US" sz="1200" b="0" i="0" kern="1200" baseline="0" dirty="0" smtClean="0">
+                <a:solidFill>
+                  <a:schemeClr val="tx1"/>
+                </a:solidFill>
+                <a:effectLst/>
+                <a:latin typeface="+mn-lt"/>
+                <a:ea typeface="+mn-ea"/>
+                <a:cs typeface="+mn-cs"/>
+              </a:rPr>
+              <a:t> can imagine a </a:t>
+            </a:r>
+            <a:endParaRPr lang="en-US" dirty="0"/>
+          </a:p>
+        </p:txBody>
+      </p:sp>
+      <p:sp>
+        <p:nvSpPr>
+          <p:cNvPr id="4" name="Slide Number Placeholder 3"/>
+          <p:cNvSpPr>
+            <a:spLocks noGrp="1"/>
+          </p:cNvSpPr>
+          <p:nvPr>
+            <p:ph type="sldNum" sz="quarter" idx="10"/>
+          </p:nvPr>
+        </p:nvSpPr>
+        <p:spPr/>
+        <p:txBody>
+          <a:bodyPr/>
+          <a:lstStyle/>
+          <a:p>
+            <a:fld id="{D904D311-73F7-5D42-B843-E8305C73070F}" type="slidenum">
+              <a:rPr lang="en-US" smtClean="0"/>
+              <a:t>52</a:t>
+            </a:fld>
+            <a:endParaRPr lang="en-US"/>
+          </a:p>
+        </p:txBody>
+      </p:sp>
+    </p:spTree>
+    <p:extLst>
+      <p:ext uri="{BB962C8B-B14F-4D97-AF65-F5344CB8AC3E}">
+        <p14:creationId xmlns:p14="http://schemas.microsoft.com/office/powerpoint/2010/main" val="341820576"/>
+      </p:ext>
+    </p:extLst>
+  </p:cSld>
+  <p:clrMapOvr>
+    <a:masterClrMapping/>
+  </p:clrMapOvr>
+</p:notes>
+</file>
+
+<file path=ppt/notesSlides/notesSlide15.xml><?xml version="1.0" encoding="utf-8"?>
+<p:notes xmlns:a="http://schemas.openxmlformats.org/drawingml/2006/main" xmlns:r="http://schemas.openxmlformats.org/officeDocument/2006/relationships" xmlns:p="http://schemas.openxmlformats.org/presentationml/2006/main">
+  <p:cSld>
+    <p:spTree>
+      <p:nvGrpSpPr>
+        <p:cNvPr id="1" name=""/>
+        <p:cNvGrpSpPr/>
+        <p:nvPr/>
+      </p:nvGrpSpPr>
+      <p:grpSpPr>
+        <a:xfrm>
+          <a:off x="0" y="0"/>
+          <a:ext cx="0" cy="0"/>
+          <a:chOff x="0" y="0"/>
+          <a:chExt cx="0" cy="0"/>
+        </a:xfrm>
+      </p:grpSpPr>
+      <p:sp>
+        <p:nvSpPr>
+          <p:cNvPr id="2" name="Slide Image Placeholder 1"/>
+          <p:cNvSpPr>
+            <a:spLocks noGrp="1" noRot="1" noChangeAspect="1"/>
+          </p:cNvSpPr>
+          <p:nvPr>
+            <p:ph type="sldImg"/>
+          </p:nvPr>
+        </p:nvSpPr>
+        <p:spPr/>
+      </p:sp>
+      <p:sp>
+        <p:nvSpPr>
+          <p:cNvPr id="3" name="Notes Placeholder 2"/>
+          <p:cNvSpPr>
+            <a:spLocks noGrp="1"/>
+          </p:cNvSpPr>
+          <p:nvPr>
+            <p:ph type="body" idx="1"/>
+          </p:nvPr>
+        </p:nvSpPr>
+        <p:spPr/>
+        <p:txBody>
+          <a:bodyPr/>
+          <a:lstStyle/>
+          <a:p>
+            <a:pPr marL="228600" indent="-228600">
+              <a:buAutoNum type="arabicPeriod"/>
+            </a:pPr>
+            <a:r>
+              <a:rPr lang="en-US" dirty="0" smtClean="0"/>
+              <a:t>Virtualization enables the possibility</a:t>
+            </a:r>
+            <a:r>
+              <a:rPr lang="en-US" baseline="0" dirty="0" smtClean="0"/>
+              <a:t> of memory transfer and efficiently usage.</a:t>
+            </a:r>
+          </a:p>
+          <a:p>
+            <a:pPr marL="228600" indent="-228600">
+              <a:buAutoNum type="arabicPeriod"/>
+            </a:pPr>
+            <a:r>
+              <a:rPr lang="en-US" baseline="0" dirty="0" smtClean="0"/>
+              <a:t>GPU memory is precious! CPU memory, on the other hand, is significantly cheaper.</a:t>
+            </a:r>
+          </a:p>
+          <a:p>
+            <a:pPr marL="228600" indent="-228600">
+              <a:buAutoNum type="arabicPeriod"/>
+            </a:pPr>
+            <a:r>
+              <a:rPr lang="en-US" baseline="0" dirty="0" smtClean="0"/>
+              <a:t>Virtualization is harmful for </a:t>
+            </a:r>
+            <a:r>
+              <a:rPr lang="en-US" baseline="0" dirty="0" err="1" smtClean="0"/>
+              <a:t>performnace</a:t>
+            </a:r>
+            <a:r>
+              <a:rPr lang="en-US" baseline="0" dirty="0" smtClean="0"/>
+              <a:t>. </a:t>
+            </a:r>
+            <a:endParaRPr lang="en-US" dirty="0"/>
+          </a:p>
+        </p:txBody>
+      </p:sp>
+      <p:sp>
+        <p:nvSpPr>
+          <p:cNvPr id="4" name="Slide Number Placeholder 3"/>
+          <p:cNvSpPr>
+            <a:spLocks noGrp="1"/>
+          </p:cNvSpPr>
+          <p:nvPr>
+            <p:ph type="sldNum" sz="quarter" idx="10"/>
+          </p:nvPr>
+        </p:nvSpPr>
+        <p:spPr/>
+        <p:txBody>
+          <a:bodyPr/>
+          <a:lstStyle/>
+          <a:p>
+            <a:fld id="{D904D311-73F7-5D42-B843-E8305C73070F}" type="slidenum">
+              <a:rPr lang="en-US" smtClean="0"/>
+              <a:t>53</a:t>
+            </a:fld>
+            <a:endParaRPr lang="en-US"/>
+          </a:p>
+        </p:txBody>
+      </p:sp>
+    </p:spTree>
+    <p:extLst>
+      <p:ext uri="{BB962C8B-B14F-4D97-AF65-F5344CB8AC3E}">
+        <p14:creationId xmlns:p14="http://schemas.microsoft.com/office/powerpoint/2010/main" val="3009774969"/>
+      </p:ext>
+    </p:extLst>
+  </p:cSld>
+  <p:clrMapOvr>
+    <a:masterClrMapping/>
+  </p:clrMapOvr>
+</p:notes>
+</file>
+
+<file path=ppt/notesSlides/notesSlide16.xml><?xml version="1.0" encoding="utf-8"?>
+<p:notes xmlns:a="http://schemas.openxmlformats.org/drawingml/2006/main" xmlns:r="http://schemas.openxmlformats.org/officeDocument/2006/relationships" xmlns:p="http://schemas.openxmlformats.org/presentationml/2006/main">
+  <p:cSld>
+    <p:spTree>
+      <p:nvGrpSpPr>
+        <p:cNvPr id="1" name=""/>
+        <p:cNvGrpSpPr/>
+        <p:nvPr/>
+      </p:nvGrpSpPr>
+      <p:grpSpPr>
+        <a:xfrm>
+          <a:off x="0" y="0"/>
+          <a:ext cx="0" cy="0"/>
+          <a:chOff x="0" y="0"/>
+          <a:chExt cx="0" cy="0"/>
+        </a:xfrm>
+      </p:grpSpPr>
+      <p:sp>
+        <p:nvSpPr>
+          <p:cNvPr id="2" name="Slide Image Placeholder 1"/>
+          <p:cNvSpPr>
+            <a:spLocks noGrp="1" noRot="1" noChangeAspect="1"/>
+          </p:cNvSpPr>
+          <p:nvPr>
+            <p:ph type="sldImg"/>
+          </p:nvPr>
+        </p:nvSpPr>
+        <p:spPr/>
+      </p:sp>
+      <p:sp>
+        <p:nvSpPr>
+          <p:cNvPr id="3" name="Notes Placeholder 2"/>
+          <p:cNvSpPr>
+            <a:spLocks noGrp="1"/>
+          </p:cNvSpPr>
+          <p:nvPr>
+            <p:ph type="body" idx="1"/>
+          </p:nvPr>
+        </p:nvSpPr>
+        <p:spPr/>
+        <p:txBody>
+          <a:bodyPr/>
+          <a:lstStyle/>
+          <a:p>
+            <a:r>
+              <a:rPr lang="en-US" dirty="0" smtClean="0"/>
+              <a:t>In that sense, we</a:t>
+            </a:r>
+            <a:r>
+              <a:rPr lang="en-US" baseline="0" dirty="0" smtClean="0"/>
+              <a:t> ask two questions:</a:t>
+            </a:r>
+          </a:p>
+          <a:p>
+            <a:r>
+              <a:rPr lang="en-US" baseline="0" dirty="0" smtClean="0"/>
+              <a:t>Is the data useful later, if not, just release;</a:t>
+            </a:r>
+          </a:p>
+          <a:p>
+            <a:r>
+              <a:rPr lang="en-US" baseline="0" dirty="0" smtClean="0"/>
+              <a:t>Is the data useful right now, if not, just transfer to CPU</a:t>
+            </a:r>
+            <a:endParaRPr lang="en-US" dirty="0"/>
+          </a:p>
+        </p:txBody>
+      </p:sp>
+      <p:sp>
+        <p:nvSpPr>
+          <p:cNvPr id="4" name="Slide Number Placeholder 3"/>
+          <p:cNvSpPr>
+            <a:spLocks noGrp="1"/>
+          </p:cNvSpPr>
+          <p:nvPr>
+            <p:ph type="sldNum" sz="quarter" idx="10"/>
+          </p:nvPr>
+        </p:nvSpPr>
+        <p:spPr/>
+        <p:txBody>
+          <a:bodyPr/>
+          <a:lstStyle/>
+          <a:p>
+            <a:fld id="{D904D311-73F7-5D42-B843-E8305C73070F}" type="slidenum">
+              <a:rPr lang="en-US" smtClean="0"/>
+              <a:t>54</a:t>
+            </a:fld>
+            <a:endParaRPr lang="en-US"/>
+          </a:p>
+        </p:txBody>
+      </p:sp>
+    </p:spTree>
+    <p:extLst>
+      <p:ext uri="{BB962C8B-B14F-4D97-AF65-F5344CB8AC3E}">
+        <p14:creationId xmlns:p14="http://schemas.microsoft.com/office/powerpoint/2010/main" val="798412350"/>
+      </p:ext>
+    </p:extLst>
+  </p:cSld>
+  <p:clrMapOvr>
+    <a:masterClrMapping/>
+  </p:clrMapOvr>
+</p:notes>
+</file>
+
+<file path=ppt/notesSlides/notesSlide17.xml><?xml version="1.0" encoding="utf-8"?>
+<p:notes xmlns:a="http://schemas.openxmlformats.org/drawingml/2006/main" xmlns:r="http://schemas.openxmlformats.org/officeDocument/2006/relationships" xmlns:p="http://schemas.openxmlformats.org/presentationml/2006/main">
+  <p:cSld>
+    <p:spTree>
+      <p:nvGrpSpPr>
+        <p:cNvPr id="1" name=""/>
+        <p:cNvGrpSpPr/>
+        <p:nvPr/>
+      </p:nvGrpSpPr>
+      <p:grpSpPr>
+        <a:xfrm>
+          <a:off x="0" y="0"/>
+          <a:ext cx="0" cy="0"/>
+          <a:chOff x="0" y="0"/>
+          <a:chExt cx="0" cy="0"/>
+        </a:xfrm>
+      </p:grpSpPr>
+      <p:sp>
+        <p:nvSpPr>
+          <p:cNvPr id="2" name="Slide Image Placeholder 1"/>
+          <p:cNvSpPr>
+            <a:spLocks noGrp="1" noRot="1" noChangeAspect="1"/>
+          </p:cNvSpPr>
+          <p:nvPr>
+            <p:ph type="sldImg"/>
+          </p:nvPr>
+        </p:nvSpPr>
+        <p:spPr/>
+      </p:sp>
+      <p:sp>
+        <p:nvSpPr>
+          <p:cNvPr id="3" name="Notes Placeholder 2"/>
+          <p:cNvSpPr>
+            <a:spLocks noGrp="1"/>
+          </p:cNvSpPr>
+          <p:nvPr>
+            <p:ph type="body" idx="1"/>
+          </p:nvPr>
+        </p:nvSpPr>
+        <p:spPr/>
+        <p:txBody>
+          <a:bodyPr/>
+          <a:lstStyle/>
+          <a:p>
+            <a:r>
+              <a:rPr lang="en-US" sz="1200" b="0" i="0" kern="1200" dirty="0">
+                <a:solidFill>
+                  <a:schemeClr val="tx1"/>
+                </a:solidFill>
+                <a:effectLst/>
+                <a:latin typeface="+mn-lt"/>
+                <a:ea typeface="+mn-ea"/>
+                <a:cs typeface="+mn-cs"/>
+              </a:rPr>
+              <a:t>Pinned memory is memory allocated using the </a:t>
+            </a:r>
+            <a:r>
+              <a:rPr lang="en-US" sz="1200" b="0" i="1" kern="1200" dirty="0" err="1">
+                <a:solidFill>
+                  <a:schemeClr val="tx1"/>
+                </a:solidFill>
+                <a:effectLst/>
+                <a:latin typeface="+mn-lt"/>
+                <a:ea typeface="+mn-ea"/>
+                <a:cs typeface="+mn-cs"/>
+              </a:rPr>
+              <a:t>cudaMallocHost</a:t>
+            </a:r>
+            <a:r>
+              <a:rPr lang="en-US" sz="1200" b="0" i="0" kern="1200" dirty="0">
+                <a:solidFill>
+                  <a:schemeClr val="tx1"/>
+                </a:solidFill>
+                <a:effectLst/>
+                <a:latin typeface="+mn-lt"/>
+                <a:ea typeface="+mn-ea"/>
+                <a:cs typeface="+mn-cs"/>
+              </a:rPr>
+              <a:t> function, which prevents the memory from being swapped out and provides improved transfer speeds. </a:t>
+            </a:r>
+            <a:endParaRPr lang="en-US" dirty="0"/>
           </a:p>
         </p:txBody>
       </p:sp>
@@ -1470,7 +2084,7 @@
           <a:p>
             <a:fld id="{D904D311-73F7-5D42-B843-E8305C73070F}" type="slidenum">
               <a:rPr lang="en-US" smtClean="0"/>
-              <a:t>72</a:t>
+              <a:t>59</a:t>
             </a:fld>
             <a:endParaRPr lang="en-US"/>
           </a:p>
@@ -1479,7 +2093,224 @@
     </p:spTree>
     <p:extLst>
       <p:ext uri="{BB962C8B-B14F-4D97-AF65-F5344CB8AC3E}">
-        <p14:creationId xmlns:p14="http://schemas.microsoft.com/office/powerpoint/2010/main" val="2978333041"/>
+        <p14:creationId xmlns:p14="http://schemas.microsoft.com/office/powerpoint/2010/main" val="778358141"/>
+      </p:ext>
+    </p:extLst>
+  </p:cSld>
+  <p:clrMapOvr>
+    <a:masterClrMapping/>
+  </p:clrMapOvr>
+</p:notes>
+</file>
+
+<file path=ppt/notesSlides/notesSlide18.xml><?xml version="1.0" encoding="utf-8"?>
+<p:notes xmlns:a="http://schemas.openxmlformats.org/drawingml/2006/main" xmlns:r="http://schemas.openxmlformats.org/officeDocument/2006/relationships" xmlns:p="http://schemas.openxmlformats.org/presentationml/2006/main">
+  <p:cSld>
+    <p:spTree>
+      <p:nvGrpSpPr>
+        <p:cNvPr id="1" name=""/>
+        <p:cNvGrpSpPr/>
+        <p:nvPr/>
+      </p:nvGrpSpPr>
+      <p:grpSpPr>
+        <a:xfrm>
+          <a:off x="0" y="0"/>
+          <a:ext cx="0" cy="0"/>
+          <a:chOff x="0" y="0"/>
+          <a:chExt cx="0" cy="0"/>
+        </a:xfrm>
+      </p:grpSpPr>
+      <p:sp>
+        <p:nvSpPr>
+          <p:cNvPr id="2" name="Slide Image Placeholder 1"/>
+          <p:cNvSpPr>
+            <a:spLocks noGrp="1" noRot="1" noChangeAspect="1"/>
+          </p:cNvSpPr>
+          <p:nvPr>
+            <p:ph type="sldImg"/>
+          </p:nvPr>
+        </p:nvSpPr>
+        <p:spPr/>
+      </p:sp>
+      <p:sp>
+        <p:nvSpPr>
+          <p:cNvPr id="3" name="Notes Placeholder 2"/>
+          <p:cNvSpPr>
+            <a:spLocks noGrp="1"/>
+          </p:cNvSpPr>
+          <p:nvPr>
+            <p:ph type="body" idx="1"/>
+          </p:nvPr>
+        </p:nvSpPr>
+        <p:spPr/>
+        <p:txBody>
+          <a:bodyPr/>
+          <a:lstStyle/>
+          <a:p>
+            <a:r>
+              <a:rPr lang="en-US" dirty="0"/>
+              <a:t>In other words, prefetching data too early in time will again </a:t>
+            </a:r>
+            <a:r>
+              <a:rPr lang="en-US" dirty="0" err="1"/>
+              <a:t>suboptimally</a:t>
+            </a:r>
+            <a:r>
+              <a:rPr lang="en-US" dirty="0"/>
+              <a:t> utilize GPU memory as the prefetched data will once again camp inside the GPU memory without immediate usage.</a:t>
+            </a:r>
+          </a:p>
+          <a:p>
+            <a:r>
+              <a:rPr lang="en-US" dirty="0"/>
+              <a:t>Consequently, any prefetch operation launched during layer(n) ’s backward computation is guaranteed to be ready before layer(n−1)’s computation</a:t>
+            </a:r>
+          </a:p>
+          <a:p>
+            <a:endParaRPr lang="en-US" dirty="0"/>
+          </a:p>
+          <a:p>
+            <a:endParaRPr lang="en-US" dirty="0"/>
+          </a:p>
+        </p:txBody>
+      </p:sp>
+      <p:sp>
+        <p:nvSpPr>
+          <p:cNvPr id="4" name="Slide Number Placeholder 3"/>
+          <p:cNvSpPr>
+            <a:spLocks noGrp="1"/>
+          </p:cNvSpPr>
+          <p:nvPr>
+            <p:ph type="sldNum" sz="quarter" idx="5"/>
+          </p:nvPr>
+        </p:nvSpPr>
+        <p:spPr/>
+        <p:txBody>
+          <a:bodyPr/>
+          <a:lstStyle/>
+          <a:p>
+            <a:fld id="{D904D311-73F7-5D42-B843-E8305C73070F}" type="slidenum">
+              <a:rPr lang="en-US" smtClean="0"/>
+              <a:t>61</a:t>
+            </a:fld>
+            <a:endParaRPr lang="en-US"/>
+          </a:p>
+        </p:txBody>
+      </p:sp>
+    </p:spTree>
+    <p:extLst>
+      <p:ext uri="{BB962C8B-B14F-4D97-AF65-F5344CB8AC3E}">
+        <p14:creationId xmlns:p14="http://schemas.microsoft.com/office/powerpoint/2010/main" val="3844929703"/>
+      </p:ext>
+    </p:extLst>
+  </p:cSld>
+  <p:clrMapOvr>
+    <a:masterClrMapping/>
+  </p:clrMapOvr>
+</p:notes>
+</file>
+
+<file path=ppt/notesSlides/notesSlide19.xml><?xml version="1.0" encoding="utf-8"?>
+<p:notes xmlns:a="http://schemas.openxmlformats.org/drawingml/2006/main" xmlns:r="http://schemas.openxmlformats.org/officeDocument/2006/relationships" xmlns:p="http://schemas.openxmlformats.org/presentationml/2006/main">
+  <p:cSld>
+    <p:spTree>
+      <p:nvGrpSpPr>
+        <p:cNvPr id="1" name=""/>
+        <p:cNvGrpSpPr/>
+        <p:nvPr/>
+      </p:nvGrpSpPr>
+      <p:grpSpPr>
+        <a:xfrm>
+          <a:off x="0" y="0"/>
+          <a:ext cx="0" cy="0"/>
+          <a:chOff x="0" y="0"/>
+          <a:chExt cx="0" cy="0"/>
+        </a:xfrm>
+      </p:grpSpPr>
+      <p:sp>
+        <p:nvSpPr>
+          <p:cNvPr id="2" name="Slide Image Placeholder 1"/>
+          <p:cNvSpPr>
+            <a:spLocks noGrp="1" noRot="1" noChangeAspect="1"/>
+          </p:cNvSpPr>
+          <p:nvPr>
+            <p:ph type="sldImg"/>
+          </p:nvPr>
+        </p:nvSpPr>
+        <p:spPr/>
+      </p:sp>
+      <p:sp>
+        <p:nvSpPr>
+          <p:cNvPr id="3" name="Notes Placeholder 2"/>
+          <p:cNvSpPr>
+            <a:spLocks noGrp="1"/>
+          </p:cNvSpPr>
+          <p:nvPr>
+            <p:ph type="body" idx="1"/>
+          </p:nvPr>
+        </p:nvSpPr>
+        <p:spPr/>
+        <p:txBody>
+          <a:bodyPr/>
+          <a:lstStyle/>
+          <a:p>
+            <a:r>
+              <a:rPr lang="en-US" dirty="0"/>
+              <a:t>The baseline is the normal process of training. From forward propagation 1 to n, then backward propagation n to1.</a:t>
+            </a:r>
+          </a:p>
+          <a:p>
+            <a:endParaRPr lang="en-US" dirty="0"/>
+          </a:p>
+          <a:p>
+            <a:r>
+              <a:rPr lang="en-US" dirty="0"/>
+              <a:t>In the </a:t>
+            </a:r>
+            <a:r>
+              <a:rPr lang="en-US" dirty="0" err="1"/>
+              <a:t>vDNN</a:t>
+            </a:r>
+            <a:r>
+              <a:rPr lang="en-US" dirty="0"/>
+              <a:t>, it’s all the same, but with memory allocation and transfer. </a:t>
+            </a:r>
+          </a:p>
+          <a:p>
+            <a:r>
+              <a:rPr lang="en-US" dirty="0"/>
+              <a:t>If offload or prefetch process is longer than the actual propagation, then it has to wait.</a:t>
+            </a:r>
+          </a:p>
+        </p:txBody>
+      </p:sp>
+      <p:sp>
+        <p:nvSpPr>
+          <p:cNvPr id="4" name="Slide Number Placeholder 3"/>
+          <p:cNvSpPr>
+            <a:spLocks noGrp="1"/>
+          </p:cNvSpPr>
+          <p:nvPr>
+            <p:ph type="sldNum" sz="quarter" idx="5"/>
+          </p:nvPr>
+        </p:nvSpPr>
+        <p:spPr/>
+        <p:txBody>
+          <a:bodyPr/>
+          <a:lstStyle/>
+          <a:p>
+            <a:fld id="{D904D311-73F7-5D42-B843-E8305C73070F}" type="slidenum">
+              <a:rPr lang="en-US" smtClean="0"/>
+              <a:t>62</a:t>
+            </a:fld>
+            <a:endParaRPr lang="en-US"/>
+          </a:p>
+        </p:txBody>
+      </p:sp>
+    </p:spTree>
+    <p:extLst>
+      <p:ext uri="{BB962C8B-B14F-4D97-AF65-F5344CB8AC3E}">
+        <p14:creationId xmlns:p14="http://schemas.microsoft.com/office/powerpoint/2010/main" val="3400057104"/>
       </p:ext>
     </p:extLst>
   </p:cSld>
@@ -1564,6 +2395,196 @@
     <p:extLst>
       <p:ext uri="{BB962C8B-B14F-4D97-AF65-F5344CB8AC3E}">
         <p14:creationId xmlns:p14="http://schemas.microsoft.com/office/powerpoint/2010/main" val="1401746856"/>
+      </p:ext>
+    </p:extLst>
+  </p:cSld>
+  <p:clrMapOvr>
+    <a:masterClrMapping/>
+  </p:clrMapOvr>
+</p:notes>
+</file>
+
+<file path=ppt/notesSlides/notesSlide20.xml><?xml version="1.0" encoding="utf-8"?>
+<p:notes xmlns:a="http://schemas.openxmlformats.org/drawingml/2006/main" xmlns:r="http://schemas.openxmlformats.org/officeDocument/2006/relationships" xmlns:p="http://schemas.openxmlformats.org/presentationml/2006/main">
+  <p:cSld>
+    <p:spTree>
+      <p:nvGrpSpPr>
+        <p:cNvPr id="1" name=""/>
+        <p:cNvGrpSpPr/>
+        <p:nvPr/>
+      </p:nvGrpSpPr>
+      <p:grpSpPr>
+        <a:xfrm>
+          <a:off x="0" y="0"/>
+          <a:ext cx="0" cy="0"/>
+          <a:chOff x="0" y="0"/>
+          <a:chExt cx="0" cy="0"/>
+        </a:xfrm>
+      </p:grpSpPr>
+      <p:sp>
+        <p:nvSpPr>
+          <p:cNvPr id="2" name="Slide Image Placeholder 1"/>
+          <p:cNvSpPr>
+            <a:spLocks noGrp="1" noRot="1" noChangeAspect="1"/>
+          </p:cNvSpPr>
+          <p:nvPr>
+            <p:ph type="sldImg"/>
+          </p:nvPr>
+        </p:nvSpPr>
+        <p:spPr/>
+      </p:sp>
+      <p:sp>
+        <p:nvSpPr>
+          <p:cNvPr id="3" name="Notes Placeholder 2"/>
+          <p:cNvSpPr>
+            <a:spLocks noGrp="1"/>
+          </p:cNvSpPr>
+          <p:nvPr>
+            <p:ph type="body" idx="1"/>
+          </p:nvPr>
+        </p:nvSpPr>
+        <p:spPr/>
+        <p:txBody>
+          <a:bodyPr/>
+          <a:lstStyle/>
+          <a:p>
+            <a:r>
+              <a:rPr lang="en-US" dirty="0"/>
+              <a:t>. The feature extraction layers are conceptually divided into five groups of CONV layers, separated by the intermediate POOL layers. The only difference among these CONV layer groups is that the number of output feature maps grows from 64 to 512, from the first to the last layer group.</a:t>
+            </a:r>
+          </a:p>
+        </p:txBody>
+      </p:sp>
+      <p:sp>
+        <p:nvSpPr>
+          <p:cNvPr id="4" name="Slide Number Placeholder 3"/>
+          <p:cNvSpPr>
+            <a:spLocks noGrp="1"/>
+          </p:cNvSpPr>
+          <p:nvPr>
+            <p:ph type="sldNum" sz="quarter" idx="5"/>
+          </p:nvPr>
+        </p:nvSpPr>
+        <p:spPr/>
+        <p:txBody>
+          <a:bodyPr/>
+          <a:lstStyle/>
+          <a:p>
+            <a:fld id="{D904D311-73F7-5D42-B843-E8305C73070F}" type="slidenum">
+              <a:rPr lang="en-US" smtClean="0"/>
+              <a:t>68</a:t>
+            </a:fld>
+            <a:endParaRPr lang="en-US"/>
+          </a:p>
+        </p:txBody>
+      </p:sp>
+    </p:spTree>
+    <p:extLst>
+      <p:ext uri="{BB962C8B-B14F-4D97-AF65-F5344CB8AC3E}">
+        <p14:creationId xmlns:p14="http://schemas.microsoft.com/office/powerpoint/2010/main" val="408226949"/>
+      </p:ext>
+    </p:extLst>
+  </p:cSld>
+  <p:clrMapOvr>
+    <a:masterClrMapping/>
+  </p:clrMapOvr>
+</p:notes>
+</file>
+
+<file path=ppt/notesSlides/notesSlide21.xml><?xml version="1.0" encoding="utf-8"?>
+<p:notes xmlns:a="http://schemas.openxmlformats.org/drawingml/2006/main" xmlns:r="http://schemas.openxmlformats.org/officeDocument/2006/relationships" xmlns:p="http://schemas.openxmlformats.org/presentationml/2006/main">
+  <p:cSld>
+    <p:spTree>
+      <p:nvGrpSpPr>
+        <p:cNvPr id="1" name=""/>
+        <p:cNvGrpSpPr/>
+        <p:nvPr/>
+      </p:nvGrpSpPr>
+      <p:grpSpPr>
+        <a:xfrm>
+          <a:off x="0" y="0"/>
+          <a:ext cx="0" cy="0"/>
+          <a:chOff x="0" y="0"/>
+          <a:chExt cx="0" cy="0"/>
+        </a:xfrm>
+      </p:grpSpPr>
+      <p:sp>
+        <p:nvSpPr>
+          <p:cNvPr id="2" name="Slide Image Placeholder 1"/>
+          <p:cNvSpPr>
+            <a:spLocks noGrp="1" noRot="1" noChangeAspect="1"/>
+          </p:cNvSpPr>
+          <p:nvPr>
+            <p:ph type="sldImg"/>
+          </p:nvPr>
+        </p:nvSpPr>
+        <p:spPr/>
+      </p:sp>
+      <p:sp>
+        <p:nvSpPr>
+          <p:cNvPr id="3" name="Notes Placeholder 2"/>
+          <p:cNvSpPr>
+            <a:spLocks noGrp="1"/>
+          </p:cNvSpPr>
+          <p:nvPr>
+            <p:ph type="body" idx="1"/>
+          </p:nvPr>
+        </p:nvSpPr>
+        <p:spPr/>
+        <p:txBody>
+          <a:bodyPr/>
+          <a:lstStyle/>
+          <a:p>
+            <a:r>
+              <a:rPr lang="en-US" dirty="0"/>
+              <a:t>Overall, </a:t>
+            </a:r>
+            <a:r>
+              <a:rPr lang="en-US" dirty="0" err="1"/>
+              <a:t>vDNNall</a:t>
+            </a:r>
+            <a:r>
+              <a:rPr lang="en-US" dirty="0"/>
+              <a:t> and </a:t>
+            </a:r>
+            <a:r>
+              <a:rPr lang="en-US" dirty="0" err="1"/>
+              <a:t>vDNNconv</a:t>
+            </a:r>
+            <a:r>
+              <a:rPr lang="en-US" dirty="0"/>
+              <a:t> with memory-optimal algorithms exhibit an average 58% and 55% performance loss (maximum 65% and 63% degradation) compared to baseline</a:t>
+            </a:r>
+          </a:p>
+        </p:txBody>
+      </p:sp>
+      <p:sp>
+        <p:nvSpPr>
+          <p:cNvPr id="4" name="Slide Number Placeholder 3"/>
+          <p:cNvSpPr>
+            <a:spLocks noGrp="1"/>
+          </p:cNvSpPr>
+          <p:nvPr>
+            <p:ph type="sldNum" sz="quarter" idx="5"/>
+          </p:nvPr>
+        </p:nvSpPr>
+        <p:spPr/>
+        <p:txBody>
+          <a:bodyPr/>
+          <a:lstStyle/>
+          <a:p>
+            <a:fld id="{D904D311-73F7-5D42-B843-E8305C73070F}" type="slidenum">
+              <a:rPr lang="en-US" smtClean="0"/>
+              <a:t>74</a:t>
+            </a:fld>
+            <a:endParaRPr lang="en-US"/>
+          </a:p>
+        </p:txBody>
+      </p:sp>
+    </p:spTree>
+    <p:extLst>
+      <p:ext uri="{BB962C8B-B14F-4D97-AF65-F5344CB8AC3E}">
+        <p14:creationId xmlns:p14="http://schemas.microsoft.com/office/powerpoint/2010/main" val="2978333041"/>
       </p:ext>
     </p:extLst>
   </p:cSld>
@@ -2071,7 +3092,7 @@
             <a:spLocks noGrp="1"/>
           </p:cNvSpPr>
           <p:nvPr>
-            <p:ph type="sldNum" sz="quarter" idx="5"/>
+            <p:ph type="sldNum" sz="quarter" idx="10"/>
           </p:nvPr>
         </p:nvSpPr>
         <p:spPr/>
@@ -2081,7 +3102,7 @@
           <a:p>
             <a:fld id="{D904D311-73F7-5D42-B843-E8305C73070F}" type="slidenum">
               <a:rPr lang="en-US" smtClean="0"/>
-              <a:t>47</a:t>
+              <a:t>42</a:t>
             </a:fld>
             <a:endParaRPr lang="en-US"/>
           </a:p>
@@ -2090,7 +3111,7 @@
     </p:spTree>
     <p:extLst>
       <p:ext uri="{BB962C8B-B14F-4D97-AF65-F5344CB8AC3E}">
-        <p14:creationId xmlns:p14="http://schemas.microsoft.com/office/powerpoint/2010/main" val="1711825162"/>
+        <p14:creationId xmlns:p14="http://schemas.microsoft.com/office/powerpoint/2010/main" val="2773256589"/>
       </p:ext>
     </p:extLst>
   </p:cSld>
@@ -2144,10 +3165,7 @@
           <a:bodyPr/>
           <a:lstStyle/>
           <a:p>
-            <a:r>
-              <a:rPr lang="en-US" dirty="0"/>
-              <a:t>ML frameworks will suffer from huge performance penalties when relying on page-migration for training DNNs. </a:t>
-            </a:r>
+            <a:endParaRPr lang="en-US" dirty="0"/>
           </a:p>
         </p:txBody>
       </p:sp>
@@ -2158,7 +3176,7 @@
             <a:spLocks noGrp="1"/>
           </p:cNvSpPr>
           <p:nvPr>
-            <p:ph type="sldNum" sz="quarter" idx="5"/>
+            <p:ph type="sldNum" sz="quarter" idx="10"/>
           </p:nvPr>
         </p:nvSpPr>
         <p:spPr/>
@@ -2168,7 +3186,7 @@
           <a:p>
             <a:fld id="{D904D311-73F7-5D42-B843-E8305C73070F}" type="slidenum">
               <a:rPr lang="en-US" smtClean="0"/>
-              <a:t>49</a:t>
+              <a:t>47</a:t>
             </a:fld>
             <a:endParaRPr lang="en-US"/>
           </a:p>
@@ -2177,7 +3195,7 @@
     </p:spTree>
     <p:extLst>
       <p:ext uri="{BB962C8B-B14F-4D97-AF65-F5344CB8AC3E}">
-        <p14:creationId xmlns:p14="http://schemas.microsoft.com/office/powerpoint/2010/main" val="3649075859"/>
+        <p14:creationId xmlns:p14="http://schemas.microsoft.com/office/powerpoint/2010/main" val="16863197"/>
       </p:ext>
     </p:extLst>
   </p:cSld>
@@ -4490,7 +5508,7 @@
             <a:fld id="{0F0D8E7B-AF3B-B444-8E74-E549FC814F53}" type="datetimeFigureOut">
               <a:rPr lang="en-US" smtClean="0"/>
               <a:pPr/>
-              <a:t>10/26/2019</a:t>
+              <a:t>10/31/2019</a:t>
             </a:fld>
             <a:endParaRPr lang="en-US" dirty="0"/>
           </a:p>
@@ -5715,6 +6733,13 @@
   <p:transition spd="slow">
     <p:fade/>
   </p:transition>
+  <p:timing>
+    <p:tnLst>
+      <p:par>
+        <p:cTn id="1" dur="indefinite" restart="never" nodeType="tmRoot"/>
+      </p:par>
+    </p:tnLst>
+  </p:timing>
 </p:sld>
 </file>
 
@@ -5805,6 +6830,13 @@
   <p:clrMapOvr>
     <a:masterClrMapping/>
   </p:clrMapOvr>
+  <p:timing>
+    <p:tnLst>
+      <p:par>
+        <p:cTn id="1" dur="indefinite" restart="never" nodeType="tmRoot"/>
+      </p:par>
+    </p:tnLst>
+  </p:timing>
 </p:sld>
 </file>
 
@@ -5971,6 +7003,13 @@
   <p:clrMapOvr>
     <a:masterClrMapping/>
   </p:clrMapOvr>
+  <p:timing>
+    <p:tnLst>
+      <p:par>
+        <p:cTn id="1" dur="indefinite" restart="never" nodeType="tmRoot"/>
+      </p:par>
+    </p:tnLst>
+  </p:timing>
 </p:sld>
 </file>
 
@@ -6141,6 +7180,13 @@
   <p:clrMapOvr>
     <a:masterClrMapping/>
   </p:clrMapOvr>
+  <p:timing>
+    <p:tnLst>
+      <p:par>
+        <p:cTn id="1" dur="indefinite" restart="never" nodeType="tmRoot"/>
+      </p:par>
+    </p:tnLst>
+  </p:timing>
 </p:sld>
 </file>
 
@@ -6361,6 +7407,13 @@
   <p:clrMapOvr>
     <a:masterClrMapping/>
   </p:clrMapOvr>
+  <p:timing>
+    <p:tnLst>
+      <p:par>
+        <p:cTn id="1" dur="indefinite" restart="never" nodeType="tmRoot"/>
+      </p:par>
+    </p:tnLst>
+  </p:timing>
 </p:sld>
 </file>
 
@@ -6451,6 +7504,13 @@
   <p:clrMapOvr>
     <a:masterClrMapping/>
   </p:clrMapOvr>
+  <p:timing>
+    <p:tnLst>
+      <p:par>
+        <p:cTn id="1" dur="indefinite" restart="never" nodeType="tmRoot"/>
+      </p:par>
+    </p:tnLst>
+  </p:timing>
 </p:sld>
 </file>
 
@@ -7116,6 +8176,13 @@
   <p:clrMapOvr>
     <a:masterClrMapping/>
   </p:clrMapOvr>
+  <p:timing>
+    <p:tnLst>
+      <p:par>
+        <p:cTn id="1" dur="indefinite" restart="never" nodeType="tmRoot"/>
+      </p:par>
+    </p:tnLst>
+  </p:timing>
 </p:sld>
 </file>
 
@@ -7336,6 +8403,13 @@
   <p:clrMapOvr>
     <a:masterClrMapping/>
   </p:clrMapOvr>
+  <p:timing>
+    <p:tnLst>
+      <p:par>
+        <p:cTn id="1" dur="indefinite" restart="never" nodeType="tmRoot"/>
+      </p:par>
+    </p:tnLst>
+  </p:timing>
 </p:sld>
 </file>
 
@@ -7908,6 +8982,13 @@
   <p:clrMapOvr>
     <a:masterClrMapping/>
   </p:clrMapOvr>
+  <p:timing>
+    <p:tnLst>
+      <p:par>
+        <p:cTn id="1" dur="indefinite" restart="never" nodeType="tmRoot"/>
+      </p:par>
+    </p:tnLst>
+  </p:timing>
 </p:sld>
 </file>
 
@@ -8349,6 +9430,13 @@
   <p:clrMapOvr>
     <a:masterClrMapping/>
   </p:clrMapOvr>
+  <p:timing>
+    <p:tnLst>
+      <p:par>
+        <p:cTn id="1" dur="indefinite" restart="never" nodeType="tmRoot"/>
+      </p:par>
+    </p:tnLst>
+  </p:timing>
 </p:sld>
 </file>
 
@@ -9025,7 +10113,11 @@
             </a:pPr>
             <a:r>
               <a:rPr lang="en-US" dirty="0"/>
-              <a:t>Reinforcement Learning</a:t>
+              <a:t>Reinforcement </a:t>
+            </a:r>
+            <a:r>
+              <a:rPr lang="en-US" dirty="0" smtClean="0"/>
+              <a:t>Learning</a:t>
             </a:r>
           </a:p>
           <a:p>
@@ -9034,11 +10126,36 @@
               <a:buChar char="•"/>
             </a:pPr>
             <a:r>
-              <a:rPr lang="en-US" dirty="0"/>
-              <a:t>Sequence-to-sequence model</a:t>
-            </a:r>
-          </a:p>
-          <a:p>
+              <a:rPr lang="en-US" dirty="0" smtClean="0"/>
+              <a:t>Model Description</a:t>
+            </a:r>
+          </a:p>
+          <a:p>
+            <a:pPr marL="457200" indent="-457200">
+              <a:buFont typeface="Arial" panose="020B0604020202020204" pitchFamily="34" charset="0"/>
+              <a:buChar char="•"/>
+            </a:pPr>
+            <a:r>
+              <a:rPr lang="en-US" dirty="0" smtClean="0"/>
+              <a:t>Architecture Details</a:t>
+            </a:r>
+          </a:p>
+          <a:p>
+            <a:pPr marL="457200" indent="-457200">
+              <a:buFont typeface="Arial" panose="020B0604020202020204" pitchFamily="34" charset="0"/>
+              <a:buChar char="•"/>
+            </a:pPr>
+            <a:r>
+              <a:rPr lang="en-US" dirty="0" err="1" smtClean="0"/>
+              <a:t>Experiements</a:t>
+            </a:r>
+            <a:endParaRPr lang="en-US" dirty="0"/>
+          </a:p>
+          <a:p>
+            <a:pPr marL="457200" indent="-457200">
+              <a:buFont typeface="Arial" panose="020B0604020202020204" pitchFamily="34" charset="0"/>
+              <a:buChar char="•"/>
+            </a:pPr>
             <a:endParaRPr lang="en-US" dirty="0"/>
           </a:p>
         </p:txBody>
@@ -9080,6 +10197,13 @@
   <p:clrMapOvr>
     <a:masterClrMapping/>
   </p:clrMapOvr>
+  <p:timing>
+    <p:tnLst>
+      <p:par>
+        <p:cTn id="1" dur="indefinite" restart="never" nodeType="tmRoot"/>
+      </p:par>
+    </p:tnLst>
+  </p:timing>
 </p:sld>
 </file>
 
@@ -9622,6 +10746,13 @@
   <p:clrMapOvr>
     <a:masterClrMapping/>
   </p:clrMapOvr>
+  <p:timing>
+    <p:tnLst>
+      <p:par>
+        <p:cTn id="1" dur="indefinite" restart="never" nodeType="tmRoot"/>
+      </p:par>
+    </p:tnLst>
+  </p:timing>
 </p:sld>
 </file>
 
@@ -10439,6 +11570,13 @@
   <p:clrMapOvr>
     <a:masterClrMapping/>
   </p:clrMapOvr>
+  <p:timing>
+    <p:tnLst>
+      <p:par>
+        <p:cTn id="1" dur="indefinite" restart="never" nodeType="tmRoot"/>
+      </p:par>
+    </p:tnLst>
+  </p:timing>
 </p:sld>
 </file>
 
@@ -10558,6 +11696,13 @@
   <p:clrMapOvr>
     <a:masterClrMapping/>
   </p:clrMapOvr>
+  <p:timing>
+    <p:tnLst>
+      <p:par>
+        <p:cTn id="1" dur="indefinite" restart="never" nodeType="tmRoot"/>
+      </p:par>
+    </p:tnLst>
+  </p:timing>
 </p:sld>
 </file>
 
@@ -10648,6 +11793,13 @@
   <p:clrMapOvr>
     <a:masterClrMapping/>
   </p:clrMapOvr>
+  <p:timing>
+    <p:tnLst>
+      <p:par>
+        <p:cTn id="1" dur="indefinite" restart="never" nodeType="tmRoot"/>
+      </p:par>
+    </p:tnLst>
+  </p:timing>
 </p:sld>
 </file>
 
@@ -10689,8 +11841,21 @@
             </a:pPr>
             <a:r>
               <a:rPr lang="en-US" dirty="0"/>
-              <a:t>With LSTM;</a:t>
-            </a:r>
+              <a:t>With </a:t>
+            </a:r>
+            <a:r>
+              <a:rPr lang="en-US" dirty="0" smtClean="0"/>
+              <a:t>LSTM (</a:t>
+            </a:r>
+            <a:r>
+              <a:rPr lang="en-US" b="1" dirty="0"/>
+              <a:t>Long short-term memory</a:t>
+            </a:r>
+            <a:r>
+              <a:rPr lang="en-US" dirty="0" smtClean="0"/>
+              <a:t>);</a:t>
+            </a:r>
+            <a:endParaRPr lang="en-US" dirty="0"/>
           </a:p>
           <a:p>
             <a:pPr marL="342900" indent="-342900">
@@ -10776,6 +11941,13 @@
   <p:clrMapOvr>
     <a:masterClrMapping/>
   </p:clrMapOvr>
+  <p:timing>
+    <p:tnLst>
+      <p:par>
+        <p:cTn id="1" dur="indefinite" restart="never" nodeType="tmRoot"/>
+      </p:par>
+    </p:tnLst>
+  </p:timing>
 </p:sld>
 </file>
 
@@ -10817,7 +11989,15 @@
             </a:pPr>
             <a:r>
               <a:rPr lang="en-US" dirty="0"/>
-              <a:t>Sequence of operations</a:t>
+              <a:t>Input: </a:t>
+            </a:r>
+            <a:r>
+              <a:rPr lang="en-US" dirty="0" smtClean="0"/>
+              <a:t>Sequence </a:t>
+            </a:r>
+            <a:r>
+              <a:rPr lang="en-US" dirty="0"/>
+              <a:t>of operations</a:t>
             </a:r>
           </a:p>
           <a:p>
@@ -10837,7 +12017,11 @@
             </a:pPr>
             <a:r>
               <a:rPr lang="en-US" dirty="0"/>
-              <a:t>Store a tunable embedding vector</a:t>
+              <a:t>Store a tunable embedding </a:t>
+            </a:r>
+            <a:r>
+              <a:rPr lang="en-US" dirty="0" smtClean="0"/>
+              <a:t>vector for each layer</a:t>
             </a:r>
           </a:p>
           <a:p>
@@ -10845,21 +12029,7 @@
               <a:buFont typeface="Arial" panose="020B0604020202020204" pitchFamily="34" charset="0"/>
               <a:buChar char="•"/>
             </a:pPr>
-            <a:r>
-              <a:rPr lang="en-US" dirty="0"/>
-              <a:t>Each graph’s operation has a computation type:</a:t>
-            </a:r>
-          </a:p>
-          <a:p>
-            <a:pPr marL="1234440" lvl="3"/>
-            <a:r>
-              <a:rPr lang="en-US" dirty="0" err="1"/>
-              <a:t>MatMul</a:t>
-            </a:r>
-            <a:r>
-              <a:rPr lang="en-US" dirty="0"/>
-              <a:t> or conv2d</a:t>
-            </a:r>
+            <a:endParaRPr lang="en-US" dirty="0" smtClean="0"/>
           </a:p>
         </p:txBody>
       </p:sp>
@@ -10895,6 +12065,13 @@
   <p:clrMapOvr>
     <a:masterClrMapping/>
   </p:clrMapOvr>
+  <p:timing>
+    <p:tnLst>
+      <p:par>
+        <p:cTn id="1" dur="indefinite" restart="never" nodeType="tmRoot"/>
+      </p:par>
+    </p:tnLst>
+  </p:timing>
 </p:sld>
 </file>
 
@@ -10955,8 +12132,16 @@
               <a:buChar char="•"/>
             </a:pPr>
             <a:r>
-              <a:rPr lang="en-US" dirty="0"/>
-              <a:t>Each step outputs the device for the operation at the same encoder time step</a:t>
+              <a:rPr lang="en-US" dirty="0" smtClean="0"/>
+              <a:t>Output: </a:t>
+            </a:r>
+            <a:r>
+              <a:rPr lang="en-US" dirty="0"/>
+              <a:t>Each </a:t>
+            </a:r>
+            <a:r>
+              <a:rPr lang="en-US" dirty="0"/>
+              <a:t>step outputs the device for the operation at the same encoder time step</a:t>
             </a:r>
           </a:p>
           <a:p>
@@ -11000,6 +12185,13 @@
   <p:clrMapOvr>
     <a:masterClrMapping/>
   </p:clrMapOvr>
+  <p:timing>
+    <p:tnLst>
+      <p:par>
+        <p:cTn id="1" dur="indefinite" restart="never" nodeType="tmRoot"/>
+      </p:par>
+    </p:tnLst>
+  </p:timing>
 </p:sld>
 </file>
 
@@ -11070,7 +12262,15 @@
           <a:p>
             <a:r>
               <a:rPr lang="en-US" dirty="0"/>
-              <a:t>Solution: manually forcing several operations located on same device.</a:t>
+              <a:t>Solution: </a:t>
+            </a:r>
+            <a:r>
+              <a:rPr lang="en-US" dirty="0" smtClean="0"/>
+              <a:t>manually/heuristically </a:t>
+            </a:r>
+            <a:r>
+              <a:rPr lang="en-US" dirty="0"/>
+              <a:t>forcing several operations located on same device.</a:t>
             </a:r>
           </a:p>
           <a:p>
@@ -11126,6 +12326,13 @@
   <p:clrMapOvr>
     <a:masterClrMapping/>
   </p:clrMapOvr>
+  <p:timing>
+    <p:tnLst>
+      <p:par>
+        <p:cTn id="1" dur="indefinite" restart="never" nodeType="tmRoot"/>
+      </p:par>
+    </p:tnLst>
+  </p:timing>
 </p:sld>
 </file>
 
@@ -11206,8 +12413,22 @@
               <a:buChar char="•"/>
             </a:pPr>
             <a:r>
+              <a:rPr lang="en-US" altLang="zh-CN" dirty="0" smtClean="0"/>
+              <a:t>Execute 10 steps for each benchmark</a:t>
+            </a:r>
+          </a:p>
+          <a:p>
+            <a:pPr marL="342900" lvl="1" indent="-342900">
+              <a:buFont typeface="Arial" panose="020B0604020202020204" pitchFamily="34" charset="0"/>
+              <a:buChar char="•"/>
+            </a:pPr>
+            <a:r>
+              <a:rPr lang="en-US" altLang="zh-CN" dirty="0" smtClean="0"/>
+              <a:t>20 </a:t>
+            </a:r>
+            <a:r>
               <a:rPr lang="en-US" altLang="zh-CN" dirty="0"/>
-              <a:t>20 controller; each with 4 – 8 workers</a:t>
+              <a:t>controller; each with 4 – 8 workers</a:t>
             </a:r>
           </a:p>
           <a:p>
@@ -11278,6 +12499,13 @@
   <p:clrMapOvr>
     <a:masterClrMapping/>
   </p:clrMapOvr>
+  <p:timing>
+    <p:tnLst>
+      <p:par>
+        <p:cTn id="1" dur="indefinite" restart="never" nodeType="tmRoot"/>
+      </p:par>
+    </p:tnLst>
+  </p:timing>
 </p:sld>
 </file>
 
@@ -11386,6 +12614,13 @@
   <p:clrMapOvr>
     <a:masterClrMapping/>
   </p:clrMapOvr>
+  <p:timing>
+    <p:tnLst>
+      <p:par>
+        <p:cTn id="1" dur="indefinite" restart="never" nodeType="tmRoot"/>
+      </p:par>
+    </p:tnLst>
+  </p:timing>
 </p:sld>
 </file>
 
@@ -11479,6 +12714,13 @@
   <p:clrMapOvr>
     <a:masterClrMapping/>
   </p:clrMapOvr>
+  <p:timing>
+    <p:tnLst>
+      <p:par>
+        <p:cTn id="1" dur="indefinite" restart="never" nodeType="tmRoot"/>
+      </p:par>
+    </p:tnLst>
+  </p:timing>
 </p:sld>
 </file>
 
@@ -11670,6 +12912,13 @@
   <p:clrMapOvr>
     <a:masterClrMapping/>
   </p:clrMapOvr>
+  <p:timing>
+    <p:tnLst>
+      <p:par>
+        <p:cTn id="1" dur="indefinite" restart="never" nodeType="tmRoot"/>
+      </p:par>
+    </p:tnLst>
+  </p:timing>
 </p:sld>
 </file>
 
@@ -11714,9 +12963,6 @@
             <a:endParaRPr lang="en-US" dirty="0"/>
           </a:p>
           <a:p>
-            <a:endParaRPr lang="en-US" dirty="0"/>
-          </a:p>
-          <a:p>
             <a:r>
               <a:rPr lang="en-US" dirty="0"/>
               <a:t>1 Intel Haswell 2300 CPU with 18 cores </a:t>
@@ -11783,6 +13029,13 @@
   <p:clrMapOvr>
     <a:masterClrMapping/>
   </p:clrMapOvr>
+  <p:timing>
+    <p:tnLst>
+      <p:par>
+        <p:cTn id="1" dur="indefinite" restart="never" nodeType="tmRoot"/>
+      </p:par>
+    </p:tnLst>
+  </p:timing>
 </p:sld>
 </file>
 
@@ -11914,6 +13167,13 @@
   <p:clrMapOvr>
     <a:masterClrMapping/>
   </p:clrMapOvr>
+  <p:timing>
+    <p:tnLst>
+      <p:par>
+        <p:cTn id="1" dur="indefinite" restart="never" nodeType="tmRoot"/>
+      </p:par>
+    </p:tnLst>
+  </p:timing>
 </p:sld>
 </file>
 
@@ -12031,6 +13291,13 @@
   <p:clrMapOvr>
     <a:masterClrMapping/>
   </p:clrMapOvr>
+  <p:timing>
+    <p:tnLst>
+      <p:par>
+        <p:cTn id="1" dur="indefinite" restart="never" nodeType="tmRoot"/>
+      </p:par>
+    </p:tnLst>
+  </p:timing>
 </p:sld>
 </file>
 
@@ -12181,13 +13448,39 @@
               <a:t>could use 2 GPUs</a:t>
             </a:r>
             <a:r>
-              <a:rPr lang="en-US" sz="2000" dirty="0">
+              <a:rPr lang="en-US" sz="2000" dirty="0" smtClean="0">
                 <a:solidFill>
                   <a:schemeClr val="accent5"/>
                 </a:solidFill>
               </a:rPr>
               <a:t>)</a:t>
             </a:r>
+          </a:p>
+          <a:p>
+            <a:pPr marL="342900" indent="-342900">
+              <a:buFont typeface="Arial" panose="020B0604020202020204" pitchFamily="34" charset="0"/>
+              <a:buChar char="•"/>
+            </a:pPr>
+            <a:endParaRPr lang="en-US" sz="2000" dirty="0">
+              <a:solidFill>
+                <a:schemeClr val="accent5"/>
+              </a:solidFill>
+            </a:endParaRPr>
+          </a:p>
+          <a:p>
+            <a:r>
+              <a:rPr lang="en-US" sz="2000" dirty="0" smtClean="0">
+                <a:solidFill>
+                  <a:schemeClr val="accent5"/>
+                </a:solidFill>
+              </a:rPr>
+              <a:t>Again, unexpected results through searching!</a:t>
+            </a:r>
+            <a:endParaRPr lang="en-US" sz="2000" dirty="0">
+              <a:solidFill>
+                <a:schemeClr val="accent5"/>
+              </a:solidFill>
+            </a:endParaRPr>
           </a:p>
         </p:txBody>
       </p:sp>
@@ -12229,6 +13522,13 @@
   <p:clrMapOvr>
     <a:masterClrMapping/>
   </p:clrMapOvr>
+  <p:timing>
+    <p:tnLst>
+      <p:par>
+        <p:cTn id="1" dur="indefinite" restart="never" nodeType="tmRoot"/>
+      </p:par>
+    </p:tnLst>
+  </p:timing>
 </p:sld>
 </file>
 
@@ -12369,6 +13669,13 @@
   <p:clrMapOvr>
     <a:masterClrMapping/>
   </p:clrMapOvr>
+  <p:timing>
+    <p:tnLst>
+      <p:par>
+        <p:cTn id="1" dur="indefinite" restart="never" nodeType="tmRoot"/>
+      </p:par>
+    </p:tnLst>
+  </p:timing>
 </p:sld>
 </file>
 
@@ -12474,14 +13781,26 @@
           <a:lstStyle/>
           <a:p>
             <a:r>
-              <a:rPr lang="en-US" dirty="0"/>
+              <a:rPr lang="en-US" dirty="0">
+                <a:solidFill>
+                  <a:srgbClr val="FF0000"/>
+                </a:solidFill>
+              </a:rPr>
               <a:t>229.57 hour</a:t>
             </a:r>
             <a:r>
-              <a:rPr lang="en-US" altLang="zh-CN" dirty="0"/>
+              <a:rPr lang="en-US" altLang="zh-CN" dirty="0">
+                <a:solidFill>
+                  <a:srgbClr val="FF0000"/>
+                </a:solidFill>
+              </a:rPr>
               <a:t>s</a:t>
             </a:r>
-            <a:endParaRPr lang="en-US" dirty="0"/>
+            <a:endParaRPr lang="en-US" dirty="0">
+              <a:solidFill>
+                <a:srgbClr val="FF0000"/>
+              </a:solidFill>
+            </a:endParaRPr>
           </a:p>
         </p:txBody>
       </p:sp>
@@ -12500,7 +13819,7 @@
         <p:spPr>
           <a:xfrm>
             <a:off x="330879" y="1652948"/>
-            <a:ext cx="2967479" cy="369332"/>
+            <a:ext cx="3305713" cy="400110"/>
           </a:xfrm>
           <a:prstGeom prst="rect">
             <a:avLst/>
@@ -12513,8 +13832,12 @@
           <a:lstStyle/>
           <a:p>
             <a:r>
-              <a:rPr lang="en-US" dirty="0"/>
-              <a:t>expert-designed placement</a:t>
+              <a:rPr lang="en-US" sz="2000" dirty="0" smtClean="0"/>
+              <a:t>Expert-designed </a:t>
+            </a:r>
+            <a:r>
+              <a:rPr lang="en-US" sz="2000" dirty="0"/>
+              <a:t>placement</a:t>
             </a:r>
           </a:p>
         </p:txBody>
@@ -12534,7 +13857,7 @@
         <p:spPr>
           <a:xfrm>
             <a:off x="330879" y="2751888"/>
-            <a:ext cx="2236510" cy="369332"/>
+            <a:ext cx="2465740" cy="400110"/>
           </a:xfrm>
           <a:prstGeom prst="rect">
             <a:avLst/>
@@ -12547,11 +13870,11 @@
           <a:lstStyle/>
           <a:p>
             <a:r>
-              <a:rPr lang="en-US" dirty="0" err="1"/>
+              <a:rPr lang="en-US" sz="2000" dirty="0" err="1"/>
               <a:t>RLbased</a:t>
             </a:r>
             <a:r>
-              <a:rPr lang="en-US" dirty="0"/>
+              <a:rPr lang="en-US" sz="2000" dirty="0"/>
               <a:t> placement</a:t>
             </a:r>
           </a:p>
@@ -12585,7 +13908,11 @@
           <a:lstStyle/>
           <a:p>
             <a:r>
-              <a:rPr lang="en-US" dirty="0"/>
+              <a:rPr lang="en-US" dirty="0">
+                <a:solidFill>
+                  <a:srgbClr val="FF0000"/>
+                </a:solidFill>
+              </a:rPr>
               <a:t>165.73 hours</a:t>
             </a:r>
           </a:p>
@@ -12601,6 +13928,13 @@
   <p:clrMapOvr>
     <a:masterClrMapping/>
   </p:clrMapOvr>
+  <p:timing>
+    <p:tnLst>
+      <p:par>
+        <p:cTn id="1" dur="indefinite" restart="never" nodeType="tmRoot"/>
+      </p:par>
+    </p:tnLst>
+  </p:timing>
 </p:sld>
 </file>
 
@@ -12648,20 +13982,56 @@
           <a:lstStyle/>
           <a:p>
             <a:r>
-              <a:rPr lang="en-US" dirty="0"/>
-              <a:t>Data parallelism, rather than model parallelism.</a:t>
-            </a:r>
-          </a:p>
-          <a:p>
-            <a:r>
-              <a:rPr lang="en-US" dirty="0"/>
-              <a:t>Asynchronous towers: puts one replica of the Inception-V3 network on each GPU</a:t>
-            </a:r>
-          </a:p>
-          <a:p>
-            <a:r>
-              <a:rPr lang="en-US" dirty="0"/>
-              <a:t>Synchronous Tower: the same as Asynchronous towers, except that it waits for the gradients of all copies before making an update</a:t>
+              <a:rPr lang="en-US" sz="2000" dirty="0">
+                <a:solidFill>
+                  <a:srgbClr val="C00000"/>
+                </a:solidFill>
+              </a:rPr>
+              <a:t>Data parallelism</a:t>
+            </a:r>
+            <a:r>
+              <a:rPr lang="en-US" sz="2000" dirty="0">
+                <a:solidFill>
+                  <a:schemeClr val="accent5"/>
+                </a:solidFill>
+              </a:rPr>
+              <a:t>, rather than model parallelism.</a:t>
+            </a:r>
+          </a:p>
+          <a:p>
+            <a:r>
+              <a:rPr lang="en-US" sz="2000" dirty="0">
+                <a:solidFill>
+                  <a:srgbClr val="C00000"/>
+                </a:solidFill>
+              </a:rPr>
+              <a:t>Asynchronous towers</a:t>
+            </a:r>
+            <a:r>
+              <a:rPr lang="en-US" sz="2000" dirty="0">
+                <a:solidFill>
+                  <a:schemeClr val="accent5"/>
+                </a:solidFill>
+              </a:rPr>
+              <a:t>: puts one replica of the Inception-V3 network on each GPU</a:t>
+            </a:r>
+          </a:p>
+          <a:p>
+            <a:r>
+              <a:rPr lang="en-US" sz="2000" dirty="0">
+                <a:solidFill>
+                  <a:srgbClr val="C00000"/>
+                </a:solidFill>
+              </a:rPr>
+              <a:t>Synchronous Tower</a:t>
+            </a:r>
+            <a:r>
+              <a:rPr lang="en-US" sz="2000" dirty="0">
+                <a:solidFill>
+                  <a:schemeClr val="accent5"/>
+                </a:solidFill>
+              </a:rPr>
+              <a:t>: the same as Asynchronous towers, except that it waits for the gradients of all copies before making an update</a:t>
             </a:r>
           </a:p>
         </p:txBody>
@@ -12875,7 +14245,19 @@
           <a:p>
             <a:r>
               <a:rPr lang="en-US" dirty="0"/>
-              <a:t>The imbalance is much more significant when back-propagation time is considered.</a:t>
+              <a:t>The imbalance is much more significant when </a:t>
+            </a:r>
+            <a:r>
+              <a:rPr lang="en-US" dirty="0">
+                <a:solidFill>
+                  <a:srgbClr val="C00000"/>
+                </a:solidFill>
+              </a:rPr>
+              <a:t>back-propagation time </a:t>
+            </a:r>
+            <a:r>
+              <a:rPr lang="en-US" dirty="0"/>
+              <a:t>is considered.</a:t>
             </a:r>
           </a:p>
         </p:txBody>
@@ -12996,7 +14378,19 @@
           <a:p>
             <a:r>
               <a:rPr lang="en-US" dirty="0"/>
-              <a:t>RL-based placement does not seek to balance the computations between GPUs</a:t>
+              <a:t>RL-based placement does </a:t>
+            </a:r>
+            <a:r>
+              <a:rPr lang="en-US" dirty="0">
+                <a:solidFill>
+                  <a:srgbClr val="C00000"/>
+                </a:solidFill>
+              </a:rPr>
+              <a:t>not</a:t>
+            </a:r>
+            <a:r>
+              <a:rPr lang="en-US" dirty="0"/>
+              <a:t> seek to balance the computations between GPUs</a:t>
             </a:r>
           </a:p>
         </p:txBody>
@@ -13030,7 +14424,19 @@
           <a:p>
             <a:r>
               <a:rPr lang="en-US" dirty="0"/>
-              <a:t>Inception-V3 has more dependencies than NMT, allowing less room for model parallelism across GPUs</a:t>
+              <a:t>Inception-V3 has more </a:t>
+            </a:r>
+            <a:r>
+              <a:rPr lang="en-US" dirty="0">
+                <a:solidFill>
+                  <a:srgbClr val="C00000"/>
+                </a:solidFill>
+              </a:rPr>
+              <a:t>dependencies</a:t>
+            </a:r>
+            <a:r>
+              <a:rPr lang="en-US" dirty="0"/>
+              <a:t> than NMT, allowing less room for model parallelism across GPUs</a:t>
             </a:r>
           </a:p>
         </p:txBody>
@@ -13165,6 +14571,13 @@
   <p:clrMapOvr>
     <a:masterClrMapping/>
   </p:clrMapOvr>
+  <p:timing>
+    <p:tnLst>
+      <p:par>
+        <p:cTn id="1" dur="indefinite" restart="never" nodeType="tmRoot"/>
+      </p:par>
+    </p:tnLst>
+  </p:timing>
 </p:sld>
 </file>
 
@@ -13804,6 +15217,316 @@
           <p:cNvPr id="5" name="Content Placeholder 4" descr="A screenshot of a cell phone&#10;&#10;Description automatically generated">
             <a:extLst>
               <a:ext uri="{FF2B5EF4-FFF2-40B4-BE49-F238E27FC236}">
+                <a16:creationId xmlns:a16="http://schemas.microsoft.com/office/drawing/2014/main" id="{83D05920-5F83-4713-8AFB-25F6BE83DADC}"/>
+              </a:ext>
+            </a:extLst>
+          </p:cNvPr>
+          <p:cNvPicPr>
+            <a:picLocks noGrp="1" noChangeAspect="1"/>
+          </p:cNvPicPr>
+          <p:nvPr>
+            <p:ph idx="13"/>
+          </p:nvPr>
+        </p:nvPicPr>
+        <p:blipFill>
+          <a:blip r:embed="rId3"/>
+          <a:stretch>
+            <a:fillRect/>
+          </a:stretch>
+        </p:blipFill>
+        <p:spPr>
+          <a:xfrm>
+            <a:off x="889397" y="1559225"/>
+            <a:ext cx="7459116" cy="1819529"/>
+          </a:xfrm>
+        </p:spPr>
+      </p:pic>
+      <p:sp>
+        <p:nvSpPr>
+          <p:cNvPr id="3" name="Title 2">
+            <a:extLst>
+              <a:ext uri="{FF2B5EF4-FFF2-40B4-BE49-F238E27FC236}">
+                <a16:creationId xmlns:a16="http://schemas.microsoft.com/office/drawing/2014/main" id="{245CBCB5-2745-4BFD-827E-90406D1A2FA5}"/>
+              </a:ext>
+            </a:extLst>
+          </p:cNvPr>
+          <p:cNvSpPr>
+            <a:spLocks noGrp="1"/>
+          </p:cNvSpPr>
+          <p:nvPr>
+            <p:ph type="title"/>
+          </p:nvPr>
+        </p:nvSpPr>
+        <p:spPr/>
+        <p:txBody>
+          <a:bodyPr/>
+          <a:lstStyle/>
+          <a:p>
+            <a:r>
+              <a:rPr lang="en-US" dirty="0" smtClean="0"/>
+              <a:t>Remember this?</a:t>
+            </a:r>
+            <a:endParaRPr lang="en-US" dirty="0"/>
+          </a:p>
+        </p:txBody>
+      </p:sp>
+      <p:sp>
+        <p:nvSpPr>
+          <p:cNvPr id="2" name="Oval 1"/>
+          <p:cNvSpPr/>
+          <p:nvPr/>
+        </p:nvSpPr>
+        <p:spPr>
+          <a:xfrm>
+            <a:off x="2984602" y="2414016"/>
+            <a:ext cx="643738" cy="380391"/>
+          </a:xfrm>
+          <a:prstGeom prst="ellipse">
+            <a:avLst/>
+          </a:prstGeom>
+          <a:noFill/>
+          <a:ln>
+            <a:solidFill>
+              <a:srgbClr val="C00000"/>
+            </a:solidFill>
+          </a:ln>
+        </p:spPr>
+        <p:style>
+          <a:lnRef idx="2">
+            <a:schemeClr val="dk1"/>
+          </a:lnRef>
+          <a:fillRef idx="1">
+            <a:schemeClr val="lt1"/>
+          </a:fillRef>
+          <a:effectRef idx="0">
+            <a:schemeClr val="dk1"/>
+          </a:effectRef>
+          <a:fontRef idx="minor">
+            <a:schemeClr val="dk1"/>
+          </a:fontRef>
+        </p:style>
+        <p:txBody>
+          <a:bodyPr rtlCol="0" anchor="ctr"/>
+          <a:lstStyle/>
+          <a:p>
+            <a:pPr algn="ctr"/>
+            <a:endParaRPr lang="en-US"/>
+          </a:p>
+        </p:txBody>
+      </p:sp>
+      <p:sp>
+        <p:nvSpPr>
+          <p:cNvPr id="4" name="TextBox 3"/>
+          <p:cNvSpPr txBox="1"/>
+          <p:nvPr/>
+        </p:nvSpPr>
+        <p:spPr>
+          <a:xfrm>
+            <a:off x="1978762" y="1305973"/>
+            <a:ext cx="2655418" cy="369332"/>
+          </a:xfrm>
+          <a:prstGeom prst="rect">
+            <a:avLst/>
+          </a:prstGeom>
+          <a:noFill/>
+        </p:spPr>
+        <p:txBody>
+          <a:bodyPr wrap="square" rtlCol="0">
+            <a:spAutoFit/>
+          </a:bodyPr>
+          <a:lstStyle/>
+          <a:p>
+            <a:pPr algn="ctr"/>
+            <a:r>
+              <a:rPr lang="en-US" dirty="0" smtClean="0">
+                <a:solidFill>
+                  <a:srgbClr val="FF0000"/>
+                </a:solidFill>
+              </a:rPr>
+              <a:t>Out of memory!</a:t>
+            </a:r>
+            <a:endParaRPr lang="en-US" dirty="0">
+              <a:solidFill>
+                <a:srgbClr val="FF0000"/>
+              </a:solidFill>
+            </a:endParaRPr>
+          </a:p>
+        </p:txBody>
+      </p:sp>
+      <p:sp>
+        <p:nvSpPr>
+          <p:cNvPr id="6" name="Rectangle 5"/>
+          <p:cNvSpPr/>
+          <p:nvPr/>
+        </p:nvSpPr>
+        <p:spPr>
+          <a:xfrm>
+            <a:off x="2505454" y="3565188"/>
+            <a:ext cx="7004305" cy="1477328"/>
+          </a:xfrm>
+          <a:prstGeom prst="rect">
+            <a:avLst/>
+          </a:prstGeom>
+        </p:spPr>
+        <p:txBody>
+          <a:bodyPr wrap="square">
+            <a:spAutoFit/>
+          </a:bodyPr>
+          <a:lstStyle/>
+          <a:p>
+            <a:pPr marL="285750" indent="-285750">
+              <a:buFont typeface="Arial" panose="020B0604020202020204" pitchFamily="34" charset="0"/>
+              <a:buChar char="•"/>
+            </a:pPr>
+            <a:r>
+              <a:rPr lang="en-US" dirty="0" smtClean="0">
+                <a:solidFill>
+                  <a:srgbClr val="333333"/>
+                </a:solidFill>
+                <a:latin typeface="DINWebPro"/>
+              </a:rPr>
+              <a:t>Ultra-high bandwidth </a:t>
+            </a:r>
+          </a:p>
+          <a:p>
+            <a:pPr marL="285750" indent="-285750">
+              <a:buFont typeface="Arial" panose="020B0604020202020204" pitchFamily="34" charset="0"/>
+              <a:buChar char="•"/>
+            </a:pPr>
+            <a:r>
+              <a:rPr lang="en-US" dirty="0" smtClean="0">
+                <a:solidFill>
+                  <a:srgbClr val="333333"/>
+                </a:solidFill>
+                <a:latin typeface="DINWebPro"/>
+              </a:rPr>
+              <a:t>Cannot just add more memory chips </a:t>
+            </a:r>
+          </a:p>
+          <a:p>
+            <a:pPr marL="285750" indent="-285750">
+              <a:buFont typeface="Arial" panose="020B0604020202020204" pitchFamily="34" charset="0"/>
+              <a:buChar char="•"/>
+            </a:pPr>
+            <a:r>
+              <a:rPr lang="en-US" dirty="0" smtClean="0">
+                <a:solidFill>
+                  <a:srgbClr val="333333"/>
+                </a:solidFill>
+                <a:latin typeface="DINWebPro"/>
+              </a:rPr>
+              <a:t>Increased electrical capacity &amp; Decreased resistance</a:t>
+            </a:r>
+          </a:p>
+          <a:p>
+            <a:pPr marL="285750" indent="-285750">
+              <a:buFont typeface="Arial" panose="020B0604020202020204" pitchFamily="34" charset="0"/>
+              <a:buChar char="•"/>
+            </a:pPr>
+            <a:r>
+              <a:rPr lang="en-US" dirty="0" smtClean="0">
+                <a:solidFill>
+                  <a:srgbClr val="333333"/>
+                </a:solidFill>
+                <a:latin typeface="DINWebPro"/>
+              </a:rPr>
+              <a:t>Spoil the timing on the memory bus.</a:t>
+            </a:r>
+          </a:p>
+          <a:p>
+            <a:pPr marL="285750" indent="-285750">
+              <a:buFont typeface="Arial" panose="020B0604020202020204" pitchFamily="34" charset="0"/>
+              <a:buChar char="•"/>
+            </a:pPr>
+            <a:r>
+              <a:rPr lang="en-US" strike="sngStrike" dirty="0" smtClean="0">
+                <a:solidFill>
+                  <a:srgbClr val="333333"/>
+                </a:solidFill>
+                <a:latin typeface="DINWebPro"/>
+              </a:rPr>
+              <a:t>Conspiracy: just another NVIDIA marketing strategy?</a:t>
+            </a:r>
+            <a:endParaRPr lang="en-US" strike="sngStrike" dirty="0"/>
+          </a:p>
+        </p:txBody>
+      </p:sp>
+      <p:sp>
+        <p:nvSpPr>
+          <p:cNvPr id="8" name="Rectangle 7"/>
+          <p:cNvSpPr/>
+          <p:nvPr/>
+        </p:nvSpPr>
+        <p:spPr>
+          <a:xfrm>
+            <a:off x="200590" y="3565188"/>
+            <a:ext cx="1995221" cy="1200329"/>
+          </a:xfrm>
+          <a:prstGeom prst="rect">
+            <a:avLst/>
+          </a:prstGeom>
+        </p:spPr>
+        <p:txBody>
+          <a:bodyPr wrap="square">
+            <a:spAutoFit/>
+          </a:bodyPr>
+          <a:lstStyle/>
+          <a:p>
+            <a:r>
+              <a:rPr lang="en-US" dirty="0" smtClean="0">
+                <a:solidFill>
+                  <a:srgbClr val="333333"/>
+                </a:solidFill>
+                <a:latin typeface="DINWebPro"/>
+              </a:rPr>
+              <a:t>Why GPU memory is so small compared to main memory?</a:t>
+            </a:r>
+            <a:endParaRPr lang="en-US" dirty="0"/>
+          </a:p>
+        </p:txBody>
+      </p:sp>
+    </p:spTree>
+    <p:extLst>
+      <p:ext uri="{BB962C8B-B14F-4D97-AF65-F5344CB8AC3E}">
+        <p14:creationId xmlns:p14="http://schemas.microsoft.com/office/powerpoint/2010/main" val="2416848517"/>
+      </p:ext>
+    </p:extLst>
+  </p:cSld>
+  <p:clrMapOvr>
+    <a:masterClrMapping/>
+  </p:clrMapOvr>
+  <p:timing>
+    <p:tnLst>
+      <p:par>
+        <p:cTn id="1" dur="indefinite" restart="never" nodeType="tmRoot"/>
+      </p:par>
+    </p:tnLst>
+  </p:timing>
+</p:sld>
+</file>
+
+<file path=ppt/slides/slide43.xml><?xml version="1.0" encoding="utf-8"?>
+<p:sld xmlns:a="http://schemas.openxmlformats.org/drawingml/2006/main" xmlns:r="http://schemas.openxmlformats.org/officeDocument/2006/relationships" xmlns:p="http://schemas.openxmlformats.org/presentationml/2006/main">
+  <p:cSld>
+    <p:spTree>
+      <p:nvGrpSpPr>
+        <p:cNvPr id="1" name=""/>
+        <p:cNvGrpSpPr/>
+        <p:nvPr/>
+      </p:nvGrpSpPr>
+      <p:grpSpPr>
+        <a:xfrm>
+          <a:off x="0" y="0"/>
+          <a:ext cx="0" cy="0"/>
+          <a:chOff x="0" y="0"/>
+          <a:chExt cx="0" cy="0"/>
+        </a:xfrm>
+      </p:grpSpPr>
+      <p:pic>
+        <p:nvPicPr>
+          <p:cNvPr id="5" name="Content Placeholder 4" descr="A screenshot of a cell phone&#10;&#10;Description automatically generated">
+            <a:extLst>
+              <a:ext uri="{FF2B5EF4-FFF2-40B4-BE49-F238E27FC236}">
                 <a16:creationId xmlns:a16="http://schemas.microsoft.com/office/drawing/2014/main" id="{3486627D-651B-4E1C-9D7E-884368917D01}"/>
               </a:ext>
             </a:extLst>
@@ -13931,6 +15654,86 @@
           </a:fontRef>
         </p:style>
       </p:cxnSp>
+      <p:sp>
+        <p:nvSpPr>
+          <p:cNvPr id="2" name="Rectangle 1"/>
+          <p:cNvSpPr/>
+          <p:nvPr/>
+        </p:nvSpPr>
+        <p:spPr>
+          <a:xfrm>
+            <a:off x="7112325" y="1985678"/>
+            <a:ext cx="1883664" cy="954107"/>
+          </a:xfrm>
+          <a:prstGeom prst="rect">
+            <a:avLst/>
+          </a:prstGeom>
+        </p:spPr>
+        <p:txBody>
+          <a:bodyPr wrap="square">
+            <a:spAutoFit/>
+          </a:bodyPr>
+          <a:lstStyle/>
+          <a:p>
+            <a:r>
+              <a:rPr lang="en-US" sz="1400" dirty="0" smtClean="0">
+                <a:solidFill>
+                  <a:srgbClr val="C00000"/>
+                </a:solidFill>
+              </a:rPr>
+              <a:t>Maximum </a:t>
+            </a:r>
+            <a:r>
+              <a:rPr lang="en-US" sz="1400" dirty="0">
+                <a:solidFill>
+                  <a:srgbClr val="C00000"/>
+                </a:solidFill>
+              </a:rPr>
+              <a:t>fraction</a:t>
+            </a:r>
+            <a:r>
+              <a:rPr lang="en-US" sz="1400" dirty="0">
+                <a:solidFill>
+                  <a:schemeClr val="accent5"/>
+                </a:solidFill>
+              </a:rPr>
+              <a:t> of </a:t>
+            </a:r>
+            <a:r>
+              <a:rPr lang="en-US" sz="1400" dirty="0" smtClean="0">
+                <a:solidFill>
+                  <a:schemeClr val="accent5"/>
+                </a:solidFill>
+              </a:rPr>
+              <a:t>baseline </a:t>
+            </a:r>
+            <a:r>
+              <a:rPr lang="en-US" sz="1400" dirty="0">
+                <a:solidFill>
+                  <a:schemeClr val="accent5"/>
+                </a:solidFill>
+              </a:rPr>
+              <a:t>allocation actually utilized when traversing </a:t>
+            </a:r>
+            <a:r>
+              <a:rPr lang="en-US" sz="1400" dirty="0" smtClean="0">
+                <a:solidFill>
+                  <a:srgbClr val="C00000"/>
+                </a:solidFill>
+              </a:rPr>
+              <a:t>layer-wise</a:t>
+            </a:r>
+            <a:r>
+              <a:rPr lang="en-US" sz="1400" dirty="0">
+                <a:solidFill>
+                  <a:schemeClr val="accent5"/>
+                </a:solidFill>
+              </a:rPr>
+              <a:t>.</a:t>
+            </a:r>
+          </a:p>
+        </p:txBody>
+      </p:sp>
     </p:spTree>
     <p:extLst>
       <p:ext uri="{BB962C8B-B14F-4D97-AF65-F5344CB8AC3E}">
@@ -13944,7 +15747,7 @@
 </p:sld>
 </file>
 
-<file path=ppt/slides/slide43.xml><?xml version="1.0" encoding="utf-8"?>
+<file path=ppt/slides/slide44.xml><?xml version="1.0" encoding="utf-8"?>
 <p:sld xmlns:a="http://schemas.openxmlformats.org/drawingml/2006/main" xmlns:r="http://schemas.openxmlformats.org/officeDocument/2006/relationships" xmlns:p="http://schemas.openxmlformats.org/presentationml/2006/main">
   <p:cSld>
     <p:spTree>
@@ -14081,9 +15884,10 @@
           <a:lstStyle/>
           <a:p>
             <a:r>
-              <a:rPr lang="en-US" dirty="0"/>
-              <a:t>Motivation 1 - 2</a:t>
-            </a:r>
+              <a:rPr lang="en-US" dirty="0" smtClean="0"/>
+              <a:t>Motivations</a:t>
+            </a:r>
+            <a:endParaRPr lang="en-US" dirty="0"/>
           </a:p>
         </p:txBody>
       </p:sp>
@@ -14100,7 +15904,7 @@
 </p:sld>
 </file>
 
-<file path=ppt/slides/slide44.xml><?xml version="1.0" encoding="utf-8"?>
+<file path=ppt/slides/slide45.xml><?xml version="1.0" encoding="utf-8"?>
 <p:sld xmlns:a="http://schemas.openxmlformats.org/drawingml/2006/main" xmlns:r="http://schemas.openxmlformats.org/officeDocument/2006/relationships" xmlns:p="http://schemas.openxmlformats.org/presentationml/2006/main">
   <p:cSld>
     <p:spTree>
@@ -14388,160 +16192,6 @@
 </p:sld>
 </file>
 
-<file path=ppt/slides/slide45.xml><?xml version="1.0" encoding="utf-8"?>
-<p:sld xmlns:a="http://schemas.openxmlformats.org/drawingml/2006/main" xmlns:r="http://schemas.openxmlformats.org/officeDocument/2006/relationships" xmlns:p="http://schemas.openxmlformats.org/presentationml/2006/main">
-  <p:cSld>
-    <p:spTree>
-      <p:nvGrpSpPr>
-        <p:cNvPr id="1" name=""/>
-        <p:cNvGrpSpPr/>
-        <p:nvPr/>
-      </p:nvGrpSpPr>
-      <p:grpSpPr>
-        <a:xfrm>
-          <a:off x="0" y="0"/>
-          <a:ext cx="0" cy="0"/>
-          <a:chOff x="0" y="0"/>
-          <a:chExt cx="0" cy="0"/>
-        </a:xfrm>
-      </p:grpSpPr>
-      <p:sp>
-        <p:nvSpPr>
-          <p:cNvPr id="2" name="Content Placeholder 1">
-            <a:extLst>
-              <a:ext uri="{FF2B5EF4-FFF2-40B4-BE49-F238E27FC236}">
-                <a16:creationId xmlns:a16="http://schemas.microsoft.com/office/drawing/2014/main" id="{198F7773-517C-485A-8748-19DA563A1B4F}"/>
-              </a:ext>
-            </a:extLst>
-          </p:cNvPr>
-          <p:cNvSpPr>
-            <a:spLocks noGrp="1"/>
-          </p:cNvSpPr>
-          <p:nvPr>
-            <p:ph idx="13"/>
-          </p:nvPr>
-        </p:nvSpPr>
-        <p:spPr/>
-        <p:txBody>
-          <a:bodyPr/>
-          <a:lstStyle/>
-          <a:p>
-            <a:pPr marL="342900" indent="-342900">
-              <a:buFont typeface="Arial" panose="020B0604020202020204" pitchFamily="34" charset="0"/>
-              <a:buChar char="•"/>
-            </a:pPr>
-            <a:r>
-              <a:rPr lang="en-US" dirty="0">
-                <a:solidFill>
-                  <a:schemeClr val="accent6"/>
-                </a:solidFill>
-              </a:rPr>
-              <a:t>Training a network involves both forward and backward propagation, which are repeated for millions to billions of iterations</a:t>
-            </a:r>
-          </a:p>
-          <a:p>
-            <a:pPr marL="342900" indent="-342900">
-              <a:buFont typeface="Arial" panose="020B0604020202020204" pitchFamily="34" charset="0"/>
-              <a:buChar char="•"/>
-            </a:pPr>
-            <a:r>
-              <a:rPr lang="en-US" dirty="0">
-                <a:solidFill>
-                  <a:schemeClr val="accent6"/>
-                </a:solidFill>
-              </a:rPr>
-              <a:t>Nature of SGD-based backward propagation, the network input is generally batched with hundreds of images</a:t>
-            </a:r>
-          </a:p>
-          <a:p>
-            <a:pPr marL="342900" indent="-342900">
-              <a:buFont typeface="Arial" panose="020B0604020202020204" pitchFamily="34" charset="0"/>
-              <a:buChar char="•"/>
-            </a:pPr>
-            <a:r>
-              <a:rPr lang="en-US" dirty="0">
-                <a:solidFill>
-                  <a:schemeClr val="accent6"/>
-                </a:solidFill>
-              </a:rPr>
-              <a:t>Batch </a:t>
-            </a:r>
-            <a:r>
-              <a:rPr lang="en-US" dirty="0">
-                <a:solidFill>
-                  <a:srgbClr val="C00000"/>
-                </a:solidFill>
-              </a:rPr>
-              <a:t>increases</a:t>
-            </a:r>
-            <a:r>
-              <a:rPr lang="en-US" dirty="0">
-                <a:solidFill>
-                  <a:schemeClr val="accent6"/>
-                </a:solidFill>
-              </a:rPr>
-              <a:t> </a:t>
-            </a:r>
-            <a:r>
-              <a:rPr lang="en-US" dirty="0">
-                <a:solidFill>
-                  <a:srgbClr val="C00000"/>
-                </a:solidFill>
-              </a:rPr>
-              <a:t>memory allocation </a:t>
-            </a:r>
-            <a:r>
-              <a:rPr lang="en-US" dirty="0">
-                <a:solidFill>
-                  <a:schemeClr val="accent6"/>
-                </a:solidFill>
-              </a:rPr>
-              <a:t>size but helps the network model better converge to an optimal solution.</a:t>
-            </a:r>
-          </a:p>
-        </p:txBody>
-      </p:sp>
-      <p:sp>
-        <p:nvSpPr>
-          <p:cNvPr id="3" name="Title 2">
-            <a:extLst>
-              <a:ext uri="{FF2B5EF4-FFF2-40B4-BE49-F238E27FC236}">
-                <a16:creationId xmlns:a16="http://schemas.microsoft.com/office/drawing/2014/main" id="{1E964A08-16D6-46C3-8131-BDCED52544D2}"/>
-              </a:ext>
-            </a:extLst>
-          </p:cNvPr>
-          <p:cNvSpPr>
-            <a:spLocks noGrp="1"/>
-          </p:cNvSpPr>
-          <p:nvPr>
-            <p:ph type="title"/>
-          </p:nvPr>
-        </p:nvSpPr>
-        <p:spPr/>
-        <p:txBody>
-          <a:bodyPr/>
-          <a:lstStyle/>
-          <a:p>
-            <a:r>
-              <a:rPr lang="en-US" dirty="0"/>
-              <a:t>Common sense - Batch size</a:t>
-            </a:r>
-          </a:p>
-        </p:txBody>
-      </p:sp>
-    </p:spTree>
-    <p:extLst>
-      <p:ext uri="{BB962C8B-B14F-4D97-AF65-F5344CB8AC3E}">
-        <p14:creationId xmlns:p14="http://schemas.microsoft.com/office/powerpoint/2010/main" val="1529253530"/>
-      </p:ext>
-    </p:extLst>
-  </p:cSld>
-  <p:clrMapOvr>
-    <a:masterClrMapping/>
-  </p:clrMapOvr>
-</p:sld>
-</file>
-
 <file path=ppt/slides/slide46.xml><?xml version="1.0" encoding="utf-8"?>
 <p:sld xmlns:a="http://schemas.openxmlformats.org/drawingml/2006/main" xmlns:r="http://schemas.openxmlformats.org/officeDocument/2006/relationships" xmlns:p="http://schemas.openxmlformats.org/presentationml/2006/main">
   <p:cSld>
@@ -14564,7 +16214,7 @@
           <p:cNvPr id="2" name="Content Placeholder 1">
             <a:extLst>
               <a:ext uri="{FF2B5EF4-FFF2-40B4-BE49-F238E27FC236}">
-                <a16:creationId xmlns:a16="http://schemas.microsoft.com/office/drawing/2014/main" id="{8D9A7D73-19F3-45AF-8965-1E595E5CB857}"/>
+                <a16:creationId xmlns:a16="http://schemas.microsoft.com/office/drawing/2014/main" id="{198F7773-517C-485A-8748-19DA563A1B4F}"/>
               </a:ext>
             </a:extLst>
           </p:cNvPr>
@@ -14580,25 +16230,78 @@
           <a:bodyPr/>
           <a:lstStyle/>
           <a:p>
+            <a:pPr marL="342900" indent="-342900">
+              <a:buFont typeface="Arial" panose="020B0604020202020204" pitchFamily="34" charset="0"/>
+              <a:buChar char="•"/>
+            </a:pPr>
             <a:r>
               <a:rPr lang="en-US" dirty="0">
                 <a:solidFill>
-                  <a:schemeClr val="accent5"/>
+                  <a:schemeClr val="accent6"/>
                 </a:solidFill>
               </a:rPr>
-              <a:t>3. Even though the GPU can, process a single layer’s computation, popular ML frameworks adopt a </a:t>
-            </a:r>
+              <a:t>Training a network involves both forward and backward propagation, which are repeated for millions to billions of iterations</a:t>
+            </a:r>
+          </a:p>
+          <a:p>
+            <a:pPr marL="342900" indent="-342900">
+              <a:buFont typeface="Arial" panose="020B0604020202020204" pitchFamily="34" charset="0"/>
+              <a:buChar char="•"/>
+            </a:pPr>
             <a:r>
               <a:rPr lang="en-US" dirty="0">
                 <a:solidFill>
+                  <a:schemeClr val="accent6"/>
+                </a:solidFill>
+              </a:rPr>
+              <a:t>Nature of SGD-based backward propagation, the network input is generally batched with hundreds of images</a:t>
+            </a:r>
+          </a:p>
+          <a:p>
+            <a:pPr marL="342900" indent="-342900">
+              <a:buFont typeface="Arial" panose="020B0604020202020204" pitchFamily="34" charset="0"/>
+              <a:buChar char="•"/>
+            </a:pPr>
+            <a:r>
+              <a:rPr lang="en-US" dirty="0">
+                <a:solidFill>
+                  <a:schemeClr val="accent6"/>
+                </a:solidFill>
+              </a:rPr>
+              <a:t>Batch </a:t>
+            </a:r>
+            <a:r>
+              <a:rPr lang="en-US" dirty="0">
+                <a:solidFill>
                   <a:srgbClr val="C00000"/>
                 </a:solidFill>
               </a:rPr>
-              <a:t>network-wide memory allocation policy</a:t>
-            </a:r>
-          </a:p>
-          <a:p>
-            <a:endParaRPr lang="en-US" dirty="0"/>
+              <a:t>increases</a:t>
+            </a:r>
+            <a:r>
+              <a:rPr lang="en-US" dirty="0">
+                <a:solidFill>
+                  <a:schemeClr val="accent6"/>
+                </a:solidFill>
+              </a:rPr>
+              <a:t> </a:t>
+            </a:r>
+            <a:r>
+              <a:rPr lang="en-US" dirty="0">
+                <a:solidFill>
+                  <a:srgbClr val="C00000"/>
+                </a:solidFill>
+              </a:rPr>
+              <a:t>memory allocation </a:t>
+            </a:r>
+            <a:r>
+              <a:rPr lang="en-US" dirty="0">
+                <a:solidFill>
+                  <a:schemeClr val="accent6"/>
+                </a:solidFill>
+              </a:rPr>
+              <a:t>size but helps the network model better converge to an optimal solution.</a:t>
+            </a:r>
           </a:p>
         </p:txBody>
       </p:sp>
@@ -14607,7 +16310,7 @@
           <p:cNvPr id="3" name="Title 2">
             <a:extLst>
               <a:ext uri="{FF2B5EF4-FFF2-40B4-BE49-F238E27FC236}">
-                <a16:creationId xmlns:a16="http://schemas.microsoft.com/office/drawing/2014/main" id="{54F4524B-78D8-49F5-AC37-6D1B4AFE02C3}"/>
+                <a16:creationId xmlns:a16="http://schemas.microsoft.com/office/drawing/2014/main" id="{1E964A08-16D6-46C3-8131-BDCED52544D2}"/>
               </a:ext>
             </a:extLst>
           </p:cNvPr>
@@ -14625,109 +16328,7 @@
           <a:p>
             <a:r>
               <a:rPr lang="en-US" dirty="0"/>
-              <a:t>Motivation - 3</a:t>
-            </a:r>
-          </a:p>
-        </p:txBody>
-      </p:sp>
-      <p:pic>
-        <p:nvPicPr>
-          <p:cNvPr id="5" name="Picture 4" descr="A screenshot of a cell phone&#10;&#10;Description automatically generated">
-            <a:extLst>
-              <a:ext uri="{FF2B5EF4-FFF2-40B4-BE49-F238E27FC236}">
-                <a16:creationId xmlns:a16="http://schemas.microsoft.com/office/drawing/2014/main" id="{A81210F8-3A82-47F6-A0C0-A6E740370347}"/>
-              </a:ext>
-            </a:extLst>
-          </p:cNvPr>
-          <p:cNvPicPr>
-            <a:picLocks noChangeAspect="1"/>
-          </p:cNvPicPr>
-          <p:nvPr/>
-        </p:nvPicPr>
-        <p:blipFill>
-          <a:blip r:embed="rId2"/>
-          <a:stretch>
-            <a:fillRect/>
-          </a:stretch>
-        </p:blipFill>
-        <p:spPr>
-          <a:xfrm>
-            <a:off x="4114098" y="2523759"/>
-            <a:ext cx="5029902" cy="2619741"/>
-          </a:xfrm>
-          <a:prstGeom prst="rect">
-            <a:avLst/>
-          </a:prstGeom>
-        </p:spPr>
-      </p:pic>
-      <p:sp>
-        <p:nvSpPr>
-          <p:cNvPr id="6" name="Rectangle 5">
-            <a:extLst>
-              <a:ext uri="{FF2B5EF4-FFF2-40B4-BE49-F238E27FC236}">
-                <a16:creationId xmlns:a16="http://schemas.microsoft.com/office/drawing/2014/main" id="{697EC3CF-35C6-491C-A0FA-4B2E96CAA39A}"/>
-              </a:ext>
-            </a:extLst>
-          </p:cNvPr>
-          <p:cNvSpPr/>
-          <p:nvPr/>
-        </p:nvSpPr>
-        <p:spPr>
-          <a:xfrm>
-            <a:off x="167470" y="3247549"/>
-            <a:ext cx="4572000" cy="1477328"/>
-          </a:xfrm>
-          <a:prstGeom prst="rect">
-            <a:avLst/>
-          </a:prstGeom>
-        </p:spPr>
-        <p:txBody>
-          <a:bodyPr>
-            <a:spAutoFit/>
-          </a:bodyPr>
-          <a:lstStyle/>
-          <a:p>
-            <a:pPr marL="342900" indent="-342900">
-              <a:buFont typeface="Arial" panose="020B0604020202020204" pitchFamily="34" charset="0"/>
-              <a:buChar char="•"/>
-            </a:pPr>
-            <a:r>
-              <a:rPr lang="en-US" dirty="0">
-                <a:solidFill>
-                  <a:schemeClr val="accent6"/>
-                </a:solidFill>
-              </a:rPr>
-              <a:t>Popular ML frameworks suffer from severe limitations in the way they </a:t>
-            </a:r>
-            <a:r>
-              <a:rPr lang="en-US" dirty="0">
-                <a:solidFill>
-                  <a:srgbClr val="C00000"/>
-                </a:solidFill>
-              </a:rPr>
-              <a:t>allocate and manage memory</a:t>
-            </a:r>
-            <a:r>
-              <a:rPr lang="en-US" dirty="0">
-                <a:solidFill>
-                  <a:schemeClr val="accent6"/>
-                </a:solidFill>
-              </a:rPr>
-              <a:t>.</a:t>
-            </a:r>
-          </a:p>
-          <a:p>
-            <a:pPr marL="342900" indent="-342900">
-              <a:buFont typeface="Arial" panose="020B0604020202020204" pitchFamily="34" charset="0"/>
-              <a:buChar char="•"/>
-            </a:pPr>
-            <a:r>
-              <a:rPr lang="en-US" dirty="0">
-                <a:solidFill>
-                  <a:srgbClr val="C00000"/>
-                </a:solidFill>
-              </a:rPr>
-              <a:t>Sacrifice memory use to improve performance </a:t>
+              <a:t>Common sense - Batch size</a:t>
             </a:r>
           </a:p>
         </p:txBody>
@@ -14735,7 +16336,7 @@
     </p:spTree>
     <p:extLst>
       <p:ext uri="{BB962C8B-B14F-4D97-AF65-F5344CB8AC3E}">
-        <p14:creationId xmlns:p14="http://schemas.microsoft.com/office/powerpoint/2010/main" val="867329416"/>
+        <p14:creationId xmlns:p14="http://schemas.microsoft.com/office/powerpoint/2010/main" val="1529253530"/>
       </p:ext>
     </p:extLst>
   </p:cSld>
@@ -14767,7 +16368,7 @@
           <p:cNvPr id="2" name="Content Placeholder 1">
             <a:extLst>
               <a:ext uri="{FF2B5EF4-FFF2-40B4-BE49-F238E27FC236}">
-                <a16:creationId xmlns:a16="http://schemas.microsoft.com/office/drawing/2014/main" id="{4037D8BF-2AE4-457B-A5ED-B0907CF19831}"/>
+                <a16:creationId xmlns:a16="http://schemas.microsoft.com/office/drawing/2014/main" id="{8D9A7D73-19F3-45AF-8965-1E595E5CB857}"/>
               </a:ext>
             </a:extLst>
           </p:cNvPr>
@@ -14778,27 +16379,26 @@
             <p:ph idx="13"/>
           </p:nvPr>
         </p:nvSpPr>
-        <p:spPr>
-          <a:xfrm>
-            <a:off x="106680" y="1372791"/>
-            <a:ext cx="8869850" cy="3394472"/>
-          </a:xfrm>
-        </p:spPr>
+        <p:spPr/>
         <p:txBody>
           <a:bodyPr/>
           <a:lstStyle/>
           <a:p>
-            <a:pPr marL="342900" indent="-342900">
-              <a:buFont typeface="Arial" panose="020B0604020202020204" pitchFamily="34" charset="0"/>
-              <a:buChar char="•"/>
-            </a:pPr>
+            <a:r>
+              <a:rPr lang="en-US" dirty="0" smtClean="0">
+                <a:solidFill>
+                  <a:schemeClr val="accent5"/>
+                </a:solidFill>
+              </a:rPr>
+              <a:t>Even </a:t>
+            </a:r>
             <a:r>
               <a:rPr lang="en-US" dirty="0">
                 <a:solidFill>
-                  <a:schemeClr val="accent6"/>
+                  <a:schemeClr val="accent5"/>
                 </a:solidFill>
               </a:rPr>
-              <a:t>Existing schemes </a:t>
+              <a:t>though the GPU can, process a single layer’s computation, popular ML frameworks adopt a </a:t>
             </a:r>
             <a:r>
               <a:rPr lang="en-US" dirty="0">
@@ -14806,49 +16406,11 @@
                   <a:srgbClr val="C00000"/>
                 </a:solidFill>
               </a:rPr>
-              <a:t>overprovision</a:t>
-            </a:r>
-            <a:r>
-              <a:rPr lang="en-US" dirty="0">
-                <a:solidFill>
-                  <a:schemeClr val="accent6"/>
-                </a:solidFill>
-              </a:rPr>
-              <a:t> the memory allocations to network-wise requirements, even though the GPU only use part of the memory for the </a:t>
-            </a:r>
-            <a:r>
-              <a:rPr lang="en-US" dirty="0">
-                <a:solidFill>
-                  <a:srgbClr val="C00000"/>
-                </a:solidFill>
-              </a:rPr>
-              <a:t>layer-wise</a:t>
-            </a:r>
-            <a:r>
-              <a:rPr lang="en-US" dirty="0">
-                <a:solidFill>
-                  <a:schemeClr val="accent6"/>
-                </a:solidFill>
-              </a:rPr>
-              <a:t> requirements.</a:t>
-            </a:r>
-          </a:p>
-          <a:p>
-            <a:pPr marL="342900" indent="-342900">
-              <a:buFont typeface="Arial" panose="020B0604020202020204" pitchFamily="34" charset="0"/>
-              <a:buChar char="•"/>
-            </a:pPr>
+              <a:t>network-wide memory allocation policy</a:t>
+            </a:r>
+          </a:p>
+          <a:p>
             <a:endParaRPr lang="en-US" dirty="0"/>
-          </a:p>
-          <a:p>
-            <a:pPr marL="342900" indent="-342900">
-              <a:buFont typeface="Arial" panose="020B0604020202020204" pitchFamily="34" charset="0"/>
-              <a:buChar char="•"/>
-            </a:pPr>
-            <a:r>
-              <a:rPr lang="en-US" dirty="0"/>
-              <a:t>53% to 79% of memory is wasted.</a:t>
-            </a:r>
           </a:p>
         </p:txBody>
       </p:sp>
@@ -14857,7 +16419,7 @@
           <p:cNvPr id="3" name="Title 2">
             <a:extLst>
               <a:ext uri="{FF2B5EF4-FFF2-40B4-BE49-F238E27FC236}">
-                <a16:creationId xmlns:a16="http://schemas.microsoft.com/office/drawing/2014/main" id="{19424764-BE9E-461A-8737-1D41DBF7ABAD}"/>
+                <a16:creationId xmlns:a16="http://schemas.microsoft.com/office/drawing/2014/main" id="{54F4524B-78D8-49F5-AC37-6D1B4AFE02C3}"/>
               </a:ext>
             </a:extLst>
           </p:cNvPr>
@@ -14873,14 +16435,124 @@
           <a:bodyPr/>
           <a:lstStyle/>
           <a:p>
+            <a:r>
+              <a:rPr lang="en-US" dirty="0"/>
+              <a:t>Motivation - </a:t>
+            </a:r>
+            <a:r>
+              <a:rPr lang="en-US" dirty="0" smtClean="0"/>
+              <a:t>again</a:t>
+            </a:r>
             <a:endParaRPr lang="en-US" dirty="0"/>
+          </a:p>
+        </p:txBody>
+      </p:sp>
+      <p:pic>
+        <p:nvPicPr>
+          <p:cNvPr id="5" name="Picture 4" descr="A screenshot of a cell phone&#10;&#10;Description automatically generated">
+            <a:extLst>
+              <a:ext uri="{FF2B5EF4-FFF2-40B4-BE49-F238E27FC236}">
+                <a16:creationId xmlns:a16="http://schemas.microsoft.com/office/drawing/2014/main" id="{A81210F8-3A82-47F6-A0C0-A6E740370347}"/>
+              </a:ext>
+            </a:extLst>
+          </p:cNvPr>
+          <p:cNvPicPr>
+            <a:picLocks noChangeAspect="1"/>
+          </p:cNvPicPr>
+          <p:nvPr/>
+        </p:nvPicPr>
+        <p:blipFill>
+          <a:blip r:embed="rId3"/>
+          <a:stretch>
+            <a:fillRect/>
+          </a:stretch>
+        </p:blipFill>
+        <p:spPr>
+          <a:xfrm>
+            <a:off x="4114098" y="2523759"/>
+            <a:ext cx="5029902" cy="2619741"/>
+          </a:xfrm>
+          <a:prstGeom prst="rect">
+            <a:avLst/>
+          </a:prstGeom>
+        </p:spPr>
+      </p:pic>
+      <p:sp>
+        <p:nvSpPr>
+          <p:cNvPr id="6" name="Rectangle 5">
+            <a:extLst>
+              <a:ext uri="{FF2B5EF4-FFF2-40B4-BE49-F238E27FC236}">
+                <a16:creationId xmlns:a16="http://schemas.microsoft.com/office/drawing/2014/main" id="{697EC3CF-35C6-491C-A0FA-4B2E96CAA39A}"/>
+              </a:ext>
+            </a:extLst>
+          </p:cNvPr>
+          <p:cNvSpPr/>
+          <p:nvPr/>
+        </p:nvSpPr>
+        <p:spPr>
+          <a:xfrm>
+            <a:off x="167470" y="3247549"/>
+            <a:ext cx="4572000" cy="1477328"/>
+          </a:xfrm>
+          <a:prstGeom prst="rect">
+            <a:avLst/>
+          </a:prstGeom>
+        </p:spPr>
+        <p:txBody>
+          <a:bodyPr>
+            <a:spAutoFit/>
+          </a:bodyPr>
+          <a:lstStyle/>
+          <a:p>
+            <a:pPr marL="342900" indent="-342900">
+              <a:buFont typeface="Arial" panose="020B0604020202020204" pitchFamily="34" charset="0"/>
+              <a:buChar char="•"/>
+            </a:pPr>
+            <a:r>
+              <a:rPr lang="en-US" dirty="0">
+                <a:solidFill>
+                  <a:schemeClr val="accent6"/>
+                </a:solidFill>
+              </a:rPr>
+              <a:t>Popular ML frameworks suffer from severe limitations in the way they </a:t>
+            </a:r>
+            <a:r>
+              <a:rPr lang="en-US" dirty="0">
+                <a:solidFill>
+                  <a:srgbClr val="C00000"/>
+                </a:solidFill>
+              </a:rPr>
+              <a:t>allocate and manage memory</a:t>
+            </a:r>
+            <a:r>
+              <a:rPr lang="en-US" dirty="0">
+                <a:solidFill>
+                  <a:schemeClr val="accent6"/>
+                </a:solidFill>
+              </a:rPr>
+              <a:t>.</a:t>
+            </a:r>
+          </a:p>
+          <a:p>
+            <a:pPr marL="342900" indent="-342900">
+              <a:buFont typeface="Arial" panose="020B0604020202020204" pitchFamily="34" charset="0"/>
+              <a:buChar char="•"/>
+            </a:pPr>
+            <a:r>
+              <a:rPr lang="en-US" dirty="0">
+                <a:solidFill>
+                  <a:srgbClr val="C00000"/>
+                </a:solidFill>
+              </a:rPr>
+              <a:t>Sacrifice memory use to improve performance </a:t>
+            </a:r>
           </a:p>
         </p:txBody>
       </p:sp>
     </p:spTree>
     <p:extLst>
       <p:ext uri="{BB962C8B-B14F-4D97-AF65-F5344CB8AC3E}">
-        <p14:creationId xmlns:p14="http://schemas.microsoft.com/office/powerpoint/2010/main" val="834258532"/>
+        <p14:creationId xmlns:p14="http://schemas.microsoft.com/office/powerpoint/2010/main" val="867329416"/>
       </p:ext>
     </p:extLst>
   </p:cSld>
@@ -14909,10 +16581,100 @@
       </p:grpSpPr>
       <p:sp>
         <p:nvSpPr>
+          <p:cNvPr id="2" name="Content Placeholder 1">
+            <a:extLst>
+              <a:ext uri="{FF2B5EF4-FFF2-40B4-BE49-F238E27FC236}">
+                <a16:creationId xmlns:a16="http://schemas.microsoft.com/office/drawing/2014/main" id="{4037D8BF-2AE4-457B-A5ED-B0907CF19831}"/>
+              </a:ext>
+            </a:extLst>
+          </p:cNvPr>
+          <p:cNvSpPr>
+            <a:spLocks noGrp="1"/>
+          </p:cNvSpPr>
+          <p:nvPr>
+            <p:ph idx="13"/>
+          </p:nvPr>
+        </p:nvSpPr>
+        <p:spPr>
+          <a:xfrm>
+            <a:off x="106680" y="1372791"/>
+            <a:ext cx="8869850" cy="3394472"/>
+          </a:xfrm>
+        </p:spPr>
+        <p:txBody>
+          <a:bodyPr/>
+          <a:lstStyle/>
+          <a:p>
+            <a:pPr marL="342900" indent="-342900">
+              <a:buFont typeface="Arial" panose="020B0604020202020204" pitchFamily="34" charset="0"/>
+              <a:buChar char="•"/>
+            </a:pPr>
+            <a:r>
+              <a:rPr lang="en-US" dirty="0">
+                <a:solidFill>
+                  <a:schemeClr val="accent6"/>
+                </a:solidFill>
+              </a:rPr>
+              <a:t>Existing schemes </a:t>
+            </a:r>
+            <a:r>
+              <a:rPr lang="en-US" dirty="0">
+                <a:solidFill>
+                  <a:srgbClr val="C00000"/>
+                </a:solidFill>
+              </a:rPr>
+              <a:t>overprovision</a:t>
+            </a:r>
+            <a:r>
+              <a:rPr lang="en-US" dirty="0">
+                <a:solidFill>
+                  <a:schemeClr val="accent6"/>
+                </a:solidFill>
+              </a:rPr>
+              <a:t> the memory allocations to network-wise requirements, even though the GPU only use part of the memory for the </a:t>
+            </a:r>
+            <a:r>
+              <a:rPr lang="en-US" dirty="0">
+                <a:solidFill>
+                  <a:srgbClr val="C00000"/>
+                </a:solidFill>
+              </a:rPr>
+              <a:t>layer-wise</a:t>
+            </a:r>
+            <a:r>
+              <a:rPr lang="en-US" dirty="0">
+                <a:solidFill>
+                  <a:schemeClr val="accent6"/>
+                </a:solidFill>
+              </a:rPr>
+              <a:t> requirements.</a:t>
+            </a:r>
+          </a:p>
+          <a:p>
+            <a:pPr marL="342900" indent="-342900">
+              <a:buFont typeface="Arial" panose="020B0604020202020204" pitchFamily="34" charset="0"/>
+              <a:buChar char="•"/>
+            </a:pPr>
+            <a:endParaRPr lang="en-US" dirty="0"/>
+          </a:p>
+          <a:p>
+            <a:pPr marL="342900" indent="-342900">
+              <a:buFont typeface="Arial" panose="020B0604020202020204" pitchFamily="34" charset="0"/>
+              <a:buChar char="•"/>
+            </a:pPr>
+            <a:r>
+              <a:rPr lang="en-US" dirty="0"/>
+              <a:t>53% to 79% of memory is wasted.</a:t>
+            </a:r>
+          </a:p>
+        </p:txBody>
+      </p:sp>
+      <p:sp>
+        <p:nvSpPr>
           <p:cNvPr id="3" name="Title 2">
             <a:extLst>
               <a:ext uri="{FF2B5EF4-FFF2-40B4-BE49-F238E27FC236}">
-                <a16:creationId xmlns:a16="http://schemas.microsoft.com/office/drawing/2014/main" id="{7BE5B148-8852-4DA6-9E49-DEE6327904EB}"/>
+                <a16:creationId xmlns:a16="http://schemas.microsoft.com/office/drawing/2014/main" id="{19424764-BE9E-461A-8737-1D41DBF7ABAD}"/>
               </a:ext>
             </a:extLst>
           </p:cNvPr>
@@ -14928,125 +16690,14 @@
           <a:bodyPr/>
           <a:lstStyle/>
           <a:p>
-            <a:r>
-              <a:rPr lang="en-US" dirty="0"/>
-              <a:t>Memory page?</a:t>
-            </a:r>
-          </a:p>
-        </p:txBody>
-      </p:sp>
-      <p:pic>
-        <p:nvPicPr>
-          <p:cNvPr id="1026" name="Picture 2">
-            <a:extLst>
-              <a:ext uri="{FF2B5EF4-FFF2-40B4-BE49-F238E27FC236}">
-                <a16:creationId xmlns:a16="http://schemas.microsoft.com/office/drawing/2014/main" id="{2309B762-1A89-40BC-A735-10C9E62BBF4F}"/>
-              </a:ext>
-            </a:extLst>
-          </p:cNvPr>
-          <p:cNvPicPr>
-            <a:picLocks noGrp="1" noChangeAspect="1" noChangeArrowheads="1"/>
-          </p:cNvPicPr>
-          <p:nvPr>
-            <p:ph idx="13"/>
-          </p:nvPr>
-        </p:nvPicPr>
-        <p:blipFill>
-          <a:blip r:embed="rId2">
-            <a:extLst>
-              <a:ext uri="{28A0092B-C50C-407E-A947-70E740481C1C}">
-                <a14:useLocalDpi xmlns:a14="http://schemas.microsoft.com/office/drawing/2010/main" val="0"/>
-              </a:ext>
-            </a:extLst>
-          </a:blip>
-          <a:srcRect/>
-          <a:stretch>
-            <a:fillRect/>
-          </a:stretch>
-        </p:blipFill>
-        <p:spPr bwMode="auto">
-          <a:xfrm>
-            <a:off x="4825179" y="1372791"/>
-            <a:ext cx="3325868" cy="3394075"/>
-          </a:xfrm>
-          <a:prstGeom prst="rect">
-            <a:avLst/>
-          </a:prstGeom>
-          <a:noFill/>
-          <a:extLst>
-            <a:ext uri="{909E8E84-426E-40DD-AFC4-6F175D3DCCD1}">
-              <a14:hiddenFill xmlns:a14="http://schemas.microsoft.com/office/drawing/2010/main">
-                <a:solidFill>
-                  <a:srgbClr val="FFFFFF"/>
-                </a:solidFill>
-              </a14:hiddenFill>
-            </a:ext>
-          </a:extLst>
-        </p:spPr>
-      </p:pic>
-      <p:sp>
-        <p:nvSpPr>
-          <p:cNvPr id="4" name="TextBox 3">
-            <a:extLst>
-              <a:ext uri="{FF2B5EF4-FFF2-40B4-BE49-F238E27FC236}">
-                <a16:creationId xmlns:a16="http://schemas.microsoft.com/office/drawing/2014/main" id="{C83EE85A-52DA-40FB-B359-3362D833E624}"/>
-              </a:ext>
-            </a:extLst>
-          </p:cNvPr>
-          <p:cNvSpPr txBox="1"/>
-          <p:nvPr/>
-        </p:nvSpPr>
-        <p:spPr>
-          <a:xfrm>
-            <a:off x="660400" y="1689100"/>
-            <a:ext cx="3325868" cy="1200329"/>
-          </a:xfrm>
-          <a:prstGeom prst="rect">
-            <a:avLst/>
-          </a:prstGeom>
-          <a:noFill/>
-        </p:spPr>
-        <p:txBody>
-          <a:bodyPr wrap="square" rtlCol="0">
-            <a:spAutoFit/>
-          </a:bodyPr>
-          <a:lstStyle/>
-          <a:p>
-            <a:pPr marL="285750" indent="-285750">
-              <a:buFont typeface="Arial" panose="020B0604020202020204" pitchFamily="34" charset="0"/>
-              <a:buChar char="•"/>
-            </a:pPr>
-            <a:r>
-              <a:rPr lang="en-US" sz="2400" dirty="0"/>
-              <a:t>Memory is messy;</a:t>
-            </a:r>
-          </a:p>
-          <a:p>
-            <a:pPr marL="285750" indent="-285750">
-              <a:buFont typeface="Arial" panose="020B0604020202020204" pitchFamily="34" charset="0"/>
-              <a:buChar char="•"/>
-            </a:pPr>
-            <a:r>
-              <a:rPr lang="en-US" sz="2400" dirty="0"/>
-              <a:t>Humans are lazy;</a:t>
-            </a:r>
-          </a:p>
-          <a:p>
-            <a:pPr marL="285750" indent="-285750">
-              <a:buFont typeface="Arial" panose="020B0604020202020204" pitchFamily="34" charset="0"/>
-              <a:buChar char="•"/>
-            </a:pPr>
-            <a:r>
-              <a:rPr lang="en-US" sz="2400" dirty="0"/>
-              <a:t>Machines are stupid.</a:t>
-            </a:r>
+            <a:endParaRPr lang="en-US" dirty="0"/>
           </a:p>
         </p:txBody>
       </p:sp>
     </p:spTree>
     <p:extLst>
       <p:ext uri="{BB962C8B-B14F-4D97-AF65-F5344CB8AC3E}">
-        <p14:creationId xmlns:p14="http://schemas.microsoft.com/office/powerpoint/2010/main" val="1783972596"/>
+        <p14:creationId xmlns:p14="http://schemas.microsoft.com/office/powerpoint/2010/main" val="834258532"/>
       </p:ext>
     </p:extLst>
   </p:cSld>
@@ -15075,169 +16726,10 @@
       </p:grpSpPr>
       <p:sp>
         <p:nvSpPr>
-          <p:cNvPr id="2" name="Content Placeholder 1">
-            <a:extLst>
-              <a:ext uri="{FF2B5EF4-FFF2-40B4-BE49-F238E27FC236}">
-                <a16:creationId xmlns:a16="http://schemas.microsoft.com/office/drawing/2014/main" id="{558F19B1-13BD-47E4-A7CC-99EE2BA5BBA1}"/>
-              </a:ext>
-            </a:extLst>
-          </p:cNvPr>
-          <p:cNvSpPr>
-            <a:spLocks noGrp="1"/>
-          </p:cNvSpPr>
-          <p:nvPr>
-            <p:ph idx="13"/>
-          </p:nvPr>
-        </p:nvSpPr>
-        <p:spPr/>
-        <p:txBody>
-          <a:bodyPr/>
-          <a:lstStyle/>
-          <a:p>
-            <a:pPr marL="342900" indent="-342900">
-              <a:buFont typeface="Arial" panose="020B0604020202020204" pitchFamily="34" charset="0"/>
-              <a:buChar char="•"/>
-            </a:pPr>
-            <a:r>
-              <a:rPr lang="en-US" dirty="0">
-                <a:solidFill>
-                  <a:srgbClr val="C00000"/>
-                </a:solidFill>
-              </a:rPr>
-              <a:t>Page-migration</a:t>
-            </a:r>
-            <a:r>
-              <a:rPr lang="en-US" dirty="0">
-                <a:solidFill>
-                  <a:schemeClr val="accent6"/>
-                </a:solidFill>
-              </a:rPr>
-              <a:t> based virtualization solutions will cause </a:t>
-            </a:r>
-            <a:r>
-              <a:rPr lang="en-US" dirty="0">
-                <a:solidFill>
-                  <a:srgbClr val="C00000"/>
-                </a:solidFill>
-              </a:rPr>
-              <a:t>more I/O overhead</a:t>
-            </a:r>
-            <a:r>
-              <a:rPr lang="en-US" dirty="0">
-                <a:solidFill>
-                  <a:schemeClr val="accent6"/>
-                </a:solidFill>
-              </a:rPr>
-              <a:t>: </a:t>
-            </a:r>
-          </a:p>
-          <a:p>
-            <a:pPr marL="1234440" lvl="3"/>
-            <a:r>
-              <a:rPr lang="en-US" dirty="0">
-                <a:solidFill>
-                  <a:schemeClr val="accent6"/>
-                </a:solidFill>
-              </a:rPr>
-              <a:t>page transfer</a:t>
-            </a:r>
-          </a:p>
-          <a:p>
-            <a:pPr marL="1234440" lvl="3"/>
-            <a:r>
-              <a:rPr lang="en-US" dirty="0">
-                <a:solidFill>
-                  <a:schemeClr val="accent6"/>
-                </a:solidFill>
-              </a:rPr>
-              <a:t>page table update.</a:t>
-            </a:r>
-          </a:p>
-          <a:p>
-            <a:pPr marL="342900" indent="-342900">
-              <a:buFont typeface="Arial" panose="020B0604020202020204" pitchFamily="34" charset="0"/>
-              <a:buChar char="•"/>
-            </a:pPr>
-            <a:r>
-              <a:rPr lang="en-US" sz="2000" dirty="0">
-                <a:solidFill>
-                  <a:schemeClr val="accent6"/>
-                </a:solidFill>
-              </a:rPr>
-              <a:t>To reduce the latency of memory access by moving pages near to the processor where the process accessing that memory is running.</a:t>
-            </a:r>
-          </a:p>
-          <a:p>
-            <a:pPr marL="342900" indent="-342900">
-              <a:buFont typeface="Arial" panose="020B0604020202020204" pitchFamily="34" charset="0"/>
-              <a:buChar char="•"/>
-            </a:pPr>
-            <a:r>
-              <a:rPr lang="en-US" sz="2000" dirty="0">
-                <a:solidFill>
-                  <a:schemeClr val="accent6"/>
-                </a:solidFill>
-              </a:rPr>
-              <a:t>It’s </a:t>
-            </a:r>
-            <a:r>
-              <a:rPr lang="en-US" sz="2000" dirty="0">
-                <a:solidFill>
-                  <a:srgbClr val="C00000"/>
-                </a:solidFill>
-              </a:rPr>
-              <a:t>slow</a:t>
-            </a:r>
-            <a:r>
-              <a:rPr lang="en-US" sz="2000" dirty="0">
-                <a:solidFill>
-                  <a:schemeClr val="accent6"/>
-                </a:solidFill>
-              </a:rPr>
-              <a:t>! 80 – 200 MB/sec compared with DMA </a:t>
-            </a:r>
-            <a:r>
-              <a:rPr lang="en-US" sz="2000" dirty="0" err="1">
-                <a:solidFill>
-                  <a:schemeClr val="accent6"/>
-                </a:solidFill>
-              </a:rPr>
-              <a:t>cudaMemcpy</a:t>
-            </a:r>
-            <a:r>
-              <a:rPr lang="en-US" sz="2000" dirty="0">
-                <a:solidFill>
-                  <a:schemeClr val="accent6"/>
-                </a:solidFill>
-              </a:rPr>
-              <a:t>: 12.8 – 16 GB/sec. </a:t>
-            </a:r>
-          </a:p>
-          <a:p>
-            <a:pPr marL="342900" indent="-342900">
-              <a:buFont typeface="Arial" panose="020B0604020202020204" pitchFamily="34" charset="0"/>
-              <a:buChar char="•"/>
-            </a:pPr>
-            <a:r>
-              <a:rPr lang="en-US" sz="2000" dirty="0">
-                <a:solidFill>
-                  <a:srgbClr val="C00000"/>
-                </a:solidFill>
-              </a:rPr>
-              <a:t>Could take 10s per GB.</a:t>
-            </a:r>
-          </a:p>
-          <a:p>
-            <a:endParaRPr lang="en-US" dirty="0"/>
-          </a:p>
-        </p:txBody>
-      </p:sp>
-      <p:sp>
-        <p:nvSpPr>
           <p:cNvPr id="3" name="Title 2">
             <a:extLst>
               <a:ext uri="{FF2B5EF4-FFF2-40B4-BE49-F238E27FC236}">
-                <a16:creationId xmlns:a16="http://schemas.microsoft.com/office/drawing/2014/main" id="{6DCBC0CB-B812-4BD9-9D79-C96AD059FC9F}"/>
+                <a16:creationId xmlns:a16="http://schemas.microsoft.com/office/drawing/2014/main" id="{7BE5B148-8852-4DA6-9E49-DEE6327904EB}"/>
               </a:ext>
             </a:extLst>
           </p:cNvPr>
@@ -15255,15 +16747,252 @@
           <a:p>
             <a:r>
               <a:rPr lang="en-US" dirty="0"/>
-              <a:t>Memory mechanism </a:t>
-            </a:r>
+              <a:t>Memory page?</a:t>
+            </a:r>
+          </a:p>
+        </p:txBody>
+      </p:sp>
+      <p:pic>
+        <p:nvPicPr>
+          <p:cNvPr id="1026" name="Picture 2">
+            <a:extLst>
+              <a:ext uri="{FF2B5EF4-FFF2-40B4-BE49-F238E27FC236}">
+                <a16:creationId xmlns:a16="http://schemas.microsoft.com/office/drawing/2014/main" id="{2309B762-1A89-40BC-A735-10C9E62BBF4F}"/>
+              </a:ext>
+            </a:extLst>
+          </p:cNvPr>
+          <p:cNvPicPr>
+            <a:picLocks noGrp="1" noChangeAspect="1" noChangeArrowheads="1"/>
+          </p:cNvPicPr>
+          <p:nvPr>
+            <p:ph idx="13"/>
+          </p:nvPr>
+        </p:nvPicPr>
+        <p:blipFill>
+          <a:blip r:embed="rId3">
+            <a:extLst>
+              <a:ext uri="{28A0092B-C50C-407E-A947-70E740481C1C}">
+                <a14:useLocalDpi xmlns:a14="http://schemas.microsoft.com/office/drawing/2010/main" val="0"/>
+              </a:ext>
+            </a:extLst>
+          </a:blip>
+          <a:srcRect/>
+          <a:stretch>
+            <a:fillRect/>
+          </a:stretch>
+        </p:blipFill>
+        <p:spPr bwMode="auto">
+          <a:xfrm>
+            <a:off x="4825179" y="1372791"/>
+            <a:ext cx="3325868" cy="3394075"/>
+          </a:xfrm>
+          <a:prstGeom prst="rect">
+            <a:avLst/>
+          </a:prstGeom>
+          <a:noFill/>
+          <a:extLst>
+            <a:ext uri="{909E8E84-426E-40DD-AFC4-6F175D3DCCD1}">
+              <a14:hiddenFill xmlns:a14="http://schemas.microsoft.com/office/drawing/2010/main">
+                <a:solidFill>
+                  <a:srgbClr val="FFFFFF"/>
+                </a:solidFill>
+              </a14:hiddenFill>
+            </a:ext>
+          </a:extLst>
+        </p:spPr>
+      </p:pic>
+      <p:sp>
+        <p:nvSpPr>
+          <p:cNvPr id="4" name="TextBox 3">
+            <a:extLst>
+              <a:ext uri="{FF2B5EF4-FFF2-40B4-BE49-F238E27FC236}">
+                <a16:creationId xmlns:a16="http://schemas.microsoft.com/office/drawing/2014/main" id="{C83EE85A-52DA-40FB-B359-3362D833E624}"/>
+              </a:ext>
+            </a:extLst>
+          </p:cNvPr>
+          <p:cNvSpPr txBox="1"/>
+          <p:nvPr/>
+        </p:nvSpPr>
+        <p:spPr>
+          <a:xfrm>
+            <a:off x="660400" y="1689100"/>
+            <a:ext cx="3325868" cy="1200329"/>
+          </a:xfrm>
+          <a:prstGeom prst="rect">
+            <a:avLst/>
+          </a:prstGeom>
+          <a:noFill/>
+        </p:spPr>
+        <p:txBody>
+          <a:bodyPr wrap="square" rtlCol="0">
+            <a:spAutoFit/>
+          </a:bodyPr>
+          <a:lstStyle/>
+          <a:p>
+            <a:pPr marL="285750" indent="-285750">
+              <a:buFont typeface="Arial" panose="020B0604020202020204" pitchFamily="34" charset="0"/>
+              <a:buChar char="•"/>
+            </a:pPr>
+            <a:r>
+              <a:rPr lang="en-US" sz="2400" dirty="0"/>
+              <a:t>Memory is </a:t>
+            </a:r>
+            <a:r>
+              <a:rPr lang="en-US" sz="2400" dirty="0">
+                <a:solidFill>
+                  <a:srgbClr val="C00000"/>
+                </a:solidFill>
+              </a:rPr>
+              <a:t>messy</a:t>
+            </a:r>
+            <a:r>
+              <a:rPr lang="en-US" sz="2400" dirty="0"/>
+              <a:t>;</a:t>
+            </a:r>
+          </a:p>
+          <a:p>
+            <a:pPr marL="285750" indent="-285750">
+              <a:buFont typeface="Arial" panose="020B0604020202020204" pitchFamily="34" charset="0"/>
+              <a:buChar char="•"/>
+            </a:pPr>
+            <a:r>
+              <a:rPr lang="en-US" sz="2400" dirty="0"/>
+              <a:t>Humans are </a:t>
+            </a:r>
+            <a:r>
+              <a:rPr lang="en-US" sz="2400" dirty="0">
+                <a:solidFill>
+                  <a:srgbClr val="C00000"/>
+                </a:solidFill>
+              </a:rPr>
+              <a:t>lazy</a:t>
+            </a:r>
+            <a:r>
+              <a:rPr lang="en-US" sz="2400" dirty="0"/>
+              <a:t>;</a:t>
+            </a:r>
+          </a:p>
+          <a:p>
+            <a:pPr marL="285750" indent="-285750">
+              <a:buFont typeface="Arial" panose="020B0604020202020204" pitchFamily="34" charset="0"/>
+              <a:buChar char="•"/>
+            </a:pPr>
+            <a:r>
+              <a:rPr lang="en-US" sz="2400" dirty="0"/>
+              <a:t>Machines are </a:t>
+            </a:r>
+            <a:r>
+              <a:rPr lang="en-US" sz="2400" dirty="0">
+                <a:solidFill>
+                  <a:srgbClr val="C00000"/>
+                </a:solidFill>
+              </a:rPr>
+              <a:t>stupid</a:t>
+            </a:r>
+            <a:r>
+              <a:rPr lang="en-US" sz="2400" dirty="0"/>
+              <a:t>.</a:t>
+            </a:r>
+          </a:p>
+        </p:txBody>
+      </p:sp>
+      <p:sp>
+        <p:nvSpPr>
+          <p:cNvPr id="2" name="Rectangle 1"/>
+          <p:cNvSpPr/>
+          <p:nvPr/>
+        </p:nvSpPr>
+        <p:spPr>
+          <a:xfrm>
+            <a:off x="253179" y="3346844"/>
+            <a:ext cx="4572000" cy="1200329"/>
+          </a:xfrm>
+          <a:prstGeom prst="rect">
+            <a:avLst/>
+          </a:prstGeom>
+        </p:spPr>
+        <p:txBody>
+          <a:bodyPr>
+            <a:spAutoFit/>
+          </a:bodyPr>
+          <a:lstStyle/>
+          <a:p>
+            <a:pPr marL="342900" indent="-342900">
+              <a:buFont typeface="Arial" panose="020B0604020202020204" pitchFamily="34" charset="0"/>
+              <a:buChar char="•"/>
+            </a:pPr>
+            <a:r>
+              <a:rPr lang="en-US" dirty="0">
+                <a:solidFill>
+                  <a:srgbClr val="C00000"/>
+                </a:solidFill>
+              </a:rPr>
+              <a:t>Page-migration</a:t>
+            </a:r>
+            <a:r>
+              <a:rPr lang="en-US" dirty="0">
+                <a:solidFill>
+                  <a:schemeClr val="accent6"/>
+                </a:solidFill>
+              </a:rPr>
+              <a:t> based virtualization solutions will cause </a:t>
+            </a:r>
+            <a:r>
+              <a:rPr lang="en-US" dirty="0">
+                <a:solidFill>
+                  <a:srgbClr val="C00000"/>
+                </a:solidFill>
+              </a:rPr>
+              <a:t>more I/O overhead</a:t>
+            </a:r>
+            <a:r>
+              <a:rPr lang="en-US" dirty="0">
+                <a:solidFill>
+                  <a:schemeClr val="accent6"/>
+                </a:solidFill>
+              </a:rPr>
+              <a:t>: </a:t>
+            </a:r>
+          </a:p>
+          <a:p>
+            <a:pPr marL="1520190" lvl="3" indent="-285750">
+              <a:buFont typeface="Arial" panose="020B0604020202020204" pitchFamily="34" charset="0"/>
+              <a:buChar char="•"/>
+            </a:pPr>
+            <a:r>
+              <a:rPr lang="en-US" dirty="0">
+                <a:solidFill>
+                  <a:schemeClr val="accent6"/>
+                </a:solidFill>
+              </a:rPr>
+              <a:t>page transfer</a:t>
+            </a:r>
+          </a:p>
+          <a:p>
+            <a:pPr marL="1520190" lvl="3" indent="-285750">
+              <a:buFont typeface="Arial" panose="020B0604020202020204" pitchFamily="34" charset="0"/>
+              <a:buChar char="•"/>
+            </a:pPr>
+            <a:r>
+              <a:rPr lang="en-US" dirty="0">
+                <a:solidFill>
+                  <a:schemeClr val="accent6"/>
+                </a:solidFill>
+              </a:rPr>
+              <a:t>page table update.</a:t>
+            </a:r>
+            <a:endParaRPr lang="en-US" dirty="0">
+              <a:solidFill>
+                <a:schemeClr val="accent6"/>
+              </a:solidFill>
+            </a:endParaRPr>
           </a:p>
         </p:txBody>
       </p:sp>
     </p:spTree>
     <p:extLst>
       <p:ext uri="{BB962C8B-B14F-4D97-AF65-F5344CB8AC3E}">
-        <p14:creationId xmlns:p14="http://schemas.microsoft.com/office/powerpoint/2010/main" val="399163426"/>
+        <p14:creationId xmlns:p14="http://schemas.microsoft.com/office/powerpoint/2010/main" val="1783972596"/>
       </p:ext>
     </p:extLst>
   </p:cSld>
@@ -15374,6 +17103,13 @@
   <p:clrMapOvr>
     <a:masterClrMapping/>
   </p:clrMapOvr>
+  <p:timing>
+    <p:tnLst>
+      <p:par>
+        <p:cTn id="1" dur="indefinite" restart="never" nodeType="tmRoot"/>
+      </p:par>
+    </p:tnLst>
+  </p:timing>
 </p:sld>
 </file>
 
@@ -15399,7 +17135,7 @@
           <p:cNvPr id="2" name="Content Placeholder 1">
             <a:extLst>
               <a:ext uri="{FF2B5EF4-FFF2-40B4-BE49-F238E27FC236}">
-                <a16:creationId xmlns:a16="http://schemas.microsoft.com/office/drawing/2014/main" id="{DC6DF297-1278-4CC1-A5DB-5D49DEC79FF0}"/>
+                <a16:creationId xmlns:a16="http://schemas.microsoft.com/office/drawing/2014/main" id="{558F19B1-13BD-47E4-A7CC-99EE2BA5BBA1}"/>
               </a:ext>
             </a:extLst>
           </p:cNvPr>
@@ -15415,10 +17151,121 @@
           <a:bodyPr/>
           <a:lstStyle/>
           <a:p>
-            <a:endParaRPr lang="en-US" dirty="0"/>
-          </a:p>
-          <a:p>
-            <a:endParaRPr lang="en-US" dirty="0"/>
+            <a:pPr marL="342900" indent="-342900">
+              <a:buFont typeface="Arial" panose="020B0604020202020204" pitchFamily="34" charset="0"/>
+              <a:buChar char="•"/>
+            </a:pPr>
+            <a:r>
+              <a:rPr lang="en-US" dirty="0" smtClean="0">
+                <a:solidFill>
+                  <a:schemeClr val="accent6"/>
+                </a:solidFill>
+              </a:rPr>
+              <a:t>To </a:t>
+            </a:r>
+            <a:r>
+              <a:rPr lang="en-US" dirty="0">
+                <a:solidFill>
+                  <a:schemeClr val="accent6"/>
+                </a:solidFill>
+              </a:rPr>
+              <a:t>reduce the latency of memory access by moving pages near to the processor where the process accessing that memory is running.</a:t>
+            </a:r>
+          </a:p>
+          <a:p>
+            <a:pPr marL="342900" indent="-342900">
+              <a:buFont typeface="Arial" panose="020B0604020202020204" pitchFamily="34" charset="0"/>
+              <a:buChar char="•"/>
+            </a:pPr>
+            <a:r>
+              <a:rPr lang="en-US" dirty="0">
+                <a:solidFill>
+                  <a:schemeClr val="accent6"/>
+                </a:solidFill>
+              </a:rPr>
+              <a:t>It’s </a:t>
+            </a:r>
+            <a:r>
+              <a:rPr lang="en-US" dirty="0">
+                <a:solidFill>
+                  <a:srgbClr val="C00000"/>
+                </a:solidFill>
+              </a:rPr>
+              <a:t>slow</a:t>
+            </a:r>
+            <a:r>
+              <a:rPr lang="en-US" dirty="0">
+                <a:solidFill>
+                  <a:schemeClr val="accent6"/>
+                </a:solidFill>
+              </a:rPr>
+              <a:t>! 80 – 200 MB/sec compared with </a:t>
+            </a:r>
+            <a:r>
+              <a:rPr lang="en-US" dirty="0">
+                <a:solidFill>
+                  <a:srgbClr val="C00000"/>
+                </a:solidFill>
+              </a:rPr>
+              <a:t>DMA</a:t>
+            </a:r>
+            <a:r>
+              <a:rPr lang="en-US" dirty="0">
+                <a:solidFill>
+                  <a:schemeClr val="accent6"/>
+                </a:solidFill>
+              </a:rPr>
+              <a:t> </a:t>
+            </a:r>
+            <a:r>
+              <a:rPr lang="en-US" dirty="0" err="1">
+                <a:solidFill>
+                  <a:schemeClr val="accent6"/>
+                </a:solidFill>
+              </a:rPr>
+              <a:t>cudaMemcpy</a:t>
+            </a:r>
+            <a:r>
+              <a:rPr lang="en-US" dirty="0">
+                <a:solidFill>
+                  <a:schemeClr val="accent6"/>
+                </a:solidFill>
+              </a:rPr>
+              <a:t>: 12.8 – 16 GB/sec. </a:t>
+            </a:r>
+            <a:endParaRPr lang="en-US" dirty="0" smtClean="0">
+              <a:solidFill>
+                <a:schemeClr val="accent6"/>
+              </a:solidFill>
+            </a:endParaRPr>
+          </a:p>
+          <a:p>
+            <a:pPr marL="342900" indent="-342900">
+              <a:buFont typeface="Arial" panose="020B0604020202020204" pitchFamily="34" charset="0"/>
+              <a:buChar char="•"/>
+            </a:pPr>
+            <a:endParaRPr lang="en-US" dirty="0">
+              <a:solidFill>
+                <a:schemeClr val="accent6"/>
+              </a:solidFill>
+            </a:endParaRPr>
+          </a:p>
+          <a:p>
+            <a:pPr marL="342900" indent="-342900">
+              <a:buFont typeface="Arial" panose="020B0604020202020204" pitchFamily="34" charset="0"/>
+              <a:buChar char="•"/>
+            </a:pPr>
+            <a:r>
+              <a:rPr lang="en-US" dirty="0">
+                <a:solidFill>
+                  <a:srgbClr val="C00000"/>
+                </a:solidFill>
+              </a:rPr>
+              <a:t>Could take 10s per GB.</a:t>
+            </a:r>
+          </a:p>
+          <a:p>
+            <a:endParaRPr lang="en-US" sz="2800" dirty="0"/>
           </a:p>
         </p:txBody>
       </p:sp>
@@ -15427,7 +17274,7 @@
           <p:cNvPr id="3" name="Title 2">
             <a:extLst>
               <a:ext uri="{FF2B5EF4-FFF2-40B4-BE49-F238E27FC236}">
-                <a16:creationId xmlns:a16="http://schemas.microsoft.com/office/drawing/2014/main" id="{1D8F0D91-FB7F-4867-9036-18D17228C434}"/>
+                <a16:creationId xmlns:a16="http://schemas.microsoft.com/office/drawing/2014/main" id="{6DCBC0CB-B812-4BD9-9D79-C96AD059FC9F}"/>
               </a:ext>
             </a:extLst>
           </p:cNvPr>
@@ -15445,212 +17292,7 @@
           <a:p>
             <a:r>
               <a:rPr lang="en-US" dirty="0"/>
-              <a:t>Find the </a:t>
-            </a:r>
-            <a:r>
-              <a:rPr lang="en-US" altLang="zh-CN" dirty="0"/>
-              <a:t>gaps</a:t>
-            </a:r>
-            <a:endParaRPr lang="en-US" dirty="0"/>
-          </a:p>
-        </p:txBody>
-      </p:sp>
-      <p:pic>
-        <p:nvPicPr>
-          <p:cNvPr id="5" name="Picture 4" descr="A screenshot of a cell phone&#10;&#10;Description automatically generated">
-            <a:extLst>
-              <a:ext uri="{FF2B5EF4-FFF2-40B4-BE49-F238E27FC236}">
-                <a16:creationId xmlns:a16="http://schemas.microsoft.com/office/drawing/2014/main" id="{66896ABE-637F-4207-9C50-F5CDB2AEC0B4}"/>
-              </a:ext>
-            </a:extLst>
-          </p:cNvPr>
-          <p:cNvPicPr>
-            <a:picLocks noChangeAspect="1"/>
-          </p:cNvPicPr>
-          <p:nvPr/>
-        </p:nvPicPr>
-        <p:blipFill>
-          <a:blip r:embed="rId2"/>
-          <a:stretch>
-            <a:fillRect/>
-          </a:stretch>
-        </p:blipFill>
-        <p:spPr>
-          <a:xfrm>
-            <a:off x="4618955" y="1501686"/>
-            <a:ext cx="4647153" cy="2903756"/>
-          </a:xfrm>
-          <a:prstGeom prst="rect">
-            <a:avLst/>
-          </a:prstGeom>
-        </p:spPr>
-      </p:pic>
-      <p:sp>
-        <p:nvSpPr>
-          <p:cNvPr id="6" name="Rectangle 5">
-            <a:extLst>
-              <a:ext uri="{FF2B5EF4-FFF2-40B4-BE49-F238E27FC236}">
-                <a16:creationId xmlns:a16="http://schemas.microsoft.com/office/drawing/2014/main" id="{722D724F-C558-4799-97EE-6B179BB1C1BA}"/>
-              </a:ext>
-            </a:extLst>
-          </p:cNvPr>
-          <p:cNvSpPr/>
-          <p:nvPr/>
-        </p:nvSpPr>
-        <p:spPr>
-          <a:xfrm>
-            <a:off x="167470" y="1501686"/>
-            <a:ext cx="4572000" cy="1200329"/>
-          </a:xfrm>
-          <a:prstGeom prst="rect">
-            <a:avLst/>
-          </a:prstGeom>
-        </p:spPr>
-        <p:txBody>
-          <a:bodyPr>
-            <a:spAutoFit/>
-          </a:bodyPr>
-          <a:lstStyle/>
-          <a:p>
-            <a:pPr marL="285750" indent="-285750">
-              <a:buFont typeface="Arial" panose="020B0604020202020204" pitchFamily="34" charset="0"/>
-              <a:buChar char="•"/>
-            </a:pPr>
-            <a:r>
-              <a:rPr lang="en-US" dirty="0"/>
-              <a:t>First, the intermediate feature maps and workspace (left axis) incur an order of magnitude higher memory usage compared to the weights</a:t>
-            </a:r>
-          </a:p>
-        </p:txBody>
-      </p:sp>
-      <p:sp>
-        <p:nvSpPr>
-          <p:cNvPr id="7" name="Rectangle 6">
-            <a:extLst>
-              <a:ext uri="{FF2B5EF4-FFF2-40B4-BE49-F238E27FC236}">
-                <a16:creationId xmlns:a16="http://schemas.microsoft.com/office/drawing/2014/main" id="{EF196697-2BC6-4C1C-93E8-0423493824B3}"/>
-              </a:ext>
-            </a:extLst>
-          </p:cNvPr>
-          <p:cNvSpPr/>
-          <p:nvPr/>
-        </p:nvSpPr>
-        <p:spPr>
-          <a:xfrm>
-            <a:off x="167470" y="2702015"/>
-            <a:ext cx="4572000" cy="1200329"/>
-          </a:xfrm>
-          <a:prstGeom prst="rect">
-            <a:avLst/>
-          </a:prstGeom>
-        </p:spPr>
-        <p:txBody>
-          <a:bodyPr>
-            <a:spAutoFit/>
-          </a:bodyPr>
-          <a:lstStyle/>
-          <a:p>
-            <a:pPr marL="285750" indent="-285750">
-              <a:buFont typeface="Arial" panose="020B0604020202020204" pitchFamily="34" charset="0"/>
-              <a:buChar char="•"/>
-            </a:pPr>
-            <a:r>
-              <a:rPr lang="en-US" dirty="0"/>
-              <a:t>Second, most of these </a:t>
-            </a:r>
-            <a:r>
-              <a:rPr lang="en-US" dirty="0">
-                <a:solidFill>
-                  <a:srgbClr val="C00000"/>
-                </a:solidFill>
-              </a:rPr>
-              <a:t>intermediate data structures</a:t>
-            </a:r>
-            <a:r>
-              <a:rPr lang="en-US" dirty="0"/>
-              <a:t> are concentrated on the feature extraction layers and are </a:t>
-            </a:r>
-            <a:r>
-              <a:rPr lang="en-US" dirty="0">
-                <a:solidFill>
-                  <a:srgbClr val="C00000"/>
-                </a:solidFill>
-              </a:rPr>
-              <a:t>less significan</a:t>
-            </a:r>
-            <a:r>
-              <a:rPr lang="en-US" dirty="0"/>
-              <a:t>t in the </a:t>
-            </a:r>
-            <a:r>
-              <a:rPr lang="en-US" dirty="0">
-                <a:solidFill>
-                  <a:srgbClr val="C00000"/>
-                </a:solidFill>
-              </a:rPr>
-              <a:t>later classifier layers</a:t>
-            </a:r>
-          </a:p>
-        </p:txBody>
-      </p:sp>
-      <p:sp>
-        <p:nvSpPr>
-          <p:cNvPr id="8" name="Rectangle 7">
-            <a:extLst>
-              <a:ext uri="{FF2B5EF4-FFF2-40B4-BE49-F238E27FC236}">
-                <a16:creationId xmlns:a16="http://schemas.microsoft.com/office/drawing/2014/main" id="{068C82CC-4CDA-4D02-B50B-0BA9B597CA11}"/>
-              </a:ext>
-            </a:extLst>
-          </p:cNvPr>
-          <p:cNvSpPr/>
-          <p:nvPr/>
-        </p:nvSpPr>
-        <p:spPr>
-          <a:xfrm>
-            <a:off x="167470" y="3924659"/>
-            <a:ext cx="4572000" cy="1200329"/>
-          </a:xfrm>
-          <a:prstGeom prst="rect">
-            <a:avLst/>
-          </a:prstGeom>
-        </p:spPr>
-        <p:txBody>
-          <a:bodyPr>
-            <a:spAutoFit/>
-          </a:bodyPr>
-          <a:lstStyle/>
-          <a:p>
-            <a:pPr marL="285750" indent="-285750">
-              <a:buFont typeface="Arial" panose="020B0604020202020204" pitchFamily="34" charset="0"/>
-              <a:buChar char="•"/>
-            </a:pPr>
-            <a:r>
-              <a:rPr lang="en-US" dirty="0"/>
-              <a:t>Third, the weights, </a:t>
-            </a:r>
-            <a:r>
-              <a:rPr lang="en-US" dirty="0">
-                <a:solidFill>
-                  <a:srgbClr val="C00000"/>
-                </a:solidFill>
-              </a:rPr>
-              <a:t>smaller</a:t>
-            </a:r>
-            <a:r>
-              <a:rPr lang="en-US" dirty="0"/>
-              <a:t> compared to these intermediate data, are concentrated on the </a:t>
-            </a:r>
-            <a:r>
-              <a:rPr lang="en-US" dirty="0">
-                <a:solidFill>
-                  <a:srgbClr val="C00000"/>
-                </a:solidFill>
-              </a:rPr>
-              <a:t>classifier layers </a:t>
-            </a:r>
-            <a:r>
-              <a:rPr lang="en-US" dirty="0"/>
-              <a:t>due to their full connectivity</a:t>
+              <a:t>Memory mechanism </a:t>
             </a:r>
           </a:p>
         </p:txBody>
@@ -15658,7 +17300,7 @@
     </p:spTree>
     <p:extLst>
       <p:ext uri="{BB962C8B-B14F-4D97-AF65-F5344CB8AC3E}">
-        <p14:creationId xmlns:p14="http://schemas.microsoft.com/office/powerpoint/2010/main" val="1915613735"/>
+        <p14:creationId xmlns:p14="http://schemas.microsoft.com/office/powerpoint/2010/main" val="399163426"/>
       </p:ext>
     </p:extLst>
   </p:cSld>
@@ -15690,7 +17332,7 @@
           <p:cNvPr id="2" name="Content Placeholder 1">
             <a:extLst>
               <a:ext uri="{FF2B5EF4-FFF2-40B4-BE49-F238E27FC236}">
-                <a16:creationId xmlns:a16="http://schemas.microsoft.com/office/drawing/2014/main" id="{E3284976-02A7-4D78-898C-153E63C80B17}"/>
+                <a16:creationId xmlns:a16="http://schemas.microsoft.com/office/drawing/2014/main" id="{DC6DF297-1278-4CC1-A5DB-5D49DEC79FF0}"/>
               </a:ext>
             </a:extLst>
           </p:cNvPr>
@@ -15706,54 +17348,10 @@
           <a:bodyPr/>
           <a:lstStyle/>
           <a:p>
-            <a:pPr marL="457200" indent="-457200">
-              <a:buFont typeface="+mj-lt"/>
-              <a:buAutoNum type="arabicPeriod"/>
-            </a:pPr>
-            <a:r>
-              <a:rPr lang="en-US" dirty="0"/>
-              <a:t>Virtualize the memory usage of DNNs</a:t>
-            </a:r>
-          </a:p>
-          <a:p>
-            <a:pPr marL="457200" indent="-457200">
-              <a:buFont typeface="+mj-lt"/>
-              <a:buAutoNum type="arabicPeriod"/>
-            </a:pPr>
-            <a:r>
-              <a:rPr lang="en-US" dirty="0"/>
-              <a:t>Using both GPU and CPU memory</a:t>
-            </a:r>
-          </a:p>
-          <a:p>
-            <a:pPr marL="457200" indent="-457200">
-              <a:buFont typeface="+mj-lt"/>
-              <a:buAutoNum type="arabicPeriod"/>
-            </a:pPr>
-            <a:r>
-              <a:rPr lang="en-US" dirty="0"/>
-              <a:t>Minimizing its impact on performance</a:t>
-            </a:r>
-          </a:p>
-          <a:p>
-            <a:pPr marL="457200" indent="-457200">
-              <a:buFont typeface="+mj-lt"/>
-              <a:buAutoNum type="arabicPeriod"/>
-            </a:pPr>
-            <a:r>
-              <a:rPr lang="en-US" dirty="0"/>
-              <a:t>Transparent to programmer</a:t>
-            </a:r>
-          </a:p>
-          <a:p>
-            <a:pPr marL="457200" indent="-457200">
-              <a:buFont typeface="+mj-lt"/>
-              <a:buAutoNum type="arabicPeriod"/>
-            </a:pPr>
-            <a:r>
-              <a:rPr lang="en-US" dirty="0"/>
-              <a:t>Concentrate on the feature extraction layers</a:t>
-            </a:r>
+            <a:endParaRPr lang="en-US" dirty="0"/>
+          </a:p>
+          <a:p>
+            <a:endParaRPr lang="en-US" dirty="0"/>
           </a:p>
         </p:txBody>
       </p:sp>
@@ -15762,7 +17360,7 @@
           <p:cNvPr id="3" name="Title 2">
             <a:extLst>
               <a:ext uri="{FF2B5EF4-FFF2-40B4-BE49-F238E27FC236}">
-                <a16:creationId xmlns:a16="http://schemas.microsoft.com/office/drawing/2014/main" id="{9D0030A7-9C62-49BE-8EA2-8311A1A6B41E}"/>
+                <a16:creationId xmlns:a16="http://schemas.microsoft.com/office/drawing/2014/main" id="{1D8F0D91-FB7F-4867-9036-18D17228C434}"/>
               </a:ext>
             </a:extLst>
           </p:cNvPr>
@@ -15780,7 +17378,272 @@
           <a:p>
             <a:r>
               <a:rPr lang="en-US" dirty="0"/>
-              <a:t>VDNN’s goals</a:t>
+              <a:t>Find the </a:t>
+            </a:r>
+            <a:r>
+              <a:rPr lang="en-US" altLang="zh-CN" dirty="0"/>
+              <a:t>gaps</a:t>
+            </a:r>
+            <a:endParaRPr lang="en-US" dirty="0"/>
+          </a:p>
+        </p:txBody>
+      </p:sp>
+      <p:pic>
+        <p:nvPicPr>
+          <p:cNvPr id="5" name="Picture 4" descr="A screenshot of a cell phone&#10;&#10;Description automatically generated">
+            <a:extLst>
+              <a:ext uri="{FF2B5EF4-FFF2-40B4-BE49-F238E27FC236}">
+                <a16:creationId xmlns:a16="http://schemas.microsoft.com/office/drawing/2014/main" id="{66896ABE-637F-4207-9C50-F5CDB2AEC0B4}"/>
+              </a:ext>
+            </a:extLst>
+          </p:cNvPr>
+          <p:cNvPicPr>
+            <a:picLocks noChangeAspect="1"/>
+          </p:cNvPicPr>
+          <p:nvPr/>
+        </p:nvPicPr>
+        <p:blipFill>
+          <a:blip r:embed="rId3"/>
+          <a:stretch>
+            <a:fillRect/>
+          </a:stretch>
+        </p:blipFill>
+        <p:spPr>
+          <a:xfrm>
+            <a:off x="4618955" y="1501686"/>
+            <a:ext cx="4647153" cy="2903756"/>
+          </a:xfrm>
+          <a:prstGeom prst="rect">
+            <a:avLst/>
+          </a:prstGeom>
+        </p:spPr>
+      </p:pic>
+      <p:sp>
+        <p:nvSpPr>
+          <p:cNvPr id="6" name="Rectangle 5">
+            <a:extLst>
+              <a:ext uri="{FF2B5EF4-FFF2-40B4-BE49-F238E27FC236}">
+                <a16:creationId xmlns:a16="http://schemas.microsoft.com/office/drawing/2014/main" id="{722D724F-C558-4799-97EE-6B179BB1C1BA}"/>
+              </a:ext>
+            </a:extLst>
+          </p:cNvPr>
+          <p:cNvSpPr/>
+          <p:nvPr/>
+        </p:nvSpPr>
+        <p:spPr>
+          <a:xfrm>
+            <a:off x="167470" y="1501686"/>
+            <a:ext cx="4572000" cy="1200329"/>
+          </a:xfrm>
+          <a:prstGeom prst="rect">
+            <a:avLst/>
+          </a:prstGeom>
+        </p:spPr>
+        <p:txBody>
+          <a:bodyPr>
+            <a:spAutoFit/>
+          </a:bodyPr>
+          <a:lstStyle/>
+          <a:p>
+            <a:pPr marL="285750" indent="-285750">
+              <a:buFont typeface="Arial" panose="020B0604020202020204" pitchFamily="34" charset="0"/>
+              <a:buChar char="•"/>
+            </a:pPr>
+            <a:r>
+              <a:rPr lang="en-US" dirty="0"/>
+              <a:t>First, the intermediate feature </a:t>
+            </a:r>
+            <a:r>
+              <a:rPr lang="en-US" dirty="0" smtClean="0"/>
+              <a:t>maps (</a:t>
+            </a:r>
+            <a:r>
+              <a:rPr lang="en-US" dirty="0" smtClean="0">
+                <a:solidFill>
+                  <a:srgbClr val="0070C0"/>
+                </a:solidFill>
+              </a:rPr>
+              <a:t>blue</a:t>
+            </a:r>
+            <a:r>
+              <a:rPr lang="en-US" dirty="0" smtClean="0"/>
+              <a:t>) </a:t>
+            </a:r>
+            <a:r>
+              <a:rPr lang="en-US" dirty="0"/>
+              <a:t>and workspace </a:t>
+            </a:r>
+            <a:r>
+              <a:rPr lang="en-US" dirty="0" smtClean="0"/>
+              <a:t>(</a:t>
+            </a:r>
+            <a:r>
+              <a:rPr lang="en-US" dirty="0" smtClean="0">
+                <a:solidFill>
+                  <a:srgbClr val="FF0000"/>
+                </a:solidFill>
+              </a:rPr>
+              <a:t>red</a:t>
+            </a:r>
+            <a:r>
+              <a:rPr lang="en-US" dirty="0" smtClean="0"/>
+              <a:t>) </a:t>
+            </a:r>
+            <a:r>
+              <a:rPr lang="en-US" dirty="0"/>
+              <a:t>incur an </a:t>
+            </a:r>
+            <a:r>
+              <a:rPr lang="en-US" dirty="0">
+                <a:solidFill>
+                  <a:srgbClr val="C00000"/>
+                </a:solidFill>
+              </a:rPr>
+              <a:t>order</a:t>
+            </a:r>
+            <a:r>
+              <a:rPr lang="en-US" dirty="0"/>
+              <a:t> of magnitude higher memory usage compared to the weights</a:t>
+            </a:r>
+          </a:p>
+        </p:txBody>
+      </p:sp>
+      <p:sp>
+        <p:nvSpPr>
+          <p:cNvPr id="7" name="Rectangle 6">
+            <a:extLst>
+              <a:ext uri="{FF2B5EF4-FFF2-40B4-BE49-F238E27FC236}">
+                <a16:creationId xmlns:a16="http://schemas.microsoft.com/office/drawing/2014/main" id="{EF196697-2BC6-4C1C-93E8-0423493824B3}"/>
+              </a:ext>
+            </a:extLst>
+          </p:cNvPr>
+          <p:cNvSpPr/>
+          <p:nvPr/>
+        </p:nvSpPr>
+        <p:spPr>
+          <a:xfrm>
+            <a:off x="167470" y="2702015"/>
+            <a:ext cx="4572000" cy="1200329"/>
+          </a:xfrm>
+          <a:prstGeom prst="rect">
+            <a:avLst/>
+          </a:prstGeom>
+        </p:spPr>
+        <p:txBody>
+          <a:bodyPr>
+            <a:spAutoFit/>
+          </a:bodyPr>
+          <a:lstStyle/>
+          <a:p>
+            <a:pPr marL="285750" indent="-285750">
+              <a:buFont typeface="Arial" panose="020B0604020202020204" pitchFamily="34" charset="0"/>
+              <a:buChar char="•"/>
+            </a:pPr>
+            <a:r>
+              <a:rPr lang="en-US" dirty="0"/>
+              <a:t>Second, most of these </a:t>
+            </a:r>
+            <a:r>
+              <a:rPr lang="en-US" dirty="0">
+                <a:solidFill>
+                  <a:srgbClr val="C00000"/>
+                </a:solidFill>
+              </a:rPr>
+              <a:t>intermediate data </a:t>
+            </a:r>
+            <a:r>
+              <a:rPr lang="en-US" dirty="0" smtClean="0">
+                <a:solidFill>
+                  <a:srgbClr val="C00000"/>
+                </a:solidFill>
+              </a:rPr>
+              <a:t>structures </a:t>
+            </a:r>
+            <a:r>
+              <a:rPr lang="en-US" dirty="0" smtClean="0"/>
+              <a:t>are concentrated </a:t>
+            </a:r>
+            <a:r>
+              <a:rPr lang="en-US" dirty="0"/>
+              <a:t>on the </a:t>
+            </a:r>
+            <a:r>
+              <a:rPr lang="en-US" dirty="0" smtClean="0">
+                <a:solidFill>
+                  <a:srgbClr val="C00000"/>
+                </a:solidFill>
+              </a:rPr>
+              <a:t>feature extraction layers </a:t>
+            </a:r>
+            <a:r>
+              <a:rPr lang="en-US" dirty="0" smtClean="0"/>
+              <a:t>and </a:t>
+            </a:r>
+            <a:r>
+              <a:rPr lang="en-US" dirty="0"/>
+              <a:t>are less significant in the later classifier layers</a:t>
+            </a:r>
+          </a:p>
+        </p:txBody>
+      </p:sp>
+      <p:sp>
+        <p:nvSpPr>
+          <p:cNvPr id="8" name="Rectangle 7">
+            <a:extLst>
+              <a:ext uri="{FF2B5EF4-FFF2-40B4-BE49-F238E27FC236}">
+                <a16:creationId xmlns:a16="http://schemas.microsoft.com/office/drawing/2014/main" id="{068C82CC-4CDA-4D02-B50B-0BA9B597CA11}"/>
+              </a:ext>
+            </a:extLst>
+          </p:cNvPr>
+          <p:cNvSpPr/>
+          <p:nvPr/>
+        </p:nvSpPr>
+        <p:spPr>
+          <a:xfrm>
+            <a:off x="167470" y="3924659"/>
+            <a:ext cx="4572000" cy="1200329"/>
+          </a:xfrm>
+          <a:prstGeom prst="rect">
+            <a:avLst/>
+          </a:prstGeom>
+        </p:spPr>
+        <p:txBody>
+          <a:bodyPr>
+            <a:spAutoFit/>
+          </a:bodyPr>
+          <a:lstStyle/>
+          <a:p>
+            <a:pPr marL="285750" indent="-285750">
+              <a:buFont typeface="Arial" panose="020B0604020202020204" pitchFamily="34" charset="0"/>
+              <a:buChar char="•"/>
+            </a:pPr>
+            <a:r>
+              <a:rPr lang="en-US" dirty="0"/>
+              <a:t>Third, the weights, </a:t>
+            </a:r>
+            <a:r>
+              <a:rPr lang="en-US" dirty="0">
+                <a:solidFill>
+                  <a:srgbClr val="C00000"/>
+                </a:solidFill>
+              </a:rPr>
+              <a:t>smaller</a:t>
+            </a:r>
+            <a:r>
+              <a:rPr lang="en-US" dirty="0"/>
+              <a:t> compared to these intermediate data, are concentrated on the </a:t>
+            </a:r>
+            <a:r>
+              <a:rPr lang="en-US" dirty="0">
+                <a:solidFill>
+                  <a:srgbClr val="C00000"/>
+                </a:solidFill>
+              </a:rPr>
+              <a:t>classifier layers </a:t>
+            </a:r>
+            <a:r>
+              <a:rPr lang="en-US" dirty="0"/>
+              <a:t>due to their full connectivity</a:t>
             </a:r>
           </a:p>
         </p:txBody>
@@ -15788,7 +17651,7 @@
     </p:spTree>
     <p:extLst>
       <p:ext uri="{BB962C8B-B14F-4D97-AF65-F5344CB8AC3E}">
-        <p14:creationId xmlns:p14="http://schemas.microsoft.com/office/powerpoint/2010/main" val="1188121933"/>
+        <p14:creationId xmlns:p14="http://schemas.microsoft.com/office/powerpoint/2010/main" val="1915613735"/>
       </p:ext>
     </p:extLst>
   </p:cSld>
@@ -15817,6 +17680,405 @@
       </p:grpSpPr>
       <p:sp>
         <p:nvSpPr>
+          <p:cNvPr id="2" name="Content Placeholder 1"/>
+          <p:cNvSpPr>
+            <a:spLocks noGrp="1"/>
+          </p:cNvSpPr>
+          <p:nvPr>
+            <p:ph idx="13"/>
+          </p:nvPr>
+        </p:nvSpPr>
+        <p:spPr/>
+        <p:txBody>
+          <a:bodyPr/>
+          <a:lstStyle/>
+          <a:p>
+            <a:pPr marL="342900" indent="-342900">
+              <a:buFont typeface="Arial" panose="020B0604020202020204" pitchFamily="34" charset="0"/>
+              <a:buChar char="•"/>
+            </a:pPr>
+            <a:r>
+              <a:rPr lang="en-US" dirty="0" smtClean="0">
+                <a:solidFill>
+                  <a:schemeClr val="accent5"/>
+                </a:solidFill>
+              </a:rPr>
+              <a:t>Memory-efficient convolutional algorithm:</a:t>
+            </a:r>
+          </a:p>
+          <a:p>
+            <a:pPr marL="342900" indent="-342900">
+              <a:buFont typeface="Arial" panose="020B0604020202020204" pitchFamily="34" charset="0"/>
+              <a:buChar char="•"/>
+            </a:pPr>
+            <a:r>
+              <a:rPr lang="en-US" dirty="0" smtClean="0">
+                <a:solidFill>
+                  <a:schemeClr val="accent5"/>
+                </a:solidFill>
+              </a:rPr>
+              <a:t>Get	rid of the </a:t>
+            </a:r>
+            <a:r>
+              <a:rPr lang="en-US" dirty="0" smtClean="0">
+                <a:solidFill>
+                  <a:srgbClr val="C00000"/>
+                </a:solidFill>
+              </a:rPr>
+              <a:t>workspace</a:t>
+            </a:r>
+            <a:r>
+              <a:rPr lang="en-US" dirty="0" smtClean="0">
+                <a:solidFill>
+                  <a:schemeClr val="accent5"/>
+                </a:solidFill>
+              </a:rPr>
+              <a:t>: no-WS incurred algorithm.</a:t>
+            </a:r>
+          </a:p>
+          <a:p>
+            <a:pPr marL="342900" indent="-342900">
+              <a:buFont typeface="Arial" panose="020B0604020202020204" pitchFamily="34" charset="0"/>
+              <a:buChar char="•"/>
+            </a:pPr>
+            <a:r>
+              <a:rPr lang="en-US" dirty="0">
+                <a:solidFill>
+                  <a:schemeClr val="accent5"/>
+                </a:solidFill>
+              </a:rPr>
+              <a:t>E.g.: </a:t>
+            </a:r>
+            <a:r>
+              <a:rPr lang="en-US" dirty="0">
+                <a:solidFill>
+                  <a:srgbClr val="C00000"/>
+                </a:solidFill>
+              </a:rPr>
+              <a:t>Implicit GEMM </a:t>
+            </a:r>
+            <a:r>
+              <a:rPr lang="en-US" dirty="0">
+                <a:solidFill>
+                  <a:schemeClr val="accent5"/>
+                </a:solidFill>
+              </a:rPr>
+              <a:t>in </a:t>
+            </a:r>
+            <a:r>
+              <a:rPr lang="en-US" dirty="0" err="1" smtClean="0">
+                <a:solidFill>
+                  <a:schemeClr val="accent5"/>
+                </a:solidFill>
+              </a:rPr>
+              <a:t>cuDNN</a:t>
+            </a:r>
+            <a:endParaRPr lang="en-US" dirty="0" smtClean="0">
+              <a:solidFill>
+                <a:schemeClr val="accent5"/>
+              </a:solidFill>
+            </a:endParaRPr>
+          </a:p>
+          <a:p>
+            <a:pPr marL="342900" indent="-342900">
+              <a:buFont typeface="Arial" panose="020B0604020202020204" pitchFamily="34" charset="0"/>
+              <a:buChar char="•"/>
+            </a:pPr>
+            <a:endParaRPr lang="en-US" dirty="0">
+              <a:solidFill>
+                <a:schemeClr val="accent5"/>
+              </a:solidFill>
+            </a:endParaRPr>
+          </a:p>
+          <a:p>
+            <a:pPr marL="342900" indent="-342900">
+              <a:buFont typeface="Arial" panose="020B0604020202020204" pitchFamily="34" charset="0"/>
+              <a:buChar char="•"/>
+            </a:pPr>
+            <a:r>
+              <a:rPr lang="en-US" sz="1800" dirty="0">
+                <a:solidFill>
+                  <a:schemeClr val="accent5"/>
+                </a:solidFill>
+              </a:rPr>
+              <a:t>Implicit GEMM operates </a:t>
+            </a:r>
+            <a:r>
+              <a:rPr lang="en-US" sz="1800" dirty="0">
+                <a:solidFill>
+                  <a:srgbClr val="C00000"/>
+                </a:solidFill>
+              </a:rPr>
+              <a:t>natively</a:t>
+            </a:r>
+            <a:r>
+              <a:rPr lang="en-US" sz="1800" dirty="0">
+                <a:solidFill>
+                  <a:schemeClr val="accent5"/>
+                </a:solidFill>
+              </a:rPr>
+              <a:t> on the </a:t>
+            </a:r>
+            <a:r>
+              <a:rPr lang="en-US" sz="1800" dirty="0">
+                <a:solidFill>
+                  <a:srgbClr val="C00000"/>
+                </a:solidFill>
+              </a:rPr>
+              <a:t>convolution input tensors</a:t>
+            </a:r>
+            <a:r>
+              <a:rPr lang="en-US" sz="1800" dirty="0">
+                <a:solidFill>
+                  <a:schemeClr val="accent5"/>
+                </a:solidFill>
+              </a:rPr>
+              <a:t>, converting the computation into a matrix multiply on the fly. It is important to note that corresponding matrices are </a:t>
+            </a:r>
+            <a:r>
+              <a:rPr lang="en-US" sz="1800" dirty="0">
+                <a:solidFill>
+                  <a:srgbClr val="C00000"/>
+                </a:solidFill>
+              </a:rPr>
+              <a:t>never</a:t>
+            </a:r>
+            <a:r>
+              <a:rPr lang="en-US" sz="1800" dirty="0">
+                <a:solidFill>
+                  <a:schemeClr val="accent5"/>
+                </a:solidFill>
+              </a:rPr>
+              <a:t> created in memory. Thus, to calculate arithmetic intensity, one can use the </a:t>
+            </a:r>
+            <a:r>
+              <a:rPr lang="en-US" sz="1800" dirty="0">
+                <a:solidFill>
+                  <a:srgbClr val="C00000"/>
+                </a:solidFill>
+              </a:rPr>
+              <a:t>original tensor sizes</a:t>
+            </a:r>
+            <a:r>
+              <a:rPr lang="en-US" sz="1800" dirty="0" smtClean="0">
+                <a:solidFill>
+                  <a:schemeClr val="accent5"/>
+                </a:solidFill>
+              </a:rPr>
+              <a:t>.</a:t>
+            </a:r>
+          </a:p>
+          <a:p>
+            <a:pPr marL="342900" indent="-342900">
+              <a:buFont typeface="Arial" panose="020B0604020202020204" pitchFamily="34" charset="0"/>
+              <a:buChar char="•"/>
+            </a:pPr>
+            <a:r>
+              <a:rPr lang="en-US" sz="1800" dirty="0" smtClean="0">
+                <a:solidFill>
+                  <a:schemeClr val="accent5"/>
+                </a:solidFill>
+              </a:rPr>
+              <a:t>But, it is bad for the performance.</a:t>
+            </a:r>
+            <a:endParaRPr lang="en-US" sz="1800" dirty="0">
+              <a:solidFill>
+                <a:schemeClr val="accent5"/>
+              </a:solidFill>
+            </a:endParaRPr>
+          </a:p>
+        </p:txBody>
+      </p:sp>
+      <p:sp>
+        <p:nvSpPr>
+          <p:cNvPr id="3" name="Title 2"/>
+          <p:cNvSpPr>
+            <a:spLocks noGrp="1"/>
+          </p:cNvSpPr>
+          <p:nvPr>
+            <p:ph type="title"/>
+          </p:nvPr>
+        </p:nvSpPr>
+        <p:spPr/>
+        <p:txBody>
+          <a:bodyPr/>
+          <a:lstStyle/>
+          <a:p>
+            <a:r>
+              <a:rPr lang="en-US" dirty="0" smtClean="0"/>
+              <a:t>How did we save memory traditionally?</a:t>
+            </a:r>
+            <a:endParaRPr lang="en-US" dirty="0"/>
+          </a:p>
+        </p:txBody>
+      </p:sp>
+    </p:spTree>
+    <p:extLst>
+      <p:ext uri="{BB962C8B-B14F-4D97-AF65-F5344CB8AC3E}">
+        <p14:creationId xmlns:p14="http://schemas.microsoft.com/office/powerpoint/2010/main" val="3792506436"/>
+      </p:ext>
+    </p:extLst>
+  </p:cSld>
+  <p:clrMapOvr>
+    <a:masterClrMapping/>
+  </p:clrMapOvr>
+</p:sld>
+</file>
+
+<file path=ppt/slides/slide53.xml><?xml version="1.0" encoding="utf-8"?>
+<p:sld xmlns:a="http://schemas.openxmlformats.org/drawingml/2006/main" xmlns:r="http://schemas.openxmlformats.org/officeDocument/2006/relationships" xmlns:p="http://schemas.openxmlformats.org/presentationml/2006/main">
+  <p:cSld>
+    <p:spTree>
+      <p:nvGrpSpPr>
+        <p:cNvPr id="1" name=""/>
+        <p:cNvGrpSpPr/>
+        <p:nvPr/>
+      </p:nvGrpSpPr>
+      <p:grpSpPr>
+        <a:xfrm>
+          <a:off x="0" y="0"/>
+          <a:ext cx="0" cy="0"/>
+          <a:chOff x="0" y="0"/>
+          <a:chExt cx="0" cy="0"/>
+        </a:xfrm>
+      </p:grpSpPr>
+      <p:sp>
+        <p:nvSpPr>
+          <p:cNvPr id="2" name="Content Placeholder 1">
+            <a:extLst>
+              <a:ext uri="{FF2B5EF4-FFF2-40B4-BE49-F238E27FC236}">
+                <a16:creationId xmlns:a16="http://schemas.microsoft.com/office/drawing/2014/main" id="{E3284976-02A7-4D78-898C-153E63C80B17}"/>
+              </a:ext>
+            </a:extLst>
+          </p:cNvPr>
+          <p:cNvSpPr>
+            <a:spLocks noGrp="1"/>
+          </p:cNvSpPr>
+          <p:nvPr>
+            <p:ph idx="13"/>
+          </p:nvPr>
+        </p:nvSpPr>
+        <p:spPr/>
+        <p:txBody>
+          <a:bodyPr/>
+          <a:lstStyle/>
+          <a:p>
+            <a:pPr marL="457200" indent="-457200">
+              <a:buFont typeface="+mj-lt"/>
+              <a:buAutoNum type="arabicPeriod"/>
+            </a:pPr>
+            <a:r>
+              <a:rPr lang="en-US" dirty="0"/>
+              <a:t>Virtualize the memory usage of </a:t>
+            </a:r>
+            <a:r>
+              <a:rPr lang="en-US" dirty="0" smtClean="0"/>
+              <a:t>DNNs</a:t>
+            </a:r>
+            <a:endParaRPr lang="en-US" dirty="0"/>
+          </a:p>
+          <a:p>
+            <a:pPr marL="457200" indent="-457200">
+              <a:buFont typeface="+mj-lt"/>
+              <a:buAutoNum type="arabicPeriod"/>
+            </a:pPr>
+            <a:r>
+              <a:rPr lang="en-US" dirty="0"/>
+              <a:t>Using both GPU and CPU memory</a:t>
+            </a:r>
+          </a:p>
+          <a:p>
+            <a:pPr marL="457200" indent="-457200">
+              <a:buFont typeface="+mj-lt"/>
+              <a:buAutoNum type="arabicPeriod"/>
+            </a:pPr>
+            <a:r>
+              <a:rPr lang="en-US" dirty="0"/>
+              <a:t>Minimizing its impact on performance</a:t>
+            </a:r>
+          </a:p>
+          <a:p>
+            <a:pPr marL="457200" indent="-457200">
+              <a:buFont typeface="+mj-lt"/>
+              <a:buAutoNum type="arabicPeriod"/>
+            </a:pPr>
+            <a:r>
+              <a:rPr lang="en-US" dirty="0"/>
+              <a:t>Transparent to programmer</a:t>
+            </a:r>
+          </a:p>
+          <a:p>
+            <a:pPr marL="457200" indent="-457200">
+              <a:buFont typeface="+mj-lt"/>
+              <a:buAutoNum type="arabicPeriod"/>
+            </a:pPr>
+            <a:r>
+              <a:rPr lang="en-US" dirty="0"/>
+              <a:t>Concentrate on the feature extraction layers</a:t>
+            </a:r>
+          </a:p>
+        </p:txBody>
+      </p:sp>
+      <p:sp>
+        <p:nvSpPr>
+          <p:cNvPr id="3" name="Title 2">
+            <a:extLst>
+              <a:ext uri="{FF2B5EF4-FFF2-40B4-BE49-F238E27FC236}">
+                <a16:creationId xmlns:a16="http://schemas.microsoft.com/office/drawing/2014/main" id="{9D0030A7-9C62-49BE-8EA2-8311A1A6B41E}"/>
+              </a:ext>
+            </a:extLst>
+          </p:cNvPr>
+          <p:cNvSpPr>
+            <a:spLocks noGrp="1"/>
+          </p:cNvSpPr>
+          <p:nvPr>
+            <p:ph type="title"/>
+          </p:nvPr>
+        </p:nvSpPr>
+        <p:spPr/>
+        <p:txBody>
+          <a:bodyPr/>
+          <a:lstStyle/>
+          <a:p>
+            <a:r>
+              <a:rPr lang="en-US" dirty="0"/>
+              <a:t>VDNN’s goals</a:t>
+            </a:r>
+          </a:p>
+        </p:txBody>
+      </p:sp>
+    </p:spTree>
+    <p:extLst>
+      <p:ext uri="{BB962C8B-B14F-4D97-AF65-F5344CB8AC3E}">
+        <p14:creationId xmlns:p14="http://schemas.microsoft.com/office/powerpoint/2010/main" val="1188121933"/>
+      </p:ext>
+    </p:extLst>
+  </p:cSld>
+  <p:clrMapOvr>
+    <a:masterClrMapping/>
+  </p:clrMapOvr>
+</p:sld>
+</file>
+
+<file path=ppt/slides/slide54.xml><?xml version="1.0" encoding="utf-8"?>
+<p:sld xmlns:a="http://schemas.openxmlformats.org/drawingml/2006/main" xmlns:r="http://schemas.openxmlformats.org/officeDocument/2006/relationships" xmlns:p="http://schemas.openxmlformats.org/presentationml/2006/main">
+  <p:cSld>
+    <p:spTree>
+      <p:nvGrpSpPr>
+        <p:cNvPr id="1" name=""/>
+        <p:cNvGrpSpPr/>
+        <p:nvPr/>
+      </p:nvGrpSpPr>
+      <p:grpSpPr>
+        <a:xfrm>
+          <a:off x="0" y="0"/>
+          <a:ext cx="0" cy="0"/>
+          <a:chOff x="0" y="0"/>
+          <a:chExt cx="0" cy="0"/>
+        </a:xfrm>
+      </p:grpSpPr>
+      <p:sp>
+        <p:nvSpPr>
           <p:cNvPr id="2" name="Content Placeholder 1">
             <a:extLst>
               <a:ext uri="{FF2B5EF4-FFF2-40B4-BE49-F238E27FC236}">
@@ -15956,7 +18218,7 @@
 </p:sld>
 </file>
 
-<file path=ppt/slides/slide53.xml><?xml version="1.0" encoding="utf-8"?>
+<file path=ppt/slides/slide55.xml><?xml version="1.0" encoding="utf-8"?>
 <p:sld xmlns:a="http://schemas.openxmlformats.org/drawingml/2006/main" xmlns:r="http://schemas.openxmlformats.org/officeDocument/2006/relationships" xmlns:p="http://schemas.openxmlformats.org/presentationml/2006/main">
   <p:cSld>
     <p:spTree>
@@ -16108,7 +18370,7 @@
 </p:sld>
 </file>
 
-<file path=ppt/slides/slide54.xml><?xml version="1.0" encoding="utf-8"?>
+<file path=ppt/slides/slide56.xml><?xml version="1.0" encoding="utf-8"?>
 <p:sld xmlns:a="http://schemas.openxmlformats.org/drawingml/2006/main" xmlns:r="http://schemas.openxmlformats.org/officeDocument/2006/relationships" xmlns:p="http://schemas.openxmlformats.org/presentationml/2006/main">
   <p:cSld>
     <p:spTree>
@@ -16263,7 +18525,7 @@
 </p:sld>
 </file>
 
-<file path=ppt/slides/slide55.xml><?xml version="1.0" encoding="utf-8"?>
+<file path=ppt/slides/slide57.xml><?xml version="1.0" encoding="utf-8"?>
 <p:sld xmlns:a="http://schemas.openxmlformats.org/drawingml/2006/main" xmlns:r="http://schemas.openxmlformats.org/officeDocument/2006/relationships" xmlns:p="http://schemas.openxmlformats.org/presentationml/2006/main">
   <p:cSld>
     <p:spTree>
@@ -16280,8 +18542,8 @@
           <a:chExt cx="0" cy="0"/>
         </a:xfrm>
       </p:grpSpPr>
-      <mc:AlternateContent xmlns:mc="http://schemas.openxmlformats.org/markup-compatibility/2006">
-        <mc:Choice xmlns:a14="http://schemas.microsoft.com/office/drawing/2010/main" Requires="a14">
+      <mc:AlternateContent xmlns:mc="http://schemas.openxmlformats.org/markup-compatibility/2006" xmlns:a14="http://schemas.microsoft.com/office/drawing/2010/main">
+        <mc:Choice Requires="a14">
           <p:sp>
             <p:nvSpPr>
               <p:cNvPr id="2" name="Content Placeholder 1">
@@ -16466,7 +18728,7 @@
             </p:txBody>
           </p:sp>
         </mc:Choice>
-        <mc:Fallback>
+        <mc:Fallback xmlns="">
           <p:sp>
             <p:nvSpPr>
               <p:cNvPr id="2" name="Content Placeholder 1">
@@ -16586,7 +18848,7 @@
 </p:sld>
 </file>
 
-<file path=ppt/slides/slide56.xml><?xml version="1.0" encoding="utf-8"?>
+<file path=ppt/slides/slide58.xml><?xml version="1.0" encoding="utf-8"?>
 <p:sld xmlns:a="http://schemas.openxmlformats.org/drawingml/2006/main" xmlns:r="http://schemas.openxmlformats.org/officeDocument/2006/relationships" xmlns:p="http://schemas.openxmlformats.org/presentationml/2006/main">
   <p:cSld>
     <p:spTree>
@@ -16624,12 +18886,20 @@
           <a:bodyPr/>
           <a:lstStyle/>
           <a:p>
+            <a:pPr marL="342900" indent="-342900">
+              <a:buFont typeface="Arial" panose="020B0604020202020204" pitchFamily="34" charset="0"/>
+              <a:buChar char="•"/>
+            </a:pPr>
             <a:r>
               <a:rPr lang="en-US" dirty="0"/>
               <a:t>CUDA only has synchronous de/allocations</a:t>
             </a:r>
           </a:p>
           <a:p>
+            <a:pPr marL="342900" indent="-342900">
+              <a:buFont typeface="Arial" panose="020B0604020202020204" pitchFamily="34" charset="0"/>
+              <a:buChar char="•"/>
+            </a:pPr>
             <a:r>
               <a:rPr lang="en-US" dirty="0"/>
               <a:t>Will increase communication overhead</a:t>
@@ -16687,10 +18957,17 @@
   <p:clrMapOvr>
     <a:masterClrMapping/>
   </p:clrMapOvr>
+  <p:timing>
+    <p:tnLst>
+      <p:par>
+        <p:cTn id="1" dur="indefinite" restart="never" nodeType="tmRoot"/>
+      </p:par>
+    </p:tnLst>
+  </p:timing>
 </p:sld>
 </file>
 
-<file path=ppt/slides/slide57.xml><?xml version="1.0" encoding="utf-8"?>
+<file path=ppt/slides/slide59.xml><?xml version="1.0" encoding="utf-8"?>
 <p:sld xmlns:a="http://schemas.openxmlformats.org/drawingml/2006/main" xmlns:r="http://schemas.openxmlformats.org/officeDocument/2006/relationships" xmlns:p="http://schemas.openxmlformats.org/presentationml/2006/main">
   <p:cSld>
     <p:spTree>
@@ -16976,288 +19253,6 @@
 </p:sld>
 </file>
 
-<file path=ppt/slides/slide58.xml><?xml version="1.0" encoding="utf-8"?>
-<p:sld xmlns:a="http://schemas.openxmlformats.org/drawingml/2006/main" xmlns:r="http://schemas.openxmlformats.org/officeDocument/2006/relationships" xmlns:p="http://schemas.openxmlformats.org/presentationml/2006/main">
-  <p:cSld>
-    <p:spTree>
-      <p:nvGrpSpPr>
-        <p:cNvPr id="1" name=""/>
-        <p:cNvGrpSpPr/>
-        <p:nvPr/>
-      </p:nvGrpSpPr>
-      <p:grpSpPr>
-        <a:xfrm>
-          <a:off x="0" y="0"/>
-          <a:ext cx="0" cy="0"/>
-          <a:chOff x="0" y="0"/>
-          <a:chExt cx="0" cy="0"/>
-        </a:xfrm>
-      </p:grpSpPr>
-      <p:sp>
-        <p:nvSpPr>
-          <p:cNvPr id="2" name="Content Placeholder 1">
-            <a:extLst>
-              <a:ext uri="{FF2B5EF4-FFF2-40B4-BE49-F238E27FC236}">
-                <a16:creationId xmlns:a16="http://schemas.microsoft.com/office/drawing/2014/main" id="{A3A8200B-967E-45BB-B6A3-8C642C2CAAF3}"/>
-              </a:ext>
-            </a:extLst>
-          </p:cNvPr>
-          <p:cNvSpPr>
-            <a:spLocks noGrp="1"/>
-          </p:cNvSpPr>
-          <p:nvPr>
-            <p:ph idx="13"/>
-          </p:nvPr>
-        </p:nvSpPr>
-        <p:spPr/>
-        <p:txBody>
-          <a:bodyPr/>
-          <a:lstStyle/>
-          <a:p>
-            <a:pPr marL="342900" indent="-342900">
-              <a:buFont typeface="Arial" panose="020B0604020202020204" pitchFamily="34" charset="0"/>
-              <a:buChar char="•"/>
-            </a:pPr>
-            <a:r>
-              <a:rPr lang="en-US" dirty="0"/>
-              <a:t>Convolutional and pool layers’ input feature maps are read-only data structures</a:t>
-            </a:r>
-          </a:p>
-          <a:p>
-            <a:pPr marL="342900" indent="-342900">
-              <a:buFont typeface="Arial" panose="020B0604020202020204" pitchFamily="34" charset="0"/>
-              <a:buChar char="•"/>
-            </a:pPr>
-            <a:r>
-              <a:rPr lang="en-US" dirty="0"/>
-              <a:t>Overlapping a layer’s offload operation with the same layers’ forward propagation is okay.</a:t>
-            </a:r>
-          </a:p>
-          <a:p>
-            <a:pPr marL="342900" indent="-342900">
-              <a:buFont typeface="Arial" panose="020B0604020202020204" pitchFamily="34" charset="0"/>
-              <a:buChar char="•"/>
-            </a:pPr>
-            <a:r>
-              <a:rPr lang="en-US" dirty="0"/>
-              <a:t>Activation layers only use Y and </a:t>
-            </a:r>
-            <a:r>
-              <a:rPr lang="en-US" dirty="0" err="1"/>
-              <a:t>dY</a:t>
-            </a:r>
-            <a:r>
-              <a:rPr lang="en-US" dirty="0"/>
-              <a:t>, so do not need to offload</a:t>
-            </a:r>
-          </a:p>
-        </p:txBody>
-      </p:sp>
-      <p:sp>
-        <p:nvSpPr>
-          <p:cNvPr id="3" name="Title 2">
-            <a:extLst>
-              <a:ext uri="{FF2B5EF4-FFF2-40B4-BE49-F238E27FC236}">
-                <a16:creationId xmlns:a16="http://schemas.microsoft.com/office/drawing/2014/main" id="{9555710F-A7F5-43A3-9995-39476651B84F}"/>
-              </a:ext>
-            </a:extLst>
-          </p:cNvPr>
-          <p:cNvSpPr>
-            <a:spLocks noGrp="1"/>
-          </p:cNvSpPr>
-          <p:nvPr>
-            <p:ph type="title"/>
-          </p:nvPr>
-        </p:nvSpPr>
-        <p:spPr/>
-        <p:txBody>
-          <a:bodyPr/>
-          <a:lstStyle/>
-          <a:p>
-            <a:r>
-              <a:rPr lang="en-US" dirty="0"/>
-              <a:t>Offload – for each layer</a:t>
-            </a:r>
-          </a:p>
-        </p:txBody>
-      </p:sp>
-    </p:spTree>
-    <p:extLst>
-      <p:ext uri="{BB962C8B-B14F-4D97-AF65-F5344CB8AC3E}">
-        <p14:creationId xmlns:p14="http://schemas.microsoft.com/office/powerpoint/2010/main" val="1662601762"/>
-      </p:ext>
-    </p:extLst>
-  </p:cSld>
-  <p:clrMapOvr>
-    <a:masterClrMapping/>
-  </p:clrMapOvr>
-</p:sld>
-</file>
-
-<file path=ppt/slides/slide59.xml><?xml version="1.0" encoding="utf-8"?>
-<p:sld xmlns:a="http://schemas.openxmlformats.org/drawingml/2006/main" xmlns:r="http://schemas.openxmlformats.org/officeDocument/2006/relationships" xmlns:p="http://schemas.openxmlformats.org/presentationml/2006/main">
-  <p:cSld>
-    <p:spTree>
-      <p:nvGrpSpPr>
-        <p:cNvPr id="1" name=""/>
-        <p:cNvGrpSpPr/>
-        <p:nvPr/>
-      </p:nvGrpSpPr>
-      <p:grpSpPr>
-        <a:xfrm>
-          <a:off x="0" y="0"/>
-          <a:ext cx="0" cy="0"/>
-          <a:chOff x="0" y="0"/>
-          <a:chExt cx="0" cy="0"/>
-        </a:xfrm>
-      </p:grpSpPr>
-      <p:sp>
-        <p:nvSpPr>
-          <p:cNvPr id="2" name="Content Placeholder 1">
-            <a:extLst>
-              <a:ext uri="{FF2B5EF4-FFF2-40B4-BE49-F238E27FC236}">
-                <a16:creationId xmlns:a16="http://schemas.microsoft.com/office/drawing/2014/main" id="{0E734B21-6358-428F-A508-A2FB67488515}"/>
-              </a:ext>
-            </a:extLst>
-          </p:cNvPr>
-          <p:cNvSpPr>
-            <a:spLocks noGrp="1"/>
-          </p:cNvSpPr>
-          <p:nvPr>
-            <p:ph idx="13"/>
-          </p:nvPr>
-        </p:nvSpPr>
-        <p:spPr/>
-        <p:txBody>
-          <a:bodyPr/>
-          <a:lstStyle/>
-          <a:p>
-            <a:pPr marL="342900" indent="-342900">
-              <a:buFont typeface="Arial" panose="020B0604020202020204" pitchFamily="34" charset="0"/>
-              <a:buChar char="•"/>
-            </a:pPr>
-            <a:r>
-              <a:rPr lang="en-US" dirty="0"/>
-              <a:t>Prefetching offloaded input feature maps (</a:t>
-            </a:r>
-            <a:r>
-              <a:rPr lang="en-US" dirty="0" err="1"/>
-              <a:t>Xs</a:t>
-            </a:r>
-            <a:r>
-              <a:rPr lang="en-US" dirty="0"/>
-              <a:t>) back to GPU memory</a:t>
-            </a:r>
-          </a:p>
-          <a:p>
-            <a:pPr marL="342900" indent="-342900">
-              <a:buFont typeface="Arial" panose="020B0604020202020204" pitchFamily="34" charset="0"/>
-              <a:buChar char="•"/>
-            </a:pPr>
-            <a:r>
-              <a:rPr lang="en-US" dirty="0"/>
-              <a:t>Unlike offload, need to fetch the input data of layer </a:t>
-            </a:r>
-            <a:r>
-              <a:rPr lang="en-US" i="1" dirty="0"/>
-              <a:t>n</a:t>
-            </a:r>
-            <a:r>
-              <a:rPr lang="en-US" dirty="0"/>
-              <a:t> when the backward propagation of layer </a:t>
-            </a:r>
-            <a:r>
-              <a:rPr lang="en-US" i="1" dirty="0"/>
-              <a:t>m</a:t>
-            </a:r>
-            <a:r>
-              <a:rPr lang="en-US" dirty="0"/>
-              <a:t>: n&lt;m</a:t>
-            </a:r>
-          </a:p>
-          <a:p>
-            <a:pPr marL="342900" indent="-342900">
-              <a:buFont typeface="Arial" panose="020B0604020202020204" pitchFamily="34" charset="0"/>
-              <a:buChar char="•"/>
-            </a:pPr>
-            <a:r>
-              <a:rPr lang="en-US" dirty="0"/>
-              <a:t>If n and m’s difference is too large, benefit will be less;</a:t>
-            </a:r>
-          </a:p>
-          <a:p>
-            <a:pPr marL="342900" indent="-342900">
-              <a:buFont typeface="Arial" panose="020B0604020202020204" pitchFamily="34" charset="0"/>
-              <a:buChar char="•"/>
-            </a:pPr>
-            <a:r>
-              <a:rPr lang="en-US" dirty="0"/>
-              <a:t>Data of layer </a:t>
-            </a:r>
-            <a:r>
-              <a:rPr lang="en-US" i="1" dirty="0"/>
-              <a:t>n-1</a:t>
-            </a:r>
-            <a:r>
-              <a:rPr lang="en-US" dirty="0"/>
-              <a:t> needs to be ready before layer </a:t>
-            </a:r>
-            <a:r>
-              <a:rPr lang="en-US" i="1" dirty="0"/>
-              <a:t>n</a:t>
-            </a:r>
-            <a:r>
-              <a:rPr lang="en-US" dirty="0"/>
-              <a:t>’s backward propagation is over: </a:t>
-            </a:r>
-            <a:r>
-              <a:rPr lang="en-US" u="sng" dirty="0"/>
-              <a:t>force synchronization</a:t>
-            </a:r>
-          </a:p>
-        </p:txBody>
-      </p:sp>
-      <p:sp>
-        <p:nvSpPr>
-          <p:cNvPr id="3" name="Title 2">
-            <a:extLst>
-              <a:ext uri="{FF2B5EF4-FFF2-40B4-BE49-F238E27FC236}">
-                <a16:creationId xmlns:a16="http://schemas.microsoft.com/office/drawing/2014/main" id="{3F3161EA-8029-4293-B388-153483466774}"/>
-              </a:ext>
-            </a:extLst>
-          </p:cNvPr>
-          <p:cNvSpPr>
-            <a:spLocks noGrp="1"/>
-          </p:cNvSpPr>
-          <p:nvPr>
-            <p:ph type="title"/>
-          </p:nvPr>
-        </p:nvSpPr>
-        <p:spPr/>
-        <p:txBody>
-          <a:bodyPr/>
-          <a:lstStyle/>
-          <a:p>
-            <a:r>
-              <a:rPr lang="en-US" dirty="0"/>
-              <a:t>Prefetch</a:t>
-            </a:r>
-          </a:p>
-        </p:txBody>
-      </p:sp>
-    </p:spTree>
-    <p:extLst>
-      <p:ext uri="{BB962C8B-B14F-4D97-AF65-F5344CB8AC3E}">
-        <p14:creationId xmlns:p14="http://schemas.microsoft.com/office/powerpoint/2010/main" val="58025259"/>
-      </p:ext>
-    </p:extLst>
-  </p:cSld>
-  <p:clrMapOvr>
-    <a:masterClrMapping/>
-  </p:clrMapOvr>
-</p:sld>
-</file>
-
 <file path=ppt/slides/slide6.xml><?xml version="1.0" encoding="utf-8"?>
 <p:sld xmlns:a="http://schemas.openxmlformats.org/drawingml/2006/main" xmlns:r="http://schemas.openxmlformats.org/officeDocument/2006/relationships" xmlns:p="http://schemas.openxmlformats.org/presentationml/2006/main">
   <p:cSld>
@@ -17400,10 +19395,306 @@
   <p:clrMapOvr>
     <a:masterClrMapping/>
   </p:clrMapOvr>
+  <p:timing>
+    <p:tnLst>
+      <p:par>
+        <p:cTn id="1" dur="indefinite" restart="never" nodeType="tmRoot"/>
+      </p:par>
+    </p:tnLst>
+  </p:timing>
 </p:sld>
 </file>
 
 <file path=ppt/slides/slide60.xml><?xml version="1.0" encoding="utf-8"?>
+<p:sld xmlns:a="http://schemas.openxmlformats.org/drawingml/2006/main" xmlns:r="http://schemas.openxmlformats.org/officeDocument/2006/relationships" xmlns:p="http://schemas.openxmlformats.org/presentationml/2006/main">
+  <p:cSld>
+    <p:spTree>
+      <p:nvGrpSpPr>
+        <p:cNvPr id="1" name=""/>
+        <p:cNvGrpSpPr/>
+        <p:nvPr/>
+      </p:nvGrpSpPr>
+      <p:grpSpPr>
+        <a:xfrm>
+          <a:off x="0" y="0"/>
+          <a:ext cx="0" cy="0"/>
+          <a:chOff x="0" y="0"/>
+          <a:chExt cx="0" cy="0"/>
+        </a:xfrm>
+      </p:grpSpPr>
+      <p:sp>
+        <p:nvSpPr>
+          <p:cNvPr id="2" name="Content Placeholder 1">
+            <a:extLst>
+              <a:ext uri="{FF2B5EF4-FFF2-40B4-BE49-F238E27FC236}">
+                <a16:creationId xmlns:a16="http://schemas.microsoft.com/office/drawing/2014/main" id="{A3A8200B-967E-45BB-B6A3-8C642C2CAAF3}"/>
+              </a:ext>
+            </a:extLst>
+          </p:cNvPr>
+          <p:cNvSpPr>
+            <a:spLocks noGrp="1"/>
+          </p:cNvSpPr>
+          <p:nvPr>
+            <p:ph idx="13"/>
+          </p:nvPr>
+        </p:nvSpPr>
+        <p:spPr/>
+        <p:txBody>
+          <a:bodyPr/>
+          <a:lstStyle/>
+          <a:p>
+            <a:pPr marL="342900" indent="-342900">
+              <a:buFont typeface="Arial" panose="020B0604020202020204" pitchFamily="34" charset="0"/>
+              <a:buChar char="•"/>
+            </a:pPr>
+            <a:r>
+              <a:rPr lang="en-US" dirty="0"/>
+              <a:t>Convolutional and pool layers’ input feature maps are read-only data structures</a:t>
+            </a:r>
+          </a:p>
+          <a:p>
+            <a:pPr marL="342900" indent="-342900">
+              <a:buFont typeface="Arial" panose="020B0604020202020204" pitchFamily="34" charset="0"/>
+              <a:buChar char="•"/>
+            </a:pPr>
+            <a:r>
+              <a:rPr lang="en-US" dirty="0"/>
+              <a:t>Overlapping a layer’s offload operation with the same layers’ forward propagation is okay.</a:t>
+            </a:r>
+          </a:p>
+          <a:p>
+            <a:pPr marL="342900" indent="-342900">
+              <a:buFont typeface="Arial" panose="020B0604020202020204" pitchFamily="34" charset="0"/>
+              <a:buChar char="•"/>
+            </a:pPr>
+            <a:r>
+              <a:rPr lang="en-US" dirty="0"/>
+              <a:t>Activation layers only use Y and </a:t>
+            </a:r>
+            <a:r>
+              <a:rPr lang="en-US" dirty="0" err="1"/>
+              <a:t>dY</a:t>
+            </a:r>
+            <a:r>
+              <a:rPr lang="en-US" dirty="0"/>
+              <a:t>, so do not need to offload</a:t>
+            </a:r>
+          </a:p>
+        </p:txBody>
+      </p:sp>
+      <p:sp>
+        <p:nvSpPr>
+          <p:cNvPr id="3" name="Title 2">
+            <a:extLst>
+              <a:ext uri="{FF2B5EF4-FFF2-40B4-BE49-F238E27FC236}">
+                <a16:creationId xmlns:a16="http://schemas.microsoft.com/office/drawing/2014/main" id="{9555710F-A7F5-43A3-9995-39476651B84F}"/>
+              </a:ext>
+            </a:extLst>
+          </p:cNvPr>
+          <p:cNvSpPr>
+            <a:spLocks noGrp="1"/>
+          </p:cNvSpPr>
+          <p:nvPr>
+            <p:ph type="title"/>
+          </p:nvPr>
+        </p:nvSpPr>
+        <p:spPr/>
+        <p:txBody>
+          <a:bodyPr/>
+          <a:lstStyle/>
+          <a:p>
+            <a:r>
+              <a:rPr lang="en-US" dirty="0"/>
+              <a:t>Offload – for each layer</a:t>
+            </a:r>
+          </a:p>
+        </p:txBody>
+      </p:sp>
+    </p:spTree>
+    <p:extLst>
+      <p:ext uri="{BB962C8B-B14F-4D97-AF65-F5344CB8AC3E}">
+        <p14:creationId xmlns:p14="http://schemas.microsoft.com/office/powerpoint/2010/main" val="1662601762"/>
+      </p:ext>
+    </p:extLst>
+  </p:cSld>
+  <p:clrMapOvr>
+    <a:masterClrMapping/>
+  </p:clrMapOvr>
+  <p:timing>
+    <p:tnLst>
+      <p:par>
+        <p:cTn id="1" dur="indefinite" restart="never" nodeType="tmRoot"/>
+      </p:par>
+    </p:tnLst>
+  </p:timing>
+</p:sld>
+</file>
+
+<file path=ppt/slides/slide61.xml><?xml version="1.0" encoding="utf-8"?>
+<p:sld xmlns:a="http://schemas.openxmlformats.org/drawingml/2006/main" xmlns:r="http://schemas.openxmlformats.org/officeDocument/2006/relationships" xmlns:p="http://schemas.openxmlformats.org/presentationml/2006/main">
+  <p:cSld>
+    <p:spTree>
+      <p:nvGrpSpPr>
+        <p:cNvPr id="1" name=""/>
+        <p:cNvGrpSpPr/>
+        <p:nvPr/>
+      </p:nvGrpSpPr>
+      <p:grpSpPr>
+        <a:xfrm>
+          <a:off x="0" y="0"/>
+          <a:ext cx="0" cy="0"/>
+          <a:chOff x="0" y="0"/>
+          <a:chExt cx="0" cy="0"/>
+        </a:xfrm>
+      </p:grpSpPr>
+      <p:sp>
+        <p:nvSpPr>
+          <p:cNvPr id="2" name="Content Placeholder 1">
+            <a:extLst>
+              <a:ext uri="{FF2B5EF4-FFF2-40B4-BE49-F238E27FC236}">
+                <a16:creationId xmlns:a16="http://schemas.microsoft.com/office/drawing/2014/main" id="{0E734B21-6358-428F-A508-A2FB67488515}"/>
+              </a:ext>
+            </a:extLst>
+          </p:cNvPr>
+          <p:cNvSpPr>
+            <a:spLocks noGrp="1"/>
+          </p:cNvSpPr>
+          <p:nvPr>
+            <p:ph idx="13"/>
+          </p:nvPr>
+        </p:nvSpPr>
+        <p:spPr/>
+        <p:txBody>
+          <a:bodyPr/>
+          <a:lstStyle/>
+          <a:p>
+            <a:pPr marL="342900" indent="-342900">
+              <a:buFont typeface="Arial" panose="020B0604020202020204" pitchFamily="34" charset="0"/>
+              <a:buChar char="•"/>
+            </a:pPr>
+            <a:r>
+              <a:rPr lang="en-US" dirty="0"/>
+              <a:t>Prefetching offloaded input feature maps (</a:t>
+            </a:r>
+            <a:r>
+              <a:rPr lang="en-US" dirty="0" err="1"/>
+              <a:t>Xs</a:t>
+            </a:r>
+            <a:r>
+              <a:rPr lang="en-US" dirty="0"/>
+              <a:t>) back to GPU memory</a:t>
+            </a:r>
+          </a:p>
+          <a:p>
+            <a:pPr marL="342900" indent="-342900">
+              <a:buFont typeface="Arial" panose="020B0604020202020204" pitchFamily="34" charset="0"/>
+              <a:buChar char="•"/>
+            </a:pPr>
+            <a:r>
+              <a:rPr lang="en-US" dirty="0"/>
+              <a:t>Unlike offload, need to fetch the input data of layer </a:t>
+            </a:r>
+            <a:r>
+              <a:rPr lang="en-US" i="1" dirty="0"/>
+              <a:t>n</a:t>
+            </a:r>
+            <a:r>
+              <a:rPr lang="en-US" dirty="0"/>
+              <a:t> when the backward propagation of layer </a:t>
+            </a:r>
+            <a:r>
+              <a:rPr lang="en-US" i="1" dirty="0"/>
+              <a:t>m</a:t>
+            </a:r>
+            <a:r>
+              <a:rPr lang="en-US" dirty="0"/>
+              <a:t>: n&lt;m</a:t>
+            </a:r>
+          </a:p>
+          <a:p>
+            <a:pPr marL="342900" indent="-342900">
+              <a:buFont typeface="Arial" panose="020B0604020202020204" pitchFamily="34" charset="0"/>
+              <a:buChar char="•"/>
+            </a:pPr>
+            <a:r>
+              <a:rPr lang="en-US" dirty="0"/>
+              <a:t>If n and m’s difference is too large, benefit will be less;</a:t>
+            </a:r>
+          </a:p>
+          <a:p>
+            <a:pPr marL="342900" indent="-342900">
+              <a:buFont typeface="Arial" panose="020B0604020202020204" pitchFamily="34" charset="0"/>
+              <a:buChar char="•"/>
+            </a:pPr>
+            <a:r>
+              <a:rPr lang="en-US" dirty="0"/>
+              <a:t>Data of layer </a:t>
+            </a:r>
+            <a:r>
+              <a:rPr lang="en-US" i="1" dirty="0"/>
+              <a:t>n-1</a:t>
+            </a:r>
+            <a:r>
+              <a:rPr lang="en-US" dirty="0"/>
+              <a:t> needs to be ready before layer </a:t>
+            </a:r>
+            <a:r>
+              <a:rPr lang="en-US" i="1" dirty="0"/>
+              <a:t>n</a:t>
+            </a:r>
+            <a:r>
+              <a:rPr lang="en-US" dirty="0"/>
+              <a:t>’s backward propagation is over: </a:t>
+            </a:r>
+            <a:r>
+              <a:rPr lang="en-US" u="sng" dirty="0"/>
+              <a:t>force synchronization</a:t>
+            </a:r>
+          </a:p>
+        </p:txBody>
+      </p:sp>
+      <p:sp>
+        <p:nvSpPr>
+          <p:cNvPr id="3" name="Title 2">
+            <a:extLst>
+              <a:ext uri="{FF2B5EF4-FFF2-40B4-BE49-F238E27FC236}">
+                <a16:creationId xmlns:a16="http://schemas.microsoft.com/office/drawing/2014/main" id="{3F3161EA-8029-4293-B388-153483466774}"/>
+              </a:ext>
+            </a:extLst>
+          </p:cNvPr>
+          <p:cNvSpPr>
+            <a:spLocks noGrp="1"/>
+          </p:cNvSpPr>
+          <p:nvPr>
+            <p:ph type="title"/>
+          </p:nvPr>
+        </p:nvSpPr>
+        <p:spPr/>
+        <p:txBody>
+          <a:bodyPr/>
+          <a:lstStyle/>
+          <a:p>
+            <a:r>
+              <a:rPr lang="en-US" dirty="0"/>
+              <a:t>Prefetch</a:t>
+            </a:r>
+          </a:p>
+        </p:txBody>
+      </p:sp>
+    </p:spTree>
+    <p:extLst>
+      <p:ext uri="{BB962C8B-B14F-4D97-AF65-F5344CB8AC3E}">
+        <p14:creationId xmlns:p14="http://schemas.microsoft.com/office/powerpoint/2010/main" val="58025259"/>
+      </p:ext>
+    </p:extLst>
+  </p:cSld>
+  <p:clrMapOvr>
+    <a:masterClrMapping/>
+  </p:clrMapOvr>
+</p:sld>
+</file>
+
+<file path=ppt/slides/slide62.xml><?xml version="1.0" encoding="utf-8"?>
 <p:sld xmlns:a="http://schemas.openxmlformats.org/drawingml/2006/main" xmlns:r="http://schemas.openxmlformats.org/officeDocument/2006/relationships" xmlns:p="http://schemas.openxmlformats.org/presentationml/2006/main">
   <p:cSld>
     <p:spTree>
@@ -17592,7 +19883,7 @@
 </p:sld>
 </file>
 
-<file path=ppt/slides/slide61.xml><?xml version="1.0" encoding="utf-8"?>
+<file path=ppt/slides/slide63.xml><?xml version="1.0" encoding="utf-8"?>
 <p:sld xmlns:a="http://schemas.openxmlformats.org/drawingml/2006/main" xmlns:r="http://schemas.openxmlformats.org/officeDocument/2006/relationships" xmlns:p="http://schemas.openxmlformats.org/presentationml/2006/main">
   <p:cSld>
     <p:spTree>
@@ -17631,13 +19922,21 @@
           <a:lstStyle/>
           <a:p>
             <a:r>
-              <a:rPr lang="en-US" dirty="0"/>
+              <a:rPr lang="en-US" dirty="0">
+                <a:solidFill>
+                  <a:schemeClr val="accent5"/>
+                </a:solidFill>
+              </a:rPr>
               <a:t>Optimization problem</a:t>
             </a:r>
           </a:p>
           <a:p>
             <a:r>
-              <a:rPr lang="en-US" dirty="0"/>
+              <a:rPr lang="en-US" dirty="0">
+                <a:solidFill>
+                  <a:schemeClr val="accent5"/>
+                </a:solidFill>
+              </a:rPr>
               <a:t>Subject to:</a:t>
             </a:r>
           </a:p>
@@ -17647,7 +19946,11 @@
               <a:buAutoNum type="arabicPeriod"/>
             </a:pPr>
             <a:r>
-              <a:rPr lang="en-US" dirty="0"/>
+              <a:rPr lang="en-US" dirty="0">
+                <a:solidFill>
+                  <a:schemeClr val="accent5"/>
+                </a:solidFill>
+              </a:rPr>
               <a:t>GPU memory capacity;</a:t>
             </a:r>
           </a:p>
@@ -17657,7 +19960,11 @@
               <a:buAutoNum type="arabicPeriod"/>
             </a:pPr>
             <a:r>
-              <a:rPr lang="en-US" dirty="0"/>
+              <a:rPr lang="en-US" dirty="0">
+                <a:solidFill>
+                  <a:schemeClr val="accent5"/>
+                </a:solidFill>
+              </a:rPr>
               <a:t>Overall layer-wise memory usage;</a:t>
             </a:r>
           </a:p>
@@ -17667,7 +19974,11 @@
               <a:buAutoNum type="arabicPeriod"/>
             </a:pPr>
             <a:r>
-              <a:rPr lang="en-US" dirty="0"/>
+              <a:rPr lang="en-US" dirty="0">
+                <a:solidFill>
+                  <a:schemeClr val="accent5"/>
+                </a:solidFill>
+              </a:rPr>
               <a:t>Network-wide performance.</a:t>
             </a:r>
           </a:p>
@@ -17731,7 +20042,7 @@
 </p:sld>
 </file>
 
-<file path=ppt/slides/slide62.xml><?xml version="1.0" encoding="utf-8"?>
+<file path=ppt/slides/slide64.xml><?xml version="1.0" encoding="utf-8"?>
 <p:sld xmlns:a="http://schemas.openxmlformats.org/drawingml/2006/main" xmlns:r="http://schemas.openxmlformats.org/officeDocument/2006/relationships" xmlns:p="http://schemas.openxmlformats.org/presentationml/2006/main">
   <p:cSld>
     <p:spTree>
@@ -17770,7 +20081,11 @@
           <a:lstStyle/>
           <a:p>
             <a:r>
-              <a:rPr lang="en-US" dirty="0"/>
+              <a:rPr lang="en-US" dirty="0">
+                <a:solidFill>
+                  <a:schemeClr val="accent5"/>
+                </a:solidFill>
+              </a:rPr>
               <a:t>Where did the performance loss come from?</a:t>
             </a:r>
           </a:p>
@@ -17780,7 +20095,11 @@
               <a:buAutoNum type="arabicPeriod"/>
             </a:pPr>
             <a:r>
-              <a:rPr lang="en-US" dirty="0"/>
+              <a:rPr lang="en-US" dirty="0">
+                <a:solidFill>
+                  <a:schemeClr val="accent5"/>
+                </a:solidFill>
+              </a:rPr>
               <a:t>Additional latency from offload and prefetch;</a:t>
             </a:r>
           </a:p>
@@ -17790,15 +20109,27 @@
               <a:buAutoNum type="arabicPeriod"/>
             </a:pPr>
             <a:r>
-              <a:rPr lang="en-US" dirty="0"/>
+              <a:rPr lang="en-US" dirty="0">
+                <a:solidFill>
+                  <a:schemeClr val="accent5"/>
+                </a:solidFill>
+              </a:rPr>
               <a:t>The memory-efficient algorithm per se, i.e. implicit GEMM in </a:t>
             </a:r>
             <a:r>
-              <a:rPr lang="en-US" dirty="0" err="1"/>
+              <a:rPr lang="en-US" dirty="0" err="1">
+                <a:solidFill>
+                  <a:schemeClr val="accent5"/>
+                </a:solidFill>
+              </a:rPr>
               <a:t>cuDNN</a:t>
             </a:r>
             <a:r>
-              <a:rPr lang="en-US" dirty="0"/>
+              <a:rPr lang="en-US" dirty="0">
+                <a:solidFill>
+                  <a:schemeClr val="accent5"/>
+                </a:solidFill>
+              </a:rPr>
               <a:t> for this paper.</a:t>
             </a:r>
           </a:p>
@@ -17858,7 +20189,7 @@
 </p:sld>
 </file>
 
-<file path=ppt/slides/slide63.xml><?xml version="1.0" encoding="utf-8"?>
+<file path=ppt/slides/slide65.xml><?xml version="1.0" encoding="utf-8"?>
 <p:sld xmlns:a="http://schemas.openxmlformats.org/drawingml/2006/main" xmlns:r="http://schemas.openxmlformats.org/officeDocument/2006/relationships" xmlns:p="http://schemas.openxmlformats.org/presentationml/2006/main">
   <p:cSld>
     <p:spTree>
@@ -17899,12 +20230,36 @@
               <a:lstStyle/>
               <a:p>
                 <a:r>
-                  <a:rPr lang="en-US" dirty="0"/>
-                  <a:t>Fact: 70 – 80% time is spent on the convolutional layers.</a:t>
+                  <a:rPr lang="en-US" dirty="0" smtClean="0">
+                    <a:solidFill>
+                      <a:schemeClr val="accent5"/>
+                    </a:solidFill>
+                  </a:rPr>
+                  <a:t>Fact: 70 – 80% time is spent on the </a:t>
+                </a:r>
+                <a:r>
+                  <a:rPr lang="en-US" dirty="0" smtClean="0">
+                    <a:solidFill>
+                      <a:srgbClr val="C00000"/>
+                    </a:solidFill>
+                  </a:rPr>
+                  <a:t>convolutional</a:t>
+                </a:r>
+                <a:r>
+                  <a:rPr lang="en-US" dirty="0" smtClean="0">
+                    <a:solidFill>
+                      <a:schemeClr val="accent5"/>
+                    </a:solidFill>
+                  </a:rPr>
+                  <a:t> layers.</a:t>
                 </a:r>
               </a:p>
               <a:p>
-                <a:endParaRPr lang="en-US" dirty="0"/>
+                <a:endParaRPr lang="en-US" dirty="0">
+                  <a:solidFill>
+                    <a:schemeClr val="accent5"/>
+                  </a:solidFill>
+                </a:endParaRPr>
               </a:p>
               <a:p>
                 <a:pPr marL="457200" indent="-457200">
@@ -17912,13 +20267,20 @@
                   <a:buAutoNum type="arabicPeriod"/>
                 </a:pPr>
                 <a:r>
-                  <a:rPr lang="en-US" dirty="0"/>
+                  <a:rPr lang="en-US" dirty="0">
+                    <a:solidFill>
+                      <a:schemeClr val="accent5"/>
+                    </a:solidFill>
+                  </a:rPr>
                   <a:t>Offload all input features of all layers:  </a:t>
                 </a:r>
                 <a14:m>
                   <m:oMath xmlns:m="http://schemas.openxmlformats.org/officeDocument/2006/math">
                     <m:r>
                       <a:rPr lang="en-US" i="1">
+                        <a:solidFill>
+                          <a:schemeClr val="accent5"/>
+                        </a:solidFill>
                         <a:latin typeface="Cambria Math" panose="02040503050406030204" pitchFamily="18" charset="0"/>
                       </a:rPr>
                       <m:t>𝑣𝐷𝑁</m:t>
@@ -17927,6 +20289,9 @@
                       <m:sSubPr>
                         <m:ctrlPr>
                           <a:rPr lang="en-US" i="1">
+                            <a:solidFill>
+                              <a:schemeClr val="accent5"/>
+                            </a:solidFill>
                             <a:latin typeface="Cambria Math" panose="02040503050406030204" pitchFamily="18" charset="0"/>
                           </a:rPr>
                         </m:ctrlPr>
@@ -17934,6 +20299,9 @@
                       <m:e>
                         <m:r>
                           <a:rPr lang="en-US" i="1">
+                            <a:solidFill>
+                              <a:schemeClr val="accent5"/>
+                            </a:solidFill>
                             <a:latin typeface="Cambria Math" panose="02040503050406030204" pitchFamily="18" charset="0"/>
                           </a:rPr>
                           <m:t>𝑁</m:t>
@@ -17942,6 +20310,9 @@
                       <m:sub>
                         <m:r>
                           <a:rPr lang="en-US" i="1">
+                            <a:solidFill>
+                              <a:schemeClr val="accent5"/>
+                            </a:solidFill>
                             <a:latin typeface="Cambria Math" panose="02040503050406030204" pitchFamily="18" charset="0"/>
                           </a:rPr>
                           <m:t>𝑎𝑙𝑙</m:t>
@@ -17950,7 +20321,11 @@
                     </m:sSub>
                   </m:oMath>
                 </a14:m>
-                <a:endParaRPr lang="en-US" dirty="0"/>
+                <a:endParaRPr lang="en-US" dirty="0">
+                  <a:solidFill>
+                    <a:schemeClr val="accent5"/>
+                  </a:solidFill>
+                </a:endParaRPr>
               </a:p>
               <a:p>
                 <a:pPr marL="457200" indent="-457200">
@@ -17958,13 +20333,20 @@
                   <a:buAutoNum type="arabicPeriod"/>
                 </a:pPr>
                 <a:r>
-                  <a:rPr lang="en-US" dirty="0"/>
+                  <a:rPr lang="en-US" dirty="0">
+                    <a:solidFill>
+                      <a:schemeClr val="accent5"/>
+                    </a:solidFill>
+                  </a:rPr>
                   <a:t>Only offload all convolutional layers. </a:t>
                 </a:r>
                 <a14:m>
                   <m:oMath xmlns:m="http://schemas.openxmlformats.org/officeDocument/2006/math">
                     <m:r>
                       <a:rPr lang="en-US" i="1">
+                        <a:solidFill>
+                          <a:schemeClr val="accent5"/>
+                        </a:solidFill>
                         <a:latin typeface="Cambria Math" panose="02040503050406030204" pitchFamily="18" charset="0"/>
                       </a:rPr>
                       <m:t>𝑣𝐷𝑁</m:t>
@@ -17973,6 +20355,9 @@
                       <m:sSubPr>
                         <m:ctrlPr>
                           <a:rPr lang="en-US" i="1">
+                            <a:solidFill>
+                              <a:schemeClr val="accent5"/>
+                            </a:solidFill>
                             <a:latin typeface="Cambria Math" panose="02040503050406030204" pitchFamily="18" charset="0"/>
                           </a:rPr>
                         </m:ctrlPr>
@@ -17980,6 +20365,9 @@
                       <m:e>
                         <m:r>
                           <a:rPr lang="en-US" i="1">
+                            <a:solidFill>
+                              <a:schemeClr val="accent5"/>
+                            </a:solidFill>
                             <a:latin typeface="Cambria Math" panose="02040503050406030204" pitchFamily="18" charset="0"/>
                           </a:rPr>
                           <m:t>𝑁</m:t>
@@ -17988,6 +20376,9 @@
                       <m:sub>
                         <m:r>
                           <a:rPr lang="en-US" i="1">
+                            <a:solidFill>
+                              <a:schemeClr val="accent5"/>
+                            </a:solidFill>
                             <a:latin typeface="Cambria Math" panose="02040503050406030204" pitchFamily="18" charset="0"/>
                           </a:rPr>
                           <m:t>𝑐𝑜𝑛𝑣</m:t>
@@ -17997,7 +20388,11 @@
                   </m:oMath>
                 </a14:m>
                 <a:r>
-                  <a:rPr lang="en-US" dirty="0"/>
+                  <a:rPr lang="en-US" dirty="0">
+                    <a:solidFill>
+                      <a:schemeClr val="accent5"/>
+                    </a:solidFill>
+                  </a:rPr>
                   <a:t> </a:t>
                 </a:r>
               </a:p>
@@ -18006,11 +20401,19 @@
                   <a:buFont typeface="+mj-lt"/>
                   <a:buAutoNum type="arabicPeriod"/>
                 </a:pPr>
-                <a:endParaRPr lang="en-US" dirty="0"/>
+                <a:endParaRPr lang="en-US" dirty="0">
+                  <a:solidFill>
+                    <a:schemeClr val="accent5"/>
+                  </a:solidFill>
+                </a:endParaRPr>
               </a:p>
               <a:p>
                 <a:r>
-                  <a:rPr lang="en-US" dirty="0"/>
+                  <a:rPr lang="en-US" dirty="0">
+                    <a:solidFill>
+                      <a:schemeClr val="accent5"/>
+                    </a:solidFill>
+                  </a:rPr>
                   <a:t>Simple, but maybe too simple.</a:t>
                 </a:r>
               </a:p>
@@ -18103,7 +20506,7 @@
 </p:sld>
 </file>
 
-<file path=ppt/slides/slide64.xml><?xml version="1.0" encoding="utf-8"?>
+<file path=ppt/slides/slide66.xml><?xml version="1.0" encoding="utf-8"?>
 <p:sld xmlns:a="http://schemas.openxmlformats.org/drawingml/2006/main" xmlns:r="http://schemas.openxmlformats.org/officeDocument/2006/relationships" xmlns:p="http://schemas.openxmlformats.org/presentationml/2006/main">
   <p:cSld>
     <p:spTree>
@@ -18120,8 +20523,8 @@
           <a:chExt cx="0" cy="0"/>
         </a:xfrm>
       </p:grpSpPr>
-      <mc:AlternateContent xmlns:mc="http://schemas.openxmlformats.org/markup-compatibility/2006">
-        <mc:Choice xmlns:a14="http://schemas.microsoft.com/office/drawing/2010/main" Requires="a14">
+      <mc:AlternateContent xmlns:mc="http://schemas.openxmlformats.org/markup-compatibility/2006" xmlns:a14="http://schemas.microsoft.com/office/drawing/2010/main">
+        <mc:Choice Requires="a14">
           <p:sp>
             <p:nvSpPr>
               <p:cNvPr id="2" name="Content Placeholder 1">
@@ -18466,7 +20869,7 @@
             </p:txBody>
           </p:sp>
         </mc:Choice>
-        <mc:Fallback>
+        <mc:Fallback xmlns="">
           <p:sp>
             <p:nvSpPr>
               <p:cNvPr id="2" name="Content Placeholder 1">
@@ -18552,7 +20955,7 @@
 </p:sld>
 </file>
 
-<file path=ppt/slides/slide65.xml><?xml version="1.0" encoding="utf-8"?>
+<file path=ppt/slides/slide67.xml><?xml version="1.0" encoding="utf-8"?>
 <p:sld xmlns:a="http://schemas.openxmlformats.org/drawingml/2006/main" xmlns:r="http://schemas.openxmlformats.org/officeDocument/2006/relationships" xmlns:p="http://schemas.openxmlformats.org/presentationml/2006/main">
   <p:cSld>
     <p:spTree>
@@ -18679,7 +21082,7 @@
 </p:sld>
 </file>
 
-<file path=ppt/slides/slide66.xml><?xml version="1.0" encoding="utf-8"?>
+<file path=ppt/slides/slide68.xml><?xml version="1.0" encoding="utf-8"?>
 <p:sld xmlns:a="http://schemas.openxmlformats.org/drawingml/2006/main" xmlns:r="http://schemas.openxmlformats.org/officeDocument/2006/relationships" xmlns:p="http://schemas.openxmlformats.org/presentationml/2006/main">
   <p:cSld>
     <p:spTree>
@@ -18822,7 +21225,7 @@
 </p:sld>
 </file>
 
-<file path=ppt/slides/slide67.xml><?xml version="1.0" encoding="utf-8"?>
+<file path=ppt/slides/slide69.xml><?xml version="1.0" encoding="utf-8"?>
 <p:sld xmlns:a="http://schemas.openxmlformats.org/drawingml/2006/main" xmlns:r="http://schemas.openxmlformats.org/officeDocument/2006/relationships" xmlns:p="http://schemas.openxmlformats.org/presentationml/2006/main">
   <p:cSld>
     <p:spTree>
@@ -18938,8 +21341,8 @@
           </a:prstGeom>
         </p:spPr>
       </p:pic>
-      <mc:AlternateContent xmlns:mc="http://schemas.openxmlformats.org/markup-compatibility/2006">
-        <mc:Choice xmlns:a14="http://schemas.microsoft.com/office/drawing/2010/main" Requires="a14">
+      <mc:AlternateContent xmlns:mc="http://schemas.openxmlformats.org/markup-compatibility/2006" xmlns:a14="http://schemas.microsoft.com/office/drawing/2010/main">
+        <mc:Choice Requires="a14">
           <p:sp>
             <p:nvSpPr>
               <p:cNvPr id="6" name="TextBox 5">
@@ -19099,7 +21502,7 @@
             </p:txBody>
           </p:sp>
         </mc:Choice>
-        <mc:Fallback>
+        <mc:Fallback xmlns="">
           <p:sp>
             <p:nvSpPr>
               <p:cNvPr id="6" name="TextBox 5">
@@ -19187,7 +21590,7 @@
 </p:sld>
 </file>
 
-<file path=ppt/slides/slide68.xml><?xml version="1.0" encoding="utf-8"?>
+<file path=ppt/slides/slide7.xml><?xml version="1.0" encoding="utf-8"?>
 <p:sld xmlns:a="http://schemas.openxmlformats.org/drawingml/2006/main" xmlns:r="http://schemas.openxmlformats.org/officeDocument/2006/relationships" xmlns:p="http://schemas.openxmlformats.org/presentationml/2006/main">
   <p:cSld>
     <p:spTree>
@@ -19206,13 +21609,7 @@
       </p:grpSpPr>
       <p:sp>
         <p:nvSpPr>
-          <p:cNvPr id="2" name="Content Placeholder 1">
-            <a:extLst>
-              <a:ext uri="{FF2B5EF4-FFF2-40B4-BE49-F238E27FC236}">
-                <a16:creationId xmlns:a16="http://schemas.microsoft.com/office/drawing/2014/main" id="{F6B2016D-0EAE-4F7C-8A4A-9B77959D5D33}"/>
-              </a:ext>
-            </a:extLst>
-          </p:cNvPr>
+          <p:cNvPr id="2" name="Content Placeholder 1"/>
           <p:cNvSpPr>
             <a:spLocks noGrp="1"/>
           </p:cNvSpPr>
@@ -19226,49 +21623,61 @@
           <a:lstStyle/>
           <a:p>
             <a:r>
-              <a:rPr lang="en-US" dirty="0"/>
-              <a:t>The smaller the average memory usage becomes, the more likely </a:t>
-            </a:r>
-            <a:r>
-              <a:rPr lang="en-US" dirty="0" err="1"/>
-              <a:t>vdnn</a:t>
-            </a:r>
-            <a:r>
-              <a:rPr lang="en-US" dirty="0"/>
-              <a:t> will have headroom to improve performance, by:</a:t>
-            </a:r>
-          </a:p>
-          <a:p>
-            <a:pPr marL="457200" lvl="1" indent="-457200">
-              <a:buFont typeface="+mj-lt"/>
-              <a:buAutoNum type="arabicPeriod"/>
+              <a:rPr lang="en-US" i="1" dirty="0"/>
+              <a:t>Why, even more?</a:t>
+            </a:r>
+          </a:p>
+          <a:p>
+            <a:pPr marL="457200" indent="-457200">
+              <a:buFont typeface="Arial" panose="020B0604020202020204" pitchFamily="34" charset="0"/>
+              <a:buChar char="•"/>
             </a:pPr>
-            <a:r>
-              <a:rPr lang="en-US" dirty="0"/>
-              <a:t>Employing performance-efficient convolutional algorithms that require larger workspace</a:t>
-            </a:r>
-          </a:p>
-          <a:p>
-            <a:pPr marL="457200" lvl="1" indent="-457200">
-              <a:buFont typeface="+mj-lt"/>
-              <a:buAutoNum type="arabicPeriod"/>
+            <a:endParaRPr lang="en-US" dirty="0"/>
+          </a:p>
+          <a:p>
+            <a:pPr marL="457200" indent="-457200">
+              <a:buFont typeface="Arial" panose="020B0604020202020204" pitchFamily="34" charset="0"/>
+              <a:buChar char="•"/>
             </a:pPr>
             <a:r>
               <a:rPr lang="en-US" dirty="0"/>
-              <a:t>Reducing the total number of offload layers and prevent potential performance drops due to offloading</a:t>
-            </a:r>
-          </a:p>
-        </p:txBody>
-      </p:sp>
-      <p:sp>
-        <p:nvSpPr>
-          <p:cNvPr id="3" name="Title 2">
-            <a:extLst>
-              <a:ext uri="{FF2B5EF4-FFF2-40B4-BE49-F238E27FC236}">
-                <a16:creationId xmlns:a16="http://schemas.microsoft.com/office/drawing/2014/main" id="{FC40E70E-F50E-4AF2-9D65-2CFF2BAAC215}"/>
-              </a:ext>
-            </a:extLst>
-          </p:cNvPr>
+              <a:t>Decrease data communication</a:t>
+            </a:r>
+          </a:p>
+          <a:p>
+            <a:pPr marL="457200" indent="-457200">
+              <a:buFont typeface="Arial" panose="020B0604020202020204" pitchFamily="34" charset="0"/>
+              <a:buChar char="•"/>
+            </a:pPr>
+            <a:r>
+              <a:rPr lang="en-US" dirty="0"/>
+              <a:t>Increase flexibility and reliability</a:t>
+            </a:r>
+          </a:p>
+          <a:p>
+            <a:pPr marL="457200" indent="-457200">
+              <a:buFont typeface="Arial" panose="020B0604020202020204" pitchFamily="34" charset="0"/>
+              <a:buChar char="•"/>
+            </a:pPr>
+            <a:r>
+              <a:rPr lang="en-US" dirty="0"/>
+              <a:t>Increase energy efficiency</a:t>
+            </a:r>
+          </a:p>
+          <a:p>
+            <a:r>
+              <a:rPr lang="en-US" dirty="0"/>
+              <a:t>	</a:t>
+            </a:r>
+          </a:p>
+          <a:p>
+            <a:endParaRPr lang="en-US" dirty="0"/>
+          </a:p>
+        </p:txBody>
+      </p:sp>
+      <p:sp>
+        <p:nvSpPr>
+          <p:cNvPr id="3" name="Title 2"/>
           <p:cNvSpPr>
             <a:spLocks noGrp="1"/>
           </p:cNvSpPr>
@@ -19283,7 +21692,7 @@
           <a:p>
             <a:r>
               <a:rPr lang="en-US" dirty="0"/>
-              <a:t>GPU Memory Usage</a:t>
+              <a:t>Heterogeneous distributed environment</a:t>
             </a:r>
           </a:p>
         </p:txBody>
@@ -19291,17 +21700,24 @@
     </p:spTree>
     <p:extLst>
       <p:ext uri="{BB962C8B-B14F-4D97-AF65-F5344CB8AC3E}">
-        <p14:creationId xmlns:p14="http://schemas.microsoft.com/office/powerpoint/2010/main" val="541692775"/>
+        <p14:creationId xmlns:p14="http://schemas.microsoft.com/office/powerpoint/2010/main" val="123429504"/>
       </p:ext>
     </p:extLst>
   </p:cSld>
   <p:clrMapOvr>
     <a:masterClrMapping/>
   </p:clrMapOvr>
+  <p:timing>
+    <p:tnLst>
+      <p:par>
+        <p:cTn id="1" dur="indefinite" restart="never" nodeType="tmRoot"/>
+      </p:par>
+    </p:tnLst>
+  </p:timing>
 </p:sld>
 </file>
 
-<file path=ppt/slides/slide69.xml><?xml version="1.0" encoding="utf-8"?>
+<file path=ppt/slides/slide70.xml><?xml version="1.0" encoding="utf-8"?>
 <p:sld xmlns:a="http://schemas.openxmlformats.org/drawingml/2006/main" xmlns:r="http://schemas.openxmlformats.org/officeDocument/2006/relationships" xmlns:p="http://schemas.openxmlformats.org/presentationml/2006/main">
   <p:cSld>
     <p:spTree>
@@ -19318,8 +21734,122 @@
           <a:chExt cx="0" cy="0"/>
         </a:xfrm>
       </p:grpSpPr>
-      <mc:AlternateContent xmlns:mc="http://schemas.openxmlformats.org/markup-compatibility/2006">
-        <mc:Choice xmlns:a14="http://schemas.microsoft.com/office/drawing/2010/main" Requires="a14">
+      <p:sp>
+        <p:nvSpPr>
+          <p:cNvPr id="2" name="Content Placeholder 1">
+            <a:extLst>
+              <a:ext uri="{FF2B5EF4-FFF2-40B4-BE49-F238E27FC236}">
+                <a16:creationId xmlns:a16="http://schemas.microsoft.com/office/drawing/2014/main" id="{F6B2016D-0EAE-4F7C-8A4A-9B77959D5D33}"/>
+              </a:ext>
+            </a:extLst>
+          </p:cNvPr>
+          <p:cNvSpPr>
+            <a:spLocks noGrp="1"/>
+          </p:cNvSpPr>
+          <p:nvPr>
+            <p:ph idx="13"/>
+          </p:nvPr>
+        </p:nvSpPr>
+        <p:spPr/>
+        <p:txBody>
+          <a:bodyPr/>
+          <a:lstStyle/>
+          <a:p>
+            <a:r>
+              <a:rPr lang="en-US" dirty="0"/>
+              <a:t>The smaller the average memory usage becomes, the more likely </a:t>
+            </a:r>
+            <a:r>
+              <a:rPr lang="en-US" dirty="0" err="1"/>
+              <a:t>vdnn</a:t>
+            </a:r>
+            <a:r>
+              <a:rPr lang="en-US" dirty="0"/>
+              <a:t> will have headroom to improve performance, by:</a:t>
+            </a:r>
+          </a:p>
+          <a:p>
+            <a:pPr marL="457200" lvl="1" indent="-457200">
+              <a:buFont typeface="+mj-lt"/>
+              <a:buAutoNum type="arabicPeriod"/>
+            </a:pPr>
+            <a:r>
+              <a:rPr lang="en-US" dirty="0"/>
+              <a:t>Employing performance-efficient convolutional algorithms that require larger workspace</a:t>
+            </a:r>
+          </a:p>
+          <a:p>
+            <a:pPr marL="457200" lvl="1" indent="-457200">
+              <a:buFont typeface="+mj-lt"/>
+              <a:buAutoNum type="arabicPeriod"/>
+            </a:pPr>
+            <a:r>
+              <a:rPr lang="en-US" dirty="0"/>
+              <a:t>Reducing the total number of offload layers and prevent potential performance drops due to offloading</a:t>
+            </a:r>
+          </a:p>
+        </p:txBody>
+      </p:sp>
+      <p:sp>
+        <p:nvSpPr>
+          <p:cNvPr id="3" name="Title 2">
+            <a:extLst>
+              <a:ext uri="{FF2B5EF4-FFF2-40B4-BE49-F238E27FC236}">
+                <a16:creationId xmlns:a16="http://schemas.microsoft.com/office/drawing/2014/main" id="{FC40E70E-F50E-4AF2-9D65-2CFF2BAAC215}"/>
+              </a:ext>
+            </a:extLst>
+          </p:cNvPr>
+          <p:cNvSpPr>
+            <a:spLocks noGrp="1"/>
+          </p:cNvSpPr>
+          <p:nvPr>
+            <p:ph type="title"/>
+          </p:nvPr>
+        </p:nvSpPr>
+        <p:spPr/>
+        <p:txBody>
+          <a:bodyPr/>
+          <a:lstStyle/>
+          <a:p>
+            <a:r>
+              <a:rPr lang="en-US" dirty="0"/>
+              <a:t>GPU Memory Usage</a:t>
+            </a:r>
+          </a:p>
+        </p:txBody>
+      </p:sp>
+    </p:spTree>
+    <p:extLst>
+      <p:ext uri="{BB962C8B-B14F-4D97-AF65-F5344CB8AC3E}">
+        <p14:creationId xmlns:p14="http://schemas.microsoft.com/office/powerpoint/2010/main" val="541692775"/>
+      </p:ext>
+    </p:extLst>
+  </p:cSld>
+  <p:clrMapOvr>
+    <a:masterClrMapping/>
+  </p:clrMapOvr>
+</p:sld>
+</file>
+
+<file path=ppt/slides/slide71.xml><?xml version="1.0" encoding="utf-8"?>
+<p:sld xmlns:a="http://schemas.openxmlformats.org/drawingml/2006/main" xmlns:r="http://schemas.openxmlformats.org/officeDocument/2006/relationships" xmlns:p="http://schemas.openxmlformats.org/presentationml/2006/main">
+  <p:cSld>
+    <p:spTree>
+      <p:nvGrpSpPr>
+        <p:cNvPr id="1" name=""/>
+        <p:cNvGrpSpPr/>
+        <p:nvPr/>
+      </p:nvGrpSpPr>
+      <p:grpSpPr>
+        <a:xfrm>
+          <a:off x="0" y="0"/>
+          <a:ext cx="0" cy="0"/>
+          <a:chOff x="0" y="0"/>
+          <a:chExt cx="0" cy="0"/>
+        </a:xfrm>
+      </p:grpSpPr>
+      <mc:AlternateContent xmlns:mc="http://schemas.openxmlformats.org/markup-compatibility/2006" xmlns:a14="http://schemas.microsoft.com/office/drawing/2010/main">
+        <mc:Choice Requires="a14">
           <p:sp>
             <p:nvSpPr>
               <p:cNvPr id="2" name="Content Placeholder 1">
@@ -19495,7 +22025,7 @@
             </p:txBody>
           </p:sp>
         </mc:Choice>
-        <mc:Fallback>
+        <mc:Fallback xmlns="">
           <p:sp>
             <p:nvSpPr>
               <p:cNvPr id="2" name="Content Placeholder 1">
@@ -19576,127 +22106,7 @@
 </p:sld>
 </file>
 
-<file path=ppt/slides/slide7.xml><?xml version="1.0" encoding="utf-8"?>
-<p:sld xmlns:a="http://schemas.openxmlformats.org/drawingml/2006/main" xmlns:r="http://schemas.openxmlformats.org/officeDocument/2006/relationships" xmlns:p="http://schemas.openxmlformats.org/presentationml/2006/main">
-  <p:cSld>
-    <p:spTree>
-      <p:nvGrpSpPr>
-        <p:cNvPr id="1" name=""/>
-        <p:cNvGrpSpPr/>
-        <p:nvPr/>
-      </p:nvGrpSpPr>
-      <p:grpSpPr>
-        <a:xfrm>
-          <a:off x="0" y="0"/>
-          <a:ext cx="0" cy="0"/>
-          <a:chOff x="0" y="0"/>
-          <a:chExt cx="0" cy="0"/>
-        </a:xfrm>
-      </p:grpSpPr>
-      <p:sp>
-        <p:nvSpPr>
-          <p:cNvPr id="2" name="Content Placeholder 1"/>
-          <p:cNvSpPr>
-            <a:spLocks noGrp="1"/>
-          </p:cNvSpPr>
-          <p:nvPr>
-            <p:ph idx="13"/>
-          </p:nvPr>
-        </p:nvSpPr>
-        <p:spPr/>
-        <p:txBody>
-          <a:bodyPr/>
-          <a:lstStyle/>
-          <a:p>
-            <a:r>
-              <a:rPr lang="en-US" i="1" dirty="0"/>
-              <a:t>Why, even more?</a:t>
-            </a:r>
-          </a:p>
-          <a:p>
-            <a:pPr marL="457200" indent="-457200">
-              <a:buFont typeface="Arial" panose="020B0604020202020204" pitchFamily="34" charset="0"/>
-              <a:buChar char="•"/>
-            </a:pPr>
-            <a:endParaRPr lang="en-US" dirty="0"/>
-          </a:p>
-          <a:p>
-            <a:pPr marL="457200" indent="-457200">
-              <a:buFont typeface="Arial" panose="020B0604020202020204" pitchFamily="34" charset="0"/>
-              <a:buChar char="•"/>
-            </a:pPr>
-            <a:r>
-              <a:rPr lang="en-US" dirty="0"/>
-              <a:t>Decrease data communication</a:t>
-            </a:r>
-          </a:p>
-          <a:p>
-            <a:pPr marL="457200" indent="-457200">
-              <a:buFont typeface="Arial" panose="020B0604020202020204" pitchFamily="34" charset="0"/>
-              <a:buChar char="•"/>
-            </a:pPr>
-            <a:r>
-              <a:rPr lang="en-US" dirty="0"/>
-              <a:t>Increase flexibility and reliability</a:t>
-            </a:r>
-          </a:p>
-          <a:p>
-            <a:pPr marL="457200" indent="-457200">
-              <a:buFont typeface="Arial" panose="020B0604020202020204" pitchFamily="34" charset="0"/>
-              <a:buChar char="•"/>
-            </a:pPr>
-            <a:r>
-              <a:rPr lang="en-US" dirty="0"/>
-              <a:t>Increase energy efficiency</a:t>
-            </a:r>
-          </a:p>
-          <a:p>
-            <a:r>
-              <a:rPr lang="en-US" dirty="0"/>
-              <a:t>	</a:t>
-            </a:r>
-          </a:p>
-          <a:p>
-            <a:endParaRPr lang="en-US" dirty="0"/>
-          </a:p>
-        </p:txBody>
-      </p:sp>
-      <p:sp>
-        <p:nvSpPr>
-          <p:cNvPr id="3" name="Title 2"/>
-          <p:cNvSpPr>
-            <a:spLocks noGrp="1"/>
-          </p:cNvSpPr>
-          <p:nvPr>
-            <p:ph type="title"/>
-          </p:nvPr>
-        </p:nvSpPr>
-        <p:spPr/>
-        <p:txBody>
-          <a:bodyPr/>
-          <a:lstStyle/>
-          <a:p>
-            <a:r>
-              <a:rPr lang="en-US" dirty="0"/>
-              <a:t>Heterogeneous distributed environment</a:t>
-            </a:r>
-          </a:p>
-        </p:txBody>
-      </p:sp>
-    </p:spTree>
-    <p:extLst>
-      <p:ext uri="{BB962C8B-B14F-4D97-AF65-F5344CB8AC3E}">
-        <p14:creationId xmlns:p14="http://schemas.microsoft.com/office/powerpoint/2010/main" val="123429504"/>
-      </p:ext>
-    </p:extLst>
-  </p:cSld>
-  <p:clrMapOvr>
-    <a:masterClrMapping/>
-  </p:clrMapOvr>
-</p:sld>
-</file>
-
-<file path=ppt/slides/slide70.xml><?xml version="1.0" encoding="utf-8"?>
+<file path=ppt/slides/slide72.xml><?xml version="1.0" encoding="utf-8"?>
 <p:sld xmlns:a="http://schemas.openxmlformats.org/drawingml/2006/main" xmlns:r="http://schemas.openxmlformats.org/officeDocument/2006/relationships" xmlns:p="http://schemas.openxmlformats.org/presentationml/2006/main">
   <p:cSld>
     <p:spTree>
@@ -19786,7 +22196,7 @@
 </p:sld>
 </file>
 
-<file path=ppt/slides/slide71.xml><?xml version="1.0" encoding="utf-8"?>
+<file path=ppt/slides/slide73.xml><?xml version="1.0" encoding="utf-8"?>
 <p:sld xmlns:a="http://schemas.openxmlformats.org/drawingml/2006/main" xmlns:r="http://schemas.openxmlformats.org/officeDocument/2006/relationships" xmlns:p="http://schemas.openxmlformats.org/presentationml/2006/main">
   <p:cSld>
     <p:spTree>
@@ -19893,8 +22303,8 @@
           </a:prstGeom>
         </p:spPr>
       </p:pic>
-      <mc:AlternateContent xmlns:mc="http://schemas.openxmlformats.org/markup-compatibility/2006">
-        <mc:Choice xmlns:a14="http://schemas.microsoft.com/office/drawing/2010/main" Requires="a14">
+      <mc:AlternateContent xmlns:mc="http://schemas.openxmlformats.org/markup-compatibility/2006" xmlns:a14="http://schemas.microsoft.com/office/drawing/2010/main">
+        <mc:Choice Requires="a14">
           <p:sp>
             <p:nvSpPr>
               <p:cNvPr id="6" name="TextBox 5">
@@ -20054,7 +22464,7 @@
             </p:txBody>
           </p:sp>
         </mc:Choice>
-        <mc:Fallback>
+        <mc:Fallback xmlns="">
           <p:sp>
             <p:nvSpPr>
               <p:cNvPr id="6" name="TextBox 5">
@@ -20112,7 +22522,7 @@
 </p:sld>
 </file>
 
-<file path=ppt/slides/slide72.xml><?xml version="1.0" encoding="utf-8"?>
+<file path=ppt/slides/slide74.xml><?xml version="1.0" encoding="utf-8"?>
 <p:sld xmlns:a="http://schemas.openxmlformats.org/drawingml/2006/main" xmlns:r="http://schemas.openxmlformats.org/officeDocument/2006/relationships" xmlns:p="http://schemas.openxmlformats.org/presentationml/2006/main">
   <p:cSld>
     <p:spTree>
@@ -20129,8 +22539,8 @@
           <a:chExt cx="0" cy="0"/>
         </a:xfrm>
       </p:grpSpPr>
-      <mc:AlternateContent xmlns:mc="http://schemas.openxmlformats.org/markup-compatibility/2006">
-        <mc:Choice xmlns:a14="http://schemas.microsoft.com/office/drawing/2010/main" Requires="a14">
+      <mc:AlternateContent xmlns:mc="http://schemas.openxmlformats.org/markup-compatibility/2006" xmlns:a14="http://schemas.microsoft.com/office/drawing/2010/main">
+        <mc:Choice Requires="a14">
           <p:sp>
             <p:nvSpPr>
               <p:cNvPr id="2" name="Content Placeholder 1">
@@ -20276,7 +22686,7 @@
             </p:txBody>
           </p:sp>
         </mc:Choice>
-        <mc:Fallback>
+        <mc:Fallback xmlns="">
           <p:sp>
             <p:nvSpPr>
               <p:cNvPr id="2" name="Content Placeholder 1">
@@ -20357,7 +22767,7 @@
 </p:sld>
 </file>
 
-<file path=ppt/slides/slide73.xml><?xml version="1.0" encoding="utf-8"?>
+<file path=ppt/slides/slide75.xml><?xml version="1.0" encoding="utf-8"?>
 <p:sld xmlns:a="http://schemas.openxmlformats.org/drawingml/2006/main" xmlns:r="http://schemas.openxmlformats.org/officeDocument/2006/relationships" xmlns:p="http://schemas.openxmlformats.org/presentationml/2006/main">
   <p:cSld>
     <p:spTree>
@@ -20469,8 +22879,8 @@
           </a:p>
         </p:txBody>
       </p:sp>
-      <mc:AlternateContent xmlns:mc="http://schemas.openxmlformats.org/markup-compatibility/2006">
-        <mc:Choice xmlns:a14="http://schemas.microsoft.com/office/drawing/2010/main" Requires="a14">
+      <mc:AlternateContent xmlns:mc="http://schemas.openxmlformats.org/markup-compatibility/2006" xmlns:a14="http://schemas.microsoft.com/office/drawing/2010/main">
+        <mc:Choice Requires="a14">
           <p:sp>
             <p:nvSpPr>
               <p:cNvPr id="7" name="Rectangle 6">
@@ -20565,7 +22975,7 @@
             </p:txBody>
           </p:sp>
         </mc:Choice>
-        <mc:Fallback>
+        <mc:Fallback xmlns="">
           <p:sp>
             <p:nvSpPr>
               <p:cNvPr id="7" name="Rectangle 6">
@@ -20623,7 +23033,7 @@
 </p:sld>
 </file>
 
-<file path=ppt/slides/slide74.xml><?xml version="1.0" encoding="utf-8"?>
+<file path=ppt/slides/slide76.xml><?xml version="1.0" encoding="utf-8"?>
 <p:sld xmlns:a="http://schemas.openxmlformats.org/drawingml/2006/main" xmlns:r="http://schemas.openxmlformats.org/officeDocument/2006/relationships" xmlns:p="http://schemas.openxmlformats.org/presentationml/2006/main">
   <p:cSld>
     <p:spTree>
@@ -20862,6 +23272,13 @@
   <p:clrMapOvr>
     <a:masterClrMapping/>
   </p:clrMapOvr>
+  <p:timing>
+    <p:tnLst>
+      <p:par>
+        <p:cTn id="1" dur="indefinite" restart="never" nodeType="tmRoot"/>
+      </p:par>
+    </p:tnLst>
+  </p:timing>
 </p:sld>
 </file>
 
@@ -21016,6 +23433,13 @@
   <p:clrMapOvr>
     <a:masterClrMapping/>
   </p:clrMapOvr>
+  <p:timing>
+    <p:tnLst>
+      <p:par>
+        <p:cTn id="1" dur="indefinite" restart="never" nodeType="tmRoot"/>
+      </p:par>
+    </p:tnLst>
+  </p:timing>
 </p:sld>
 </file>
 
